--- a/IterationZero/LingoLizard.pptx
+++ b/IterationZero/LingoLizard.pptx
@@ -1,48 +1,52 @@
 
 <file path=ppt/presentation.xml><?xml version="1.0" encoding="utf-8"?>
-<p:presentation xmlns:a="http://schemas.openxmlformats.org/drawingml/2006/main" xmlns:r="http://schemas.openxmlformats.org/officeDocument/2006/relationships" xmlns:mc="http://schemas.openxmlformats.org/markup-compatibility/2006" xmlns:mv="urn:schemas-microsoft-com:mac:vml" xmlns:p="http://schemas.openxmlformats.org/presentationml/2006/main" xmlns:c="http://schemas.openxmlformats.org/drawingml/2006/chart" xmlns:dgm="http://schemas.openxmlformats.org/drawingml/2006/diagram" xmlns:o="urn:schemas-microsoft-com:office:office" xmlns:v="urn:schemas-microsoft-com:vml" xmlns:pvml="urn:schemas-microsoft-com:office:powerpoint" xmlns:com="http://schemas.openxmlformats.org/drawingml/2006/compatibility" xmlns:p14="http://schemas.microsoft.com/office/powerpoint/2010/main" xmlns:p15="http://schemas.microsoft.com/office/powerpoint/2012/main" xmlns:ahyp="http://schemas.microsoft.com/office/drawing/2018/hyperlinkcolor" autoCompressPictures="0" embedTrueTypeFonts="1" strictFirstAndLastChars="0" saveSubsetFonts="1">
+<p:presentation xmlns:a="http://schemas.openxmlformats.org/drawingml/2006/main" xmlns:r="http://schemas.openxmlformats.org/officeDocument/2006/relationships" xmlns:p="http://schemas.openxmlformats.org/presentationml/2006/main" strictFirstAndLastChars="0" embedTrueTypeFonts="1" saveSubsetFonts="1" autoCompressPictures="0">
   <p:sldMasterIdLst>
-    <p:sldMasterId id="2147483659" r:id="rId4"/>
+    <p:sldMasterId id="2147483659" r:id="rId1"/>
   </p:sldMasterIdLst>
   <p:notesMasterIdLst>
-    <p:notesMasterId r:id="rId5"/>
+    <p:notesMasterId r:id="rId15"/>
   </p:notesMasterIdLst>
   <p:sldIdLst>
-    <p:sldId id="256" r:id="rId6"/>
-    <p:sldId id="257" r:id="rId7"/>
-    <p:sldId id="258" r:id="rId8"/>
-    <p:sldId id="259" r:id="rId9"/>
-    <p:sldId id="260" r:id="rId10"/>
-    <p:sldId id="261" r:id="rId11"/>
-    <p:sldId id="262" r:id="rId12"/>
-    <p:sldId id="263" r:id="rId13"/>
-    <p:sldId id="264" r:id="rId14"/>
+    <p:sldId id="256" r:id="rId2"/>
+    <p:sldId id="257" r:id="rId3"/>
+    <p:sldId id="258" r:id="rId4"/>
+    <p:sldId id="259" r:id="rId5"/>
+    <p:sldId id="260" r:id="rId6"/>
+    <p:sldId id="261" r:id="rId7"/>
+    <p:sldId id="262" r:id="rId8"/>
+    <p:sldId id="263" r:id="rId9"/>
+    <p:sldId id="264" r:id="rId10"/>
+    <p:sldId id="265" r:id="rId11"/>
+    <p:sldId id="266" r:id="rId12"/>
+    <p:sldId id="267" r:id="rId13"/>
+    <p:sldId id="268" r:id="rId14"/>
   </p:sldIdLst>
-  <p:sldSz cy="5143500" cx="9144000"/>
+  <p:sldSz cx="9144000" cy="5143500" type="screen16x9"/>
   <p:notesSz cx="6858000" cy="9144000"/>
   <p:embeddedFontLst>
     <p:embeddedFont>
-      <p:font typeface="Raleway"/>
-      <p:regular r:id="rId15"/>
-      <p:bold r:id="rId16"/>
-      <p:italic r:id="rId17"/>
-      <p:boldItalic r:id="rId18"/>
+      <p:font typeface="Lato" panose="020F0502020204030203" pitchFamily="34" charset="0"/>
+      <p:regular r:id="rId16"/>
+      <p:bold r:id="rId17"/>
+      <p:italic r:id="rId18"/>
+      <p:boldItalic r:id="rId19"/>
     </p:embeddedFont>
     <p:embeddedFont>
-      <p:font typeface="Lato"/>
-      <p:regular r:id="rId19"/>
-      <p:bold r:id="rId20"/>
-      <p:italic r:id="rId21"/>
-      <p:boldItalic r:id="rId22"/>
+      <p:font typeface="Oswald" panose="00000500000000000000" pitchFamily="2" charset="0"/>
+      <p:regular r:id="rId20"/>
+      <p:bold r:id="rId21"/>
     </p:embeddedFont>
     <p:embeddedFont>
-      <p:font typeface="Oswald"/>
-      <p:regular r:id="rId23"/>
-      <p:bold r:id="rId24"/>
+      <p:font typeface="Raleway" pitchFamily="2" charset="0"/>
+      <p:regular r:id="rId22"/>
+      <p:bold r:id="rId23"/>
+      <p:italic r:id="rId24"/>
+      <p:boldItalic r:id="rId25"/>
     </p:embeddedFont>
   </p:embeddedFontLst>
   <p:defaultTextStyle>
-    <a:defPPr lvl="0" marR="0" rtl="0" algn="l">
+    <a:defPPr marR="0" lvl="0" algn="l" rtl="0">
       <a:lnSpc>
         <a:spcPct val="100000"/>
       </a:lnSpc>
@@ -53,7 +57,7 @@
         <a:spcPts val="0"/>
       </a:spcAft>
     </a:defPPr>
-    <a:lvl1pPr lvl="0" marR="0" rtl="0" algn="l">
+    <a:lvl1pPr marR="0" lvl="0" algn="l" rtl="0">
       <a:lnSpc>
         <a:spcPct val="100000"/>
       </a:lnSpc>
@@ -67,7 +71,7 @@
         <a:srgbClr val="000000"/>
       </a:buClr>
       <a:buFont typeface="Arial"/>
-      <a:defRPr b="0" i="0" sz="1400" u="none" cap="none" strike="noStrike">
+      <a:defRPr sz="1400" b="0" i="0" u="none" strike="noStrike" cap="none">
         <a:solidFill>
           <a:srgbClr val="000000"/>
         </a:solidFill>
@@ -77,7 +81,7 @@
         <a:sym typeface="Arial"/>
       </a:defRPr>
     </a:lvl1pPr>
-    <a:lvl2pPr lvl="1" marR="0" rtl="0" algn="l">
+    <a:lvl2pPr marR="0" lvl="1" algn="l" rtl="0">
       <a:lnSpc>
         <a:spcPct val="100000"/>
       </a:lnSpc>
@@ -91,7 +95,7 @@
         <a:srgbClr val="000000"/>
       </a:buClr>
       <a:buFont typeface="Arial"/>
-      <a:defRPr b="0" i="0" sz="1400" u="none" cap="none" strike="noStrike">
+      <a:defRPr sz="1400" b="0" i="0" u="none" strike="noStrike" cap="none">
         <a:solidFill>
           <a:srgbClr val="000000"/>
         </a:solidFill>
@@ -101,7 +105,7 @@
         <a:sym typeface="Arial"/>
       </a:defRPr>
     </a:lvl2pPr>
-    <a:lvl3pPr lvl="2" marR="0" rtl="0" algn="l">
+    <a:lvl3pPr marR="0" lvl="2" algn="l" rtl="0">
       <a:lnSpc>
         <a:spcPct val="100000"/>
       </a:lnSpc>
@@ -115,7 +119,7 @@
         <a:srgbClr val="000000"/>
       </a:buClr>
       <a:buFont typeface="Arial"/>
-      <a:defRPr b="0" i="0" sz="1400" u="none" cap="none" strike="noStrike">
+      <a:defRPr sz="1400" b="0" i="0" u="none" strike="noStrike" cap="none">
         <a:solidFill>
           <a:srgbClr val="000000"/>
         </a:solidFill>
@@ -125,7 +129,7 @@
         <a:sym typeface="Arial"/>
       </a:defRPr>
     </a:lvl3pPr>
-    <a:lvl4pPr lvl="3" marR="0" rtl="0" algn="l">
+    <a:lvl4pPr marR="0" lvl="3" algn="l" rtl="0">
       <a:lnSpc>
         <a:spcPct val="100000"/>
       </a:lnSpc>
@@ -139,7 +143,7 @@
         <a:srgbClr val="000000"/>
       </a:buClr>
       <a:buFont typeface="Arial"/>
-      <a:defRPr b="0" i="0" sz="1400" u="none" cap="none" strike="noStrike">
+      <a:defRPr sz="1400" b="0" i="0" u="none" strike="noStrike" cap="none">
         <a:solidFill>
           <a:srgbClr val="000000"/>
         </a:solidFill>
@@ -149,7 +153,7 @@
         <a:sym typeface="Arial"/>
       </a:defRPr>
     </a:lvl4pPr>
-    <a:lvl5pPr lvl="4" marR="0" rtl="0" algn="l">
+    <a:lvl5pPr marR="0" lvl="4" algn="l" rtl="0">
       <a:lnSpc>
         <a:spcPct val="100000"/>
       </a:lnSpc>
@@ -163,7 +167,7 @@
         <a:srgbClr val="000000"/>
       </a:buClr>
       <a:buFont typeface="Arial"/>
-      <a:defRPr b="0" i="0" sz="1400" u="none" cap="none" strike="noStrike">
+      <a:defRPr sz="1400" b="0" i="0" u="none" strike="noStrike" cap="none">
         <a:solidFill>
           <a:srgbClr val="000000"/>
         </a:solidFill>
@@ -173,7 +177,7 @@
         <a:sym typeface="Arial"/>
       </a:defRPr>
     </a:lvl5pPr>
-    <a:lvl6pPr lvl="5" marR="0" rtl="0" algn="l">
+    <a:lvl6pPr marR="0" lvl="5" algn="l" rtl="0">
       <a:lnSpc>
         <a:spcPct val="100000"/>
       </a:lnSpc>
@@ -187,7 +191,7 @@
         <a:srgbClr val="000000"/>
       </a:buClr>
       <a:buFont typeface="Arial"/>
-      <a:defRPr b="0" i="0" sz="1400" u="none" cap="none" strike="noStrike">
+      <a:defRPr sz="1400" b="0" i="0" u="none" strike="noStrike" cap="none">
         <a:solidFill>
           <a:srgbClr val="000000"/>
         </a:solidFill>
@@ -197,7 +201,7 @@
         <a:sym typeface="Arial"/>
       </a:defRPr>
     </a:lvl6pPr>
-    <a:lvl7pPr lvl="6" marR="0" rtl="0" algn="l">
+    <a:lvl7pPr marR="0" lvl="6" algn="l" rtl="0">
       <a:lnSpc>
         <a:spcPct val="100000"/>
       </a:lnSpc>
@@ -211,7 +215,7 @@
         <a:srgbClr val="000000"/>
       </a:buClr>
       <a:buFont typeface="Arial"/>
-      <a:defRPr b="0" i="0" sz="1400" u="none" cap="none" strike="noStrike">
+      <a:defRPr sz="1400" b="0" i="0" u="none" strike="noStrike" cap="none">
         <a:solidFill>
           <a:srgbClr val="000000"/>
         </a:solidFill>
@@ -221,7 +225,7 @@
         <a:sym typeface="Arial"/>
       </a:defRPr>
     </a:lvl7pPr>
-    <a:lvl8pPr lvl="7" marR="0" rtl="0" algn="l">
+    <a:lvl8pPr marR="0" lvl="7" algn="l" rtl="0">
       <a:lnSpc>
         <a:spcPct val="100000"/>
       </a:lnSpc>
@@ -235,7 +239,7 @@
         <a:srgbClr val="000000"/>
       </a:buClr>
       <a:buFont typeface="Arial"/>
-      <a:defRPr b="0" i="0" sz="1400" u="none" cap="none" strike="noStrike">
+      <a:defRPr sz="1400" b="0" i="0" u="none" strike="noStrike" cap="none">
         <a:solidFill>
           <a:srgbClr val="000000"/>
         </a:solidFill>
@@ -245,7 +249,7 @@
         <a:sym typeface="Arial"/>
       </a:defRPr>
     </a:lvl8pPr>
-    <a:lvl9pPr lvl="8" marR="0" rtl="0" algn="l">
+    <a:lvl9pPr marR="0" lvl="8" algn="l" rtl="0">
       <a:lnSpc>
         <a:spcPct val="100000"/>
       </a:lnSpc>
@@ -259,7 +263,7 @@
         <a:srgbClr val="000000"/>
       </a:buClr>
       <a:buFont typeface="Arial"/>
-      <a:defRPr b="0" i="0" sz="1400" u="none" cap="none" strike="noStrike">
+      <a:defRPr sz="1400" b="0" i="0" u="none" strike="noStrike" cap="none">
         <a:solidFill>
           <a:srgbClr val="000000"/>
         </a:solidFill>
@@ -272,7 +276,7 @@
   </p:defaultTextStyle>
   <p:extLst>
     <p:ext uri="{EFAFB233-063F-42B5-8137-9DF3F51BA10A}">
-      <p15:sldGuideLst>
+      <p15:sldGuideLst xmlns:p15="http://schemas.microsoft.com/office/powerpoint/2012/main">
         <p15:guide id="1" orient="horz" pos="1620">
           <p15:clr>
             <a:srgbClr val="747775"/>
@@ -290,11 +294,16 @@
 </file>
 
 <file path=ppt/notesMasters/notesMaster1.xml><?xml version="1.0" encoding="utf-8"?>
-<p:notesMaster xmlns:a="http://schemas.openxmlformats.org/drawingml/2006/main" xmlns:r="http://schemas.openxmlformats.org/officeDocument/2006/relationships" xmlns:mc="http://schemas.openxmlformats.org/markup-compatibility/2006" xmlns:mv="urn:schemas-microsoft-com:mac:vml" xmlns:p="http://schemas.openxmlformats.org/presentationml/2006/main" xmlns:c="http://schemas.openxmlformats.org/drawingml/2006/chart" xmlns:dgm="http://schemas.openxmlformats.org/drawingml/2006/diagram" xmlns:o="urn:schemas-microsoft-com:office:office" xmlns:v="urn:schemas-microsoft-com:vml" xmlns:pvml="urn:schemas-microsoft-com:office:powerpoint" xmlns:com="http://schemas.openxmlformats.org/drawingml/2006/compatibility" xmlns:p14="http://schemas.microsoft.com/office/powerpoint/2010/main" xmlns:p15="http://schemas.microsoft.com/office/powerpoint/2012/main" xmlns:ahyp="http://schemas.microsoft.com/office/drawing/2018/hyperlinkcolor">
+<p:notesMaster xmlns:a="http://schemas.openxmlformats.org/drawingml/2006/main" xmlns:r="http://schemas.openxmlformats.org/officeDocument/2006/relationships" xmlns:p="http://schemas.openxmlformats.org/presentationml/2006/main">
   <p:cSld>
+    <p:bg>
+      <p:bgRef idx="1001">
+        <a:schemeClr val="bg1"/>
+      </p:bgRef>
+    </p:bg>
     <p:spTree>
       <p:nvGrpSpPr>
-        <p:cNvPr id="2" name="Shape 2"/>
+        <p:cNvPr id="1" name="Shape 2"/>
         <p:cNvGrpSpPr/>
         <p:nvPr/>
       </p:nvGrpSpPr>
@@ -309,9 +318,11 @@
       <p:sp>
         <p:nvSpPr>
           <p:cNvPr id="3" name="Google Shape;3;n"/>
-          <p:cNvSpPr/>
+          <p:cNvSpPr>
+            <a:spLocks noGrp="1" noRot="1" noChangeAspect="1"/>
+          </p:cNvSpPr>
           <p:nvPr>
-            <p:ph idx="2" type="sldImg"/>
+            <p:ph type="sldImg" idx="2"/>
           </p:nvPr>
         </p:nvSpPr>
         <p:spPr>
@@ -320,9 +331,13 @@
             <a:ext cx="6096075" cy="3429000"/>
           </a:xfrm>
           <a:custGeom>
-            <a:rect b="b" l="l" r="r" t="t"/>
+            <a:avLst/>
+            <a:gdLst/>
+            <a:ahLst/>
+            <a:cxnLst/>
+            <a:rect l="l" t="t" r="r" b="b"/>
             <a:pathLst>
-              <a:path extrusionOk="0" h="120000" w="120000">
+              <a:path w="120000" h="120000" extrusionOk="0">
                 <a:moveTo>
                   <a:pt x="0" y="0"/>
                 </a:moveTo>
@@ -340,23 +355,25 @@
             </a:pathLst>
           </a:custGeom>
           <a:noFill/>
-          <a:ln cap="flat" cmpd="sng" w="9525">
+          <a:ln w="9525" cap="flat" cmpd="sng">
             <a:solidFill>
               <a:srgbClr val="000000"/>
             </a:solidFill>
             <a:prstDash val="solid"/>
             <a:round/>
-            <a:headEnd len="sm" w="sm" type="none"/>
-            <a:tailEnd len="sm" w="sm" type="none"/>
+            <a:headEnd type="none" w="sm" len="sm"/>
+            <a:tailEnd type="none" w="sm" len="sm"/>
           </a:ln>
         </p:spPr>
       </p:sp>
       <p:sp>
         <p:nvSpPr>
           <p:cNvPr id="4" name="Google Shape;4;n"/>
-          <p:cNvSpPr txBox="1"/>
+          <p:cNvSpPr txBox="1">
+            <a:spLocks noGrp="1"/>
+          </p:cNvSpPr>
           <p:nvPr>
-            <p:ph idx="1" type="body"/>
+            <p:ph type="body" idx="1"/>
           </p:nvPr>
         </p:nvSpPr>
         <p:spPr>
@@ -373,11 +390,11 @@
           </a:ln>
         </p:spPr>
         <p:txBody>
-          <a:bodyPr anchorCtr="0" anchor="t" bIns="91425" lIns="91425" spcFirstLastPara="1" rIns="91425" wrap="square" tIns="91425">
+          <a:bodyPr spcFirstLastPara="1" wrap="square" lIns="91425" tIns="91425" rIns="91425" bIns="91425" anchor="t" anchorCtr="0">
             <a:noAutofit/>
           </a:bodyPr>
           <a:lstStyle>
-            <a:lvl1pPr indent="-298450" lvl="0" marL="457200">
+            <a:lvl1pPr marL="457200" lvl="0" indent="-298450">
               <a:spcBef>
                 <a:spcPts val="0"/>
               </a:spcBef>
@@ -388,7 +405,7 @@
               <a:buChar char="●"/>
               <a:defRPr sz="1100"/>
             </a:lvl1pPr>
-            <a:lvl2pPr indent="-298450" lvl="1" marL="914400">
+            <a:lvl2pPr marL="914400" lvl="1" indent="-298450">
               <a:spcBef>
                 <a:spcPts val="0"/>
               </a:spcBef>
@@ -399,7 +416,7 @@
               <a:buChar char="○"/>
               <a:defRPr sz="1100"/>
             </a:lvl2pPr>
-            <a:lvl3pPr indent="-298450" lvl="2" marL="1371600">
+            <a:lvl3pPr marL="1371600" lvl="2" indent="-298450">
               <a:spcBef>
                 <a:spcPts val="0"/>
               </a:spcBef>
@@ -410,7 +427,7 @@
               <a:buChar char="■"/>
               <a:defRPr sz="1100"/>
             </a:lvl3pPr>
-            <a:lvl4pPr indent="-298450" lvl="3" marL="1828800">
+            <a:lvl4pPr marL="1828800" lvl="3" indent="-298450">
               <a:spcBef>
                 <a:spcPts val="0"/>
               </a:spcBef>
@@ -421,7 +438,7 @@
               <a:buChar char="●"/>
               <a:defRPr sz="1100"/>
             </a:lvl4pPr>
-            <a:lvl5pPr indent="-298450" lvl="4" marL="2286000">
+            <a:lvl5pPr marL="2286000" lvl="4" indent="-298450">
               <a:spcBef>
                 <a:spcPts val="0"/>
               </a:spcBef>
@@ -432,7 +449,7 @@
               <a:buChar char="○"/>
               <a:defRPr sz="1100"/>
             </a:lvl5pPr>
-            <a:lvl6pPr indent="-298450" lvl="5" marL="2743200">
+            <a:lvl6pPr marL="2743200" lvl="5" indent="-298450">
               <a:spcBef>
                 <a:spcPts val="0"/>
               </a:spcBef>
@@ -443,7 +460,7 @@
               <a:buChar char="■"/>
               <a:defRPr sz="1100"/>
             </a:lvl6pPr>
-            <a:lvl7pPr indent="-298450" lvl="6" marL="3200400">
+            <a:lvl7pPr marL="3200400" lvl="6" indent="-298450">
               <a:spcBef>
                 <a:spcPts val="0"/>
               </a:spcBef>
@@ -454,7 +471,7 @@
               <a:buChar char="●"/>
               <a:defRPr sz="1100"/>
             </a:lvl7pPr>
-            <a:lvl8pPr indent="-298450" lvl="7" marL="3657600">
+            <a:lvl8pPr marL="3657600" lvl="7" indent="-298450">
               <a:spcBef>
                 <a:spcPts val="0"/>
               </a:spcBef>
@@ -465,7 +482,7 @@
               <a:buChar char="○"/>
               <a:defRPr sz="1100"/>
             </a:lvl8pPr>
-            <a:lvl9pPr indent="-298450" lvl="8" marL="4114800">
+            <a:lvl9pPr marL="4114800" lvl="8" indent="-298450">
               <a:spcBef>
                 <a:spcPts val="0"/>
               </a:spcBef>
@@ -477,14 +494,16 @@
               <a:defRPr sz="1100"/>
             </a:lvl9pPr>
           </a:lstStyle>
-          <a:p/>
+          <a:p>
+            <a:endParaRPr/>
+          </a:p>
         </p:txBody>
       </p:sp>
     </p:spTree>
   </p:cSld>
-  <p:clrMap accent1="accent1" accent2="accent2" accent3="accent3" accent4="accent4" accent5="accent5" accent6="accent6" bg1="lt1" bg2="dk2" tx1="dk1" tx2="lt2" folHlink="folHlink" hlink="hlink"/>
+  <p:clrMap bg1="lt1" tx1="dk1" bg2="dk2" tx2="lt2" accent1="accent1" accent2="accent2" accent3="accent3" accent4="accent4" accent5="accent5" accent6="accent6" hlink="hlink" folHlink="folHlink"/>
   <p:notesStyle>
-    <a:defPPr lvl="0" marR="0" rtl="0" algn="l">
+    <a:defPPr marR="0" lvl="0" algn="l" rtl="0">
       <a:lnSpc>
         <a:spcPct val="100000"/>
       </a:lnSpc>
@@ -495,7 +514,7 @@
         <a:spcPts val="0"/>
       </a:spcAft>
     </a:defPPr>
-    <a:lvl1pPr lvl="0" marR="0" rtl="0" algn="l">
+    <a:lvl1pPr marR="0" lvl="0" algn="l" rtl="0">
       <a:lnSpc>
         <a:spcPct val="100000"/>
       </a:lnSpc>
@@ -509,7 +528,7 @@
         <a:srgbClr val="000000"/>
       </a:buClr>
       <a:buFont typeface="Arial"/>
-      <a:defRPr b="0" i="0" sz="1400" u="none" cap="none" strike="noStrike">
+      <a:defRPr sz="1400" b="0" i="0" u="none" strike="noStrike" cap="none">
         <a:solidFill>
           <a:srgbClr val="000000"/>
         </a:solidFill>
@@ -519,7 +538,7 @@
         <a:sym typeface="Arial"/>
       </a:defRPr>
     </a:lvl1pPr>
-    <a:lvl2pPr lvl="1" marR="0" rtl="0" algn="l">
+    <a:lvl2pPr marR="0" lvl="1" algn="l" rtl="0">
       <a:lnSpc>
         <a:spcPct val="100000"/>
       </a:lnSpc>
@@ -533,7 +552,7 @@
         <a:srgbClr val="000000"/>
       </a:buClr>
       <a:buFont typeface="Arial"/>
-      <a:defRPr b="0" i="0" sz="1400" u="none" cap="none" strike="noStrike">
+      <a:defRPr sz="1400" b="0" i="0" u="none" strike="noStrike" cap="none">
         <a:solidFill>
           <a:srgbClr val="000000"/>
         </a:solidFill>
@@ -543,7 +562,7 @@
         <a:sym typeface="Arial"/>
       </a:defRPr>
     </a:lvl2pPr>
-    <a:lvl3pPr lvl="2" marR="0" rtl="0" algn="l">
+    <a:lvl3pPr marR="0" lvl="2" algn="l" rtl="0">
       <a:lnSpc>
         <a:spcPct val="100000"/>
       </a:lnSpc>
@@ -557,7 +576,7 @@
         <a:srgbClr val="000000"/>
       </a:buClr>
       <a:buFont typeface="Arial"/>
-      <a:defRPr b="0" i="0" sz="1400" u="none" cap="none" strike="noStrike">
+      <a:defRPr sz="1400" b="0" i="0" u="none" strike="noStrike" cap="none">
         <a:solidFill>
           <a:srgbClr val="000000"/>
         </a:solidFill>
@@ -567,7 +586,7 @@
         <a:sym typeface="Arial"/>
       </a:defRPr>
     </a:lvl3pPr>
-    <a:lvl4pPr lvl="3" marR="0" rtl="0" algn="l">
+    <a:lvl4pPr marR="0" lvl="3" algn="l" rtl="0">
       <a:lnSpc>
         <a:spcPct val="100000"/>
       </a:lnSpc>
@@ -581,7 +600,7 @@
         <a:srgbClr val="000000"/>
       </a:buClr>
       <a:buFont typeface="Arial"/>
-      <a:defRPr b="0" i="0" sz="1400" u="none" cap="none" strike="noStrike">
+      <a:defRPr sz="1400" b="0" i="0" u="none" strike="noStrike" cap="none">
         <a:solidFill>
           <a:srgbClr val="000000"/>
         </a:solidFill>
@@ -591,7 +610,7 @@
         <a:sym typeface="Arial"/>
       </a:defRPr>
     </a:lvl4pPr>
-    <a:lvl5pPr lvl="4" marR="0" rtl="0" algn="l">
+    <a:lvl5pPr marR="0" lvl="4" algn="l" rtl="0">
       <a:lnSpc>
         <a:spcPct val="100000"/>
       </a:lnSpc>
@@ -605,7 +624,7 @@
         <a:srgbClr val="000000"/>
       </a:buClr>
       <a:buFont typeface="Arial"/>
-      <a:defRPr b="0" i="0" sz="1400" u="none" cap="none" strike="noStrike">
+      <a:defRPr sz="1400" b="0" i="0" u="none" strike="noStrike" cap="none">
         <a:solidFill>
           <a:srgbClr val="000000"/>
         </a:solidFill>
@@ -615,7 +634,7 @@
         <a:sym typeface="Arial"/>
       </a:defRPr>
     </a:lvl5pPr>
-    <a:lvl6pPr lvl="5" marR="0" rtl="0" algn="l">
+    <a:lvl6pPr marR="0" lvl="5" algn="l" rtl="0">
       <a:lnSpc>
         <a:spcPct val="100000"/>
       </a:lnSpc>
@@ -629,7 +648,7 @@
         <a:srgbClr val="000000"/>
       </a:buClr>
       <a:buFont typeface="Arial"/>
-      <a:defRPr b="0" i="0" sz="1400" u="none" cap="none" strike="noStrike">
+      <a:defRPr sz="1400" b="0" i="0" u="none" strike="noStrike" cap="none">
         <a:solidFill>
           <a:srgbClr val="000000"/>
         </a:solidFill>
@@ -639,7 +658,7 @@
         <a:sym typeface="Arial"/>
       </a:defRPr>
     </a:lvl6pPr>
-    <a:lvl7pPr lvl="6" marR="0" rtl="0" algn="l">
+    <a:lvl7pPr marR="0" lvl="6" algn="l" rtl="0">
       <a:lnSpc>
         <a:spcPct val="100000"/>
       </a:lnSpc>
@@ -653,7 +672,7 @@
         <a:srgbClr val="000000"/>
       </a:buClr>
       <a:buFont typeface="Arial"/>
-      <a:defRPr b="0" i="0" sz="1400" u="none" cap="none" strike="noStrike">
+      <a:defRPr sz="1400" b="0" i="0" u="none" strike="noStrike" cap="none">
         <a:solidFill>
           <a:srgbClr val="000000"/>
         </a:solidFill>
@@ -663,7 +682,7 @@
         <a:sym typeface="Arial"/>
       </a:defRPr>
     </a:lvl7pPr>
-    <a:lvl8pPr lvl="7" marR="0" rtl="0" algn="l">
+    <a:lvl8pPr marR="0" lvl="7" algn="l" rtl="0">
       <a:lnSpc>
         <a:spcPct val="100000"/>
       </a:lnSpc>
@@ -677,7 +696,7 @@
         <a:srgbClr val="000000"/>
       </a:buClr>
       <a:buFont typeface="Arial"/>
-      <a:defRPr b="0" i="0" sz="1400" u="none" cap="none" strike="noStrike">
+      <a:defRPr sz="1400" b="0" i="0" u="none" strike="noStrike" cap="none">
         <a:solidFill>
           <a:srgbClr val="000000"/>
         </a:solidFill>
@@ -687,7 +706,7 @@
         <a:sym typeface="Arial"/>
       </a:defRPr>
     </a:lvl8pPr>
-    <a:lvl9pPr lvl="8" marR="0" rtl="0" algn="l">
+    <a:lvl9pPr marR="0" lvl="8" algn="l" rtl="0">
       <a:lnSpc>
         <a:spcPct val="100000"/>
       </a:lnSpc>
@@ -701,7 +720,7 @@
         <a:srgbClr val="000000"/>
       </a:buClr>
       <a:buFont typeface="Arial"/>
-      <a:defRPr b="0" i="0" sz="1400" u="none" cap="none" strike="noStrike">
+      <a:defRPr sz="1400" b="0" i="0" u="none" strike="noStrike" cap="none">
         <a:solidFill>
           <a:srgbClr val="000000"/>
         </a:solidFill>
@@ -716,11 +735,11 @@
 </file>
 
 <file path=ppt/notesSlides/notesSlide1.xml><?xml version="1.0" encoding="utf-8"?>
-<p:notes xmlns:a="http://schemas.openxmlformats.org/drawingml/2006/main" xmlns:r="http://schemas.openxmlformats.org/officeDocument/2006/relationships" xmlns:mc="http://schemas.openxmlformats.org/markup-compatibility/2006" xmlns:mv="urn:schemas-microsoft-com:mac:vml" xmlns:p="http://schemas.openxmlformats.org/presentationml/2006/main" xmlns:c="http://schemas.openxmlformats.org/drawingml/2006/chart" xmlns:dgm="http://schemas.openxmlformats.org/drawingml/2006/diagram" xmlns:o="urn:schemas-microsoft-com:office:office" xmlns:v="urn:schemas-microsoft-com:vml" xmlns:pvml="urn:schemas-microsoft-com:office:powerpoint" xmlns:com="http://schemas.openxmlformats.org/drawingml/2006/compatibility" xmlns:p14="http://schemas.microsoft.com/office/powerpoint/2010/main" xmlns:p15="http://schemas.microsoft.com/office/powerpoint/2012/main" xmlns:ahyp="http://schemas.microsoft.com/office/drawing/2018/hyperlinkcolor" showMasterPhAnim="0" showMasterSp="0">
+<p:notes xmlns:a="http://schemas.openxmlformats.org/drawingml/2006/main" xmlns:r="http://schemas.openxmlformats.org/officeDocument/2006/relationships" xmlns:p="http://schemas.openxmlformats.org/presentationml/2006/main" showMasterSp="0" showMasterPhAnim="0">
   <p:cSld>
     <p:spTree>
       <p:nvGrpSpPr>
-        <p:cNvPr id="68" name="Shape 68"/>
+        <p:cNvPr id="1" name="Shape 68"/>
         <p:cNvGrpSpPr/>
         <p:nvPr/>
       </p:nvGrpSpPr>
@@ -735,9 +754,11 @@
       <p:sp>
         <p:nvSpPr>
           <p:cNvPr id="69" name="Google Shape;69;p:notes"/>
-          <p:cNvSpPr/>
+          <p:cNvSpPr>
+            <a:spLocks noGrp="1" noRot="1" noChangeAspect="1"/>
+          </p:cNvSpPr>
           <p:nvPr>
-            <p:ph idx="2" type="sldImg"/>
+            <p:ph type="sldImg" idx="2"/>
           </p:nvPr>
         </p:nvSpPr>
         <p:spPr>
@@ -746,9 +767,13 @@
             <a:ext cx="6096075" cy="3429000"/>
           </a:xfrm>
           <a:custGeom>
-            <a:rect b="b" l="l" r="r" t="t"/>
+            <a:avLst/>
+            <a:gdLst/>
+            <a:ahLst/>
+            <a:cxnLst/>
+            <a:rect l="l" t="t" r="r" b="b"/>
             <a:pathLst>
-              <a:path extrusionOk="0" h="120000" w="120000">
+              <a:path w="120000" h="120000" extrusionOk="0">
                 <a:moveTo>
                   <a:pt x="0" y="0"/>
                 </a:moveTo>
@@ -770,9 +795,11 @@
       <p:sp>
         <p:nvSpPr>
           <p:cNvPr id="70" name="Google Shape;70;p:notes"/>
-          <p:cNvSpPr txBox="1"/>
+          <p:cNvSpPr txBox="1">
+            <a:spLocks noGrp="1"/>
+          </p:cNvSpPr>
           <p:nvPr>
-            <p:ph idx="1" type="body"/>
+            <p:ph type="body" idx="1"/>
           </p:nvPr>
         </p:nvSpPr>
         <p:spPr>
@@ -785,12 +812,12 @@
           </a:prstGeom>
         </p:spPr>
         <p:txBody>
-          <a:bodyPr anchorCtr="0" anchor="t" bIns="91425" lIns="91425" spcFirstLastPara="1" rIns="91425" wrap="square" tIns="91425">
+          <a:bodyPr spcFirstLastPara="1" wrap="square" lIns="91425" tIns="91425" rIns="91425" bIns="91425" anchor="t" anchorCtr="0">
             <a:noAutofit/>
           </a:bodyPr>
           <a:lstStyle/>
           <a:p>
-            <a:pPr indent="0" lvl="0" marL="0" rtl="0" algn="l">
+            <a:pPr marL="0" lvl="0" indent="0" algn="l" rtl="0">
               <a:spcBef>
                 <a:spcPts val="0"/>
               </a:spcBef>
@@ -799,9 +826,422 @@
               </a:spcAft>
               <a:buNone/>
             </a:pPr>
-            <a:r>
-              <a:t/>
-            </a:r>
+            <a:endParaRPr/>
+          </a:p>
+        </p:txBody>
+      </p:sp>
+    </p:spTree>
+  </p:cSld>
+  <p:clrMapOvr>
+    <a:masterClrMapping/>
+  </p:clrMapOvr>
+</p:notes>
+</file>
+
+<file path=ppt/notesSlides/notesSlide10.xml><?xml version="1.0" encoding="utf-8"?>
+<p:notes xmlns:a="http://schemas.openxmlformats.org/drawingml/2006/main" xmlns:r="http://schemas.openxmlformats.org/officeDocument/2006/relationships" xmlns:p="http://schemas.openxmlformats.org/presentationml/2006/main" showMasterSp="0" showMasterPhAnim="0">
+  <p:cSld>
+    <p:spTree>
+      <p:nvGrpSpPr>
+        <p:cNvPr id="1" name="Shape 128"/>
+        <p:cNvGrpSpPr/>
+        <p:nvPr/>
+      </p:nvGrpSpPr>
+      <p:grpSpPr>
+        <a:xfrm>
+          <a:off x="0" y="0"/>
+          <a:ext cx="0" cy="0"/>
+          <a:chOff x="0" y="0"/>
+          <a:chExt cx="0" cy="0"/>
+        </a:xfrm>
+      </p:grpSpPr>
+      <p:sp>
+        <p:nvSpPr>
+          <p:cNvPr id="129" name="Google Shape;129;g313bef51e5b_0_8:notes"/>
+          <p:cNvSpPr>
+            <a:spLocks noGrp="1" noRot="1" noChangeAspect="1"/>
+          </p:cNvSpPr>
+          <p:nvPr>
+            <p:ph type="sldImg" idx="2"/>
+          </p:nvPr>
+        </p:nvSpPr>
+        <p:spPr>
+          <a:xfrm>
+            <a:off x="381000" y="685800"/>
+            <a:ext cx="6096000" cy="3429000"/>
+          </a:xfrm>
+          <a:custGeom>
+            <a:avLst/>
+            <a:gdLst/>
+            <a:ahLst/>
+            <a:cxnLst/>
+            <a:rect l="l" t="t" r="r" b="b"/>
+            <a:pathLst>
+              <a:path w="120000" h="120000" extrusionOk="0">
+                <a:moveTo>
+                  <a:pt x="0" y="0"/>
+                </a:moveTo>
+                <a:lnTo>
+                  <a:pt x="120000" y="0"/>
+                </a:lnTo>
+                <a:lnTo>
+                  <a:pt x="120000" y="120000"/>
+                </a:lnTo>
+                <a:lnTo>
+                  <a:pt x="0" y="120000"/>
+                </a:lnTo>
+                <a:close/>
+              </a:path>
+            </a:pathLst>
+          </a:custGeom>
+        </p:spPr>
+      </p:sp>
+      <p:sp>
+        <p:nvSpPr>
+          <p:cNvPr id="130" name="Google Shape;130;g313bef51e5b_0_8:notes"/>
+          <p:cNvSpPr txBox="1">
+            <a:spLocks noGrp="1"/>
+          </p:cNvSpPr>
+          <p:nvPr>
+            <p:ph type="body" idx="1"/>
+          </p:nvPr>
+        </p:nvSpPr>
+        <p:spPr>
+          <a:xfrm>
+            <a:off x="685800" y="4343400"/>
+            <a:ext cx="5486400" cy="4114800"/>
+          </a:xfrm>
+          <a:prstGeom prst="rect">
+            <a:avLst/>
+          </a:prstGeom>
+        </p:spPr>
+        <p:txBody>
+          <a:bodyPr spcFirstLastPara="1" wrap="square" lIns="91425" tIns="91425" rIns="91425" bIns="91425" anchor="t" anchorCtr="0">
+            <a:noAutofit/>
+          </a:bodyPr>
+          <a:lstStyle/>
+          <a:p>
+            <a:pPr marL="0" lvl="0" indent="0" algn="l" rtl="0">
+              <a:spcBef>
+                <a:spcPts val="0"/>
+              </a:spcBef>
+              <a:spcAft>
+                <a:spcPts val="0"/>
+              </a:spcAft>
+              <a:buNone/>
+            </a:pPr>
+            <a:endParaRPr/>
+          </a:p>
+        </p:txBody>
+      </p:sp>
+    </p:spTree>
+  </p:cSld>
+  <p:clrMapOvr>
+    <a:masterClrMapping/>
+  </p:clrMapOvr>
+</p:notes>
+</file>
+
+<file path=ppt/notesSlides/notesSlide11.xml><?xml version="1.0" encoding="utf-8"?>
+<p:notes xmlns:a="http://schemas.openxmlformats.org/drawingml/2006/main" xmlns:r="http://schemas.openxmlformats.org/officeDocument/2006/relationships" xmlns:p="http://schemas.openxmlformats.org/presentationml/2006/main" showMasterSp="0" showMasterPhAnim="0">
+  <p:cSld>
+    <p:spTree>
+      <p:nvGrpSpPr>
+        <p:cNvPr id="1" name="Shape 133"/>
+        <p:cNvGrpSpPr/>
+        <p:nvPr/>
+      </p:nvGrpSpPr>
+      <p:grpSpPr>
+        <a:xfrm>
+          <a:off x="0" y="0"/>
+          <a:ext cx="0" cy="0"/>
+          <a:chOff x="0" y="0"/>
+          <a:chExt cx="0" cy="0"/>
+        </a:xfrm>
+      </p:grpSpPr>
+      <p:sp>
+        <p:nvSpPr>
+          <p:cNvPr id="134" name="Google Shape;134;g30e3b1f18c4_0_128:notes"/>
+          <p:cNvSpPr>
+            <a:spLocks noGrp="1" noRot="1" noChangeAspect="1"/>
+          </p:cNvSpPr>
+          <p:nvPr>
+            <p:ph type="sldImg" idx="2"/>
+          </p:nvPr>
+        </p:nvSpPr>
+        <p:spPr>
+          <a:xfrm>
+            <a:off x="381300" y="685800"/>
+            <a:ext cx="6096000" cy="3429000"/>
+          </a:xfrm>
+          <a:custGeom>
+            <a:avLst/>
+            <a:gdLst/>
+            <a:ahLst/>
+            <a:cxnLst/>
+            <a:rect l="l" t="t" r="r" b="b"/>
+            <a:pathLst>
+              <a:path w="120000" h="120000" extrusionOk="0">
+                <a:moveTo>
+                  <a:pt x="0" y="0"/>
+                </a:moveTo>
+                <a:lnTo>
+                  <a:pt x="120000" y="0"/>
+                </a:lnTo>
+                <a:lnTo>
+                  <a:pt x="120000" y="120000"/>
+                </a:lnTo>
+                <a:lnTo>
+                  <a:pt x="0" y="120000"/>
+                </a:lnTo>
+                <a:close/>
+              </a:path>
+            </a:pathLst>
+          </a:custGeom>
+        </p:spPr>
+      </p:sp>
+      <p:sp>
+        <p:nvSpPr>
+          <p:cNvPr id="135" name="Google Shape;135;g30e3b1f18c4_0_128:notes"/>
+          <p:cNvSpPr txBox="1">
+            <a:spLocks noGrp="1"/>
+          </p:cNvSpPr>
+          <p:nvPr>
+            <p:ph type="body" idx="1"/>
+          </p:nvPr>
+        </p:nvSpPr>
+        <p:spPr>
+          <a:xfrm>
+            <a:off x="685800" y="4343400"/>
+            <a:ext cx="5486400" cy="4114800"/>
+          </a:xfrm>
+          <a:prstGeom prst="rect">
+            <a:avLst/>
+          </a:prstGeom>
+        </p:spPr>
+        <p:txBody>
+          <a:bodyPr spcFirstLastPara="1" wrap="square" lIns="91425" tIns="91425" rIns="91425" bIns="91425" anchor="t" anchorCtr="0">
+            <a:noAutofit/>
+          </a:bodyPr>
+          <a:lstStyle/>
+          <a:p>
+            <a:pPr marL="0" lvl="0" indent="0" algn="l" rtl="0">
+              <a:spcBef>
+                <a:spcPts val="0"/>
+              </a:spcBef>
+              <a:spcAft>
+                <a:spcPts val="0"/>
+              </a:spcAft>
+              <a:buNone/>
+            </a:pPr>
+            <a:endParaRPr/>
+          </a:p>
+        </p:txBody>
+      </p:sp>
+    </p:spTree>
+  </p:cSld>
+  <p:clrMapOvr>
+    <a:masterClrMapping/>
+  </p:clrMapOvr>
+</p:notes>
+</file>
+
+<file path=ppt/notesSlides/notesSlide12.xml><?xml version="1.0" encoding="utf-8"?>
+<p:notes xmlns:a="http://schemas.openxmlformats.org/drawingml/2006/main" xmlns:r="http://schemas.openxmlformats.org/officeDocument/2006/relationships" xmlns:p="http://schemas.openxmlformats.org/presentationml/2006/main" showMasterSp="0" showMasterPhAnim="0">
+  <p:cSld>
+    <p:spTree>
+      <p:nvGrpSpPr>
+        <p:cNvPr id="1" name="Shape 140"/>
+        <p:cNvGrpSpPr/>
+        <p:nvPr/>
+      </p:nvGrpSpPr>
+      <p:grpSpPr>
+        <a:xfrm>
+          <a:off x="0" y="0"/>
+          <a:ext cx="0" cy="0"/>
+          <a:chOff x="0" y="0"/>
+          <a:chExt cx="0" cy="0"/>
+        </a:xfrm>
+      </p:grpSpPr>
+      <p:sp>
+        <p:nvSpPr>
+          <p:cNvPr id="141" name="Google Shape;141;g30e3b1f18c4_0_139:notes"/>
+          <p:cNvSpPr>
+            <a:spLocks noGrp="1" noRot="1" noChangeAspect="1"/>
+          </p:cNvSpPr>
+          <p:nvPr>
+            <p:ph type="sldImg" idx="2"/>
+          </p:nvPr>
+        </p:nvSpPr>
+        <p:spPr>
+          <a:xfrm>
+            <a:off x="381300" y="685800"/>
+            <a:ext cx="6096000" cy="3429000"/>
+          </a:xfrm>
+          <a:custGeom>
+            <a:avLst/>
+            <a:gdLst/>
+            <a:ahLst/>
+            <a:cxnLst/>
+            <a:rect l="l" t="t" r="r" b="b"/>
+            <a:pathLst>
+              <a:path w="120000" h="120000" extrusionOk="0">
+                <a:moveTo>
+                  <a:pt x="0" y="0"/>
+                </a:moveTo>
+                <a:lnTo>
+                  <a:pt x="120000" y="0"/>
+                </a:lnTo>
+                <a:lnTo>
+                  <a:pt x="120000" y="120000"/>
+                </a:lnTo>
+                <a:lnTo>
+                  <a:pt x="0" y="120000"/>
+                </a:lnTo>
+                <a:close/>
+              </a:path>
+            </a:pathLst>
+          </a:custGeom>
+        </p:spPr>
+      </p:sp>
+      <p:sp>
+        <p:nvSpPr>
+          <p:cNvPr id="142" name="Google Shape;142;g30e3b1f18c4_0_139:notes"/>
+          <p:cNvSpPr txBox="1">
+            <a:spLocks noGrp="1"/>
+          </p:cNvSpPr>
+          <p:nvPr>
+            <p:ph type="body" idx="1"/>
+          </p:nvPr>
+        </p:nvSpPr>
+        <p:spPr>
+          <a:xfrm>
+            <a:off x="685800" y="4343400"/>
+            <a:ext cx="5486400" cy="4114800"/>
+          </a:xfrm>
+          <a:prstGeom prst="rect">
+            <a:avLst/>
+          </a:prstGeom>
+        </p:spPr>
+        <p:txBody>
+          <a:bodyPr spcFirstLastPara="1" wrap="square" lIns="91425" tIns="91425" rIns="91425" bIns="91425" anchor="t" anchorCtr="0">
+            <a:noAutofit/>
+          </a:bodyPr>
+          <a:lstStyle/>
+          <a:p>
+            <a:pPr marL="0" lvl="0" indent="0" algn="l" rtl="0">
+              <a:spcBef>
+                <a:spcPts val="0"/>
+              </a:spcBef>
+              <a:spcAft>
+                <a:spcPts val="0"/>
+              </a:spcAft>
+              <a:buNone/>
+            </a:pPr>
+            <a:endParaRPr/>
+          </a:p>
+        </p:txBody>
+      </p:sp>
+    </p:spTree>
+  </p:cSld>
+  <p:clrMapOvr>
+    <a:masterClrMapping/>
+  </p:clrMapOvr>
+</p:notes>
+</file>
+
+<file path=ppt/notesSlides/notesSlide13.xml><?xml version="1.0" encoding="utf-8"?>
+<p:notes xmlns:a="http://schemas.openxmlformats.org/drawingml/2006/main" xmlns:r="http://schemas.openxmlformats.org/officeDocument/2006/relationships" xmlns:p="http://schemas.openxmlformats.org/presentationml/2006/main" showMasterSp="0" showMasterPhAnim="0">
+  <p:cSld>
+    <p:spTree>
+      <p:nvGrpSpPr>
+        <p:cNvPr id="1" name="Shape 146"/>
+        <p:cNvGrpSpPr/>
+        <p:nvPr/>
+      </p:nvGrpSpPr>
+      <p:grpSpPr>
+        <a:xfrm>
+          <a:off x="0" y="0"/>
+          <a:ext cx="0" cy="0"/>
+          <a:chOff x="0" y="0"/>
+          <a:chExt cx="0" cy="0"/>
+        </a:xfrm>
+      </p:grpSpPr>
+      <p:sp>
+        <p:nvSpPr>
+          <p:cNvPr id="147" name="Google Shape;147;g31395230ebd_0_0:notes"/>
+          <p:cNvSpPr>
+            <a:spLocks noGrp="1" noRot="1" noChangeAspect="1"/>
+          </p:cNvSpPr>
+          <p:nvPr>
+            <p:ph type="sldImg" idx="2"/>
+          </p:nvPr>
+        </p:nvSpPr>
+        <p:spPr>
+          <a:xfrm>
+            <a:off x="381300" y="685800"/>
+            <a:ext cx="6096000" cy="3429000"/>
+          </a:xfrm>
+          <a:custGeom>
+            <a:avLst/>
+            <a:gdLst/>
+            <a:ahLst/>
+            <a:cxnLst/>
+            <a:rect l="l" t="t" r="r" b="b"/>
+            <a:pathLst>
+              <a:path w="120000" h="120000" extrusionOk="0">
+                <a:moveTo>
+                  <a:pt x="0" y="0"/>
+                </a:moveTo>
+                <a:lnTo>
+                  <a:pt x="120000" y="0"/>
+                </a:lnTo>
+                <a:lnTo>
+                  <a:pt x="120000" y="120000"/>
+                </a:lnTo>
+                <a:lnTo>
+                  <a:pt x="0" y="120000"/>
+                </a:lnTo>
+                <a:close/>
+              </a:path>
+            </a:pathLst>
+          </a:custGeom>
+        </p:spPr>
+      </p:sp>
+      <p:sp>
+        <p:nvSpPr>
+          <p:cNvPr id="148" name="Google Shape;148;g31395230ebd_0_0:notes"/>
+          <p:cNvSpPr txBox="1">
+            <a:spLocks noGrp="1"/>
+          </p:cNvSpPr>
+          <p:nvPr>
+            <p:ph type="body" idx="1"/>
+          </p:nvPr>
+        </p:nvSpPr>
+        <p:spPr>
+          <a:xfrm>
+            <a:off x="685800" y="4343400"/>
+            <a:ext cx="5486400" cy="4114800"/>
+          </a:xfrm>
+          <a:prstGeom prst="rect">
+            <a:avLst/>
+          </a:prstGeom>
+        </p:spPr>
+        <p:txBody>
+          <a:bodyPr spcFirstLastPara="1" wrap="square" lIns="91425" tIns="91425" rIns="91425" bIns="91425" anchor="t" anchorCtr="0">
+            <a:noAutofit/>
+          </a:bodyPr>
+          <a:lstStyle/>
+          <a:p>
+            <a:pPr marL="0" lvl="0" indent="0" algn="l" rtl="0">
+              <a:spcBef>
+                <a:spcPts val="0"/>
+              </a:spcBef>
+              <a:spcAft>
+                <a:spcPts val="0"/>
+              </a:spcAft>
+              <a:buNone/>
+            </a:pPr>
             <a:endParaRPr/>
           </a:p>
         </p:txBody>
@@ -815,11 +1255,11 @@
 </file>
 
 <file path=ppt/notesSlides/notesSlide2.xml><?xml version="1.0" encoding="utf-8"?>
-<p:notes xmlns:a="http://schemas.openxmlformats.org/drawingml/2006/main" xmlns:r="http://schemas.openxmlformats.org/officeDocument/2006/relationships" xmlns:mc="http://schemas.openxmlformats.org/markup-compatibility/2006" xmlns:mv="urn:schemas-microsoft-com:mac:vml" xmlns:p="http://schemas.openxmlformats.org/presentationml/2006/main" xmlns:c="http://schemas.openxmlformats.org/drawingml/2006/chart" xmlns:dgm="http://schemas.openxmlformats.org/drawingml/2006/diagram" xmlns:o="urn:schemas-microsoft-com:office:office" xmlns:v="urn:schemas-microsoft-com:vml" xmlns:pvml="urn:schemas-microsoft-com:office:powerpoint" xmlns:com="http://schemas.openxmlformats.org/drawingml/2006/compatibility" xmlns:p14="http://schemas.microsoft.com/office/powerpoint/2010/main" xmlns:p15="http://schemas.microsoft.com/office/powerpoint/2012/main" xmlns:ahyp="http://schemas.microsoft.com/office/drawing/2018/hyperlinkcolor" showMasterPhAnim="0" showMasterSp="0">
+<p:notes xmlns:a="http://schemas.openxmlformats.org/drawingml/2006/main" xmlns:r="http://schemas.openxmlformats.org/officeDocument/2006/relationships" xmlns:p="http://schemas.openxmlformats.org/presentationml/2006/main" showMasterSp="0" showMasterPhAnim="0">
   <p:cSld>
     <p:spTree>
       <p:nvGrpSpPr>
-        <p:cNvPr id="74" name="Shape 74"/>
+        <p:cNvPr id="1" name="Shape 74"/>
         <p:cNvGrpSpPr/>
         <p:nvPr/>
       </p:nvGrpSpPr>
@@ -834,9 +1274,11 @@
       <p:sp>
         <p:nvSpPr>
           <p:cNvPr id="75" name="Google Shape;75;g30e3b1f18c4_0_78:notes"/>
-          <p:cNvSpPr/>
+          <p:cNvSpPr>
+            <a:spLocks noGrp="1" noRot="1" noChangeAspect="1"/>
+          </p:cNvSpPr>
           <p:nvPr>
-            <p:ph idx="2" type="sldImg"/>
+            <p:ph type="sldImg" idx="2"/>
           </p:nvPr>
         </p:nvSpPr>
         <p:spPr>
@@ -845,9 +1287,13 @@
             <a:ext cx="6096000" cy="3429000"/>
           </a:xfrm>
           <a:custGeom>
-            <a:rect b="b" l="l" r="r" t="t"/>
+            <a:avLst/>
+            <a:gdLst/>
+            <a:ahLst/>
+            <a:cxnLst/>
+            <a:rect l="l" t="t" r="r" b="b"/>
             <a:pathLst>
-              <a:path extrusionOk="0" h="120000" w="120000">
+              <a:path w="120000" h="120000" extrusionOk="0">
                 <a:moveTo>
                   <a:pt x="0" y="0"/>
                 </a:moveTo>
@@ -869,9 +1315,11 @@
       <p:sp>
         <p:nvSpPr>
           <p:cNvPr id="76" name="Google Shape;76;g30e3b1f18c4_0_78:notes"/>
-          <p:cNvSpPr txBox="1"/>
+          <p:cNvSpPr txBox="1">
+            <a:spLocks noGrp="1"/>
+          </p:cNvSpPr>
           <p:nvPr>
-            <p:ph idx="1" type="body"/>
+            <p:ph type="body" idx="1"/>
           </p:nvPr>
         </p:nvSpPr>
         <p:spPr>
@@ -884,12 +1332,12 @@
           </a:prstGeom>
         </p:spPr>
         <p:txBody>
-          <a:bodyPr anchorCtr="0" anchor="t" bIns="91425" lIns="91425" spcFirstLastPara="1" rIns="91425" wrap="square" tIns="91425">
+          <a:bodyPr spcFirstLastPara="1" wrap="square" lIns="91425" tIns="91425" rIns="91425" bIns="91425" anchor="t" anchorCtr="0">
             <a:noAutofit/>
           </a:bodyPr>
           <a:lstStyle/>
           <a:p>
-            <a:pPr indent="0" lvl="0" marL="0" rtl="0" algn="l">
+            <a:pPr marL="0" lvl="0" indent="0" algn="l" rtl="0">
               <a:spcBef>
                 <a:spcPts val="0"/>
               </a:spcBef>
@@ -898,9 +1346,6 @@
               </a:spcAft>
               <a:buNone/>
             </a:pPr>
-            <a:r>
-              <a:t/>
-            </a:r>
             <a:endParaRPr/>
           </a:p>
         </p:txBody>
@@ -914,11 +1359,11 @@
 </file>
 
 <file path=ppt/notesSlides/notesSlide3.xml><?xml version="1.0" encoding="utf-8"?>
-<p:notes xmlns:a="http://schemas.openxmlformats.org/drawingml/2006/main" xmlns:r="http://schemas.openxmlformats.org/officeDocument/2006/relationships" xmlns:mc="http://schemas.openxmlformats.org/markup-compatibility/2006" xmlns:mv="urn:schemas-microsoft-com:mac:vml" xmlns:p="http://schemas.openxmlformats.org/presentationml/2006/main" xmlns:c="http://schemas.openxmlformats.org/drawingml/2006/chart" xmlns:dgm="http://schemas.openxmlformats.org/drawingml/2006/diagram" xmlns:o="urn:schemas-microsoft-com:office:office" xmlns:v="urn:schemas-microsoft-com:vml" xmlns:pvml="urn:schemas-microsoft-com:office:powerpoint" xmlns:com="http://schemas.openxmlformats.org/drawingml/2006/compatibility" xmlns:p14="http://schemas.microsoft.com/office/powerpoint/2010/main" xmlns:p15="http://schemas.microsoft.com/office/powerpoint/2012/main" xmlns:ahyp="http://schemas.microsoft.com/office/drawing/2018/hyperlinkcolor" showMasterPhAnim="0" showMasterSp="0">
+<p:notes xmlns:a="http://schemas.openxmlformats.org/drawingml/2006/main" xmlns:r="http://schemas.openxmlformats.org/officeDocument/2006/relationships" xmlns:p="http://schemas.openxmlformats.org/presentationml/2006/main" showMasterSp="0" showMasterPhAnim="0">
   <p:cSld>
     <p:spTree>
       <p:nvGrpSpPr>
-        <p:cNvPr id="80" name="Shape 80"/>
+        <p:cNvPr id="1" name="Shape 80"/>
         <p:cNvGrpSpPr/>
         <p:nvPr/>
       </p:nvGrpSpPr>
@@ -932,10 +1377,12 @@
       </p:grpSpPr>
       <p:sp>
         <p:nvSpPr>
-          <p:cNvPr id="81" name="Google Shape;81;g30e3b1f18c4_0_83:notes"/>
-          <p:cNvSpPr/>
+          <p:cNvPr id="81" name="Google Shape;81;g31395230ebd_0_11:notes"/>
+          <p:cNvSpPr>
+            <a:spLocks noGrp="1" noRot="1" noChangeAspect="1"/>
+          </p:cNvSpPr>
           <p:nvPr>
-            <p:ph idx="2" type="sldImg"/>
+            <p:ph type="sldImg" idx="2"/>
           </p:nvPr>
         </p:nvSpPr>
         <p:spPr>
@@ -944,9 +1391,13 @@
             <a:ext cx="6096000" cy="3429000"/>
           </a:xfrm>
           <a:custGeom>
-            <a:rect b="b" l="l" r="r" t="t"/>
+            <a:avLst/>
+            <a:gdLst/>
+            <a:ahLst/>
+            <a:cxnLst/>
+            <a:rect l="l" t="t" r="r" b="b"/>
             <a:pathLst>
-              <a:path extrusionOk="0" h="120000" w="120000">
+              <a:path w="120000" h="120000" extrusionOk="0">
                 <a:moveTo>
                   <a:pt x="0" y="0"/>
                 </a:moveTo>
@@ -967,10 +1418,12 @@
       </p:sp>
       <p:sp>
         <p:nvSpPr>
-          <p:cNvPr id="82" name="Google Shape;82;g30e3b1f18c4_0_83:notes"/>
-          <p:cNvSpPr txBox="1"/>
+          <p:cNvPr id="82" name="Google Shape;82;g31395230ebd_0_11:notes"/>
+          <p:cNvSpPr txBox="1">
+            <a:spLocks noGrp="1"/>
+          </p:cNvSpPr>
           <p:nvPr>
-            <p:ph idx="1" type="body"/>
+            <p:ph type="body" idx="1"/>
           </p:nvPr>
         </p:nvSpPr>
         <p:spPr>
@@ -983,12 +1436,12 @@
           </a:prstGeom>
         </p:spPr>
         <p:txBody>
-          <a:bodyPr anchorCtr="0" anchor="t" bIns="91425" lIns="91425" spcFirstLastPara="1" rIns="91425" wrap="square" tIns="91425">
+          <a:bodyPr spcFirstLastPara="1" wrap="square" lIns="91425" tIns="91425" rIns="91425" bIns="91425" anchor="t" anchorCtr="0">
             <a:noAutofit/>
           </a:bodyPr>
           <a:lstStyle/>
           <a:p>
-            <a:pPr indent="0" lvl="0" marL="0" rtl="0" algn="l">
+            <a:pPr marL="0" lvl="0" indent="0" algn="l" rtl="0">
               <a:spcBef>
                 <a:spcPts val="0"/>
               </a:spcBef>
@@ -997,9 +1450,6 @@
               </a:spcAft>
               <a:buNone/>
             </a:pPr>
-            <a:r>
-              <a:t/>
-            </a:r>
             <a:endParaRPr/>
           </a:p>
         </p:txBody>
@@ -1013,11 +1463,11 @@
 </file>
 
 <file path=ppt/notesSlides/notesSlide4.xml><?xml version="1.0" encoding="utf-8"?>
-<p:notes xmlns:a="http://schemas.openxmlformats.org/drawingml/2006/main" xmlns:r="http://schemas.openxmlformats.org/officeDocument/2006/relationships" xmlns:mc="http://schemas.openxmlformats.org/markup-compatibility/2006" xmlns:mv="urn:schemas-microsoft-com:mac:vml" xmlns:p="http://schemas.openxmlformats.org/presentationml/2006/main" xmlns:c="http://schemas.openxmlformats.org/drawingml/2006/chart" xmlns:dgm="http://schemas.openxmlformats.org/drawingml/2006/diagram" xmlns:o="urn:schemas-microsoft-com:office:office" xmlns:v="urn:schemas-microsoft-com:vml" xmlns:pvml="urn:schemas-microsoft-com:office:powerpoint" xmlns:com="http://schemas.openxmlformats.org/drawingml/2006/compatibility" xmlns:p14="http://schemas.microsoft.com/office/powerpoint/2010/main" xmlns:p15="http://schemas.microsoft.com/office/powerpoint/2012/main" xmlns:ahyp="http://schemas.microsoft.com/office/drawing/2018/hyperlinkcolor" showMasterPhAnim="0" showMasterSp="0">
+<p:notes xmlns:a="http://schemas.openxmlformats.org/drawingml/2006/main" xmlns:r="http://schemas.openxmlformats.org/officeDocument/2006/relationships" xmlns:p="http://schemas.openxmlformats.org/presentationml/2006/main" showMasterSp="0" showMasterPhAnim="0">
   <p:cSld>
     <p:spTree>
       <p:nvGrpSpPr>
-        <p:cNvPr id="88" name="Shape 88"/>
+        <p:cNvPr id="1" name="Shape 87"/>
         <p:cNvGrpSpPr/>
         <p:nvPr/>
       </p:nvGrpSpPr>
@@ -1031,10 +1481,12 @@
       </p:grpSpPr>
       <p:sp>
         <p:nvSpPr>
-          <p:cNvPr id="89" name="Google Shape;89;g30e3b1f18c4_0_90:notes"/>
-          <p:cNvSpPr/>
+          <p:cNvPr id="88" name="Google Shape;88;g30e3b1f18c4_0_83:notes"/>
+          <p:cNvSpPr>
+            <a:spLocks noGrp="1" noRot="1" noChangeAspect="1"/>
+          </p:cNvSpPr>
           <p:nvPr>
-            <p:ph idx="2" type="sldImg"/>
+            <p:ph type="sldImg" idx="2"/>
           </p:nvPr>
         </p:nvSpPr>
         <p:spPr>
@@ -1043,9 +1495,13 @@
             <a:ext cx="6096000" cy="3429000"/>
           </a:xfrm>
           <a:custGeom>
-            <a:rect b="b" l="l" r="r" t="t"/>
+            <a:avLst/>
+            <a:gdLst/>
+            <a:ahLst/>
+            <a:cxnLst/>
+            <a:rect l="l" t="t" r="r" b="b"/>
             <a:pathLst>
-              <a:path extrusionOk="0" h="120000" w="120000">
+              <a:path w="120000" h="120000" extrusionOk="0">
                 <a:moveTo>
                   <a:pt x="0" y="0"/>
                 </a:moveTo>
@@ -1066,10 +1522,12 @@
       </p:sp>
       <p:sp>
         <p:nvSpPr>
-          <p:cNvPr id="90" name="Google Shape;90;g30e3b1f18c4_0_90:notes"/>
-          <p:cNvSpPr txBox="1"/>
+          <p:cNvPr id="89" name="Google Shape;89;g30e3b1f18c4_0_83:notes"/>
+          <p:cNvSpPr txBox="1">
+            <a:spLocks noGrp="1"/>
+          </p:cNvSpPr>
           <p:nvPr>
-            <p:ph idx="1" type="body"/>
+            <p:ph type="body" idx="1"/>
           </p:nvPr>
         </p:nvSpPr>
         <p:spPr>
@@ -1082,12 +1540,12 @@
           </a:prstGeom>
         </p:spPr>
         <p:txBody>
-          <a:bodyPr anchorCtr="0" anchor="t" bIns="91425" lIns="91425" spcFirstLastPara="1" rIns="91425" wrap="square" tIns="91425">
+          <a:bodyPr spcFirstLastPara="1" wrap="square" lIns="91425" tIns="91425" rIns="91425" bIns="91425" anchor="t" anchorCtr="0">
             <a:noAutofit/>
           </a:bodyPr>
           <a:lstStyle/>
           <a:p>
-            <a:pPr indent="0" lvl="0" marL="0" rtl="0" algn="l">
+            <a:pPr marL="0" lvl="0" indent="0" algn="l" rtl="0">
               <a:spcBef>
                 <a:spcPts val="0"/>
               </a:spcBef>
@@ -1096,9 +1554,6 @@
               </a:spcAft>
               <a:buNone/>
             </a:pPr>
-            <a:r>
-              <a:t/>
-            </a:r>
             <a:endParaRPr/>
           </a:p>
         </p:txBody>
@@ -1112,11 +1567,11 @@
 </file>
 
 <file path=ppt/notesSlides/notesSlide5.xml><?xml version="1.0" encoding="utf-8"?>
-<p:notes xmlns:a="http://schemas.openxmlformats.org/drawingml/2006/main" xmlns:r="http://schemas.openxmlformats.org/officeDocument/2006/relationships" xmlns:mc="http://schemas.openxmlformats.org/markup-compatibility/2006" xmlns:mv="urn:schemas-microsoft-com:mac:vml" xmlns:p="http://schemas.openxmlformats.org/presentationml/2006/main" xmlns:c="http://schemas.openxmlformats.org/drawingml/2006/chart" xmlns:dgm="http://schemas.openxmlformats.org/drawingml/2006/diagram" xmlns:o="urn:schemas-microsoft-com:office:office" xmlns:v="urn:schemas-microsoft-com:vml" xmlns:pvml="urn:schemas-microsoft-com:office:powerpoint" xmlns:com="http://schemas.openxmlformats.org/drawingml/2006/compatibility" xmlns:p14="http://schemas.microsoft.com/office/powerpoint/2010/main" xmlns:p15="http://schemas.microsoft.com/office/powerpoint/2012/main" xmlns:ahyp="http://schemas.microsoft.com/office/drawing/2018/hyperlinkcolor" showMasterPhAnim="0" showMasterSp="0">
+<p:notes xmlns:a="http://schemas.openxmlformats.org/drawingml/2006/main" xmlns:r="http://schemas.openxmlformats.org/officeDocument/2006/relationships" xmlns:p="http://schemas.openxmlformats.org/presentationml/2006/main" showMasterSp="0" showMasterPhAnim="0">
   <p:cSld>
     <p:spTree>
       <p:nvGrpSpPr>
-        <p:cNvPr id="94" name="Shape 94"/>
+        <p:cNvPr id="1" name="Shape 95"/>
         <p:cNvGrpSpPr/>
         <p:nvPr/>
       </p:nvGrpSpPr>
@@ -1130,10 +1585,12 @@
       </p:grpSpPr>
       <p:sp>
         <p:nvSpPr>
-          <p:cNvPr id="95" name="Google Shape;95;g30e3b1f18c4_0_100:notes"/>
-          <p:cNvSpPr/>
+          <p:cNvPr id="96" name="Google Shape;96;g30e3b1f18c4_0_90:notes"/>
+          <p:cNvSpPr>
+            <a:spLocks noGrp="1" noRot="1" noChangeAspect="1"/>
+          </p:cNvSpPr>
           <p:nvPr>
-            <p:ph idx="2" type="sldImg"/>
+            <p:ph type="sldImg" idx="2"/>
           </p:nvPr>
         </p:nvSpPr>
         <p:spPr>
@@ -1142,9 +1599,13 @@
             <a:ext cx="6096000" cy="3429000"/>
           </a:xfrm>
           <a:custGeom>
-            <a:rect b="b" l="l" r="r" t="t"/>
+            <a:avLst/>
+            <a:gdLst/>
+            <a:ahLst/>
+            <a:cxnLst/>
+            <a:rect l="l" t="t" r="r" b="b"/>
             <a:pathLst>
-              <a:path extrusionOk="0" h="120000" w="120000">
+              <a:path w="120000" h="120000" extrusionOk="0">
                 <a:moveTo>
                   <a:pt x="0" y="0"/>
                 </a:moveTo>
@@ -1165,10 +1626,12 @@
       </p:sp>
       <p:sp>
         <p:nvSpPr>
-          <p:cNvPr id="96" name="Google Shape;96;g30e3b1f18c4_0_100:notes"/>
-          <p:cNvSpPr txBox="1"/>
+          <p:cNvPr id="97" name="Google Shape;97;g30e3b1f18c4_0_90:notes"/>
+          <p:cNvSpPr txBox="1">
+            <a:spLocks noGrp="1"/>
+          </p:cNvSpPr>
           <p:nvPr>
-            <p:ph idx="1" type="body"/>
+            <p:ph type="body" idx="1"/>
           </p:nvPr>
         </p:nvSpPr>
         <p:spPr>
@@ -1181,12 +1644,12 @@
           </a:prstGeom>
         </p:spPr>
         <p:txBody>
-          <a:bodyPr anchorCtr="0" anchor="t" bIns="91425" lIns="91425" spcFirstLastPara="1" rIns="91425" wrap="square" tIns="91425">
+          <a:bodyPr spcFirstLastPara="1" wrap="square" lIns="91425" tIns="91425" rIns="91425" bIns="91425" anchor="t" anchorCtr="0">
             <a:noAutofit/>
           </a:bodyPr>
           <a:lstStyle/>
           <a:p>
-            <a:pPr indent="0" lvl="0" marL="0" rtl="0" algn="l">
+            <a:pPr marL="0" lvl="0" indent="0" algn="l" rtl="0">
               <a:spcBef>
                 <a:spcPts val="0"/>
               </a:spcBef>
@@ -1195,9 +1658,6 @@
               </a:spcAft>
               <a:buNone/>
             </a:pPr>
-            <a:r>
-              <a:t/>
-            </a:r>
             <a:endParaRPr/>
           </a:p>
         </p:txBody>
@@ -1211,11 +1671,11 @@
 </file>
 
 <file path=ppt/notesSlides/notesSlide6.xml><?xml version="1.0" encoding="utf-8"?>
-<p:notes xmlns:a="http://schemas.openxmlformats.org/drawingml/2006/main" xmlns:r="http://schemas.openxmlformats.org/officeDocument/2006/relationships" xmlns:mc="http://schemas.openxmlformats.org/markup-compatibility/2006" xmlns:mv="urn:schemas-microsoft-com:mac:vml" xmlns:p="http://schemas.openxmlformats.org/presentationml/2006/main" xmlns:c="http://schemas.openxmlformats.org/drawingml/2006/chart" xmlns:dgm="http://schemas.openxmlformats.org/drawingml/2006/diagram" xmlns:o="urn:schemas-microsoft-com:office:office" xmlns:v="urn:schemas-microsoft-com:vml" xmlns:pvml="urn:schemas-microsoft-com:office:powerpoint" xmlns:com="http://schemas.openxmlformats.org/drawingml/2006/compatibility" xmlns:p14="http://schemas.microsoft.com/office/powerpoint/2010/main" xmlns:p15="http://schemas.microsoft.com/office/powerpoint/2012/main" xmlns:ahyp="http://schemas.microsoft.com/office/drawing/2018/hyperlinkcolor" showMasterPhAnim="0" showMasterSp="0">
+<p:notes xmlns:a="http://schemas.openxmlformats.org/drawingml/2006/main" xmlns:r="http://schemas.openxmlformats.org/officeDocument/2006/relationships" xmlns:p="http://schemas.openxmlformats.org/presentationml/2006/main" showMasterSp="0" showMasterPhAnim="0">
   <p:cSld>
     <p:spTree>
       <p:nvGrpSpPr>
-        <p:cNvPr id="100" name="Shape 100"/>
+        <p:cNvPr id="1" name="Shape 101"/>
         <p:cNvGrpSpPr/>
         <p:nvPr/>
       </p:nvGrpSpPr>
@@ -1229,10 +1689,12 @@
       </p:grpSpPr>
       <p:sp>
         <p:nvSpPr>
-          <p:cNvPr id="101" name="Google Shape;101;g30e3b1f18c4_0_107:notes"/>
-          <p:cNvSpPr/>
+          <p:cNvPr id="102" name="Google Shape;102;g31395230ebd_0_20:notes"/>
+          <p:cNvSpPr>
+            <a:spLocks noGrp="1" noRot="1" noChangeAspect="1"/>
+          </p:cNvSpPr>
           <p:nvPr>
-            <p:ph idx="2" type="sldImg"/>
+            <p:ph type="sldImg" idx="2"/>
           </p:nvPr>
         </p:nvSpPr>
         <p:spPr>
@@ -1241,9 +1703,13 @@
             <a:ext cx="6096000" cy="3429000"/>
           </a:xfrm>
           <a:custGeom>
-            <a:rect b="b" l="l" r="r" t="t"/>
+            <a:avLst/>
+            <a:gdLst/>
+            <a:ahLst/>
+            <a:cxnLst/>
+            <a:rect l="l" t="t" r="r" b="b"/>
             <a:pathLst>
-              <a:path extrusionOk="0" h="120000" w="120000">
+              <a:path w="120000" h="120000" extrusionOk="0">
                 <a:moveTo>
                   <a:pt x="0" y="0"/>
                 </a:moveTo>
@@ -1264,10 +1730,12 @@
       </p:sp>
       <p:sp>
         <p:nvSpPr>
-          <p:cNvPr id="102" name="Google Shape;102;g30e3b1f18c4_0_107:notes"/>
-          <p:cNvSpPr txBox="1"/>
+          <p:cNvPr id="103" name="Google Shape;103;g31395230ebd_0_20:notes"/>
+          <p:cNvSpPr txBox="1">
+            <a:spLocks noGrp="1"/>
+          </p:cNvSpPr>
           <p:nvPr>
-            <p:ph idx="1" type="body"/>
+            <p:ph type="body" idx="1"/>
           </p:nvPr>
         </p:nvSpPr>
         <p:spPr>
@@ -1280,12 +1748,12 @@
           </a:prstGeom>
         </p:spPr>
         <p:txBody>
-          <a:bodyPr anchorCtr="0" anchor="t" bIns="91425" lIns="91425" spcFirstLastPara="1" rIns="91425" wrap="square" tIns="91425">
+          <a:bodyPr spcFirstLastPara="1" wrap="square" lIns="91425" tIns="91425" rIns="91425" bIns="91425" anchor="t" anchorCtr="0">
             <a:noAutofit/>
           </a:bodyPr>
           <a:lstStyle/>
           <a:p>
-            <a:pPr indent="0" lvl="0" marL="0" rtl="0" algn="l">
+            <a:pPr marL="0" lvl="0" indent="0" algn="l" rtl="0">
               <a:spcBef>
                 <a:spcPts val="0"/>
               </a:spcBef>
@@ -1294,9 +1762,6 @@
               </a:spcAft>
               <a:buNone/>
             </a:pPr>
-            <a:r>
-              <a:t/>
-            </a:r>
             <a:endParaRPr/>
           </a:p>
         </p:txBody>
@@ -1310,11 +1775,11 @@
 </file>
 
 <file path=ppt/notesSlides/notesSlide7.xml><?xml version="1.0" encoding="utf-8"?>
-<p:notes xmlns:a="http://schemas.openxmlformats.org/drawingml/2006/main" xmlns:r="http://schemas.openxmlformats.org/officeDocument/2006/relationships" xmlns:mc="http://schemas.openxmlformats.org/markup-compatibility/2006" xmlns:mv="urn:schemas-microsoft-com:mac:vml" xmlns:p="http://schemas.openxmlformats.org/presentationml/2006/main" xmlns:c="http://schemas.openxmlformats.org/drawingml/2006/chart" xmlns:dgm="http://schemas.openxmlformats.org/drawingml/2006/diagram" xmlns:o="urn:schemas-microsoft-com:office:office" xmlns:v="urn:schemas-microsoft-com:vml" xmlns:pvml="urn:schemas-microsoft-com:office:powerpoint" xmlns:com="http://schemas.openxmlformats.org/drawingml/2006/compatibility" xmlns:p14="http://schemas.microsoft.com/office/powerpoint/2010/main" xmlns:p15="http://schemas.microsoft.com/office/powerpoint/2012/main" xmlns:ahyp="http://schemas.microsoft.com/office/drawing/2018/hyperlinkcolor" showMasterPhAnim="0" showMasterSp="0">
+<p:notes xmlns:a="http://schemas.openxmlformats.org/drawingml/2006/main" xmlns:r="http://schemas.openxmlformats.org/officeDocument/2006/relationships" xmlns:p="http://schemas.openxmlformats.org/presentationml/2006/main" showMasterSp="0" showMasterPhAnim="0">
   <p:cSld>
     <p:spTree>
       <p:nvGrpSpPr>
-        <p:cNvPr id="108" name="Shape 108"/>
+        <p:cNvPr id="1" name="Shape 109"/>
         <p:cNvGrpSpPr/>
         <p:nvPr/>
       </p:nvGrpSpPr>
@@ -1328,10 +1793,12 @@
       </p:grpSpPr>
       <p:sp>
         <p:nvSpPr>
-          <p:cNvPr id="109" name="Google Shape;109;g30e3b1f18c4_0_128:notes"/>
-          <p:cNvSpPr/>
+          <p:cNvPr id="110" name="Google Shape;110;g30e3b1f18c4_0_100:notes"/>
+          <p:cNvSpPr>
+            <a:spLocks noGrp="1" noRot="1" noChangeAspect="1"/>
+          </p:cNvSpPr>
           <p:nvPr>
-            <p:ph idx="2" type="sldImg"/>
+            <p:ph type="sldImg" idx="2"/>
           </p:nvPr>
         </p:nvSpPr>
         <p:spPr>
@@ -1340,9 +1807,13 @@
             <a:ext cx="6096000" cy="3429000"/>
           </a:xfrm>
           <a:custGeom>
-            <a:rect b="b" l="l" r="r" t="t"/>
+            <a:avLst/>
+            <a:gdLst/>
+            <a:ahLst/>
+            <a:cxnLst/>
+            <a:rect l="l" t="t" r="r" b="b"/>
             <a:pathLst>
-              <a:path extrusionOk="0" h="120000" w="120000">
+              <a:path w="120000" h="120000" extrusionOk="0">
                 <a:moveTo>
                   <a:pt x="0" y="0"/>
                 </a:moveTo>
@@ -1363,10 +1834,12 @@
       </p:sp>
       <p:sp>
         <p:nvSpPr>
-          <p:cNvPr id="110" name="Google Shape;110;g30e3b1f18c4_0_128:notes"/>
-          <p:cNvSpPr txBox="1"/>
+          <p:cNvPr id="111" name="Google Shape;111;g30e3b1f18c4_0_100:notes"/>
+          <p:cNvSpPr txBox="1">
+            <a:spLocks noGrp="1"/>
+          </p:cNvSpPr>
           <p:nvPr>
-            <p:ph idx="1" type="body"/>
+            <p:ph type="body" idx="1"/>
           </p:nvPr>
         </p:nvSpPr>
         <p:spPr>
@@ -1379,12 +1852,12 @@
           </a:prstGeom>
         </p:spPr>
         <p:txBody>
-          <a:bodyPr anchorCtr="0" anchor="t" bIns="91425" lIns="91425" spcFirstLastPara="1" rIns="91425" wrap="square" tIns="91425">
+          <a:bodyPr spcFirstLastPara="1" wrap="square" lIns="91425" tIns="91425" rIns="91425" bIns="91425" anchor="t" anchorCtr="0">
             <a:noAutofit/>
           </a:bodyPr>
           <a:lstStyle/>
           <a:p>
-            <a:pPr indent="0" lvl="0" marL="0" rtl="0" algn="l">
+            <a:pPr marL="0" lvl="0" indent="0" algn="l" rtl="0">
               <a:spcBef>
                 <a:spcPts val="0"/>
               </a:spcBef>
@@ -1393,9 +1866,6 @@
               </a:spcAft>
               <a:buNone/>
             </a:pPr>
-            <a:r>
-              <a:t/>
-            </a:r>
             <a:endParaRPr/>
           </a:p>
         </p:txBody>
@@ -1409,11 +1879,11 @@
 </file>
 
 <file path=ppt/notesSlides/notesSlide8.xml><?xml version="1.0" encoding="utf-8"?>
-<p:notes xmlns:a="http://schemas.openxmlformats.org/drawingml/2006/main" xmlns:r="http://schemas.openxmlformats.org/officeDocument/2006/relationships" xmlns:mc="http://schemas.openxmlformats.org/markup-compatibility/2006" xmlns:mv="urn:schemas-microsoft-com:mac:vml" xmlns:p="http://schemas.openxmlformats.org/presentationml/2006/main" xmlns:c="http://schemas.openxmlformats.org/drawingml/2006/chart" xmlns:dgm="http://schemas.openxmlformats.org/drawingml/2006/diagram" xmlns:o="urn:schemas-microsoft-com:office:office" xmlns:v="urn:schemas-microsoft-com:vml" xmlns:pvml="urn:schemas-microsoft-com:office:powerpoint" xmlns:com="http://schemas.openxmlformats.org/drawingml/2006/compatibility" xmlns:p14="http://schemas.microsoft.com/office/powerpoint/2010/main" xmlns:p15="http://schemas.microsoft.com/office/powerpoint/2012/main" xmlns:ahyp="http://schemas.microsoft.com/office/drawing/2018/hyperlinkcolor" showMasterPhAnim="0" showMasterSp="0">
+<p:notes xmlns:a="http://schemas.openxmlformats.org/drawingml/2006/main" xmlns:r="http://schemas.openxmlformats.org/officeDocument/2006/relationships" xmlns:p="http://schemas.openxmlformats.org/presentationml/2006/main" showMasterSp="0" showMasterPhAnim="0">
   <p:cSld>
     <p:spTree>
       <p:nvGrpSpPr>
-        <p:cNvPr id="116" name="Shape 116"/>
+        <p:cNvPr id="1" name="Shape 115"/>
         <p:cNvGrpSpPr/>
         <p:nvPr/>
       </p:nvGrpSpPr>
@@ -1427,10 +1897,12 @@
       </p:grpSpPr>
       <p:sp>
         <p:nvSpPr>
-          <p:cNvPr id="117" name="Google Shape;117;g30e3b1f18c4_0_139:notes"/>
-          <p:cNvSpPr/>
+          <p:cNvPr id="116" name="Google Shape;116;g30e3b1f18c4_0_107:notes"/>
+          <p:cNvSpPr>
+            <a:spLocks noGrp="1" noRot="1" noChangeAspect="1"/>
+          </p:cNvSpPr>
           <p:nvPr>
-            <p:ph idx="2" type="sldImg"/>
+            <p:ph type="sldImg" idx="2"/>
           </p:nvPr>
         </p:nvSpPr>
         <p:spPr>
@@ -1439,9 +1911,13 @@
             <a:ext cx="6096000" cy="3429000"/>
           </a:xfrm>
           <a:custGeom>
-            <a:rect b="b" l="l" r="r" t="t"/>
+            <a:avLst/>
+            <a:gdLst/>
+            <a:ahLst/>
+            <a:cxnLst/>
+            <a:rect l="l" t="t" r="r" b="b"/>
             <a:pathLst>
-              <a:path extrusionOk="0" h="120000" w="120000">
+              <a:path w="120000" h="120000" extrusionOk="0">
                 <a:moveTo>
                   <a:pt x="0" y="0"/>
                 </a:moveTo>
@@ -1462,10 +1938,12 @@
       </p:sp>
       <p:sp>
         <p:nvSpPr>
-          <p:cNvPr id="118" name="Google Shape;118;g30e3b1f18c4_0_139:notes"/>
-          <p:cNvSpPr txBox="1"/>
+          <p:cNvPr id="117" name="Google Shape;117;g30e3b1f18c4_0_107:notes"/>
+          <p:cNvSpPr txBox="1">
+            <a:spLocks noGrp="1"/>
+          </p:cNvSpPr>
           <p:nvPr>
-            <p:ph idx="1" type="body"/>
+            <p:ph type="body" idx="1"/>
           </p:nvPr>
         </p:nvSpPr>
         <p:spPr>
@@ -1478,12 +1956,12 @@
           </a:prstGeom>
         </p:spPr>
         <p:txBody>
-          <a:bodyPr anchorCtr="0" anchor="t" bIns="91425" lIns="91425" spcFirstLastPara="1" rIns="91425" wrap="square" tIns="91425">
+          <a:bodyPr spcFirstLastPara="1" wrap="square" lIns="91425" tIns="91425" rIns="91425" bIns="91425" anchor="t" anchorCtr="0">
             <a:noAutofit/>
           </a:bodyPr>
           <a:lstStyle/>
           <a:p>
-            <a:pPr indent="0" lvl="0" marL="0" rtl="0" algn="l">
+            <a:pPr marL="0" lvl="0" indent="0" algn="l" rtl="0">
               <a:spcBef>
                 <a:spcPts val="0"/>
               </a:spcBef>
@@ -1492,9 +1970,6 @@
               </a:spcAft>
               <a:buNone/>
             </a:pPr>
-            <a:r>
-              <a:t/>
-            </a:r>
             <a:endParaRPr/>
           </a:p>
         </p:txBody>
@@ -1508,11 +1983,11 @@
 </file>
 
 <file path=ppt/notesSlides/notesSlide9.xml><?xml version="1.0" encoding="utf-8"?>
-<p:notes xmlns:a="http://schemas.openxmlformats.org/drawingml/2006/main" xmlns:r="http://schemas.openxmlformats.org/officeDocument/2006/relationships" xmlns:mc="http://schemas.openxmlformats.org/markup-compatibility/2006" xmlns:mv="urn:schemas-microsoft-com:mac:vml" xmlns:p="http://schemas.openxmlformats.org/presentationml/2006/main" xmlns:c="http://schemas.openxmlformats.org/drawingml/2006/chart" xmlns:dgm="http://schemas.openxmlformats.org/drawingml/2006/diagram" xmlns:o="urn:schemas-microsoft-com:office:office" xmlns:v="urn:schemas-microsoft-com:vml" xmlns:pvml="urn:schemas-microsoft-com:office:powerpoint" xmlns:com="http://schemas.openxmlformats.org/drawingml/2006/compatibility" xmlns:p14="http://schemas.microsoft.com/office/powerpoint/2010/main" xmlns:p15="http://schemas.microsoft.com/office/powerpoint/2012/main" xmlns:ahyp="http://schemas.microsoft.com/office/drawing/2018/hyperlinkcolor" showMasterPhAnim="0" showMasterSp="0">
+<p:notes xmlns:a="http://schemas.openxmlformats.org/drawingml/2006/main" xmlns:r="http://schemas.openxmlformats.org/officeDocument/2006/relationships" xmlns:p="http://schemas.openxmlformats.org/presentationml/2006/main" showMasterSp="0" showMasterPhAnim="0">
   <p:cSld>
     <p:spTree>
       <p:nvGrpSpPr>
-        <p:cNvPr id="122" name="Shape 122"/>
+        <p:cNvPr id="1" name="Shape 122"/>
         <p:cNvGrpSpPr/>
         <p:nvPr/>
       </p:nvGrpSpPr>
@@ -1526,10 +2001,12 @@
       </p:grpSpPr>
       <p:sp>
         <p:nvSpPr>
-          <p:cNvPr id="123" name="Google Shape;123;g30e3b1f18c4_0_148:notes"/>
-          <p:cNvSpPr/>
+          <p:cNvPr id="123" name="Google Shape;123;g313bef51e5b_0_2:notes"/>
+          <p:cNvSpPr>
+            <a:spLocks noGrp="1" noRot="1" noChangeAspect="1"/>
+          </p:cNvSpPr>
           <p:nvPr>
-            <p:ph idx="2" type="sldImg"/>
+            <p:ph type="sldImg" idx="2"/>
           </p:nvPr>
         </p:nvSpPr>
         <p:spPr>
@@ -1538,9 +2015,13 @@
             <a:ext cx="6096000" cy="3429000"/>
           </a:xfrm>
           <a:custGeom>
-            <a:rect b="b" l="l" r="r" t="t"/>
+            <a:avLst/>
+            <a:gdLst/>
+            <a:ahLst/>
+            <a:cxnLst/>
+            <a:rect l="l" t="t" r="r" b="b"/>
             <a:pathLst>
-              <a:path extrusionOk="0" h="120000" w="120000">
+              <a:path w="120000" h="120000" extrusionOk="0">
                 <a:moveTo>
                   <a:pt x="0" y="0"/>
                 </a:moveTo>
@@ -1561,10 +2042,12 @@
       </p:sp>
       <p:sp>
         <p:nvSpPr>
-          <p:cNvPr id="124" name="Google Shape;124;g30e3b1f18c4_0_148:notes"/>
-          <p:cNvSpPr txBox="1"/>
+          <p:cNvPr id="124" name="Google Shape;124;g313bef51e5b_0_2:notes"/>
+          <p:cNvSpPr txBox="1">
+            <a:spLocks noGrp="1"/>
+          </p:cNvSpPr>
           <p:nvPr>
-            <p:ph idx="1" type="body"/>
+            <p:ph type="body" idx="1"/>
           </p:nvPr>
         </p:nvSpPr>
         <p:spPr>
@@ -1577,12 +2060,12 @@
           </a:prstGeom>
         </p:spPr>
         <p:txBody>
-          <a:bodyPr anchorCtr="0" anchor="t" bIns="91425" lIns="91425" spcFirstLastPara="1" rIns="91425" wrap="square" tIns="91425">
+          <a:bodyPr spcFirstLastPara="1" wrap="square" lIns="91425" tIns="91425" rIns="91425" bIns="91425" anchor="t" anchorCtr="0">
             <a:noAutofit/>
           </a:bodyPr>
           <a:lstStyle/>
           <a:p>
-            <a:pPr indent="0" lvl="0" marL="0" rtl="0" algn="l">
+            <a:pPr marL="0" lvl="0" indent="0" algn="l" rtl="0">
               <a:spcBef>
                 <a:spcPts val="0"/>
               </a:spcBef>
@@ -1591,9 +2074,6 @@
               </a:spcAft>
               <a:buNone/>
             </a:pPr>
-            <a:r>
-              <a:t/>
-            </a:r>
             <a:endParaRPr/>
           </a:p>
         </p:txBody>
@@ -1607,18 +2087,19 @@
 </file>
 
 <file path=ppt/slideLayouts/slideLayout1.xml><?xml version="1.0" encoding="utf-8"?>
-<p:sldLayout xmlns:a="http://schemas.openxmlformats.org/drawingml/2006/main" xmlns:r="http://schemas.openxmlformats.org/officeDocument/2006/relationships" xmlns:mc="http://schemas.openxmlformats.org/markup-compatibility/2006" xmlns:mv="urn:schemas-microsoft-com:mac:vml" xmlns:p="http://schemas.openxmlformats.org/presentationml/2006/main" xmlns:c="http://schemas.openxmlformats.org/drawingml/2006/chart" xmlns:dgm="http://schemas.openxmlformats.org/drawingml/2006/diagram" xmlns:o="urn:schemas-microsoft-com:office:office" xmlns:v="urn:schemas-microsoft-com:vml" xmlns:pvml="urn:schemas-microsoft-com:office:powerpoint" xmlns:com="http://schemas.openxmlformats.org/drawingml/2006/compatibility" xmlns:p14="http://schemas.microsoft.com/office/powerpoint/2010/main" xmlns:p15="http://schemas.microsoft.com/office/powerpoint/2012/main" xmlns:ahyp="http://schemas.microsoft.com/office/drawing/2018/hyperlinkcolor" matchingName="Title slide" type="title">
+<p:sldLayout xmlns:a="http://schemas.openxmlformats.org/drawingml/2006/main" xmlns:r="http://schemas.openxmlformats.org/officeDocument/2006/relationships" xmlns:p="http://schemas.openxmlformats.org/presentationml/2006/main" matchingName="Title slide" type="title">
   <p:cSld name="TITLE">
     <p:bg>
       <p:bgPr>
         <a:solidFill>
           <a:schemeClr val="dk1"/>
         </a:solidFill>
+        <a:effectLst/>
       </p:bgPr>
     </p:bg>
     <p:spTree>
       <p:nvGrpSpPr>
-        <p:cNvPr id="9" name="Shape 9"/>
+        <p:cNvPr id="1" name="Shape 9"/>
         <p:cNvGrpSpPr/>
         <p:nvPr/>
       </p:nvGrpSpPr>
@@ -1645,14 +2126,14 @@
             <a:avLst/>
           </a:prstGeom>
           <a:noFill/>
-          <a:ln cap="flat" cmpd="sng" w="38100">
+          <a:ln w="38100" cap="flat" cmpd="sng">
             <a:solidFill>
               <a:schemeClr val="lt1"/>
             </a:solidFill>
             <a:prstDash val="solid"/>
             <a:round/>
-            <a:headEnd len="sm" w="sm" type="none"/>
-            <a:tailEnd len="sm" w="sm" type="none"/>
+            <a:headEnd type="none" w="sm" len="sm"/>
+            <a:tailEnd type="none" w="sm" len="sm"/>
           </a:ln>
         </p:spPr>
       </p:cxnSp>
@@ -1671,14 +2152,14 @@
             <a:avLst/>
           </a:prstGeom>
           <a:noFill/>
-          <a:ln cap="flat" cmpd="sng" w="19050">
+          <a:ln w="19050" cap="flat" cmpd="sng">
             <a:solidFill>
               <a:schemeClr val="lt1"/>
             </a:solidFill>
             <a:prstDash val="solid"/>
             <a:round/>
-            <a:headEnd len="sm" w="sm" type="none"/>
-            <a:tailEnd len="sm" w="sm" type="none"/>
+            <a:headEnd type="none" w="sm" len="sm"/>
+            <a:tailEnd type="none" w="sm" len="sm"/>
           </a:ln>
         </p:spPr>
       </p:cxnSp>
@@ -1697,21 +2178,23 @@
             <a:avLst/>
           </a:prstGeom>
           <a:noFill/>
-          <a:ln cap="flat" cmpd="sng" w="19050">
+          <a:ln w="19050" cap="flat" cmpd="sng">
             <a:solidFill>
               <a:schemeClr val="lt1"/>
             </a:solidFill>
             <a:prstDash val="solid"/>
             <a:round/>
-            <a:headEnd len="sm" w="sm" type="none"/>
-            <a:tailEnd len="sm" w="sm" type="none"/>
+            <a:headEnd type="none" w="sm" len="sm"/>
+            <a:tailEnd type="none" w="sm" len="sm"/>
           </a:ln>
         </p:spPr>
       </p:cxnSp>
       <p:sp>
         <p:nvSpPr>
           <p:cNvPr id="13" name="Google Shape;13;p2"/>
-          <p:cNvSpPr txBox="1"/>
+          <p:cNvSpPr txBox="1">
+            <a:spLocks noGrp="1"/>
+          </p:cNvSpPr>
           <p:nvPr>
             <p:ph type="ctrTitle"/>
           </p:nvPr>
@@ -1726,7 +2209,7 @@
           </a:prstGeom>
         </p:spPr>
         <p:txBody>
-          <a:bodyPr anchorCtr="0" anchor="t" bIns="91425" lIns="91425" spcFirstLastPara="1" rIns="91425" wrap="square" tIns="91425">
+          <a:bodyPr spcFirstLastPara="1" wrap="square" lIns="91425" tIns="91425" rIns="91425" bIns="91425" anchor="t" anchorCtr="0">
             <a:normAutofit/>
           </a:bodyPr>
           <a:lstStyle>
@@ -1893,15 +2376,19 @@
               </a:defRPr>
             </a:lvl9pPr>
           </a:lstStyle>
-          <a:p/>
+          <a:p>
+            <a:endParaRPr/>
+          </a:p>
         </p:txBody>
       </p:sp>
       <p:sp>
         <p:nvSpPr>
           <p:cNvPr id="14" name="Google Shape;14;p2"/>
-          <p:cNvSpPr txBox="1"/>
+          <p:cNvSpPr txBox="1">
+            <a:spLocks noGrp="1"/>
+          </p:cNvSpPr>
           <p:nvPr>
-            <p:ph idx="1" type="subTitle"/>
+            <p:ph type="subTitle" idx="1"/>
           </p:nvPr>
         </p:nvSpPr>
         <p:spPr>
@@ -1914,7 +2401,7 @@
           </a:prstGeom>
         </p:spPr>
         <p:txBody>
-          <a:bodyPr anchorCtr="0" anchor="b" bIns="91425" lIns="91425" spcFirstLastPara="1" rIns="91425" wrap="square" tIns="91425">
+          <a:bodyPr spcFirstLastPara="1" wrap="square" lIns="91425" tIns="91425" rIns="91425" bIns="91425" anchor="b" anchorCtr="0">
             <a:normAutofit/>
           </a:bodyPr>
           <a:lstStyle>
@@ -2108,15 +2595,19 @@
               </a:defRPr>
             </a:lvl9pPr>
           </a:lstStyle>
-          <a:p/>
+          <a:p>
+            <a:endParaRPr/>
+          </a:p>
         </p:txBody>
       </p:sp>
       <p:sp>
         <p:nvSpPr>
           <p:cNvPr id="15" name="Google Shape;15;p2"/>
-          <p:cNvSpPr txBox="1"/>
+          <p:cNvSpPr txBox="1">
+            <a:spLocks noGrp="1"/>
+          </p:cNvSpPr>
           <p:nvPr>
-            <p:ph idx="12" type="sldNum"/>
+            <p:ph type="sldNum" idx="12"/>
           </p:nvPr>
         </p:nvSpPr>
         <p:spPr>
@@ -2129,7 +2620,7 @@
           </a:prstGeom>
         </p:spPr>
         <p:txBody>
-          <a:bodyPr anchorCtr="0" anchor="ctr" bIns="91425" lIns="91425" spcFirstLastPara="1" rIns="91425" wrap="square" tIns="91425">
+          <a:bodyPr spcFirstLastPara="1" wrap="square" lIns="91425" tIns="91425" rIns="91425" bIns="91425" anchor="ctr" anchorCtr="0">
             <a:normAutofit/>
           </a:bodyPr>
           <a:lstStyle>
@@ -2207,7 +2698,7 @@
             </a:lvl9pPr>
           </a:lstStyle>
           <a:p>
-            <a:pPr indent="0" lvl="0" marL="0" rtl="0" algn="r">
+            <a:pPr marL="0" lvl="0" indent="0" algn="r" rtl="0">
               <a:spcBef>
                 <a:spcPts val="0"/>
               </a:spcBef>
@@ -2233,11 +2724,11 @@
 </file>
 
 <file path=ppt/slideLayouts/slideLayout10.xml><?xml version="1.0" encoding="utf-8"?>
-<p:sldLayout xmlns:a="http://schemas.openxmlformats.org/drawingml/2006/main" xmlns:r="http://schemas.openxmlformats.org/officeDocument/2006/relationships" xmlns:mc="http://schemas.openxmlformats.org/markup-compatibility/2006" xmlns:mv="urn:schemas-microsoft-com:mac:vml" xmlns:p="http://schemas.openxmlformats.org/presentationml/2006/main" xmlns:c="http://schemas.openxmlformats.org/drawingml/2006/chart" xmlns:dgm="http://schemas.openxmlformats.org/drawingml/2006/diagram" xmlns:o="urn:schemas-microsoft-com:office:office" xmlns:v="urn:schemas-microsoft-com:vml" xmlns:pvml="urn:schemas-microsoft-com:office:powerpoint" xmlns:com="http://schemas.openxmlformats.org/drawingml/2006/compatibility" xmlns:p14="http://schemas.microsoft.com/office/powerpoint/2010/main" xmlns:p15="http://schemas.microsoft.com/office/powerpoint/2012/main" xmlns:ahyp="http://schemas.microsoft.com/office/drawing/2018/hyperlinkcolor" matchingName="Big number">
+<p:sldLayout xmlns:a="http://schemas.openxmlformats.org/drawingml/2006/main" xmlns:r="http://schemas.openxmlformats.org/officeDocument/2006/relationships" xmlns:p="http://schemas.openxmlformats.org/presentationml/2006/main" matchingName="Big number">
   <p:cSld name="BIG_NUMBER">
     <p:spTree>
       <p:nvGrpSpPr>
-        <p:cNvPr id="60" name="Shape 60"/>
+        <p:cNvPr id="1" name="Shape 60"/>
         <p:cNvGrpSpPr/>
         <p:nvPr/>
       </p:nvGrpSpPr>
@@ -2264,14 +2755,14 @@
             <a:avLst/>
           </a:prstGeom>
           <a:noFill/>
-          <a:ln cap="flat" cmpd="sng" w="19050">
+          <a:ln w="19050" cap="flat" cmpd="sng">
             <a:solidFill>
               <a:schemeClr val="dk2"/>
             </a:solidFill>
             <a:prstDash val="solid"/>
             <a:round/>
-            <a:headEnd len="sm" w="sm" type="none"/>
-            <a:tailEnd len="sm" w="sm" type="none"/>
+            <a:headEnd type="none" w="sm" len="sm"/>
+            <a:tailEnd type="none" w="sm" len="sm"/>
           </a:ln>
         </p:spPr>
       </p:cxnSp>
@@ -2290,23 +2781,25 @@
             <a:avLst/>
           </a:prstGeom>
           <a:noFill/>
-          <a:ln cap="flat" cmpd="sng" w="38100">
+          <a:ln w="38100" cap="flat" cmpd="sng">
             <a:solidFill>
               <a:schemeClr val="dk2"/>
             </a:solidFill>
             <a:prstDash val="solid"/>
             <a:round/>
-            <a:headEnd len="sm" w="sm" type="none"/>
-            <a:tailEnd len="sm" w="sm" type="none"/>
+            <a:headEnd type="none" w="sm" len="sm"/>
+            <a:tailEnd type="none" w="sm" len="sm"/>
           </a:ln>
         </p:spPr>
       </p:cxnSp>
       <p:sp>
         <p:nvSpPr>
           <p:cNvPr id="63" name="Google Shape;63;p11"/>
-          <p:cNvSpPr txBox="1"/>
+          <p:cNvSpPr txBox="1">
+            <a:spLocks noGrp="1"/>
+          </p:cNvSpPr>
           <p:nvPr>
-            <p:ph hasCustomPrompt="1" type="title"/>
+            <p:ph type="title" hasCustomPrompt="1"/>
           </p:nvPr>
         </p:nvSpPr>
         <p:spPr>
@@ -2319,7 +2812,7 @@
           </a:prstGeom>
         </p:spPr>
         <p:txBody>
-          <a:bodyPr anchorCtr="0" anchor="ctr" bIns="91425" lIns="91425" spcFirstLastPara="1" rIns="91425" wrap="square" tIns="91425">
+          <a:bodyPr spcFirstLastPara="1" wrap="square" lIns="91425" tIns="91425" rIns="91425" bIns="91425" anchor="ctr" anchorCtr="0">
             <a:normAutofit/>
           </a:bodyPr>
           <a:lstStyle>
@@ -2541,9 +3034,11 @@
       <p:sp>
         <p:nvSpPr>
           <p:cNvPr id="64" name="Google Shape;64;p11"/>
-          <p:cNvSpPr txBox="1"/>
+          <p:cNvSpPr txBox="1">
+            <a:spLocks noGrp="1"/>
+          </p:cNvSpPr>
           <p:nvPr>
-            <p:ph idx="1" type="body"/>
+            <p:ph type="body" idx="1"/>
           </p:nvPr>
         </p:nvSpPr>
         <p:spPr>
@@ -2556,11 +3051,11 @@
           </a:prstGeom>
         </p:spPr>
         <p:txBody>
-          <a:bodyPr anchorCtr="0" anchor="t" bIns="91425" lIns="91425" spcFirstLastPara="1" rIns="91425" wrap="square" tIns="91425">
+          <a:bodyPr spcFirstLastPara="1" wrap="square" lIns="91425" tIns="91425" rIns="91425" bIns="91425" anchor="t" anchorCtr="0">
             <a:normAutofit/>
           </a:bodyPr>
           <a:lstStyle>
-            <a:lvl1pPr indent="-342900" lvl="0" marL="457200" algn="ctr">
+            <a:lvl1pPr marL="457200" lvl="0" indent="-342900" algn="ctr">
               <a:spcBef>
                 <a:spcPts val="0"/>
               </a:spcBef>
@@ -2571,7 +3066,7 @@
               <a:buChar char="●"/>
               <a:defRPr/>
             </a:lvl1pPr>
-            <a:lvl2pPr indent="-317500" lvl="1" marL="914400" algn="ctr">
+            <a:lvl2pPr marL="914400" lvl="1" indent="-317500" algn="ctr">
               <a:spcBef>
                 <a:spcPts val="0"/>
               </a:spcBef>
@@ -2582,7 +3077,7 @@
               <a:buChar char="○"/>
               <a:defRPr/>
             </a:lvl2pPr>
-            <a:lvl3pPr indent="-317500" lvl="2" marL="1371600" algn="ctr">
+            <a:lvl3pPr marL="1371600" lvl="2" indent="-317500" algn="ctr">
               <a:spcBef>
                 <a:spcPts val="0"/>
               </a:spcBef>
@@ -2593,7 +3088,7 @@
               <a:buChar char="■"/>
               <a:defRPr/>
             </a:lvl3pPr>
-            <a:lvl4pPr indent="-317500" lvl="3" marL="1828800" algn="ctr">
+            <a:lvl4pPr marL="1828800" lvl="3" indent="-317500" algn="ctr">
               <a:spcBef>
                 <a:spcPts val="0"/>
               </a:spcBef>
@@ -2604,7 +3099,7 @@
               <a:buChar char="●"/>
               <a:defRPr/>
             </a:lvl4pPr>
-            <a:lvl5pPr indent="-317500" lvl="4" marL="2286000" algn="ctr">
+            <a:lvl5pPr marL="2286000" lvl="4" indent="-317500" algn="ctr">
               <a:spcBef>
                 <a:spcPts val="0"/>
               </a:spcBef>
@@ -2615,7 +3110,7 @@
               <a:buChar char="○"/>
               <a:defRPr/>
             </a:lvl5pPr>
-            <a:lvl6pPr indent="-317500" lvl="5" marL="2743200" algn="ctr">
+            <a:lvl6pPr marL="2743200" lvl="5" indent="-317500" algn="ctr">
               <a:spcBef>
                 <a:spcPts val="0"/>
               </a:spcBef>
@@ -2626,7 +3121,7 @@
               <a:buChar char="■"/>
               <a:defRPr/>
             </a:lvl6pPr>
-            <a:lvl7pPr indent="-317500" lvl="6" marL="3200400" algn="ctr">
+            <a:lvl7pPr marL="3200400" lvl="6" indent="-317500" algn="ctr">
               <a:spcBef>
                 <a:spcPts val="0"/>
               </a:spcBef>
@@ -2637,7 +3132,7 @@
               <a:buChar char="●"/>
               <a:defRPr/>
             </a:lvl7pPr>
-            <a:lvl8pPr indent="-317500" lvl="7" marL="3657600" algn="ctr">
+            <a:lvl8pPr marL="3657600" lvl="7" indent="-317500" algn="ctr">
               <a:spcBef>
                 <a:spcPts val="0"/>
               </a:spcBef>
@@ -2648,7 +3143,7 @@
               <a:buChar char="○"/>
               <a:defRPr/>
             </a:lvl8pPr>
-            <a:lvl9pPr indent="-317500" lvl="8" marL="4114800" algn="ctr">
+            <a:lvl9pPr marL="4114800" lvl="8" indent="-317500" algn="ctr">
               <a:spcBef>
                 <a:spcPts val="0"/>
               </a:spcBef>
@@ -2660,15 +3155,19 @@
               <a:defRPr/>
             </a:lvl9pPr>
           </a:lstStyle>
-          <a:p/>
+          <a:p>
+            <a:endParaRPr/>
+          </a:p>
         </p:txBody>
       </p:sp>
       <p:sp>
         <p:nvSpPr>
           <p:cNvPr id="65" name="Google Shape;65;p11"/>
-          <p:cNvSpPr txBox="1"/>
+          <p:cNvSpPr txBox="1">
+            <a:spLocks noGrp="1"/>
+          </p:cNvSpPr>
           <p:nvPr>
-            <p:ph idx="12" type="sldNum"/>
+            <p:ph type="sldNum" idx="12"/>
           </p:nvPr>
         </p:nvSpPr>
         <p:spPr>
@@ -2681,7 +3180,7 @@
           </a:prstGeom>
         </p:spPr>
         <p:txBody>
-          <a:bodyPr anchorCtr="0" anchor="ctr" bIns="91425" lIns="91425" spcFirstLastPara="1" rIns="91425" wrap="square" tIns="91425">
+          <a:bodyPr spcFirstLastPara="1" wrap="square" lIns="91425" tIns="91425" rIns="91425" bIns="91425" anchor="ctr" anchorCtr="0">
             <a:normAutofit/>
           </a:bodyPr>
           <a:lstStyle>
@@ -2723,7 +3222,7 @@
             </a:lvl9pPr>
           </a:lstStyle>
           <a:p>
-            <a:pPr indent="0" lvl="0" marL="0" rtl="0" algn="r">
+            <a:pPr marL="0" lvl="0" indent="0" algn="r" rtl="0">
               <a:spcBef>
                 <a:spcPts val="0"/>
               </a:spcBef>
@@ -2749,11 +3248,11 @@
 </file>
 
 <file path=ppt/slideLayouts/slideLayout11.xml><?xml version="1.0" encoding="utf-8"?>
-<p:sldLayout xmlns:a="http://schemas.openxmlformats.org/drawingml/2006/main" xmlns:r="http://schemas.openxmlformats.org/officeDocument/2006/relationships" xmlns:mc="http://schemas.openxmlformats.org/markup-compatibility/2006" xmlns:mv="urn:schemas-microsoft-com:mac:vml" xmlns:p="http://schemas.openxmlformats.org/presentationml/2006/main" xmlns:c="http://schemas.openxmlformats.org/drawingml/2006/chart" xmlns:dgm="http://schemas.openxmlformats.org/drawingml/2006/diagram" xmlns:o="urn:schemas-microsoft-com:office:office" xmlns:v="urn:schemas-microsoft-com:vml" xmlns:pvml="urn:schemas-microsoft-com:office:powerpoint" xmlns:com="http://schemas.openxmlformats.org/drawingml/2006/compatibility" xmlns:p14="http://schemas.microsoft.com/office/powerpoint/2010/main" xmlns:p15="http://schemas.microsoft.com/office/powerpoint/2012/main" xmlns:ahyp="http://schemas.microsoft.com/office/drawing/2018/hyperlinkcolor" matchingName="Blank" type="blank">
+<p:sldLayout xmlns:a="http://schemas.openxmlformats.org/drawingml/2006/main" xmlns:r="http://schemas.openxmlformats.org/officeDocument/2006/relationships" xmlns:p="http://schemas.openxmlformats.org/presentationml/2006/main" matchingName="Blank" type="blank">
   <p:cSld name="BLANK">
     <p:spTree>
       <p:nvGrpSpPr>
-        <p:cNvPr id="66" name="Shape 66"/>
+        <p:cNvPr id="1" name="Shape 66"/>
         <p:cNvGrpSpPr/>
         <p:nvPr/>
       </p:nvGrpSpPr>
@@ -2768,9 +3267,11 @@
       <p:sp>
         <p:nvSpPr>
           <p:cNvPr id="67" name="Google Shape;67;p12"/>
-          <p:cNvSpPr txBox="1"/>
+          <p:cNvSpPr txBox="1">
+            <a:spLocks noGrp="1"/>
+          </p:cNvSpPr>
           <p:nvPr>
-            <p:ph idx="12" type="sldNum"/>
+            <p:ph type="sldNum" idx="12"/>
           </p:nvPr>
         </p:nvSpPr>
         <p:spPr>
@@ -2783,7 +3284,7 @@
           </a:prstGeom>
         </p:spPr>
         <p:txBody>
-          <a:bodyPr anchorCtr="0" anchor="ctr" bIns="91425" lIns="91425" spcFirstLastPara="1" rIns="91425" wrap="square" tIns="91425">
+          <a:bodyPr spcFirstLastPara="1" wrap="square" lIns="91425" tIns="91425" rIns="91425" bIns="91425" anchor="ctr" anchorCtr="0">
             <a:normAutofit/>
           </a:bodyPr>
           <a:lstStyle>
@@ -2825,7 +3326,7 @@
             </a:lvl9pPr>
           </a:lstStyle>
           <a:p>
-            <a:pPr indent="0" lvl="0" marL="0" rtl="0" algn="r">
+            <a:pPr marL="0" lvl="0" indent="0" algn="r" rtl="0">
               <a:spcBef>
                 <a:spcPts val="0"/>
               </a:spcBef>
@@ -2851,18 +3352,19 @@
 </file>
 
 <file path=ppt/slideLayouts/slideLayout2.xml><?xml version="1.0" encoding="utf-8"?>
-<p:sldLayout xmlns:a="http://schemas.openxmlformats.org/drawingml/2006/main" xmlns:r="http://schemas.openxmlformats.org/officeDocument/2006/relationships" xmlns:mc="http://schemas.openxmlformats.org/markup-compatibility/2006" xmlns:mv="urn:schemas-microsoft-com:mac:vml" xmlns:p="http://schemas.openxmlformats.org/presentationml/2006/main" xmlns:c="http://schemas.openxmlformats.org/drawingml/2006/chart" xmlns:dgm="http://schemas.openxmlformats.org/drawingml/2006/diagram" xmlns:o="urn:schemas-microsoft-com:office:office" xmlns:v="urn:schemas-microsoft-com:vml" xmlns:pvml="urn:schemas-microsoft-com:office:powerpoint" xmlns:com="http://schemas.openxmlformats.org/drawingml/2006/compatibility" xmlns:p14="http://schemas.microsoft.com/office/powerpoint/2010/main" xmlns:p15="http://schemas.microsoft.com/office/powerpoint/2012/main" xmlns:ahyp="http://schemas.microsoft.com/office/drawing/2018/hyperlinkcolor" matchingName="Section header" type="secHead">
+<p:sldLayout xmlns:a="http://schemas.openxmlformats.org/drawingml/2006/main" xmlns:r="http://schemas.openxmlformats.org/officeDocument/2006/relationships" xmlns:p="http://schemas.openxmlformats.org/presentationml/2006/main" matchingName="Section header" type="secHead">
   <p:cSld name="SECTION_HEADER">
     <p:bg>
       <p:bgPr>
         <a:solidFill>
           <a:schemeClr val="dk1"/>
         </a:solidFill>
+        <a:effectLst/>
       </p:bgPr>
     </p:bg>
     <p:spTree>
       <p:nvGrpSpPr>
-        <p:cNvPr id="16" name="Shape 16"/>
+        <p:cNvPr id="1" name="Shape 16"/>
         <p:cNvGrpSpPr/>
         <p:nvPr/>
       </p:nvGrpSpPr>
@@ -2889,14 +3391,14 @@
             <a:avLst/>
           </a:prstGeom>
           <a:noFill/>
-          <a:ln cap="flat" cmpd="sng" w="38100">
+          <a:ln w="38100" cap="flat" cmpd="sng">
             <a:solidFill>
               <a:schemeClr val="lt1"/>
             </a:solidFill>
             <a:prstDash val="solid"/>
             <a:round/>
-            <a:headEnd len="sm" w="sm" type="none"/>
-            <a:tailEnd len="sm" w="sm" type="none"/>
+            <a:headEnd type="none" w="sm" len="sm"/>
+            <a:tailEnd type="none" w="sm" len="sm"/>
           </a:ln>
         </p:spPr>
       </p:cxnSp>
@@ -2915,21 +3417,23 @@
             <a:avLst/>
           </a:prstGeom>
           <a:noFill/>
-          <a:ln cap="flat" cmpd="sng" w="19050">
+          <a:ln w="19050" cap="flat" cmpd="sng">
             <a:solidFill>
               <a:schemeClr val="lt1"/>
             </a:solidFill>
             <a:prstDash val="solid"/>
             <a:round/>
-            <a:headEnd len="sm" w="sm" type="none"/>
-            <a:tailEnd len="sm" w="sm" type="none"/>
+            <a:headEnd type="none" w="sm" len="sm"/>
+            <a:tailEnd type="none" w="sm" len="sm"/>
           </a:ln>
         </p:spPr>
       </p:cxnSp>
       <p:sp>
         <p:nvSpPr>
           <p:cNvPr id="19" name="Google Shape;19;p3"/>
-          <p:cNvSpPr txBox="1"/>
+          <p:cNvSpPr txBox="1">
+            <a:spLocks noGrp="1"/>
+          </p:cNvSpPr>
           <p:nvPr>
             <p:ph type="title"/>
           </p:nvPr>
@@ -2944,7 +3448,7 @@
           </a:prstGeom>
         </p:spPr>
         <p:txBody>
-          <a:bodyPr anchorCtr="0" anchor="ctr" bIns="91425" lIns="91425" spcFirstLastPara="1" rIns="91425" wrap="square" tIns="91425">
+          <a:bodyPr spcFirstLastPara="1" wrap="square" lIns="91425" tIns="91425" rIns="91425" bIns="91425" anchor="ctr" anchorCtr="0">
             <a:normAutofit/>
           </a:bodyPr>
           <a:lstStyle>
@@ -3111,15 +3615,19 @@
               </a:defRPr>
             </a:lvl9pPr>
           </a:lstStyle>
-          <a:p/>
+          <a:p>
+            <a:endParaRPr/>
+          </a:p>
         </p:txBody>
       </p:sp>
       <p:sp>
         <p:nvSpPr>
           <p:cNvPr id="20" name="Google Shape;20;p3"/>
-          <p:cNvSpPr txBox="1"/>
+          <p:cNvSpPr txBox="1">
+            <a:spLocks noGrp="1"/>
+          </p:cNvSpPr>
           <p:nvPr>
-            <p:ph idx="12" type="sldNum"/>
+            <p:ph type="sldNum" idx="12"/>
           </p:nvPr>
         </p:nvSpPr>
         <p:spPr>
@@ -3132,7 +3640,7 @@
           </a:prstGeom>
         </p:spPr>
         <p:txBody>
-          <a:bodyPr anchorCtr="0" anchor="ctr" bIns="91425" lIns="91425" spcFirstLastPara="1" rIns="91425" wrap="square" tIns="91425">
+          <a:bodyPr spcFirstLastPara="1" wrap="square" lIns="91425" tIns="91425" rIns="91425" bIns="91425" anchor="ctr" anchorCtr="0">
             <a:normAutofit/>
           </a:bodyPr>
           <a:lstStyle>
@@ -3210,7 +3718,7 @@
             </a:lvl9pPr>
           </a:lstStyle>
           <a:p>
-            <a:pPr indent="0" lvl="0" marL="0" rtl="0" algn="r">
+            <a:pPr marL="0" lvl="0" indent="0" algn="r" rtl="0">
               <a:spcBef>
                 <a:spcPts val="0"/>
               </a:spcBef>
@@ -3236,11 +3744,11 @@
 </file>
 
 <file path=ppt/slideLayouts/slideLayout3.xml><?xml version="1.0" encoding="utf-8"?>
-<p:sldLayout xmlns:a="http://schemas.openxmlformats.org/drawingml/2006/main" xmlns:r="http://schemas.openxmlformats.org/officeDocument/2006/relationships" xmlns:mc="http://schemas.openxmlformats.org/markup-compatibility/2006" xmlns:mv="urn:schemas-microsoft-com:mac:vml" xmlns:p="http://schemas.openxmlformats.org/presentationml/2006/main" xmlns:c="http://schemas.openxmlformats.org/drawingml/2006/chart" xmlns:dgm="http://schemas.openxmlformats.org/drawingml/2006/diagram" xmlns:o="urn:schemas-microsoft-com:office:office" xmlns:v="urn:schemas-microsoft-com:vml" xmlns:pvml="urn:schemas-microsoft-com:office:powerpoint" xmlns:com="http://schemas.openxmlformats.org/drawingml/2006/compatibility" xmlns:p14="http://schemas.microsoft.com/office/powerpoint/2010/main" xmlns:p15="http://schemas.microsoft.com/office/powerpoint/2012/main" xmlns:ahyp="http://schemas.microsoft.com/office/drawing/2018/hyperlinkcolor" matchingName="Title and body" type="tx">
+<p:sldLayout xmlns:a="http://schemas.openxmlformats.org/drawingml/2006/main" xmlns:r="http://schemas.openxmlformats.org/officeDocument/2006/relationships" xmlns:p="http://schemas.openxmlformats.org/presentationml/2006/main" matchingName="Title and body" type="tx">
   <p:cSld name="TITLE_AND_BODY">
     <p:spTree>
       <p:nvGrpSpPr>
-        <p:cNvPr id="21" name="Shape 21"/>
+        <p:cNvPr id="1" name="Shape 21"/>
         <p:cNvGrpSpPr/>
         <p:nvPr/>
       </p:nvGrpSpPr>
@@ -3267,14 +3775,14 @@
             <a:avLst/>
           </a:prstGeom>
           <a:noFill/>
-          <a:ln cap="flat" cmpd="sng" w="38100">
+          <a:ln w="38100" cap="flat" cmpd="sng">
             <a:solidFill>
               <a:schemeClr val="dk2"/>
             </a:solidFill>
             <a:prstDash val="solid"/>
             <a:round/>
-            <a:headEnd len="sm" w="sm" type="none"/>
-            <a:tailEnd len="sm" w="sm" type="none"/>
+            <a:headEnd type="none" w="sm" len="sm"/>
+            <a:tailEnd type="none" w="sm" len="sm"/>
           </a:ln>
         </p:spPr>
       </p:cxnSp>
@@ -3293,14 +3801,14 @@
             <a:avLst/>
           </a:prstGeom>
           <a:noFill/>
-          <a:ln cap="flat" cmpd="sng" w="19050">
+          <a:ln w="19050" cap="flat" cmpd="sng">
             <a:solidFill>
               <a:schemeClr val="dk2"/>
             </a:solidFill>
             <a:prstDash val="solid"/>
             <a:round/>
-            <a:headEnd len="sm" w="sm" type="none"/>
-            <a:tailEnd len="sm" w="sm" type="none"/>
+            <a:headEnd type="none" w="sm" len="sm"/>
+            <a:tailEnd type="none" w="sm" len="sm"/>
           </a:ln>
         </p:spPr>
       </p:cxnSp>
@@ -3319,21 +3827,23 @@
             <a:avLst/>
           </a:prstGeom>
           <a:noFill/>
-          <a:ln cap="flat" cmpd="sng" w="19050">
+          <a:ln w="19050" cap="flat" cmpd="sng">
             <a:solidFill>
               <a:schemeClr val="dk2"/>
             </a:solidFill>
             <a:prstDash val="solid"/>
             <a:round/>
-            <a:headEnd len="sm" w="sm" type="none"/>
-            <a:tailEnd len="sm" w="sm" type="none"/>
+            <a:headEnd type="none" w="sm" len="sm"/>
+            <a:tailEnd type="none" w="sm" len="sm"/>
           </a:ln>
         </p:spPr>
       </p:cxnSp>
       <p:sp>
         <p:nvSpPr>
           <p:cNvPr id="25" name="Google Shape;25;p4"/>
-          <p:cNvSpPr txBox="1"/>
+          <p:cNvSpPr txBox="1">
+            <a:spLocks noGrp="1"/>
+          </p:cNvSpPr>
           <p:nvPr>
             <p:ph type="title"/>
           </p:nvPr>
@@ -3348,7 +3858,7 @@
           </a:prstGeom>
         </p:spPr>
         <p:txBody>
-          <a:bodyPr anchorCtr="0" anchor="t" bIns="91425" lIns="91425" spcFirstLastPara="1" rIns="91425" wrap="square" tIns="91425">
+          <a:bodyPr spcFirstLastPara="1" wrap="square" lIns="91425" tIns="91425" rIns="91425" bIns="91425" anchor="t" anchorCtr="0">
             <a:normAutofit/>
           </a:bodyPr>
           <a:lstStyle>
@@ -3452,15 +3962,19 @@
               <a:defRPr/>
             </a:lvl9pPr>
           </a:lstStyle>
-          <a:p/>
+          <a:p>
+            <a:endParaRPr/>
+          </a:p>
         </p:txBody>
       </p:sp>
       <p:sp>
         <p:nvSpPr>
           <p:cNvPr id="26" name="Google Shape;26;p4"/>
-          <p:cNvSpPr txBox="1"/>
+          <p:cNvSpPr txBox="1">
+            <a:spLocks noGrp="1"/>
+          </p:cNvSpPr>
           <p:nvPr>
-            <p:ph idx="1" type="body"/>
+            <p:ph type="body" idx="1"/>
           </p:nvPr>
         </p:nvSpPr>
         <p:spPr>
@@ -3473,11 +3987,11 @@
           </a:prstGeom>
         </p:spPr>
         <p:txBody>
-          <a:bodyPr anchorCtr="0" anchor="t" bIns="91425" lIns="91425" spcFirstLastPara="1" rIns="91425" wrap="square" tIns="91425">
+          <a:bodyPr spcFirstLastPara="1" wrap="square" lIns="91425" tIns="91425" rIns="91425" bIns="91425" anchor="t" anchorCtr="0">
             <a:normAutofit/>
           </a:bodyPr>
           <a:lstStyle>
-            <a:lvl1pPr indent="-342900" lvl="0" marL="457200">
+            <a:lvl1pPr marL="457200" lvl="0" indent="-342900">
               <a:spcBef>
                 <a:spcPts val="0"/>
               </a:spcBef>
@@ -3488,7 +4002,7 @@
               <a:buChar char="●"/>
               <a:defRPr/>
             </a:lvl1pPr>
-            <a:lvl2pPr indent="-317500" lvl="1" marL="914400">
+            <a:lvl2pPr marL="914400" lvl="1" indent="-317500">
               <a:spcBef>
                 <a:spcPts val="0"/>
               </a:spcBef>
@@ -3499,7 +4013,7 @@
               <a:buChar char="○"/>
               <a:defRPr/>
             </a:lvl2pPr>
-            <a:lvl3pPr indent="-317500" lvl="2" marL="1371600">
+            <a:lvl3pPr marL="1371600" lvl="2" indent="-317500">
               <a:spcBef>
                 <a:spcPts val="0"/>
               </a:spcBef>
@@ -3510,7 +4024,7 @@
               <a:buChar char="■"/>
               <a:defRPr/>
             </a:lvl3pPr>
-            <a:lvl4pPr indent="-317500" lvl="3" marL="1828800">
+            <a:lvl4pPr marL="1828800" lvl="3" indent="-317500">
               <a:spcBef>
                 <a:spcPts val="0"/>
               </a:spcBef>
@@ -3521,7 +4035,7 @@
               <a:buChar char="●"/>
               <a:defRPr/>
             </a:lvl4pPr>
-            <a:lvl5pPr indent="-317500" lvl="4" marL="2286000">
+            <a:lvl5pPr marL="2286000" lvl="4" indent="-317500">
               <a:spcBef>
                 <a:spcPts val="0"/>
               </a:spcBef>
@@ -3532,7 +4046,7 @@
               <a:buChar char="○"/>
               <a:defRPr/>
             </a:lvl5pPr>
-            <a:lvl6pPr indent="-317500" lvl="5" marL="2743200">
+            <a:lvl6pPr marL="2743200" lvl="5" indent="-317500">
               <a:spcBef>
                 <a:spcPts val="0"/>
               </a:spcBef>
@@ -3543,7 +4057,7 @@
               <a:buChar char="■"/>
               <a:defRPr/>
             </a:lvl6pPr>
-            <a:lvl7pPr indent="-317500" lvl="6" marL="3200400">
+            <a:lvl7pPr marL="3200400" lvl="6" indent="-317500">
               <a:spcBef>
                 <a:spcPts val="0"/>
               </a:spcBef>
@@ -3554,7 +4068,7 @@
               <a:buChar char="●"/>
               <a:defRPr/>
             </a:lvl7pPr>
-            <a:lvl8pPr indent="-317500" lvl="7" marL="3657600">
+            <a:lvl8pPr marL="3657600" lvl="7" indent="-317500">
               <a:spcBef>
                 <a:spcPts val="0"/>
               </a:spcBef>
@@ -3565,7 +4079,7 @@
               <a:buChar char="○"/>
               <a:defRPr/>
             </a:lvl8pPr>
-            <a:lvl9pPr indent="-317500" lvl="8" marL="4114800">
+            <a:lvl9pPr marL="4114800" lvl="8" indent="-317500">
               <a:spcBef>
                 <a:spcPts val="0"/>
               </a:spcBef>
@@ -3577,15 +4091,19 @@
               <a:defRPr/>
             </a:lvl9pPr>
           </a:lstStyle>
-          <a:p/>
+          <a:p>
+            <a:endParaRPr/>
+          </a:p>
         </p:txBody>
       </p:sp>
       <p:sp>
         <p:nvSpPr>
           <p:cNvPr id="27" name="Google Shape;27;p4"/>
-          <p:cNvSpPr txBox="1"/>
+          <p:cNvSpPr txBox="1">
+            <a:spLocks noGrp="1"/>
+          </p:cNvSpPr>
           <p:nvPr>
-            <p:ph idx="12" type="sldNum"/>
+            <p:ph type="sldNum" idx="12"/>
           </p:nvPr>
         </p:nvSpPr>
         <p:spPr>
@@ -3598,7 +4116,7 @@
           </a:prstGeom>
         </p:spPr>
         <p:txBody>
-          <a:bodyPr anchorCtr="0" anchor="ctr" bIns="91425" lIns="91425" spcFirstLastPara="1" rIns="91425" wrap="square" tIns="91425">
+          <a:bodyPr spcFirstLastPara="1" wrap="square" lIns="91425" tIns="91425" rIns="91425" bIns="91425" anchor="ctr" anchorCtr="0">
             <a:normAutofit/>
           </a:bodyPr>
           <a:lstStyle>
@@ -3640,7 +4158,7 @@
             </a:lvl9pPr>
           </a:lstStyle>
           <a:p>
-            <a:pPr indent="0" lvl="0" marL="0" rtl="0" algn="r">
+            <a:pPr marL="0" lvl="0" indent="0" algn="r" rtl="0">
               <a:spcBef>
                 <a:spcPts val="0"/>
               </a:spcBef>
@@ -3666,11 +4184,11 @@
 </file>
 
 <file path=ppt/slideLayouts/slideLayout4.xml><?xml version="1.0" encoding="utf-8"?>
-<p:sldLayout xmlns:a="http://schemas.openxmlformats.org/drawingml/2006/main" xmlns:r="http://schemas.openxmlformats.org/officeDocument/2006/relationships" xmlns:mc="http://schemas.openxmlformats.org/markup-compatibility/2006" xmlns:mv="urn:schemas-microsoft-com:mac:vml" xmlns:p="http://schemas.openxmlformats.org/presentationml/2006/main" xmlns:c="http://schemas.openxmlformats.org/drawingml/2006/chart" xmlns:dgm="http://schemas.openxmlformats.org/drawingml/2006/diagram" xmlns:o="urn:schemas-microsoft-com:office:office" xmlns:v="urn:schemas-microsoft-com:vml" xmlns:pvml="urn:schemas-microsoft-com:office:powerpoint" xmlns:com="http://schemas.openxmlformats.org/drawingml/2006/compatibility" xmlns:p14="http://schemas.microsoft.com/office/powerpoint/2010/main" xmlns:p15="http://schemas.microsoft.com/office/powerpoint/2012/main" xmlns:ahyp="http://schemas.microsoft.com/office/drawing/2018/hyperlinkcolor" matchingName="Title and two columns" type="twoColTx">
+<p:sldLayout xmlns:a="http://schemas.openxmlformats.org/drawingml/2006/main" xmlns:r="http://schemas.openxmlformats.org/officeDocument/2006/relationships" xmlns:p="http://schemas.openxmlformats.org/presentationml/2006/main" matchingName="Title and two columns" type="twoColTx">
   <p:cSld name="TITLE_AND_TWO_COLUMNS">
     <p:spTree>
       <p:nvGrpSpPr>
-        <p:cNvPr id="28" name="Shape 28"/>
+        <p:cNvPr id="1" name="Shape 28"/>
         <p:cNvGrpSpPr/>
         <p:nvPr/>
       </p:nvGrpSpPr>
@@ -3697,14 +4215,14 @@
             <a:avLst/>
           </a:prstGeom>
           <a:noFill/>
-          <a:ln cap="flat" cmpd="sng" w="38100">
+          <a:ln w="38100" cap="flat" cmpd="sng">
             <a:solidFill>
               <a:schemeClr val="dk2"/>
             </a:solidFill>
             <a:prstDash val="solid"/>
             <a:round/>
-            <a:headEnd len="sm" w="sm" type="none"/>
-            <a:tailEnd len="sm" w="sm" type="none"/>
+            <a:headEnd type="none" w="sm" len="sm"/>
+            <a:tailEnd type="none" w="sm" len="sm"/>
           </a:ln>
         </p:spPr>
       </p:cxnSp>
@@ -3723,14 +4241,14 @@
             <a:avLst/>
           </a:prstGeom>
           <a:noFill/>
-          <a:ln cap="flat" cmpd="sng" w="19050">
+          <a:ln w="19050" cap="flat" cmpd="sng">
             <a:solidFill>
               <a:schemeClr val="dk2"/>
             </a:solidFill>
             <a:prstDash val="solid"/>
             <a:round/>
-            <a:headEnd len="sm" w="sm" type="none"/>
-            <a:tailEnd len="sm" w="sm" type="none"/>
+            <a:headEnd type="none" w="sm" len="sm"/>
+            <a:tailEnd type="none" w="sm" len="sm"/>
           </a:ln>
         </p:spPr>
       </p:cxnSp>
@@ -3749,21 +4267,23 @@
             <a:avLst/>
           </a:prstGeom>
           <a:noFill/>
-          <a:ln cap="flat" cmpd="sng" w="19050">
+          <a:ln w="19050" cap="flat" cmpd="sng">
             <a:solidFill>
               <a:schemeClr val="dk2"/>
             </a:solidFill>
             <a:prstDash val="solid"/>
             <a:round/>
-            <a:headEnd len="sm" w="sm" type="none"/>
-            <a:tailEnd len="sm" w="sm" type="none"/>
+            <a:headEnd type="none" w="sm" len="sm"/>
+            <a:tailEnd type="none" w="sm" len="sm"/>
           </a:ln>
         </p:spPr>
       </p:cxnSp>
       <p:sp>
         <p:nvSpPr>
           <p:cNvPr id="32" name="Google Shape;32;p5"/>
-          <p:cNvSpPr txBox="1"/>
+          <p:cNvSpPr txBox="1">
+            <a:spLocks noGrp="1"/>
+          </p:cNvSpPr>
           <p:nvPr>
             <p:ph type="title"/>
           </p:nvPr>
@@ -3778,7 +4298,7 @@
           </a:prstGeom>
         </p:spPr>
         <p:txBody>
-          <a:bodyPr anchorCtr="0" anchor="t" bIns="91425" lIns="91425" spcFirstLastPara="1" rIns="91425" wrap="square" tIns="91425">
+          <a:bodyPr spcFirstLastPara="1" wrap="square" lIns="91425" tIns="91425" rIns="91425" bIns="91425" anchor="t" anchorCtr="0">
             <a:normAutofit/>
           </a:bodyPr>
           <a:lstStyle>
@@ -3882,15 +4402,19 @@
               <a:defRPr/>
             </a:lvl9pPr>
           </a:lstStyle>
-          <a:p/>
+          <a:p>
+            <a:endParaRPr/>
+          </a:p>
         </p:txBody>
       </p:sp>
       <p:sp>
         <p:nvSpPr>
           <p:cNvPr id="33" name="Google Shape;33;p5"/>
-          <p:cNvSpPr txBox="1"/>
+          <p:cNvSpPr txBox="1">
+            <a:spLocks noGrp="1"/>
+          </p:cNvSpPr>
           <p:nvPr>
-            <p:ph idx="1" type="body"/>
+            <p:ph type="body" idx="1"/>
           </p:nvPr>
         </p:nvSpPr>
         <p:spPr>
@@ -3903,11 +4427,11 @@
           </a:prstGeom>
         </p:spPr>
         <p:txBody>
-          <a:bodyPr anchorCtr="0" anchor="t" bIns="91425" lIns="91425" spcFirstLastPara="1" rIns="91425" wrap="square" tIns="91425">
+          <a:bodyPr spcFirstLastPara="1" wrap="square" lIns="91425" tIns="91425" rIns="91425" bIns="91425" anchor="t" anchorCtr="0">
             <a:normAutofit/>
           </a:bodyPr>
           <a:lstStyle>
-            <a:lvl1pPr indent="-317500" lvl="0" marL="457200">
+            <a:lvl1pPr marL="457200" lvl="0" indent="-317500">
               <a:spcBef>
                 <a:spcPts val="0"/>
               </a:spcBef>
@@ -3918,7 +4442,7 @@
               <a:buChar char="●"/>
               <a:defRPr sz="1400"/>
             </a:lvl1pPr>
-            <a:lvl2pPr indent="-304800" lvl="1" marL="914400">
+            <a:lvl2pPr marL="914400" lvl="1" indent="-304800">
               <a:spcBef>
                 <a:spcPts val="0"/>
               </a:spcBef>
@@ -3929,7 +4453,7 @@
               <a:buChar char="○"/>
               <a:defRPr sz="1200"/>
             </a:lvl2pPr>
-            <a:lvl3pPr indent="-304800" lvl="2" marL="1371600">
+            <a:lvl3pPr marL="1371600" lvl="2" indent="-304800">
               <a:spcBef>
                 <a:spcPts val="0"/>
               </a:spcBef>
@@ -3940,7 +4464,7 @@
               <a:buChar char="■"/>
               <a:defRPr sz="1200"/>
             </a:lvl3pPr>
-            <a:lvl4pPr indent="-304800" lvl="3" marL="1828800">
+            <a:lvl4pPr marL="1828800" lvl="3" indent="-304800">
               <a:spcBef>
                 <a:spcPts val="0"/>
               </a:spcBef>
@@ -3951,7 +4475,7 @@
               <a:buChar char="●"/>
               <a:defRPr sz="1200"/>
             </a:lvl4pPr>
-            <a:lvl5pPr indent="-304800" lvl="4" marL="2286000">
+            <a:lvl5pPr marL="2286000" lvl="4" indent="-304800">
               <a:spcBef>
                 <a:spcPts val="0"/>
               </a:spcBef>
@@ -3962,7 +4486,7 @@
               <a:buChar char="○"/>
               <a:defRPr sz="1200"/>
             </a:lvl5pPr>
-            <a:lvl6pPr indent="-304800" lvl="5" marL="2743200">
+            <a:lvl6pPr marL="2743200" lvl="5" indent="-304800">
               <a:spcBef>
                 <a:spcPts val="0"/>
               </a:spcBef>
@@ -3973,7 +4497,7 @@
               <a:buChar char="■"/>
               <a:defRPr sz="1200"/>
             </a:lvl6pPr>
-            <a:lvl7pPr indent="-304800" lvl="6" marL="3200400">
+            <a:lvl7pPr marL="3200400" lvl="6" indent="-304800">
               <a:spcBef>
                 <a:spcPts val="0"/>
               </a:spcBef>
@@ -3984,7 +4508,7 @@
               <a:buChar char="●"/>
               <a:defRPr sz="1200"/>
             </a:lvl7pPr>
-            <a:lvl8pPr indent="-304800" lvl="7" marL="3657600">
+            <a:lvl8pPr marL="3657600" lvl="7" indent="-304800">
               <a:spcBef>
                 <a:spcPts val="0"/>
               </a:spcBef>
@@ -3995,7 +4519,7 @@
               <a:buChar char="○"/>
               <a:defRPr sz="1200"/>
             </a:lvl8pPr>
-            <a:lvl9pPr indent="-304800" lvl="8" marL="4114800">
+            <a:lvl9pPr marL="4114800" lvl="8" indent="-304800">
               <a:spcBef>
                 <a:spcPts val="0"/>
               </a:spcBef>
@@ -4007,15 +4531,19 @@
               <a:defRPr sz="1200"/>
             </a:lvl9pPr>
           </a:lstStyle>
-          <a:p/>
+          <a:p>
+            <a:endParaRPr/>
+          </a:p>
         </p:txBody>
       </p:sp>
       <p:sp>
         <p:nvSpPr>
           <p:cNvPr id="34" name="Google Shape;34;p5"/>
-          <p:cNvSpPr txBox="1"/>
+          <p:cNvSpPr txBox="1">
+            <a:spLocks noGrp="1"/>
+          </p:cNvSpPr>
           <p:nvPr>
-            <p:ph idx="2" type="body"/>
+            <p:ph type="body" idx="2"/>
           </p:nvPr>
         </p:nvSpPr>
         <p:spPr>
@@ -4028,11 +4556,11 @@
           </a:prstGeom>
         </p:spPr>
         <p:txBody>
-          <a:bodyPr anchorCtr="0" anchor="t" bIns="91425" lIns="91425" spcFirstLastPara="1" rIns="91425" wrap="square" tIns="91425">
+          <a:bodyPr spcFirstLastPara="1" wrap="square" lIns="91425" tIns="91425" rIns="91425" bIns="91425" anchor="t" anchorCtr="0">
             <a:normAutofit/>
           </a:bodyPr>
           <a:lstStyle>
-            <a:lvl1pPr indent="-317500" lvl="0" marL="457200">
+            <a:lvl1pPr marL="457200" lvl="0" indent="-317500">
               <a:spcBef>
                 <a:spcPts val="0"/>
               </a:spcBef>
@@ -4043,7 +4571,7 @@
               <a:buChar char="●"/>
               <a:defRPr sz="1400"/>
             </a:lvl1pPr>
-            <a:lvl2pPr indent="-304800" lvl="1" marL="914400">
+            <a:lvl2pPr marL="914400" lvl="1" indent="-304800">
               <a:spcBef>
                 <a:spcPts val="0"/>
               </a:spcBef>
@@ -4054,7 +4582,7 @@
               <a:buChar char="○"/>
               <a:defRPr sz="1200"/>
             </a:lvl2pPr>
-            <a:lvl3pPr indent="-304800" lvl="2" marL="1371600">
+            <a:lvl3pPr marL="1371600" lvl="2" indent="-304800">
               <a:spcBef>
                 <a:spcPts val="0"/>
               </a:spcBef>
@@ -4065,7 +4593,7 @@
               <a:buChar char="■"/>
               <a:defRPr sz="1200"/>
             </a:lvl3pPr>
-            <a:lvl4pPr indent="-304800" lvl="3" marL="1828800">
+            <a:lvl4pPr marL="1828800" lvl="3" indent="-304800">
               <a:spcBef>
                 <a:spcPts val="0"/>
               </a:spcBef>
@@ -4076,7 +4604,7 @@
               <a:buChar char="●"/>
               <a:defRPr sz="1200"/>
             </a:lvl4pPr>
-            <a:lvl5pPr indent="-304800" lvl="4" marL="2286000">
+            <a:lvl5pPr marL="2286000" lvl="4" indent="-304800">
               <a:spcBef>
                 <a:spcPts val="0"/>
               </a:spcBef>
@@ -4087,7 +4615,7 @@
               <a:buChar char="○"/>
               <a:defRPr sz="1200"/>
             </a:lvl5pPr>
-            <a:lvl6pPr indent="-304800" lvl="5" marL="2743200">
+            <a:lvl6pPr marL="2743200" lvl="5" indent="-304800">
               <a:spcBef>
                 <a:spcPts val="0"/>
               </a:spcBef>
@@ -4098,7 +4626,7 @@
               <a:buChar char="■"/>
               <a:defRPr sz="1200"/>
             </a:lvl6pPr>
-            <a:lvl7pPr indent="-304800" lvl="6" marL="3200400">
+            <a:lvl7pPr marL="3200400" lvl="6" indent="-304800">
               <a:spcBef>
                 <a:spcPts val="0"/>
               </a:spcBef>
@@ -4109,7 +4637,7 @@
               <a:buChar char="●"/>
               <a:defRPr sz="1200"/>
             </a:lvl7pPr>
-            <a:lvl8pPr indent="-304800" lvl="7" marL="3657600">
+            <a:lvl8pPr marL="3657600" lvl="7" indent="-304800">
               <a:spcBef>
                 <a:spcPts val="0"/>
               </a:spcBef>
@@ -4120,7 +4648,7 @@
               <a:buChar char="○"/>
               <a:defRPr sz="1200"/>
             </a:lvl8pPr>
-            <a:lvl9pPr indent="-304800" lvl="8" marL="4114800">
+            <a:lvl9pPr marL="4114800" lvl="8" indent="-304800">
               <a:spcBef>
                 <a:spcPts val="0"/>
               </a:spcBef>
@@ -4132,15 +4660,19 @@
               <a:defRPr sz="1200"/>
             </a:lvl9pPr>
           </a:lstStyle>
-          <a:p/>
+          <a:p>
+            <a:endParaRPr/>
+          </a:p>
         </p:txBody>
       </p:sp>
       <p:sp>
         <p:nvSpPr>
           <p:cNvPr id="35" name="Google Shape;35;p5"/>
-          <p:cNvSpPr txBox="1"/>
+          <p:cNvSpPr txBox="1">
+            <a:spLocks noGrp="1"/>
+          </p:cNvSpPr>
           <p:nvPr>
-            <p:ph idx="12" type="sldNum"/>
+            <p:ph type="sldNum" idx="12"/>
           </p:nvPr>
         </p:nvSpPr>
         <p:spPr>
@@ -4153,7 +4685,7 @@
           </a:prstGeom>
         </p:spPr>
         <p:txBody>
-          <a:bodyPr anchorCtr="0" anchor="ctr" bIns="91425" lIns="91425" spcFirstLastPara="1" rIns="91425" wrap="square" tIns="91425">
+          <a:bodyPr spcFirstLastPara="1" wrap="square" lIns="91425" tIns="91425" rIns="91425" bIns="91425" anchor="ctr" anchorCtr="0">
             <a:normAutofit/>
           </a:bodyPr>
           <a:lstStyle>
@@ -4195,7 +4727,7 @@
             </a:lvl9pPr>
           </a:lstStyle>
           <a:p>
-            <a:pPr indent="0" lvl="0" marL="0" rtl="0" algn="r">
+            <a:pPr marL="0" lvl="0" indent="0" algn="r" rtl="0">
               <a:spcBef>
                 <a:spcPts val="0"/>
               </a:spcBef>
@@ -4221,11 +4753,11 @@
 </file>
 
 <file path=ppt/slideLayouts/slideLayout5.xml><?xml version="1.0" encoding="utf-8"?>
-<p:sldLayout xmlns:a="http://schemas.openxmlformats.org/drawingml/2006/main" xmlns:r="http://schemas.openxmlformats.org/officeDocument/2006/relationships" xmlns:mc="http://schemas.openxmlformats.org/markup-compatibility/2006" xmlns:mv="urn:schemas-microsoft-com:mac:vml" xmlns:p="http://schemas.openxmlformats.org/presentationml/2006/main" xmlns:c="http://schemas.openxmlformats.org/drawingml/2006/chart" xmlns:dgm="http://schemas.openxmlformats.org/drawingml/2006/diagram" xmlns:o="urn:schemas-microsoft-com:office:office" xmlns:v="urn:schemas-microsoft-com:vml" xmlns:pvml="urn:schemas-microsoft-com:office:powerpoint" xmlns:com="http://schemas.openxmlformats.org/drawingml/2006/compatibility" xmlns:p14="http://schemas.microsoft.com/office/powerpoint/2010/main" xmlns:p15="http://schemas.microsoft.com/office/powerpoint/2012/main" xmlns:ahyp="http://schemas.microsoft.com/office/drawing/2018/hyperlinkcolor" matchingName="Title only" type="titleOnly">
+<p:sldLayout xmlns:a="http://schemas.openxmlformats.org/drawingml/2006/main" xmlns:r="http://schemas.openxmlformats.org/officeDocument/2006/relationships" xmlns:p="http://schemas.openxmlformats.org/presentationml/2006/main" matchingName="Title only" type="titleOnly">
   <p:cSld name="TITLE_ONLY">
     <p:spTree>
       <p:nvGrpSpPr>
-        <p:cNvPr id="36" name="Shape 36"/>
+        <p:cNvPr id="1" name="Shape 36"/>
         <p:cNvGrpSpPr/>
         <p:nvPr/>
       </p:nvGrpSpPr>
@@ -4240,7 +4772,9 @@
       <p:sp>
         <p:nvSpPr>
           <p:cNvPr id="37" name="Google Shape;37;p6"/>
-          <p:cNvSpPr txBox="1"/>
+          <p:cNvSpPr txBox="1">
+            <a:spLocks noGrp="1"/>
+          </p:cNvSpPr>
           <p:nvPr>
             <p:ph type="title"/>
           </p:nvPr>
@@ -4255,7 +4789,7 @@
           </a:prstGeom>
         </p:spPr>
         <p:txBody>
-          <a:bodyPr anchorCtr="0" anchor="t" bIns="91425" lIns="91425" spcFirstLastPara="1" rIns="91425" wrap="square" tIns="91425">
+          <a:bodyPr spcFirstLastPara="1" wrap="square" lIns="91425" tIns="91425" rIns="91425" bIns="91425" anchor="t" anchorCtr="0">
             <a:normAutofit/>
           </a:bodyPr>
           <a:lstStyle>
@@ -4359,15 +4893,19 @@
               <a:defRPr/>
             </a:lvl9pPr>
           </a:lstStyle>
-          <a:p/>
+          <a:p>
+            <a:endParaRPr/>
+          </a:p>
         </p:txBody>
       </p:sp>
       <p:sp>
         <p:nvSpPr>
           <p:cNvPr id="38" name="Google Shape;38;p6"/>
-          <p:cNvSpPr txBox="1"/>
+          <p:cNvSpPr txBox="1">
+            <a:spLocks noGrp="1"/>
+          </p:cNvSpPr>
           <p:nvPr>
-            <p:ph idx="12" type="sldNum"/>
+            <p:ph type="sldNum" idx="12"/>
           </p:nvPr>
         </p:nvSpPr>
         <p:spPr>
@@ -4380,7 +4918,7 @@
           </a:prstGeom>
         </p:spPr>
         <p:txBody>
-          <a:bodyPr anchorCtr="0" anchor="ctr" bIns="91425" lIns="91425" spcFirstLastPara="1" rIns="91425" wrap="square" tIns="91425">
+          <a:bodyPr spcFirstLastPara="1" wrap="square" lIns="91425" tIns="91425" rIns="91425" bIns="91425" anchor="ctr" anchorCtr="0">
             <a:normAutofit/>
           </a:bodyPr>
           <a:lstStyle>
@@ -4422,7 +4960,7 @@
             </a:lvl9pPr>
           </a:lstStyle>
           <a:p>
-            <a:pPr indent="0" lvl="0" marL="0" rtl="0" algn="r">
+            <a:pPr marL="0" lvl="0" indent="0" algn="r" rtl="0">
               <a:spcBef>
                 <a:spcPts val="0"/>
               </a:spcBef>
@@ -4448,11 +4986,11 @@
 </file>
 
 <file path=ppt/slideLayouts/slideLayout6.xml><?xml version="1.0" encoding="utf-8"?>
-<p:sldLayout xmlns:a="http://schemas.openxmlformats.org/drawingml/2006/main" xmlns:r="http://schemas.openxmlformats.org/officeDocument/2006/relationships" xmlns:mc="http://schemas.openxmlformats.org/markup-compatibility/2006" xmlns:mv="urn:schemas-microsoft-com:mac:vml" xmlns:p="http://schemas.openxmlformats.org/presentationml/2006/main" xmlns:c="http://schemas.openxmlformats.org/drawingml/2006/chart" xmlns:dgm="http://schemas.openxmlformats.org/drawingml/2006/diagram" xmlns:o="urn:schemas-microsoft-com:office:office" xmlns:v="urn:schemas-microsoft-com:vml" xmlns:pvml="urn:schemas-microsoft-com:office:powerpoint" xmlns:com="http://schemas.openxmlformats.org/drawingml/2006/compatibility" xmlns:p14="http://schemas.microsoft.com/office/powerpoint/2010/main" xmlns:p15="http://schemas.microsoft.com/office/powerpoint/2012/main" xmlns:ahyp="http://schemas.microsoft.com/office/drawing/2018/hyperlinkcolor" matchingName="One column text">
+<p:sldLayout xmlns:a="http://schemas.openxmlformats.org/drawingml/2006/main" xmlns:r="http://schemas.openxmlformats.org/officeDocument/2006/relationships" xmlns:p="http://schemas.openxmlformats.org/presentationml/2006/main" matchingName="One column text">
   <p:cSld name="ONE_COLUMN_TEXT">
     <p:spTree>
       <p:nvGrpSpPr>
-        <p:cNvPr id="39" name="Shape 39"/>
+        <p:cNvPr id="1" name="Shape 39"/>
         <p:cNvGrpSpPr/>
         <p:nvPr/>
       </p:nvGrpSpPr>
@@ -4479,21 +5017,23 @@
             <a:avLst/>
           </a:prstGeom>
           <a:noFill/>
-          <a:ln cap="flat" cmpd="sng" w="19050">
+          <a:ln w="19050" cap="flat" cmpd="sng">
             <a:solidFill>
               <a:schemeClr val="dk2"/>
             </a:solidFill>
             <a:prstDash val="solid"/>
             <a:round/>
-            <a:headEnd len="sm" w="sm" type="none"/>
-            <a:tailEnd len="sm" w="sm" type="none"/>
+            <a:headEnd type="none" w="sm" len="sm"/>
+            <a:tailEnd type="none" w="sm" len="sm"/>
           </a:ln>
         </p:spPr>
       </p:cxnSp>
       <p:sp>
         <p:nvSpPr>
           <p:cNvPr id="41" name="Google Shape;41;p7"/>
-          <p:cNvSpPr txBox="1"/>
+          <p:cNvSpPr txBox="1">
+            <a:spLocks noGrp="1"/>
+          </p:cNvSpPr>
           <p:nvPr>
             <p:ph type="title"/>
           </p:nvPr>
@@ -4508,7 +5048,7 @@
           </a:prstGeom>
         </p:spPr>
         <p:txBody>
-          <a:bodyPr anchorCtr="0" anchor="b" bIns="91425" lIns="91425" spcFirstLastPara="1" rIns="91425" wrap="square" tIns="91425">
+          <a:bodyPr spcFirstLastPara="1" wrap="square" lIns="91425" tIns="91425" rIns="91425" bIns="91425" anchor="b" anchorCtr="0">
             <a:normAutofit/>
           </a:bodyPr>
           <a:lstStyle>
@@ -4612,15 +5152,19 @@
               <a:defRPr sz="2400"/>
             </a:lvl9pPr>
           </a:lstStyle>
-          <a:p/>
+          <a:p>
+            <a:endParaRPr/>
+          </a:p>
         </p:txBody>
       </p:sp>
       <p:sp>
         <p:nvSpPr>
           <p:cNvPr id="42" name="Google Shape;42;p7"/>
-          <p:cNvSpPr txBox="1"/>
+          <p:cNvSpPr txBox="1">
+            <a:spLocks noGrp="1"/>
+          </p:cNvSpPr>
           <p:nvPr>
-            <p:ph idx="1" type="body"/>
+            <p:ph type="body" idx="1"/>
           </p:nvPr>
         </p:nvSpPr>
         <p:spPr>
@@ -4633,11 +5177,11 @@
           </a:prstGeom>
         </p:spPr>
         <p:txBody>
-          <a:bodyPr anchorCtr="0" anchor="t" bIns="91425" lIns="91425" spcFirstLastPara="1" rIns="91425" wrap="square" tIns="91425">
+          <a:bodyPr spcFirstLastPara="1" wrap="square" lIns="91425" tIns="91425" rIns="91425" bIns="91425" anchor="t" anchorCtr="0">
             <a:normAutofit/>
           </a:bodyPr>
           <a:lstStyle>
-            <a:lvl1pPr indent="-304800" lvl="0" marL="457200">
+            <a:lvl1pPr marL="457200" lvl="0" indent="-304800">
               <a:spcBef>
                 <a:spcPts val="0"/>
               </a:spcBef>
@@ -4648,7 +5192,7 @@
               <a:buChar char="●"/>
               <a:defRPr sz="1200"/>
             </a:lvl1pPr>
-            <a:lvl2pPr indent="-304800" lvl="1" marL="914400">
+            <a:lvl2pPr marL="914400" lvl="1" indent="-304800">
               <a:spcBef>
                 <a:spcPts val="0"/>
               </a:spcBef>
@@ -4659,7 +5203,7 @@
               <a:buChar char="○"/>
               <a:defRPr sz="1200"/>
             </a:lvl2pPr>
-            <a:lvl3pPr indent="-304800" lvl="2" marL="1371600">
+            <a:lvl3pPr marL="1371600" lvl="2" indent="-304800">
               <a:spcBef>
                 <a:spcPts val="0"/>
               </a:spcBef>
@@ -4670,7 +5214,7 @@
               <a:buChar char="■"/>
               <a:defRPr sz="1200"/>
             </a:lvl3pPr>
-            <a:lvl4pPr indent="-304800" lvl="3" marL="1828800">
+            <a:lvl4pPr marL="1828800" lvl="3" indent="-304800">
               <a:spcBef>
                 <a:spcPts val="0"/>
               </a:spcBef>
@@ -4681,7 +5225,7 @@
               <a:buChar char="●"/>
               <a:defRPr sz="1200"/>
             </a:lvl4pPr>
-            <a:lvl5pPr indent="-304800" lvl="4" marL="2286000">
+            <a:lvl5pPr marL="2286000" lvl="4" indent="-304800">
               <a:spcBef>
                 <a:spcPts val="0"/>
               </a:spcBef>
@@ -4692,7 +5236,7 @@
               <a:buChar char="○"/>
               <a:defRPr sz="1200"/>
             </a:lvl5pPr>
-            <a:lvl6pPr indent="-304800" lvl="5" marL="2743200">
+            <a:lvl6pPr marL="2743200" lvl="5" indent="-304800">
               <a:spcBef>
                 <a:spcPts val="0"/>
               </a:spcBef>
@@ -4703,7 +5247,7 @@
               <a:buChar char="■"/>
               <a:defRPr sz="1200"/>
             </a:lvl6pPr>
-            <a:lvl7pPr indent="-304800" lvl="6" marL="3200400">
+            <a:lvl7pPr marL="3200400" lvl="6" indent="-304800">
               <a:spcBef>
                 <a:spcPts val="0"/>
               </a:spcBef>
@@ -4714,7 +5258,7 @@
               <a:buChar char="●"/>
               <a:defRPr sz="1200"/>
             </a:lvl7pPr>
-            <a:lvl8pPr indent="-304800" lvl="7" marL="3657600">
+            <a:lvl8pPr marL="3657600" lvl="7" indent="-304800">
               <a:spcBef>
                 <a:spcPts val="0"/>
               </a:spcBef>
@@ -4725,7 +5269,7 @@
               <a:buChar char="○"/>
               <a:defRPr sz="1200"/>
             </a:lvl8pPr>
-            <a:lvl9pPr indent="-304800" lvl="8" marL="4114800">
+            <a:lvl9pPr marL="4114800" lvl="8" indent="-304800">
               <a:spcBef>
                 <a:spcPts val="0"/>
               </a:spcBef>
@@ -4737,15 +5281,19 @@
               <a:defRPr sz="1200"/>
             </a:lvl9pPr>
           </a:lstStyle>
-          <a:p/>
+          <a:p>
+            <a:endParaRPr/>
+          </a:p>
         </p:txBody>
       </p:sp>
       <p:sp>
         <p:nvSpPr>
           <p:cNvPr id="43" name="Google Shape;43;p7"/>
-          <p:cNvSpPr txBox="1"/>
+          <p:cNvSpPr txBox="1">
+            <a:spLocks noGrp="1"/>
+          </p:cNvSpPr>
           <p:nvPr>
-            <p:ph idx="12" type="sldNum"/>
+            <p:ph type="sldNum" idx="12"/>
           </p:nvPr>
         </p:nvSpPr>
         <p:spPr>
@@ -4758,7 +5306,7 @@
           </a:prstGeom>
         </p:spPr>
         <p:txBody>
-          <a:bodyPr anchorCtr="0" anchor="ctr" bIns="91425" lIns="91425" spcFirstLastPara="1" rIns="91425" wrap="square" tIns="91425">
+          <a:bodyPr spcFirstLastPara="1" wrap="square" lIns="91425" tIns="91425" rIns="91425" bIns="91425" anchor="ctr" anchorCtr="0">
             <a:normAutofit/>
           </a:bodyPr>
           <a:lstStyle>
@@ -4800,7 +5348,7 @@
             </a:lvl9pPr>
           </a:lstStyle>
           <a:p>
-            <a:pPr indent="0" lvl="0" marL="0" rtl="0" algn="r">
+            <a:pPr marL="0" lvl="0" indent="0" algn="r" rtl="0">
               <a:spcBef>
                 <a:spcPts val="0"/>
               </a:spcBef>
@@ -4826,18 +5374,19 @@
 </file>
 
 <file path=ppt/slideLayouts/slideLayout7.xml><?xml version="1.0" encoding="utf-8"?>
-<p:sldLayout xmlns:a="http://schemas.openxmlformats.org/drawingml/2006/main" xmlns:r="http://schemas.openxmlformats.org/officeDocument/2006/relationships" xmlns:mc="http://schemas.openxmlformats.org/markup-compatibility/2006" xmlns:mv="urn:schemas-microsoft-com:mac:vml" xmlns:p="http://schemas.openxmlformats.org/presentationml/2006/main" xmlns:c="http://schemas.openxmlformats.org/drawingml/2006/chart" xmlns:dgm="http://schemas.openxmlformats.org/drawingml/2006/diagram" xmlns:o="urn:schemas-microsoft-com:office:office" xmlns:v="urn:schemas-microsoft-com:vml" xmlns:pvml="urn:schemas-microsoft-com:office:powerpoint" xmlns:com="http://schemas.openxmlformats.org/drawingml/2006/compatibility" xmlns:p14="http://schemas.microsoft.com/office/powerpoint/2010/main" xmlns:p15="http://schemas.microsoft.com/office/powerpoint/2012/main" xmlns:ahyp="http://schemas.microsoft.com/office/drawing/2018/hyperlinkcolor" matchingName="Main point">
+<p:sldLayout xmlns:a="http://schemas.openxmlformats.org/drawingml/2006/main" xmlns:r="http://schemas.openxmlformats.org/officeDocument/2006/relationships" xmlns:p="http://schemas.openxmlformats.org/presentationml/2006/main" matchingName="Main point">
   <p:cSld name="MAIN_POINT">
     <p:bg>
       <p:bgPr>
         <a:solidFill>
           <a:schemeClr val="lt2"/>
         </a:solidFill>
+        <a:effectLst/>
       </p:bgPr>
     </p:bg>
     <p:spTree>
       <p:nvGrpSpPr>
-        <p:cNvPr id="44" name="Shape 44"/>
+        <p:cNvPr id="1" name="Shape 44"/>
         <p:cNvGrpSpPr/>
         <p:nvPr/>
       </p:nvGrpSpPr>
@@ -4864,21 +5413,23 @@
             <a:avLst/>
           </a:prstGeom>
           <a:noFill/>
-          <a:ln cap="flat" cmpd="sng" w="19050">
+          <a:ln w="19050" cap="flat" cmpd="sng">
             <a:solidFill>
               <a:schemeClr val="lt1"/>
             </a:solidFill>
             <a:prstDash val="solid"/>
             <a:round/>
-            <a:headEnd len="sm" w="sm" type="none"/>
-            <a:tailEnd len="sm" w="sm" type="none"/>
+            <a:headEnd type="none" w="sm" len="sm"/>
+            <a:tailEnd type="none" w="sm" len="sm"/>
           </a:ln>
         </p:spPr>
       </p:cxnSp>
       <p:sp>
         <p:nvSpPr>
           <p:cNvPr id="46" name="Google Shape;46;p8"/>
-          <p:cNvSpPr txBox="1"/>
+          <p:cNvSpPr txBox="1">
+            <a:spLocks noGrp="1"/>
+          </p:cNvSpPr>
           <p:nvPr>
             <p:ph type="title"/>
           </p:nvPr>
@@ -4893,7 +5444,7 @@
           </a:prstGeom>
         </p:spPr>
         <p:txBody>
-          <a:bodyPr anchorCtr="0" anchor="ctr" bIns="91425" lIns="91425" spcFirstLastPara="1" rIns="91425" wrap="square" tIns="91425">
+          <a:bodyPr spcFirstLastPara="1" wrap="square" lIns="91425" tIns="91425" rIns="91425" bIns="91425" anchor="ctr" anchorCtr="0">
             <a:normAutofit/>
           </a:bodyPr>
           <a:lstStyle>
@@ -5060,15 +5611,19 @@
               </a:defRPr>
             </a:lvl9pPr>
           </a:lstStyle>
-          <a:p/>
+          <a:p>
+            <a:endParaRPr/>
+          </a:p>
         </p:txBody>
       </p:sp>
       <p:sp>
         <p:nvSpPr>
           <p:cNvPr id="47" name="Google Shape;47;p8"/>
-          <p:cNvSpPr txBox="1"/>
+          <p:cNvSpPr txBox="1">
+            <a:spLocks noGrp="1"/>
+          </p:cNvSpPr>
           <p:nvPr>
-            <p:ph idx="12" type="sldNum"/>
+            <p:ph type="sldNum" idx="12"/>
           </p:nvPr>
         </p:nvSpPr>
         <p:spPr>
@@ -5081,7 +5636,7 @@
           </a:prstGeom>
         </p:spPr>
         <p:txBody>
-          <a:bodyPr anchorCtr="0" anchor="ctr" bIns="91425" lIns="91425" spcFirstLastPara="1" rIns="91425" wrap="square" tIns="91425">
+          <a:bodyPr spcFirstLastPara="1" wrap="square" lIns="91425" tIns="91425" rIns="91425" bIns="91425" anchor="ctr" anchorCtr="0">
             <a:normAutofit/>
           </a:bodyPr>
           <a:lstStyle>
@@ -5159,7 +5714,7 @@
             </a:lvl9pPr>
           </a:lstStyle>
           <a:p>
-            <a:pPr indent="0" lvl="0" marL="0" rtl="0" algn="r">
+            <a:pPr marL="0" lvl="0" indent="0" algn="r" rtl="0">
               <a:spcBef>
                 <a:spcPts val="0"/>
               </a:spcBef>
@@ -5185,11 +5740,11 @@
 </file>
 
 <file path=ppt/slideLayouts/slideLayout8.xml><?xml version="1.0" encoding="utf-8"?>
-<p:sldLayout xmlns:a="http://schemas.openxmlformats.org/drawingml/2006/main" xmlns:r="http://schemas.openxmlformats.org/officeDocument/2006/relationships" xmlns:mc="http://schemas.openxmlformats.org/markup-compatibility/2006" xmlns:mv="urn:schemas-microsoft-com:mac:vml" xmlns:p="http://schemas.openxmlformats.org/presentationml/2006/main" xmlns:c="http://schemas.openxmlformats.org/drawingml/2006/chart" xmlns:dgm="http://schemas.openxmlformats.org/drawingml/2006/diagram" xmlns:o="urn:schemas-microsoft-com:office:office" xmlns:v="urn:schemas-microsoft-com:vml" xmlns:pvml="urn:schemas-microsoft-com:office:powerpoint" xmlns:com="http://schemas.openxmlformats.org/drawingml/2006/compatibility" xmlns:p14="http://schemas.microsoft.com/office/powerpoint/2010/main" xmlns:p15="http://schemas.microsoft.com/office/powerpoint/2012/main" xmlns:ahyp="http://schemas.microsoft.com/office/drawing/2018/hyperlinkcolor" matchingName="Section title and description">
+<p:sldLayout xmlns:a="http://schemas.openxmlformats.org/drawingml/2006/main" xmlns:r="http://schemas.openxmlformats.org/officeDocument/2006/relationships" xmlns:p="http://schemas.openxmlformats.org/presentationml/2006/main" matchingName="Section title and description">
   <p:cSld name="SECTION_TITLE_AND_DESCRIPTION">
     <p:spTree>
       <p:nvGrpSpPr>
-        <p:cNvPr id="48" name="Shape 48"/>
+        <p:cNvPr id="1" name="Shape 48"/>
         <p:cNvGrpSpPr/>
         <p:nvPr/>
       </p:nvGrpSpPr>
@@ -5223,12 +5778,12 @@
           </a:ln>
         </p:spPr>
         <p:txBody>
-          <a:bodyPr anchorCtr="0" anchor="ctr" bIns="91425" lIns="91425" spcFirstLastPara="1" rIns="91425" wrap="square" tIns="91425">
+          <a:bodyPr spcFirstLastPara="1" wrap="square" lIns="91425" tIns="91425" rIns="91425" bIns="91425" anchor="ctr" anchorCtr="0">
             <a:noAutofit/>
           </a:bodyPr>
           <a:lstStyle/>
           <a:p>
-            <a:pPr indent="0" lvl="0" marL="0" rtl="0" algn="l">
+            <a:pPr marL="0" lvl="0" indent="0" algn="l" rtl="0">
               <a:spcBef>
                 <a:spcPts val="0"/>
               </a:spcBef>
@@ -5237,9 +5792,6 @@
               </a:spcAft>
               <a:buNone/>
             </a:pPr>
-            <a:r>
-              <a:t/>
-            </a:r>
             <a:endParaRPr/>
           </a:p>
         </p:txBody>
@@ -5259,21 +5811,23 @@
             <a:avLst/>
           </a:prstGeom>
           <a:noFill/>
-          <a:ln cap="flat" cmpd="sng" w="19050">
+          <a:ln w="19050" cap="flat" cmpd="sng">
             <a:solidFill>
               <a:schemeClr val="lt1"/>
             </a:solidFill>
             <a:prstDash val="solid"/>
             <a:round/>
-            <a:headEnd len="sm" w="sm" type="none"/>
-            <a:tailEnd len="sm" w="sm" type="none"/>
+            <a:headEnd type="none" w="sm" len="sm"/>
+            <a:tailEnd type="none" w="sm" len="sm"/>
           </a:ln>
         </p:spPr>
       </p:cxnSp>
       <p:sp>
         <p:nvSpPr>
           <p:cNvPr id="51" name="Google Shape;51;p9"/>
-          <p:cNvSpPr txBox="1"/>
+          <p:cNvSpPr txBox="1">
+            <a:spLocks noGrp="1"/>
+          </p:cNvSpPr>
           <p:nvPr>
             <p:ph type="title"/>
           </p:nvPr>
@@ -5288,7 +5842,7 @@
           </a:prstGeom>
         </p:spPr>
         <p:txBody>
-          <a:bodyPr anchorCtr="0" anchor="b" bIns="91425" lIns="91425" spcFirstLastPara="1" rIns="91425" wrap="square" tIns="91425">
+          <a:bodyPr spcFirstLastPara="1" wrap="square" lIns="91425" tIns="91425" rIns="91425" bIns="91425" anchor="b" anchorCtr="0">
             <a:normAutofit/>
           </a:bodyPr>
           <a:lstStyle>
@@ -5455,15 +6009,19 @@
               </a:defRPr>
             </a:lvl9pPr>
           </a:lstStyle>
-          <a:p/>
+          <a:p>
+            <a:endParaRPr/>
+          </a:p>
         </p:txBody>
       </p:sp>
       <p:sp>
         <p:nvSpPr>
           <p:cNvPr id="52" name="Google Shape;52;p9"/>
-          <p:cNvSpPr txBox="1"/>
+          <p:cNvSpPr txBox="1">
+            <a:spLocks noGrp="1"/>
+          </p:cNvSpPr>
           <p:nvPr>
-            <p:ph idx="1" type="subTitle"/>
+            <p:ph type="subTitle" idx="1"/>
           </p:nvPr>
         </p:nvSpPr>
         <p:spPr>
@@ -5476,7 +6034,7 @@
           </a:prstGeom>
         </p:spPr>
         <p:txBody>
-          <a:bodyPr anchorCtr="0" anchor="t" bIns="91425" lIns="91425" spcFirstLastPara="1" rIns="91425" wrap="square" tIns="91425">
+          <a:bodyPr spcFirstLastPara="1" wrap="square" lIns="91425" tIns="91425" rIns="91425" bIns="91425" anchor="t" anchorCtr="0">
             <a:normAutofit/>
           </a:bodyPr>
           <a:lstStyle>
@@ -5607,15 +6165,19 @@
               <a:defRPr sz="2100"/>
             </a:lvl9pPr>
           </a:lstStyle>
-          <a:p/>
+          <a:p>
+            <a:endParaRPr/>
+          </a:p>
         </p:txBody>
       </p:sp>
       <p:sp>
         <p:nvSpPr>
           <p:cNvPr id="53" name="Google Shape;53;p9"/>
-          <p:cNvSpPr txBox="1"/>
+          <p:cNvSpPr txBox="1">
+            <a:spLocks noGrp="1"/>
+          </p:cNvSpPr>
           <p:nvPr>
-            <p:ph idx="2" type="body"/>
+            <p:ph type="body" idx="2"/>
           </p:nvPr>
         </p:nvSpPr>
         <p:spPr>
@@ -5628,11 +6190,11 @@
           </a:prstGeom>
         </p:spPr>
         <p:txBody>
-          <a:bodyPr anchorCtr="0" anchor="ctr" bIns="91425" lIns="91425" spcFirstLastPara="1" rIns="91425" wrap="square" tIns="91425">
+          <a:bodyPr spcFirstLastPara="1" wrap="square" lIns="91425" tIns="91425" rIns="91425" bIns="91425" anchor="ctr" anchorCtr="0">
             <a:normAutofit/>
           </a:bodyPr>
           <a:lstStyle>
-            <a:lvl1pPr indent="-342900" lvl="0" marL="457200">
+            <a:lvl1pPr marL="457200" lvl="0" indent="-342900">
               <a:spcBef>
                 <a:spcPts val="0"/>
               </a:spcBef>
@@ -5650,7 +6212,7 @@
                 </a:solidFill>
               </a:defRPr>
             </a:lvl1pPr>
-            <a:lvl2pPr indent="-317500" lvl="1" marL="914400">
+            <a:lvl2pPr marL="914400" lvl="1" indent="-317500">
               <a:spcBef>
                 <a:spcPts val="0"/>
               </a:spcBef>
@@ -5668,7 +6230,7 @@
                 </a:solidFill>
               </a:defRPr>
             </a:lvl2pPr>
-            <a:lvl3pPr indent="-317500" lvl="2" marL="1371600">
+            <a:lvl3pPr marL="1371600" lvl="2" indent="-317500">
               <a:spcBef>
                 <a:spcPts val="0"/>
               </a:spcBef>
@@ -5686,7 +6248,7 @@
                 </a:solidFill>
               </a:defRPr>
             </a:lvl3pPr>
-            <a:lvl4pPr indent="-317500" lvl="3" marL="1828800">
+            <a:lvl4pPr marL="1828800" lvl="3" indent="-317500">
               <a:spcBef>
                 <a:spcPts val="0"/>
               </a:spcBef>
@@ -5704,7 +6266,7 @@
                 </a:solidFill>
               </a:defRPr>
             </a:lvl4pPr>
-            <a:lvl5pPr indent="-317500" lvl="4" marL="2286000">
+            <a:lvl5pPr marL="2286000" lvl="4" indent="-317500">
               <a:spcBef>
                 <a:spcPts val="0"/>
               </a:spcBef>
@@ -5722,7 +6284,7 @@
                 </a:solidFill>
               </a:defRPr>
             </a:lvl5pPr>
-            <a:lvl6pPr indent="-317500" lvl="5" marL="2743200">
+            <a:lvl6pPr marL="2743200" lvl="5" indent="-317500">
               <a:spcBef>
                 <a:spcPts val="0"/>
               </a:spcBef>
@@ -5740,7 +6302,7 @@
                 </a:solidFill>
               </a:defRPr>
             </a:lvl6pPr>
-            <a:lvl7pPr indent="-317500" lvl="6" marL="3200400">
+            <a:lvl7pPr marL="3200400" lvl="6" indent="-317500">
               <a:spcBef>
                 <a:spcPts val="0"/>
               </a:spcBef>
@@ -5758,7 +6320,7 @@
                 </a:solidFill>
               </a:defRPr>
             </a:lvl7pPr>
-            <a:lvl8pPr indent="-317500" lvl="7" marL="3657600">
+            <a:lvl8pPr marL="3657600" lvl="7" indent="-317500">
               <a:spcBef>
                 <a:spcPts val="0"/>
               </a:spcBef>
@@ -5776,7 +6338,7 @@
                 </a:solidFill>
               </a:defRPr>
             </a:lvl8pPr>
-            <a:lvl9pPr indent="-317500" lvl="8" marL="4114800">
+            <a:lvl9pPr marL="4114800" lvl="8" indent="-317500">
               <a:spcBef>
                 <a:spcPts val="0"/>
               </a:spcBef>
@@ -5795,15 +6357,19 @@
               </a:defRPr>
             </a:lvl9pPr>
           </a:lstStyle>
-          <a:p/>
+          <a:p>
+            <a:endParaRPr/>
+          </a:p>
         </p:txBody>
       </p:sp>
       <p:sp>
         <p:nvSpPr>
           <p:cNvPr id="54" name="Google Shape;54;p9"/>
-          <p:cNvSpPr txBox="1"/>
+          <p:cNvSpPr txBox="1">
+            <a:spLocks noGrp="1"/>
+          </p:cNvSpPr>
           <p:nvPr>
-            <p:ph idx="12" type="sldNum"/>
+            <p:ph type="sldNum" idx="12"/>
           </p:nvPr>
         </p:nvSpPr>
         <p:spPr>
@@ -5816,7 +6382,7 @@
           </a:prstGeom>
         </p:spPr>
         <p:txBody>
-          <a:bodyPr anchorCtr="0" anchor="ctr" bIns="91425" lIns="91425" spcFirstLastPara="1" rIns="91425" wrap="square" tIns="91425">
+          <a:bodyPr spcFirstLastPara="1" wrap="square" lIns="91425" tIns="91425" rIns="91425" bIns="91425" anchor="ctr" anchorCtr="0">
             <a:normAutofit/>
           </a:bodyPr>
           <a:lstStyle>
@@ -5894,7 +6460,7 @@
             </a:lvl9pPr>
           </a:lstStyle>
           <a:p>
-            <a:pPr indent="0" lvl="0" marL="0" rtl="0" algn="r">
+            <a:pPr marL="0" lvl="0" indent="0" algn="r" rtl="0">
               <a:spcBef>
                 <a:spcPts val="0"/>
               </a:spcBef>
@@ -5920,11 +6486,11 @@
 </file>
 
 <file path=ppt/slideLayouts/slideLayout9.xml><?xml version="1.0" encoding="utf-8"?>
-<p:sldLayout xmlns:a="http://schemas.openxmlformats.org/drawingml/2006/main" xmlns:r="http://schemas.openxmlformats.org/officeDocument/2006/relationships" xmlns:mc="http://schemas.openxmlformats.org/markup-compatibility/2006" xmlns:mv="urn:schemas-microsoft-com:mac:vml" xmlns:p="http://schemas.openxmlformats.org/presentationml/2006/main" xmlns:c="http://schemas.openxmlformats.org/drawingml/2006/chart" xmlns:dgm="http://schemas.openxmlformats.org/drawingml/2006/diagram" xmlns:o="urn:schemas-microsoft-com:office:office" xmlns:v="urn:schemas-microsoft-com:vml" xmlns:pvml="urn:schemas-microsoft-com:office:powerpoint" xmlns:com="http://schemas.openxmlformats.org/drawingml/2006/compatibility" xmlns:p14="http://schemas.microsoft.com/office/powerpoint/2010/main" xmlns:p15="http://schemas.microsoft.com/office/powerpoint/2012/main" xmlns:ahyp="http://schemas.microsoft.com/office/drawing/2018/hyperlinkcolor" matchingName="Caption">
+<p:sldLayout xmlns:a="http://schemas.openxmlformats.org/drawingml/2006/main" xmlns:r="http://schemas.openxmlformats.org/officeDocument/2006/relationships" xmlns:p="http://schemas.openxmlformats.org/presentationml/2006/main" matchingName="Caption">
   <p:cSld name="CAPTION_ONLY">
     <p:spTree>
       <p:nvGrpSpPr>
-        <p:cNvPr id="55" name="Shape 55"/>
+        <p:cNvPr id="1" name="Shape 55"/>
         <p:cNvGrpSpPr/>
         <p:nvPr/>
       </p:nvGrpSpPr>
@@ -5951,14 +6517,14 @@
             <a:avLst/>
           </a:prstGeom>
           <a:noFill/>
-          <a:ln cap="flat" cmpd="sng" w="19050">
+          <a:ln w="19050" cap="flat" cmpd="sng">
             <a:solidFill>
               <a:schemeClr val="dk2"/>
             </a:solidFill>
             <a:prstDash val="solid"/>
             <a:round/>
-            <a:headEnd len="sm" w="sm" type="none"/>
-            <a:tailEnd len="sm" w="sm" type="none"/>
+            <a:headEnd type="none" w="sm" len="sm"/>
+            <a:tailEnd type="none" w="sm" len="sm"/>
           </a:ln>
         </p:spPr>
       </p:cxnSp>
@@ -5977,23 +6543,25 @@
             <a:avLst/>
           </a:prstGeom>
           <a:noFill/>
-          <a:ln cap="flat" cmpd="sng" w="19050">
+          <a:ln w="19050" cap="flat" cmpd="sng">
             <a:solidFill>
               <a:schemeClr val="dk2"/>
             </a:solidFill>
             <a:prstDash val="solid"/>
             <a:round/>
-            <a:headEnd len="sm" w="sm" type="none"/>
-            <a:tailEnd len="sm" w="sm" type="none"/>
+            <a:headEnd type="none" w="sm" len="sm"/>
+            <a:tailEnd type="none" w="sm" len="sm"/>
           </a:ln>
         </p:spPr>
       </p:cxnSp>
       <p:sp>
         <p:nvSpPr>
           <p:cNvPr id="58" name="Google Shape;58;p10"/>
-          <p:cNvSpPr txBox="1"/>
+          <p:cNvSpPr txBox="1">
+            <a:spLocks noGrp="1"/>
+          </p:cNvSpPr>
           <p:nvPr>
-            <p:ph idx="1" type="body"/>
+            <p:ph type="body" idx="1"/>
           </p:nvPr>
         </p:nvSpPr>
         <p:spPr>
@@ -6006,11 +6574,11 @@
           </a:prstGeom>
         </p:spPr>
         <p:txBody>
-          <a:bodyPr anchorCtr="0" anchor="ctr" bIns="91425" lIns="91425" spcFirstLastPara="1" rIns="91425" wrap="square" tIns="91425">
+          <a:bodyPr spcFirstLastPara="1" wrap="square" lIns="91425" tIns="91425" rIns="91425" bIns="91425" anchor="ctr" anchorCtr="0">
             <a:normAutofit/>
           </a:bodyPr>
           <a:lstStyle>
-            <a:lvl1pPr indent="-228600" lvl="0" marL="457200">
+            <a:lvl1pPr marL="457200" lvl="0" indent="-228600">
               <a:lnSpc>
                 <a:spcPct val="100000"/>
               </a:lnSpc>
@@ -6025,15 +6593,19 @@
               <a:defRPr/>
             </a:lvl1pPr>
           </a:lstStyle>
-          <a:p/>
+          <a:p>
+            <a:endParaRPr/>
+          </a:p>
         </p:txBody>
       </p:sp>
       <p:sp>
         <p:nvSpPr>
           <p:cNvPr id="59" name="Google Shape;59;p10"/>
-          <p:cNvSpPr txBox="1"/>
+          <p:cNvSpPr txBox="1">
+            <a:spLocks noGrp="1"/>
+          </p:cNvSpPr>
           <p:nvPr>
-            <p:ph idx="12" type="sldNum"/>
+            <p:ph type="sldNum" idx="12"/>
           </p:nvPr>
         </p:nvSpPr>
         <p:spPr>
@@ -6046,7 +6618,7 @@
           </a:prstGeom>
         </p:spPr>
         <p:txBody>
-          <a:bodyPr anchorCtr="0" anchor="ctr" bIns="91425" lIns="91425" spcFirstLastPara="1" rIns="91425" wrap="square" tIns="91425">
+          <a:bodyPr spcFirstLastPara="1" wrap="square" lIns="91425" tIns="91425" rIns="91425" bIns="91425" anchor="ctr" anchorCtr="0">
             <a:normAutofit/>
           </a:bodyPr>
           <a:lstStyle>
@@ -6088,7 +6660,7 @@
             </a:lvl9pPr>
           </a:lstStyle>
           <a:p>
-            <a:pPr indent="0" lvl="0" marL="0" rtl="0" algn="r">
+            <a:pPr marL="0" lvl="0" indent="0" algn="r" rtl="0">
               <a:spcBef>
                 <a:spcPts val="0"/>
               </a:spcBef>
@@ -6114,18 +6686,19 @@
 </file>
 
 <file path=ppt/slideMasters/slideMaster1.xml><?xml version="1.0" encoding="utf-8"?>
-<p:sldMaster xmlns:a="http://schemas.openxmlformats.org/drawingml/2006/main" xmlns:r="http://schemas.openxmlformats.org/officeDocument/2006/relationships" xmlns:mc="http://schemas.openxmlformats.org/markup-compatibility/2006" xmlns:mv="urn:schemas-microsoft-com:mac:vml" xmlns:p="http://schemas.openxmlformats.org/presentationml/2006/main" xmlns:c="http://schemas.openxmlformats.org/drawingml/2006/chart" xmlns:dgm="http://schemas.openxmlformats.org/drawingml/2006/diagram" xmlns:o="urn:schemas-microsoft-com:office:office" xmlns:v="urn:schemas-microsoft-com:vml" xmlns:pvml="urn:schemas-microsoft-com:office:powerpoint" xmlns:com="http://schemas.openxmlformats.org/drawingml/2006/compatibility" xmlns:p14="http://schemas.microsoft.com/office/powerpoint/2010/main" xmlns:p15="http://schemas.microsoft.com/office/powerpoint/2012/main" xmlns:ahyp="http://schemas.microsoft.com/office/drawing/2018/hyperlinkcolor">
+<p:sldMaster xmlns:a="http://schemas.openxmlformats.org/drawingml/2006/main" xmlns:r="http://schemas.openxmlformats.org/officeDocument/2006/relationships" xmlns:p="http://schemas.openxmlformats.org/presentationml/2006/main">
   <p:cSld name="swiss-2">
     <p:bg>
       <p:bgPr>
         <a:solidFill>
           <a:schemeClr val="lt1"/>
         </a:solidFill>
+        <a:effectLst/>
       </p:bgPr>
     </p:bg>
     <p:spTree>
       <p:nvGrpSpPr>
-        <p:cNvPr id="5" name="Shape 5"/>
+        <p:cNvPr id="1" name="Shape 5"/>
         <p:cNvGrpSpPr/>
         <p:nvPr/>
       </p:nvGrpSpPr>
@@ -6140,7 +6713,9 @@
       <p:sp>
         <p:nvSpPr>
           <p:cNvPr id="6" name="Google Shape;6;p1"/>
-          <p:cNvSpPr txBox="1"/>
+          <p:cNvSpPr txBox="1">
+            <a:spLocks noGrp="1"/>
+          </p:cNvSpPr>
           <p:nvPr>
             <p:ph type="title"/>
           </p:nvPr>
@@ -6159,7 +6734,7 @@
           </a:ln>
         </p:spPr>
         <p:txBody>
-          <a:bodyPr anchorCtr="0" anchor="t" bIns="91425" lIns="91425" spcFirstLastPara="1" rIns="91425" wrap="square" tIns="91425">
+          <a:bodyPr spcFirstLastPara="1" wrap="square" lIns="91425" tIns="91425" rIns="91425" bIns="91425" anchor="t" anchorCtr="0">
             <a:normAutofit/>
           </a:bodyPr>
           <a:lstStyle>
@@ -6176,7 +6751,7 @@
               <a:buSzPts val="3000"/>
               <a:buFont typeface="Raleway"/>
               <a:buNone/>
-              <a:defRPr b="1" sz="3000">
+              <a:defRPr sz="3000" b="1">
                 <a:solidFill>
                   <a:schemeClr val="dk2"/>
                 </a:solidFill>
@@ -6199,7 +6774,7 @@
               <a:buSzPts val="3000"/>
               <a:buFont typeface="Raleway"/>
               <a:buNone/>
-              <a:defRPr b="1" sz="3000">
+              <a:defRPr sz="3000" b="1">
                 <a:solidFill>
                   <a:schemeClr val="dk2"/>
                 </a:solidFill>
@@ -6222,7 +6797,7 @@
               <a:buSzPts val="3000"/>
               <a:buFont typeface="Raleway"/>
               <a:buNone/>
-              <a:defRPr b="1" sz="3000">
+              <a:defRPr sz="3000" b="1">
                 <a:solidFill>
                   <a:schemeClr val="dk2"/>
                 </a:solidFill>
@@ -6245,7 +6820,7 @@
               <a:buSzPts val="3000"/>
               <a:buFont typeface="Raleway"/>
               <a:buNone/>
-              <a:defRPr b="1" sz="3000">
+              <a:defRPr sz="3000" b="1">
                 <a:solidFill>
                   <a:schemeClr val="dk2"/>
                 </a:solidFill>
@@ -6268,7 +6843,7 @@
               <a:buSzPts val="3000"/>
               <a:buFont typeface="Raleway"/>
               <a:buNone/>
-              <a:defRPr b="1" sz="3000">
+              <a:defRPr sz="3000" b="1">
                 <a:solidFill>
                   <a:schemeClr val="dk2"/>
                 </a:solidFill>
@@ -6291,7 +6866,7 @@
               <a:buSzPts val="3000"/>
               <a:buFont typeface="Raleway"/>
               <a:buNone/>
-              <a:defRPr b="1" sz="3000">
+              <a:defRPr sz="3000" b="1">
                 <a:solidFill>
                   <a:schemeClr val="dk2"/>
                 </a:solidFill>
@@ -6314,7 +6889,7 @@
               <a:buSzPts val="3000"/>
               <a:buFont typeface="Raleway"/>
               <a:buNone/>
-              <a:defRPr b="1" sz="3000">
+              <a:defRPr sz="3000" b="1">
                 <a:solidFill>
                   <a:schemeClr val="dk2"/>
                 </a:solidFill>
@@ -6337,7 +6912,7 @@
               <a:buSzPts val="3000"/>
               <a:buFont typeface="Raleway"/>
               <a:buNone/>
-              <a:defRPr b="1" sz="3000">
+              <a:defRPr sz="3000" b="1">
                 <a:solidFill>
                   <a:schemeClr val="dk2"/>
                 </a:solidFill>
@@ -6360,7 +6935,7 @@
               <a:buSzPts val="3000"/>
               <a:buFont typeface="Raleway"/>
               <a:buNone/>
-              <a:defRPr b="1" sz="3000">
+              <a:defRPr sz="3000" b="1">
                 <a:solidFill>
                   <a:schemeClr val="dk2"/>
                 </a:solidFill>
@@ -6371,15 +6946,19 @@
               </a:defRPr>
             </a:lvl9pPr>
           </a:lstStyle>
-          <a:p/>
+          <a:p>
+            <a:endParaRPr/>
+          </a:p>
         </p:txBody>
       </p:sp>
       <p:sp>
         <p:nvSpPr>
           <p:cNvPr id="7" name="Google Shape;7;p1"/>
-          <p:cNvSpPr txBox="1"/>
+          <p:cNvSpPr txBox="1">
+            <a:spLocks noGrp="1"/>
+          </p:cNvSpPr>
           <p:nvPr>
-            <p:ph idx="1" type="body"/>
+            <p:ph type="body" idx="1"/>
           </p:nvPr>
         </p:nvSpPr>
         <p:spPr>
@@ -6396,11 +6975,11 @@
           </a:ln>
         </p:spPr>
         <p:txBody>
-          <a:bodyPr anchorCtr="0" anchor="t" bIns="91425" lIns="91425" spcFirstLastPara="1" rIns="91425" wrap="square" tIns="91425">
+          <a:bodyPr spcFirstLastPara="1" wrap="square" lIns="91425" tIns="91425" rIns="91425" bIns="91425" anchor="t" anchorCtr="0">
             <a:normAutofit/>
           </a:bodyPr>
           <a:lstStyle>
-            <a:lvl1pPr indent="-342900" lvl="0" marL="457200">
+            <a:lvl1pPr marL="457200" lvl="0" indent="-342900">
               <a:lnSpc>
                 <a:spcPct val="115000"/>
               </a:lnSpc>
@@ -6426,7 +7005,7 @@
                 <a:sym typeface="Lato"/>
               </a:defRPr>
             </a:lvl1pPr>
-            <a:lvl2pPr indent="-317500" lvl="1" marL="914400">
+            <a:lvl2pPr marL="914400" lvl="1" indent="-317500">
               <a:lnSpc>
                 <a:spcPct val="115000"/>
               </a:lnSpc>
@@ -6452,7 +7031,7 @@
                 <a:sym typeface="Lato"/>
               </a:defRPr>
             </a:lvl2pPr>
-            <a:lvl3pPr indent="-317500" lvl="2" marL="1371600">
+            <a:lvl3pPr marL="1371600" lvl="2" indent="-317500">
               <a:lnSpc>
                 <a:spcPct val="115000"/>
               </a:lnSpc>
@@ -6478,7 +7057,7 @@
                 <a:sym typeface="Lato"/>
               </a:defRPr>
             </a:lvl3pPr>
-            <a:lvl4pPr indent="-317500" lvl="3" marL="1828800">
+            <a:lvl4pPr marL="1828800" lvl="3" indent="-317500">
               <a:lnSpc>
                 <a:spcPct val="115000"/>
               </a:lnSpc>
@@ -6504,7 +7083,7 @@
                 <a:sym typeface="Lato"/>
               </a:defRPr>
             </a:lvl4pPr>
-            <a:lvl5pPr indent="-317500" lvl="4" marL="2286000">
+            <a:lvl5pPr marL="2286000" lvl="4" indent="-317500">
               <a:lnSpc>
                 <a:spcPct val="115000"/>
               </a:lnSpc>
@@ -6530,7 +7109,7 @@
                 <a:sym typeface="Lato"/>
               </a:defRPr>
             </a:lvl5pPr>
-            <a:lvl6pPr indent="-317500" lvl="5" marL="2743200">
+            <a:lvl6pPr marL="2743200" lvl="5" indent="-317500">
               <a:lnSpc>
                 <a:spcPct val="115000"/>
               </a:lnSpc>
@@ -6556,7 +7135,7 @@
                 <a:sym typeface="Lato"/>
               </a:defRPr>
             </a:lvl6pPr>
-            <a:lvl7pPr indent="-317500" lvl="6" marL="3200400">
+            <a:lvl7pPr marL="3200400" lvl="6" indent="-317500">
               <a:lnSpc>
                 <a:spcPct val="115000"/>
               </a:lnSpc>
@@ -6582,7 +7161,7 @@
                 <a:sym typeface="Lato"/>
               </a:defRPr>
             </a:lvl7pPr>
-            <a:lvl8pPr indent="-317500" lvl="7" marL="3657600">
+            <a:lvl8pPr marL="3657600" lvl="7" indent="-317500">
               <a:lnSpc>
                 <a:spcPct val="115000"/>
               </a:lnSpc>
@@ -6608,7 +7187,7 @@
                 <a:sym typeface="Lato"/>
               </a:defRPr>
             </a:lvl8pPr>
-            <a:lvl9pPr indent="-317500" lvl="8" marL="4114800">
+            <a:lvl9pPr marL="4114800" lvl="8" indent="-317500">
               <a:lnSpc>
                 <a:spcPct val="115000"/>
               </a:lnSpc>
@@ -6635,15 +7214,19 @@
               </a:defRPr>
             </a:lvl9pPr>
           </a:lstStyle>
-          <a:p/>
+          <a:p>
+            <a:endParaRPr/>
+          </a:p>
         </p:txBody>
       </p:sp>
       <p:sp>
         <p:nvSpPr>
           <p:cNvPr id="8" name="Google Shape;8;p1"/>
-          <p:cNvSpPr txBox="1"/>
+          <p:cNvSpPr txBox="1">
+            <a:spLocks noGrp="1"/>
+          </p:cNvSpPr>
           <p:nvPr>
-            <p:ph idx="12" type="sldNum"/>
+            <p:ph type="sldNum" idx="12"/>
           </p:nvPr>
         </p:nvSpPr>
         <p:spPr>
@@ -6660,7 +7243,7 @@
           </a:ln>
         </p:spPr>
         <p:txBody>
-          <a:bodyPr anchorCtr="0" anchor="ctr" bIns="91425" lIns="91425" spcFirstLastPara="1" rIns="91425" wrap="square" tIns="91425">
+          <a:bodyPr spcFirstLastPara="1" wrap="square" lIns="91425" tIns="91425" rIns="91425" bIns="91425" anchor="ctr" anchorCtr="0">
             <a:normAutofit/>
           </a:bodyPr>
           <a:lstStyle>
@@ -6774,7 +7357,7 @@
             </a:lvl9pPr>
           </a:lstStyle>
           <a:p>
-            <a:pPr indent="0" lvl="0" marL="0" rtl="0" algn="r">
+            <a:pPr marL="0" lvl="0" indent="0" algn="r" rtl="0">
               <a:spcBef>
                 <a:spcPts val="0"/>
               </a:spcBef>
@@ -6793,7 +7376,7 @@
       </p:sp>
     </p:spTree>
   </p:cSld>
-  <p:clrMap accent1="accent1" accent2="accent2" accent3="accent3" accent4="accent4" accent5="accent5" accent6="accent6" bg1="lt1" bg2="dk2" tx1="dk1" tx2="lt2" folHlink="folHlink" hlink="hlink"/>
+  <p:clrMap bg1="lt1" tx1="dk1" bg2="dk2" tx2="lt2" accent1="accent1" accent2="accent2" accent3="accent3" accent4="accent4" accent5="accent5" accent6="accent6" hlink="hlink" folHlink="folHlink"/>
   <p:sldLayoutIdLst>
     <p:sldLayoutId id="2147483648" r:id="rId1"/>
     <p:sldLayoutId id="2147483649" r:id="rId2"/>
@@ -6807,10 +7390,22 @@
     <p:sldLayoutId id="2147483657" r:id="rId10"/>
     <p:sldLayoutId id="2147483658" r:id="rId11"/>
   </p:sldLayoutIdLst>
-  <p:hf dt="0" ftr="0" hdr="0" sldNum="0"/>
+  <mc:AlternateContent xmlns:mc="http://schemas.openxmlformats.org/markup-compatibility/2006" xmlns:p14="http://schemas.microsoft.com/office/powerpoint/2010/main">
+    <mc:Choice Requires="p14">
+      <p:transition spd="slow" p14:dur="1500">
+        <p:push/>
+      </p:transition>
+    </mc:Choice>
+    <mc:Fallback xmlns:ahyp="http://schemas.microsoft.com/office/drawing/2018/hyperlinkcolor" xmlns:p15="http://schemas.microsoft.com/office/powerpoint/2012/main" xmlns:com="http://schemas.openxmlformats.org/drawingml/2006/compatibility" xmlns:pvml="urn:schemas-microsoft-com:office:powerpoint" xmlns:v="urn:schemas-microsoft-com:vml" xmlns:o="urn:schemas-microsoft-com:office:office" xmlns:dgm="http://schemas.openxmlformats.org/drawingml/2006/diagram" xmlns:c="http://schemas.openxmlformats.org/drawingml/2006/chart" xmlns:mv="urn:schemas-microsoft-com:mac:vml" xmlns="">
+      <p:transition spd="slow">
+        <p:fade/>
+      </p:transition>
+    </mc:Fallback>
+  </mc:AlternateContent>
+  <p:hf sldNum="0" hdr="0" ftr="0" dt="0"/>
   <p:txStyles>
     <p:titleStyle>
-      <a:defPPr lvl="0" marR="0" rtl="0" algn="l">
+      <a:defPPr marR="0" lvl="0" algn="l" rtl="0">
         <a:lnSpc>
           <a:spcPct val="100000"/>
         </a:lnSpc>
@@ -6821,7 +7416,7 @@
           <a:spcPts val="0"/>
         </a:spcAft>
       </a:defPPr>
-      <a:lvl1pPr lvl="0" marR="0" rtl="0" algn="l">
+      <a:lvl1pPr marR="0" lvl="0" algn="l" rtl="0">
         <a:lnSpc>
           <a:spcPct val="100000"/>
         </a:lnSpc>
@@ -6835,7 +7430,7 @@
           <a:srgbClr val="000000"/>
         </a:buClr>
         <a:buFont typeface="Arial"/>
-        <a:defRPr b="0" i="0" sz="1400" u="none" cap="none" strike="noStrike">
+        <a:defRPr sz="1400" b="0" i="0" u="none" strike="noStrike" cap="none">
           <a:solidFill>
             <a:srgbClr val="000000"/>
           </a:solidFill>
@@ -6845,7 +7440,7 @@
           <a:sym typeface="Arial"/>
         </a:defRPr>
       </a:lvl1pPr>
-      <a:lvl2pPr lvl="1" marR="0" rtl="0" algn="l">
+      <a:lvl2pPr marR="0" lvl="1" algn="l" rtl="0">
         <a:lnSpc>
           <a:spcPct val="100000"/>
         </a:lnSpc>
@@ -6859,7 +7454,7 @@
           <a:srgbClr val="000000"/>
         </a:buClr>
         <a:buFont typeface="Arial"/>
-        <a:defRPr b="0" i="0" sz="1400" u="none" cap="none" strike="noStrike">
+        <a:defRPr sz="1400" b="0" i="0" u="none" strike="noStrike" cap="none">
           <a:solidFill>
             <a:srgbClr val="000000"/>
           </a:solidFill>
@@ -6869,7 +7464,7 @@
           <a:sym typeface="Arial"/>
         </a:defRPr>
       </a:lvl2pPr>
-      <a:lvl3pPr lvl="2" marR="0" rtl="0" algn="l">
+      <a:lvl3pPr marR="0" lvl="2" algn="l" rtl="0">
         <a:lnSpc>
           <a:spcPct val="100000"/>
         </a:lnSpc>
@@ -6883,7 +7478,7 @@
           <a:srgbClr val="000000"/>
         </a:buClr>
         <a:buFont typeface="Arial"/>
-        <a:defRPr b="0" i="0" sz="1400" u="none" cap="none" strike="noStrike">
+        <a:defRPr sz="1400" b="0" i="0" u="none" strike="noStrike" cap="none">
           <a:solidFill>
             <a:srgbClr val="000000"/>
           </a:solidFill>
@@ -6893,7 +7488,7 @@
           <a:sym typeface="Arial"/>
         </a:defRPr>
       </a:lvl3pPr>
-      <a:lvl4pPr lvl="3" marR="0" rtl="0" algn="l">
+      <a:lvl4pPr marR="0" lvl="3" algn="l" rtl="0">
         <a:lnSpc>
           <a:spcPct val="100000"/>
         </a:lnSpc>
@@ -6907,7 +7502,7 @@
           <a:srgbClr val="000000"/>
         </a:buClr>
         <a:buFont typeface="Arial"/>
-        <a:defRPr b="0" i="0" sz="1400" u="none" cap="none" strike="noStrike">
+        <a:defRPr sz="1400" b="0" i="0" u="none" strike="noStrike" cap="none">
           <a:solidFill>
             <a:srgbClr val="000000"/>
           </a:solidFill>
@@ -6917,7 +7512,7 @@
           <a:sym typeface="Arial"/>
         </a:defRPr>
       </a:lvl4pPr>
-      <a:lvl5pPr lvl="4" marR="0" rtl="0" algn="l">
+      <a:lvl5pPr marR="0" lvl="4" algn="l" rtl="0">
         <a:lnSpc>
           <a:spcPct val="100000"/>
         </a:lnSpc>
@@ -6931,7 +7526,7 @@
           <a:srgbClr val="000000"/>
         </a:buClr>
         <a:buFont typeface="Arial"/>
-        <a:defRPr b="0" i="0" sz="1400" u="none" cap="none" strike="noStrike">
+        <a:defRPr sz="1400" b="0" i="0" u="none" strike="noStrike" cap="none">
           <a:solidFill>
             <a:srgbClr val="000000"/>
           </a:solidFill>
@@ -6941,7 +7536,7 @@
           <a:sym typeface="Arial"/>
         </a:defRPr>
       </a:lvl5pPr>
-      <a:lvl6pPr lvl="5" marR="0" rtl="0" algn="l">
+      <a:lvl6pPr marR="0" lvl="5" algn="l" rtl="0">
         <a:lnSpc>
           <a:spcPct val="100000"/>
         </a:lnSpc>
@@ -6955,7 +7550,7 @@
           <a:srgbClr val="000000"/>
         </a:buClr>
         <a:buFont typeface="Arial"/>
-        <a:defRPr b="0" i="0" sz="1400" u="none" cap="none" strike="noStrike">
+        <a:defRPr sz="1400" b="0" i="0" u="none" strike="noStrike" cap="none">
           <a:solidFill>
             <a:srgbClr val="000000"/>
           </a:solidFill>
@@ -6965,7 +7560,7 @@
           <a:sym typeface="Arial"/>
         </a:defRPr>
       </a:lvl6pPr>
-      <a:lvl7pPr lvl="6" marR="0" rtl="0" algn="l">
+      <a:lvl7pPr marR="0" lvl="6" algn="l" rtl="0">
         <a:lnSpc>
           <a:spcPct val="100000"/>
         </a:lnSpc>
@@ -6979,7 +7574,7 @@
           <a:srgbClr val="000000"/>
         </a:buClr>
         <a:buFont typeface="Arial"/>
-        <a:defRPr b="0" i="0" sz="1400" u="none" cap="none" strike="noStrike">
+        <a:defRPr sz="1400" b="0" i="0" u="none" strike="noStrike" cap="none">
           <a:solidFill>
             <a:srgbClr val="000000"/>
           </a:solidFill>
@@ -6989,7 +7584,7 @@
           <a:sym typeface="Arial"/>
         </a:defRPr>
       </a:lvl7pPr>
-      <a:lvl8pPr lvl="7" marR="0" rtl="0" algn="l">
+      <a:lvl8pPr marR="0" lvl="7" algn="l" rtl="0">
         <a:lnSpc>
           <a:spcPct val="100000"/>
         </a:lnSpc>
@@ -7003,7 +7598,7 @@
           <a:srgbClr val="000000"/>
         </a:buClr>
         <a:buFont typeface="Arial"/>
-        <a:defRPr b="0" i="0" sz="1400" u="none" cap="none" strike="noStrike">
+        <a:defRPr sz="1400" b="0" i="0" u="none" strike="noStrike" cap="none">
           <a:solidFill>
             <a:srgbClr val="000000"/>
           </a:solidFill>
@@ -7013,7 +7608,7 @@
           <a:sym typeface="Arial"/>
         </a:defRPr>
       </a:lvl8pPr>
-      <a:lvl9pPr lvl="8" marR="0" rtl="0" algn="l">
+      <a:lvl9pPr marR="0" lvl="8" algn="l" rtl="0">
         <a:lnSpc>
           <a:spcPct val="100000"/>
         </a:lnSpc>
@@ -7027,7 +7622,7 @@
           <a:srgbClr val="000000"/>
         </a:buClr>
         <a:buFont typeface="Arial"/>
-        <a:defRPr b="0" i="0" sz="1400" u="none" cap="none" strike="noStrike">
+        <a:defRPr sz="1400" b="0" i="0" u="none" strike="noStrike" cap="none">
           <a:solidFill>
             <a:srgbClr val="000000"/>
           </a:solidFill>
@@ -7039,7 +7634,7 @@
       </a:lvl9pPr>
     </p:titleStyle>
     <p:bodyStyle>
-      <a:defPPr lvl="0" marR="0" rtl="0" algn="l">
+      <a:defPPr marR="0" lvl="0" algn="l" rtl="0">
         <a:lnSpc>
           <a:spcPct val="100000"/>
         </a:lnSpc>
@@ -7050,7 +7645,7 @@
           <a:spcPts val="0"/>
         </a:spcAft>
       </a:defPPr>
-      <a:lvl1pPr lvl="0" marR="0" rtl="0" algn="l">
+      <a:lvl1pPr marR="0" lvl="0" algn="l" rtl="0">
         <a:lnSpc>
           <a:spcPct val="100000"/>
         </a:lnSpc>
@@ -7064,7 +7659,7 @@
           <a:srgbClr val="000000"/>
         </a:buClr>
         <a:buFont typeface="Arial"/>
-        <a:defRPr b="0" i="0" sz="1400" u="none" cap="none" strike="noStrike">
+        <a:defRPr sz="1400" b="0" i="0" u="none" strike="noStrike" cap="none">
           <a:solidFill>
             <a:srgbClr val="000000"/>
           </a:solidFill>
@@ -7074,7 +7669,7 @@
           <a:sym typeface="Arial"/>
         </a:defRPr>
       </a:lvl1pPr>
-      <a:lvl2pPr lvl="1" marR="0" rtl="0" algn="l">
+      <a:lvl2pPr marR="0" lvl="1" algn="l" rtl="0">
         <a:lnSpc>
           <a:spcPct val="100000"/>
         </a:lnSpc>
@@ -7088,7 +7683,7 @@
           <a:srgbClr val="000000"/>
         </a:buClr>
         <a:buFont typeface="Arial"/>
-        <a:defRPr b="0" i="0" sz="1400" u="none" cap="none" strike="noStrike">
+        <a:defRPr sz="1400" b="0" i="0" u="none" strike="noStrike" cap="none">
           <a:solidFill>
             <a:srgbClr val="000000"/>
           </a:solidFill>
@@ -7098,7 +7693,7 @@
           <a:sym typeface="Arial"/>
         </a:defRPr>
       </a:lvl2pPr>
-      <a:lvl3pPr lvl="2" marR="0" rtl="0" algn="l">
+      <a:lvl3pPr marR="0" lvl="2" algn="l" rtl="0">
         <a:lnSpc>
           <a:spcPct val="100000"/>
         </a:lnSpc>
@@ -7112,7 +7707,7 @@
           <a:srgbClr val="000000"/>
         </a:buClr>
         <a:buFont typeface="Arial"/>
-        <a:defRPr b="0" i="0" sz="1400" u="none" cap="none" strike="noStrike">
+        <a:defRPr sz="1400" b="0" i="0" u="none" strike="noStrike" cap="none">
           <a:solidFill>
             <a:srgbClr val="000000"/>
           </a:solidFill>
@@ -7122,7 +7717,7 @@
           <a:sym typeface="Arial"/>
         </a:defRPr>
       </a:lvl3pPr>
-      <a:lvl4pPr lvl="3" marR="0" rtl="0" algn="l">
+      <a:lvl4pPr marR="0" lvl="3" algn="l" rtl="0">
         <a:lnSpc>
           <a:spcPct val="100000"/>
         </a:lnSpc>
@@ -7136,7 +7731,7 @@
           <a:srgbClr val="000000"/>
         </a:buClr>
         <a:buFont typeface="Arial"/>
-        <a:defRPr b="0" i="0" sz="1400" u="none" cap="none" strike="noStrike">
+        <a:defRPr sz="1400" b="0" i="0" u="none" strike="noStrike" cap="none">
           <a:solidFill>
             <a:srgbClr val="000000"/>
           </a:solidFill>
@@ -7146,7 +7741,7 @@
           <a:sym typeface="Arial"/>
         </a:defRPr>
       </a:lvl4pPr>
-      <a:lvl5pPr lvl="4" marR="0" rtl="0" algn="l">
+      <a:lvl5pPr marR="0" lvl="4" algn="l" rtl="0">
         <a:lnSpc>
           <a:spcPct val="100000"/>
         </a:lnSpc>
@@ -7160,7 +7755,7 @@
           <a:srgbClr val="000000"/>
         </a:buClr>
         <a:buFont typeface="Arial"/>
-        <a:defRPr b="0" i="0" sz="1400" u="none" cap="none" strike="noStrike">
+        <a:defRPr sz="1400" b="0" i="0" u="none" strike="noStrike" cap="none">
           <a:solidFill>
             <a:srgbClr val="000000"/>
           </a:solidFill>
@@ -7170,7 +7765,7 @@
           <a:sym typeface="Arial"/>
         </a:defRPr>
       </a:lvl5pPr>
-      <a:lvl6pPr lvl="5" marR="0" rtl="0" algn="l">
+      <a:lvl6pPr marR="0" lvl="5" algn="l" rtl="0">
         <a:lnSpc>
           <a:spcPct val="100000"/>
         </a:lnSpc>
@@ -7184,7 +7779,7 @@
           <a:srgbClr val="000000"/>
         </a:buClr>
         <a:buFont typeface="Arial"/>
-        <a:defRPr b="0" i="0" sz="1400" u="none" cap="none" strike="noStrike">
+        <a:defRPr sz="1400" b="0" i="0" u="none" strike="noStrike" cap="none">
           <a:solidFill>
             <a:srgbClr val="000000"/>
           </a:solidFill>
@@ -7194,7 +7789,7 @@
           <a:sym typeface="Arial"/>
         </a:defRPr>
       </a:lvl6pPr>
-      <a:lvl7pPr lvl="6" marR="0" rtl="0" algn="l">
+      <a:lvl7pPr marR="0" lvl="6" algn="l" rtl="0">
         <a:lnSpc>
           <a:spcPct val="100000"/>
         </a:lnSpc>
@@ -7208,7 +7803,7 @@
           <a:srgbClr val="000000"/>
         </a:buClr>
         <a:buFont typeface="Arial"/>
-        <a:defRPr b="0" i="0" sz="1400" u="none" cap="none" strike="noStrike">
+        <a:defRPr sz="1400" b="0" i="0" u="none" strike="noStrike" cap="none">
           <a:solidFill>
             <a:srgbClr val="000000"/>
           </a:solidFill>
@@ -7218,7 +7813,7 @@
           <a:sym typeface="Arial"/>
         </a:defRPr>
       </a:lvl7pPr>
-      <a:lvl8pPr lvl="7" marR="0" rtl="0" algn="l">
+      <a:lvl8pPr marR="0" lvl="7" algn="l" rtl="0">
         <a:lnSpc>
           <a:spcPct val="100000"/>
         </a:lnSpc>
@@ -7232,7 +7827,7 @@
           <a:srgbClr val="000000"/>
         </a:buClr>
         <a:buFont typeface="Arial"/>
-        <a:defRPr b="0" i="0" sz="1400" u="none" cap="none" strike="noStrike">
+        <a:defRPr sz="1400" b="0" i="0" u="none" strike="noStrike" cap="none">
           <a:solidFill>
             <a:srgbClr val="000000"/>
           </a:solidFill>
@@ -7242,7 +7837,7 @@
           <a:sym typeface="Arial"/>
         </a:defRPr>
       </a:lvl8pPr>
-      <a:lvl9pPr lvl="8" marR="0" rtl="0" algn="l">
+      <a:lvl9pPr marR="0" lvl="8" algn="l" rtl="0">
         <a:lnSpc>
           <a:spcPct val="100000"/>
         </a:lnSpc>
@@ -7256,7 +7851,7 @@
           <a:srgbClr val="000000"/>
         </a:buClr>
         <a:buFont typeface="Arial"/>
-        <a:defRPr b="0" i="0" sz="1400" u="none" cap="none" strike="noStrike">
+        <a:defRPr sz="1400" b="0" i="0" u="none" strike="noStrike" cap="none">
           <a:solidFill>
             <a:srgbClr val="000000"/>
           </a:solidFill>
@@ -7268,7 +7863,7 @@
       </a:lvl9pPr>
     </p:bodyStyle>
     <p:otherStyle>
-      <a:defPPr lvl="0" marR="0" rtl="0" algn="l">
+      <a:defPPr marR="0" lvl="0" algn="l" rtl="0">
         <a:lnSpc>
           <a:spcPct val="100000"/>
         </a:lnSpc>
@@ -7279,7 +7874,7 @@
           <a:spcPts val="0"/>
         </a:spcAft>
       </a:defPPr>
-      <a:lvl1pPr lvl="0" marR="0" rtl="0" algn="l">
+      <a:lvl1pPr marR="0" lvl="0" algn="l" rtl="0">
         <a:lnSpc>
           <a:spcPct val="100000"/>
         </a:lnSpc>
@@ -7293,7 +7888,7 @@
           <a:srgbClr val="000000"/>
         </a:buClr>
         <a:buFont typeface="Arial"/>
-        <a:defRPr b="0" i="0" sz="1400" u="none" cap="none" strike="noStrike">
+        <a:defRPr sz="1400" b="0" i="0" u="none" strike="noStrike" cap="none">
           <a:solidFill>
             <a:srgbClr val="000000"/>
           </a:solidFill>
@@ -7303,7 +7898,7 @@
           <a:sym typeface="Arial"/>
         </a:defRPr>
       </a:lvl1pPr>
-      <a:lvl2pPr lvl="1" marR="0" rtl="0" algn="l">
+      <a:lvl2pPr marR="0" lvl="1" algn="l" rtl="0">
         <a:lnSpc>
           <a:spcPct val="100000"/>
         </a:lnSpc>
@@ -7317,7 +7912,7 @@
           <a:srgbClr val="000000"/>
         </a:buClr>
         <a:buFont typeface="Arial"/>
-        <a:defRPr b="0" i="0" sz="1400" u="none" cap="none" strike="noStrike">
+        <a:defRPr sz="1400" b="0" i="0" u="none" strike="noStrike" cap="none">
           <a:solidFill>
             <a:srgbClr val="000000"/>
           </a:solidFill>
@@ -7327,7 +7922,7 @@
           <a:sym typeface="Arial"/>
         </a:defRPr>
       </a:lvl2pPr>
-      <a:lvl3pPr lvl="2" marR="0" rtl="0" algn="l">
+      <a:lvl3pPr marR="0" lvl="2" algn="l" rtl="0">
         <a:lnSpc>
           <a:spcPct val="100000"/>
         </a:lnSpc>
@@ -7341,7 +7936,7 @@
           <a:srgbClr val="000000"/>
         </a:buClr>
         <a:buFont typeface="Arial"/>
-        <a:defRPr b="0" i="0" sz="1400" u="none" cap="none" strike="noStrike">
+        <a:defRPr sz="1400" b="0" i="0" u="none" strike="noStrike" cap="none">
           <a:solidFill>
             <a:srgbClr val="000000"/>
           </a:solidFill>
@@ -7351,7 +7946,7 @@
           <a:sym typeface="Arial"/>
         </a:defRPr>
       </a:lvl3pPr>
-      <a:lvl4pPr lvl="3" marR="0" rtl="0" algn="l">
+      <a:lvl4pPr marR="0" lvl="3" algn="l" rtl="0">
         <a:lnSpc>
           <a:spcPct val="100000"/>
         </a:lnSpc>
@@ -7365,7 +7960,7 @@
           <a:srgbClr val="000000"/>
         </a:buClr>
         <a:buFont typeface="Arial"/>
-        <a:defRPr b="0" i="0" sz="1400" u="none" cap="none" strike="noStrike">
+        <a:defRPr sz="1400" b="0" i="0" u="none" strike="noStrike" cap="none">
           <a:solidFill>
             <a:srgbClr val="000000"/>
           </a:solidFill>
@@ -7375,7 +7970,7 @@
           <a:sym typeface="Arial"/>
         </a:defRPr>
       </a:lvl4pPr>
-      <a:lvl5pPr lvl="4" marR="0" rtl="0" algn="l">
+      <a:lvl5pPr marR="0" lvl="4" algn="l" rtl="0">
         <a:lnSpc>
           <a:spcPct val="100000"/>
         </a:lnSpc>
@@ -7389,7 +7984,7 @@
           <a:srgbClr val="000000"/>
         </a:buClr>
         <a:buFont typeface="Arial"/>
-        <a:defRPr b="0" i="0" sz="1400" u="none" cap="none" strike="noStrike">
+        <a:defRPr sz="1400" b="0" i="0" u="none" strike="noStrike" cap="none">
           <a:solidFill>
             <a:srgbClr val="000000"/>
           </a:solidFill>
@@ -7399,7 +7994,7 @@
           <a:sym typeface="Arial"/>
         </a:defRPr>
       </a:lvl5pPr>
-      <a:lvl6pPr lvl="5" marR="0" rtl="0" algn="l">
+      <a:lvl6pPr marR="0" lvl="5" algn="l" rtl="0">
         <a:lnSpc>
           <a:spcPct val="100000"/>
         </a:lnSpc>
@@ -7413,7 +8008,7 @@
           <a:srgbClr val="000000"/>
         </a:buClr>
         <a:buFont typeface="Arial"/>
-        <a:defRPr b="0" i="0" sz="1400" u="none" cap="none" strike="noStrike">
+        <a:defRPr sz="1400" b="0" i="0" u="none" strike="noStrike" cap="none">
           <a:solidFill>
             <a:srgbClr val="000000"/>
           </a:solidFill>
@@ -7423,7 +8018,7 @@
           <a:sym typeface="Arial"/>
         </a:defRPr>
       </a:lvl6pPr>
-      <a:lvl7pPr lvl="6" marR="0" rtl="0" algn="l">
+      <a:lvl7pPr marR="0" lvl="6" algn="l" rtl="0">
         <a:lnSpc>
           <a:spcPct val="100000"/>
         </a:lnSpc>
@@ -7437,7 +8032,7 @@
           <a:srgbClr val="000000"/>
         </a:buClr>
         <a:buFont typeface="Arial"/>
-        <a:defRPr b="0" i="0" sz="1400" u="none" cap="none" strike="noStrike">
+        <a:defRPr sz="1400" b="0" i="0" u="none" strike="noStrike" cap="none">
           <a:solidFill>
             <a:srgbClr val="000000"/>
           </a:solidFill>
@@ -7447,7 +8042,7 @@
           <a:sym typeface="Arial"/>
         </a:defRPr>
       </a:lvl7pPr>
-      <a:lvl8pPr lvl="7" marR="0" rtl="0" algn="l">
+      <a:lvl8pPr marR="0" lvl="7" algn="l" rtl="0">
         <a:lnSpc>
           <a:spcPct val="100000"/>
         </a:lnSpc>
@@ -7461,7 +8056,7 @@
           <a:srgbClr val="000000"/>
         </a:buClr>
         <a:buFont typeface="Arial"/>
-        <a:defRPr b="0" i="0" sz="1400" u="none" cap="none" strike="noStrike">
+        <a:defRPr sz="1400" b="0" i="0" u="none" strike="noStrike" cap="none">
           <a:solidFill>
             <a:srgbClr val="000000"/>
           </a:solidFill>
@@ -7471,7 +8066,7 @@
           <a:sym typeface="Arial"/>
         </a:defRPr>
       </a:lvl8pPr>
-      <a:lvl9pPr lvl="8" marR="0" rtl="0" algn="l">
+      <a:lvl9pPr marR="0" lvl="8" algn="l" rtl="0">
         <a:lnSpc>
           <a:spcPct val="100000"/>
         </a:lnSpc>
@@ -7485,7 +8080,7 @@
           <a:srgbClr val="000000"/>
         </a:buClr>
         <a:buFont typeface="Arial"/>
-        <a:defRPr b="0" i="0" sz="1400" u="none" cap="none" strike="noStrike">
+        <a:defRPr sz="1400" b="0" i="0" u="none" strike="noStrike" cap="none">
           <a:solidFill>
             <a:srgbClr val="000000"/>
           </a:solidFill>
@@ -7501,7 +8096,7 @@
 </file>
 
 <file path=ppt/slides/slide1.xml><?xml version="1.0" encoding="utf-8"?>
-<p:sld xmlns:a="http://schemas.openxmlformats.org/drawingml/2006/main" xmlns:r="http://schemas.openxmlformats.org/officeDocument/2006/relationships" xmlns:mc="http://schemas.openxmlformats.org/markup-compatibility/2006" xmlns:mv="urn:schemas-microsoft-com:mac:vml" xmlns:p="http://schemas.openxmlformats.org/presentationml/2006/main" xmlns:c="http://schemas.openxmlformats.org/drawingml/2006/chart" xmlns:dgm="http://schemas.openxmlformats.org/drawingml/2006/diagram" xmlns:o="urn:schemas-microsoft-com:office:office" xmlns:v="urn:schemas-microsoft-com:vml" xmlns:pvml="urn:schemas-microsoft-com:office:powerpoint" xmlns:com="http://schemas.openxmlformats.org/drawingml/2006/compatibility" xmlns:p14="http://schemas.microsoft.com/office/powerpoint/2010/main" xmlns:p15="http://schemas.microsoft.com/office/powerpoint/2012/main" xmlns:ahyp="http://schemas.microsoft.com/office/drawing/2018/hyperlinkcolor">
+<p:sld xmlns:a="http://schemas.openxmlformats.org/drawingml/2006/main" xmlns:r="http://schemas.openxmlformats.org/officeDocument/2006/relationships" xmlns:p="http://schemas.openxmlformats.org/presentationml/2006/main">
   <p:cSld>
     <p:bg>
       <p:bgPr>
@@ -7516,11 +8111,12 @@
           </a:gsLst>
           <a:lin ang="5400012" scaled="0"/>
         </a:gradFill>
+        <a:effectLst/>
       </p:bgPr>
     </p:bg>
     <p:spTree>
       <p:nvGrpSpPr>
-        <p:cNvPr id="71" name="Shape 71"/>
+        <p:cNvPr id="1" name="Shape 71"/>
         <p:cNvGrpSpPr/>
         <p:nvPr/>
       </p:nvGrpSpPr>
@@ -7535,7 +8131,9 @@
       <p:sp>
         <p:nvSpPr>
           <p:cNvPr id="72" name="Google Shape;72;p13"/>
-          <p:cNvSpPr txBox="1"/>
+          <p:cNvSpPr txBox="1">
+            <a:spLocks noGrp="1"/>
+          </p:cNvSpPr>
           <p:nvPr>
             <p:ph type="ctrTitle"/>
           </p:nvPr>
@@ -7550,12 +8148,12 @@
           </a:prstGeom>
         </p:spPr>
         <p:txBody>
-          <a:bodyPr anchorCtr="0" anchor="t" bIns="91425" lIns="91425" spcFirstLastPara="1" rIns="91425" wrap="square" tIns="91425">
+          <a:bodyPr spcFirstLastPara="1" wrap="square" lIns="91425" tIns="91425" rIns="91425" bIns="91425" anchor="t" anchorCtr="0">
             <a:normAutofit/>
           </a:bodyPr>
           <a:lstStyle/>
           <a:p>
-            <a:pPr indent="0" lvl="0" marL="0" rtl="0" algn="l">
+            <a:pPr marL="0" lvl="0" indent="0" algn="l" rtl="0">
               <a:spcBef>
                 <a:spcPts val="0"/>
               </a:spcBef>
@@ -7575,9 +8173,11 @@
       <p:sp>
         <p:nvSpPr>
           <p:cNvPr id="73" name="Google Shape;73;p13"/>
-          <p:cNvSpPr txBox="1"/>
+          <p:cNvSpPr txBox="1">
+            <a:spLocks noGrp="1"/>
+          </p:cNvSpPr>
           <p:nvPr>
-            <p:ph idx="1" type="subTitle"/>
+            <p:ph type="subTitle" idx="1"/>
           </p:nvPr>
         </p:nvSpPr>
         <p:spPr>
@@ -7590,12 +8190,12 @@
           </a:prstGeom>
         </p:spPr>
         <p:txBody>
-          <a:bodyPr anchorCtr="0" anchor="b" bIns="91425" lIns="91425" spcFirstLastPara="1" rIns="91425" wrap="square" tIns="91425">
+          <a:bodyPr spcFirstLastPara="1" wrap="square" lIns="91425" tIns="91425" rIns="91425" bIns="91425" anchor="b" anchorCtr="0">
             <a:normAutofit/>
           </a:bodyPr>
           <a:lstStyle/>
           <a:p>
-            <a:pPr indent="0" lvl="0" marL="0" rtl="0" algn="l">
+            <a:pPr marL="0" lvl="0" indent="0" algn="l" rtl="0">
               <a:spcBef>
                 <a:spcPts val="0"/>
               </a:spcBef>
@@ -7611,7 +8211,7 @@
             <a:endParaRPr/>
           </a:p>
           <a:p>
-            <a:pPr indent="0" lvl="0" marL="0" rtl="0" algn="l">
+            <a:pPr marL="0" lvl="0" indent="0" algn="l" rtl="0">
               <a:spcBef>
                 <a:spcPts val="0"/>
               </a:spcBef>
@@ -7627,7 +8227,7 @@
             <a:endParaRPr/>
           </a:p>
           <a:p>
-            <a:pPr indent="0" lvl="0" marL="0" rtl="0" algn="l">
+            <a:pPr marL="0" lvl="0" indent="0" algn="l" rtl="0">
               <a:spcBef>
                 <a:spcPts val="0"/>
               </a:spcBef>
@@ -7652,8 +8252,8 @@
 </p:sld>
 </file>
 
-<file path=ppt/slides/slide2.xml><?xml version="1.0" encoding="utf-8"?>
-<p:sld xmlns:a="http://schemas.openxmlformats.org/drawingml/2006/main" xmlns:r="http://schemas.openxmlformats.org/officeDocument/2006/relationships" xmlns:mc="http://schemas.openxmlformats.org/markup-compatibility/2006" xmlns:mv="urn:schemas-microsoft-com:mac:vml" xmlns:p="http://schemas.openxmlformats.org/presentationml/2006/main" xmlns:c="http://schemas.openxmlformats.org/drawingml/2006/chart" xmlns:dgm="http://schemas.openxmlformats.org/drawingml/2006/diagram" xmlns:o="urn:schemas-microsoft-com:office:office" xmlns:v="urn:schemas-microsoft-com:vml" xmlns:pvml="urn:schemas-microsoft-com:office:powerpoint" xmlns:com="http://schemas.openxmlformats.org/drawingml/2006/compatibility" xmlns:p14="http://schemas.microsoft.com/office/powerpoint/2010/main" xmlns:p15="http://schemas.microsoft.com/office/powerpoint/2012/main" xmlns:ahyp="http://schemas.microsoft.com/office/drawing/2018/hyperlinkcolor">
+<file path=ppt/slides/slide10.xml><?xml version="1.0" encoding="utf-8"?>
+<p:sld xmlns:a="http://schemas.openxmlformats.org/drawingml/2006/main" xmlns:r="http://schemas.openxmlformats.org/officeDocument/2006/relationships" xmlns:p="http://schemas.openxmlformats.org/presentationml/2006/main">
   <p:cSld>
     <p:bg>
       <p:bgPr>
@@ -7668,11 +8268,12 @@
           </a:gsLst>
           <a:lin ang="5400012" scaled="0"/>
         </a:gradFill>
+        <a:effectLst/>
       </p:bgPr>
     </p:bg>
     <p:spTree>
       <p:nvGrpSpPr>
-        <p:cNvPr id="77" name="Shape 77"/>
+        <p:cNvPr id="1" name="Shape 131"/>
         <p:cNvGrpSpPr/>
         <p:nvPr/>
       </p:nvGrpSpPr>
@@ -7684,172 +8285,36 @@
           <a:chExt cx="0" cy="0"/>
         </a:xfrm>
       </p:grpSpPr>
-      <p:sp>
-        <p:nvSpPr>
-          <p:cNvPr id="78" name="Google Shape;78;p14"/>
-          <p:cNvSpPr txBox="1"/>
-          <p:nvPr>
-            <p:ph type="ctrTitle"/>
-          </p:nvPr>
-        </p:nvSpPr>
+      <p:pic>
+        <p:nvPicPr>
+          <p:cNvPr id="3" name="Picture 2">
+            <a:extLst>
+              <a:ext uri="{FF2B5EF4-FFF2-40B4-BE49-F238E27FC236}">
+                <a16:creationId xmlns:a16="http://schemas.microsoft.com/office/drawing/2014/main" id="{EF51BDB1-4093-FC00-6A60-D2FE04721FEF}"/>
+              </a:ext>
+            </a:extLst>
+          </p:cNvPr>
+          <p:cNvPicPr>
+            <a:picLocks noChangeAspect="1"/>
+          </p:cNvPicPr>
+          <p:nvPr/>
+        </p:nvPicPr>
+        <p:blipFill>
+          <a:blip r:embed="rId3"/>
+          <a:stretch>
+            <a:fillRect/>
+          </a:stretch>
+        </p:blipFill>
         <p:spPr>
           <a:xfrm>
-            <a:off x="2371725" y="630225"/>
-            <a:ext cx="6331500" cy="913200"/>
+            <a:off x="1375575" y="949746"/>
+            <a:ext cx="7315200" cy="3244007"/>
           </a:xfrm>
           <a:prstGeom prst="rect">
             <a:avLst/>
           </a:prstGeom>
         </p:spPr>
-        <p:txBody>
-          <a:bodyPr anchorCtr="0" anchor="t" bIns="91425" lIns="91425" spcFirstLastPara="1" rIns="91425" wrap="square" tIns="91425">
-            <a:normAutofit fontScale="90000"/>
-          </a:bodyPr>
-          <a:lstStyle/>
-          <a:p>
-            <a:pPr indent="0" lvl="0" marL="0" rtl="0" algn="l">
-              <a:spcBef>
-                <a:spcPts val="0"/>
-              </a:spcBef>
-              <a:spcAft>
-                <a:spcPts val="0"/>
-              </a:spcAft>
-              <a:buNone/>
-            </a:pPr>
-            <a:r>
-              <a:rPr lang="en"/>
-              <a:t>Introduction</a:t>
-            </a:r>
-            <a:endParaRPr/>
-          </a:p>
-        </p:txBody>
-      </p:sp>
-      <p:sp>
-        <p:nvSpPr>
-          <p:cNvPr id="79" name="Google Shape;79;p14"/>
-          <p:cNvSpPr txBox="1"/>
-          <p:nvPr>
-            <p:ph idx="1" type="subTitle"/>
-          </p:nvPr>
-        </p:nvSpPr>
-        <p:spPr>
-          <a:xfrm>
-            <a:off x="2390275" y="1629150"/>
-            <a:ext cx="6331500" cy="2031900"/>
-          </a:xfrm>
-          <a:prstGeom prst="rect">
-            <a:avLst/>
-          </a:prstGeom>
-        </p:spPr>
-        <p:txBody>
-          <a:bodyPr anchorCtr="0" anchor="b" bIns="91425" lIns="91425" spcFirstLastPara="1" rIns="91425" wrap="square" tIns="91425">
-            <a:spAutoFit/>
-          </a:bodyPr>
-          <a:lstStyle/>
-          <a:p>
-            <a:pPr indent="0" lvl="0" marL="0" rtl="0" algn="l">
-              <a:spcBef>
-                <a:spcPts val="0"/>
-              </a:spcBef>
-              <a:spcAft>
-                <a:spcPts val="0"/>
-              </a:spcAft>
-              <a:buClr>
-                <a:schemeClr val="dk2"/>
-              </a:buClr>
-              <a:buSzPts val="1100"/>
-              <a:buFont typeface="Arial"/>
-              <a:buNone/>
-            </a:pPr>
-            <a:r>
-              <a:rPr lang="en" sz="2000">
-                <a:latin typeface="Oswald"/>
-                <a:ea typeface="Oswald"/>
-                <a:cs typeface="Oswald"/>
-                <a:sym typeface="Oswald"/>
-              </a:rPr>
-              <a:t>LingoLizard is a tool designed to help people learn languages using real time lessons and conversations. </a:t>
-            </a:r>
-            <a:endParaRPr sz="2000">
-              <a:latin typeface="Oswald"/>
-              <a:ea typeface="Oswald"/>
-              <a:cs typeface="Oswald"/>
-              <a:sym typeface="Oswald"/>
-            </a:endParaRPr>
-          </a:p>
-          <a:p>
-            <a:pPr indent="0" lvl="0" marL="0" rtl="0" algn="l">
-              <a:spcBef>
-                <a:spcPts val="0"/>
-              </a:spcBef>
-              <a:spcAft>
-                <a:spcPts val="0"/>
-              </a:spcAft>
-              <a:buClr>
-                <a:schemeClr val="dk2"/>
-              </a:buClr>
-              <a:buSzPts val="1100"/>
-              <a:buFont typeface="Arial"/>
-              <a:buNone/>
-            </a:pPr>
-            <a:r>
-              <a:rPr lang="en" sz="2000">
-                <a:latin typeface="Oswald"/>
-                <a:ea typeface="Oswald"/>
-                <a:cs typeface="Oswald"/>
-                <a:sym typeface="Oswald"/>
-              </a:rPr>
-              <a:t>It will do this using AI to </a:t>
-            </a:r>
-            <a:r>
-              <a:rPr lang="en" sz="2000">
-                <a:latin typeface="Oswald"/>
-                <a:ea typeface="Oswald"/>
-                <a:cs typeface="Oswald"/>
-                <a:sym typeface="Oswald"/>
-              </a:rPr>
-              <a:t>simulate interactions in different languages.</a:t>
-            </a:r>
-            <a:endParaRPr sz="2000">
-              <a:latin typeface="Oswald"/>
-              <a:ea typeface="Oswald"/>
-              <a:cs typeface="Oswald"/>
-              <a:sym typeface="Oswald"/>
-            </a:endParaRPr>
-          </a:p>
-          <a:p>
-            <a:pPr indent="0" lvl="0" marL="0" rtl="0" algn="l">
-              <a:spcBef>
-                <a:spcPts val="0"/>
-              </a:spcBef>
-              <a:spcAft>
-                <a:spcPts val="0"/>
-              </a:spcAft>
-              <a:buClr>
-                <a:schemeClr val="dk2"/>
-              </a:buClr>
-              <a:buSzPts val="1100"/>
-              <a:buFont typeface="Arial"/>
-              <a:buNone/>
-            </a:pPr>
-            <a:r>
-              <a:rPr lang="en" sz="2000">
-                <a:latin typeface="Oswald"/>
-                <a:ea typeface="Oswald"/>
-                <a:cs typeface="Oswald"/>
-                <a:sym typeface="Oswald"/>
-              </a:rPr>
-              <a:t>It will be able to give real time feedback and corrections to spelling and grammar.</a:t>
-            </a:r>
-            <a:endParaRPr sz="2000">
-              <a:latin typeface="Oswald"/>
-              <a:ea typeface="Oswald"/>
-              <a:cs typeface="Oswald"/>
-              <a:sym typeface="Oswald"/>
-            </a:endParaRPr>
-          </a:p>
-        </p:txBody>
-      </p:sp>
+      </p:pic>
     </p:spTree>
   </p:cSld>
   <p:clrMapOvr>
@@ -7858,8 +8323,8 @@
 </p:sld>
 </file>
 
-<file path=ppt/slides/slide3.xml><?xml version="1.0" encoding="utf-8"?>
-<p:sld xmlns:a="http://schemas.openxmlformats.org/drawingml/2006/main" xmlns:r="http://schemas.openxmlformats.org/officeDocument/2006/relationships" xmlns:mc="http://schemas.openxmlformats.org/markup-compatibility/2006" xmlns:mv="urn:schemas-microsoft-com:mac:vml" xmlns:p="http://schemas.openxmlformats.org/presentationml/2006/main" xmlns:c="http://schemas.openxmlformats.org/drawingml/2006/chart" xmlns:dgm="http://schemas.openxmlformats.org/drawingml/2006/diagram" xmlns:o="urn:schemas-microsoft-com:office:office" xmlns:v="urn:schemas-microsoft-com:vml" xmlns:pvml="urn:schemas-microsoft-com:office:powerpoint" xmlns:com="http://schemas.openxmlformats.org/drawingml/2006/compatibility" xmlns:p14="http://schemas.microsoft.com/office/powerpoint/2010/main" xmlns:p15="http://schemas.microsoft.com/office/powerpoint/2012/main" xmlns:ahyp="http://schemas.microsoft.com/office/drawing/2018/hyperlinkcolor">
+<file path=ppt/slides/slide11.xml><?xml version="1.0" encoding="utf-8"?>
+<p:sld xmlns:a="http://schemas.openxmlformats.org/drawingml/2006/main" xmlns:r="http://schemas.openxmlformats.org/officeDocument/2006/relationships" xmlns:p="http://schemas.openxmlformats.org/presentationml/2006/main">
   <p:cSld>
     <p:bg>
       <p:bgPr>
@@ -7874,11 +8339,12 @@
           </a:gsLst>
           <a:lin ang="5400012" scaled="0"/>
         </a:gradFill>
+        <a:effectLst/>
       </p:bgPr>
     </p:bg>
     <p:spTree>
       <p:nvGrpSpPr>
-        <p:cNvPr id="83" name="Shape 83"/>
+        <p:cNvPr id="1" name="Shape 136"/>
         <p:cNvGrpSpPr/>
         <p:nvPr/>
       </p:nvGrpSpPr>
@@ -7892,8 +8358,10 @@
       </p:grpSpPr>
       <p:sp>
         <p:nvSpPr>
-          <p:cNvPr id="84" name="Google Shape;84;p15"/>
-          <p:cNvSpPr txBox="1"/>
+          <p:cNvPr id="137" name="Google Shape;137;p23"/>
+          <p:cNvSpPr txBox="1">
+            <a:spLocks noGrp="1"/>
+          </p:cNvSpPr>
           <p:nvPr>
             <p:ph type="ctrTitle"/>
           </p:nvPr>
@@ -7908,1260 +8376,12 @@
           </a:prstGeom>
         </p:spPr>
         <p:txBody>
-          <a:bodyPr anchorCtr="0" anchor="t" bIns="91425" lIns="91425" spcFirstLastPara="1" rIns="91425" wrap="square" tIns="91425">
+          <a:bodyPr spcFirstLastPara="1" wrap="square" lIns="91425" tIns="91425" rIns="91425" bIns="91425" anchor="t" anchorCtr="0">
             <a:normAutofit fontScale="90000"/>
           </a:bodyPr>
           <a:lstStyle/>
           <a:p>
-            <a:pPr indent="0" lvl="0" marL="0" rtl="0" algn="l">
-              <a:spcBef>
-                <a:spcPts val="0"/>
-              </a:spcBef>
-              <a:spcAft>
-                <a:spcPts val="0"/>
-              </a:spcAft>
-              <a:buClr>
-                <a:schemeClr val="dk2"/>
-              </a:buClr>
-              <a:buSzPts val="990"/>
-              <a:buFont typeface="Arial"/>
-              <a:buNone/>
-            </a:pPr>
-            <a:r>
-              <a:rPr lang="en"/>
-              <a:t>Problem Statement</a:t>
-            </a:r>
-            <a:endParaRPr/>
-          </a:p>
-          <a:p>
-            <a:pPr indent="0" lvl="0" marL="0" rtl="0" algn="l">
-              <a:spcBef>
-                <a:spcPts val="0"/>
-              </a:spcBef>
-              <a:spcAft>
-                <a:spcPts val="0"/>
-              </a:spcAft>
-              <a:buClr>
-                <a:schemeClr val="dk2"/>
-              </a:buClr>
-              <a:buSzPts val="990"/>
-              <a:buFont typeface="Arial"/>
-              <a:buNone/>
-            </a:pPr>
-            <a:r>
-              <a:t/>
-            </a:r>
-            <a:endParaRPr/>
-          </a:p>
-          <a:p>
-            <a:pPr indent="0" lvl="0" marL="0" rtl="0" algn="l">
-              <a:spcBef>
-                <a:spcPts val="0"/>
-              </a:spcBef>
-              <a:spcAft>
-                <a:spcPts val="0"/>
-              </a:spcAft>
-              <a:buNone/>
-            </a:pPr>
-            <a:r>
-              <a:t/>
-            </a:r>
-            <a:endParaRPr/>
-          </a:p>
-        </p:txBody>
-      </p:sp>
-      <p:sp>
-        <p:nvSpPr>
-          <p:cNvPr id="85" name="Google Shape;85;p15"/>
-          <p:cNvSpPr txBox="1"/>
-          <p:nvPr>
-            <p:ph idx="1" type="subTitle"/>
-          </p:nvPr>
-        </p:nvSpPr>
-        <p:spPr>
-          <a:xfrm>
-            <a:off x="4152050" y="1629150"/>
-            <a:ext cx="4569600" cy="2647500"/>
-          </a:xfrm>
-          <a:prstGeom prst="rect">
-            <a:avLst/>
-          </a:prstGeom>
-        </p:spPr>
-        <p:txBody>
-          <a:bodyPr anchorCtr="0" anchor="b" bIns="91425" lIns="91425" spcFirstLastPara="1" rIns="91425" wrap="square" tIns="91425">
-            <a:spAutoFit/>
-          </a:bodyPr>
-          <a:lstStyle/>
-          <a:p>
-            <a:pPr indent="0" lvl="0" marL="0" rtl="0" algn="l">
-              <a:spcBef>
-                <a:spcPts val="0"/>
-              </a:spcBef>
-              <a:spcAft>
-                <a:spcPts val="0"/>
-              </a:spcAft>
-              <a:buNone/>
-            </a:pPr>
-            <a:r>
-              <a:rPr lang="en" sz="2000">
-                <a:latin typeface="Oswald"/>
-                <a:ea typeface="Oswald"/>
-                <a:cs typeface="Oswald"/>
-                <a:sym typeface="Oswald"/>
-              </a:rPr>
-              <a:t>“only 20% of public school students have studied foreign languages. By college, this number drops to a staggering 10%.” [2]</a:t>
-            </a:r>
-            <a:endParaRPr sz="2000">
-              <a:latin typeface="Oswald"/>
-              <a:ea typeface="Oswald"/>
-              <a:cs typeface="Oswald"/>
-              <a:sym typeface="Oswald"/>
-            </a:endParaRPr>
-          </a:p>
-          <a:p>
-            <a:pPr indent="0" lvl="0" marL="0" rtl="0" algn="l">
-              <a:spcBef>
-                <a:spcPts val="0"/>
-              </a:spcBef>
-              <a:spcAft>
-                <a:spcPts val="0"/>
-              </a:spcAft>
-              <a:buNone/>
-            </a:pPr>
-            <a:r>
-              <a:rPr lang="en" sz="2000">
-                <a:latin typeface="Oswald"/>
-                <a:ea typeface="Oswald"/>
-                <a:cs typeface="Oswald"/>
-                <a:sym typeface="Oswald"/>
-              </a:rPr>
-              <a:t>School based language learning is not effective for everyone. LingoLizard could be the solution.</a:t>
-            </a:r>
-            <a:endParaRPr sz="2000">
-              <a:latin typeface="Oswald"/>
-              <a:ea typeface="Oswald"/>
-              <a:cs typeface="Oswald"/>
-              <a:sym typeface="Oswald"/>
-            </a:endParaRPr>
-          </a:p>
-          <a:p>
-            <a:pPr indent="0" lvl="0" marL="0" rtl="0" algn="l">
-              <a:spcBef>
-                <a:spcPts val="0"/>
-              </a:spcBef>
-              <a:spcAft>
-                <a:spcPts val="0"/>
-              </a:spcAft>
-              <a:buNone/>
-            </a:pPr>
-            <a:r>
-              <a:t/>
-            </a:r>
-            <a:endParaRPr sz="2000">
-              <a:latin typeface="Oswald"/>
-              <a:ea typeface="Oswald"/>
-              <a:cs typeface="Oswald"/>
-              <a:sym typeface="Oswald"/>
-            </a:endParaRPr>
-          </a:p>
-          <a:p>
-            <a:pPr indent="0" lvl="0" marL="0" rtl="0" algn="l">
-              <a:spcBef>
-                <a:spcPts val="0"/>
-              </a:spcBef>
-              <a:spcAft>
-                <a:spcPts val="0"/>
-              </a:spcAft>
-              <a:buNone/>
-            </a:pPr>
-            <a:r>
-              <a:t/>
-            </a:r>
-            <a:endParaRPr sz="2000">
-              <a:latin typeface="Oswald"/>
-              <a:ea typeface="Oswald"/>
-              <a:cs typeface="Oswald"/>
-              <a:sym typeface="Oswald"/>
-            </a:endParaRPr>
-          </a:p>
-          <a:p>
-            <a:pPr indent="0" lvl="0" marL="0" rtl="0" algn="l">
-              <a:spcBef>
-                <a:spcPts val="0"/>
-              </a:spcBef>
-              <a:spcAft>
-                <a:spcPts val="0"/>
-              </a:spcAft>
-              <a:buNone/>
-            </a:pPr>
-            <a:r>
-              <a:t/>
-            </a:r>
-            <a:endParaRPr sz="2000">
-              <a:latin typeface="Oswald"/>
-              <a:ea typeface="Oswald"/>
-              <a:cs typeface="Oswald"/>
-              <a:sym typeface="Oswald"/>
-            </a:endParaRPr>
-          </a:p>
-        </p:txBody>
-      </p:sp>
-      <p:pic>
-        <p:nvPicPr>
-          <p:cNvPr id="86" name="Google Shape;86;p15"/>
-          <p:cNvPicPr preferRelativeResize="0"/>
-          <p:nvPr/>
-        </p:nvPicPr>
-        <p:blipFill>
-          <a:blip r:embed="rId3">
-            <a:alphaModFix/>
-          </a:blip>
-          <a:stretch>
-            <a:fillRect/>
-          </a:stretch>
-        </p:blipFill>
-        <p:spPr>
-          <a:xfrm>
-            <a:off x="224701" y="1629150"/>
-            <a:ext cx="3927349" cy="2251039"/>
-          </a:xfrm>
-          <a:prstGeom prst="rect">
-            <a:avLst/>
-          </a:prstGeom>
-          <a:noFill/>
-          <a:ln>
-            <a:noFill/>
-          </a:ln>
-        </p:spPr>
-      </p:pic>
-      <p:sp>
-        <p:nvSpPr>
-          <p:cNvPr id="87" name="Google Shape;87;p15"/>
-          <p:cNvSpPr txBox="1"/>
-          <p:nvPr/>
-        </p:nvSpPr>
-        <p:spPr>
-          <a:xfrm>
-            <a:off x="206425" y="3973725"/>
-            <a:ext cx="3963900" cy="481500"/>
-          </a:xfrm>
-          <a:prstGeom prst="rect">
-            <a:avLst/>
-          </a:prstGeom>
-          <a:noFill/>
-          <a:ln>
-            <a:noFill/>
-          </a:ln>
-        </p:spPr>
-        <p:txBody>
-          <a:bodyPr anchorCtr="0" anchor="t" bIns="91425" lIns="91425" spcFirstLastPara="1" rIns="91425" wrap="square" tIns="91425">
-            <a:noAutofit/>
-          </a:bodyPr>
-          <a:lstStyle/>
-          <a:p>
-            <a:pPr indent="0" lvl="0" marL="0" rtl="0" algn="l">
-              <a:spcBef>
-                <a:spcPts val="0"/>
-              </a:spcBef>
-              <a:spcAft>
-                <a:spcPts val="0"/>
-              </a:spcAft>
-              <a:buNone/>
-            </a:pPr>
-            <a:r>
-              <a:rPr lang="en" sz="1200">
-                <a:solidFill>
-                  <a:srgbClr val="FFFFFF"/>
-                </a:solidFill>
-                <a:latin typeface="Lato"/>
-                <a:ea typeface="Lato"/>
-                <a:cs typeface="Lato"/>
-                <a:sym typeface="Lato"/>
-              </a:rPr>
-              <a:t>Fig .1 Graph of non native languages uk adults can speak [1]</a:t>
-            </a:r>
-            <a:endParaRPr sz="1200">
-              <a:solidFill>
-                <a:srgbClr val="FFFFFF"/>
-              </a:solidFill>
-              <a:latin typeface="Lato"/>
-              <a:ea typeface="Lato"/>
-              <a:cs typeface="Lato"/>
-              <a:sym typeface="Lato"/>
-            </a:endParaRPr>
-          </a:p>
-        </p:txBody>
-      </p:sp>
-    </p:spTree>
-  </p:cSld>
-  <p:clrMapOvr>
-    <a:masterClrMapping/>
-  </p:clrMapOvr>
-</p:sld>
-</file>
-
-<file path=ppt/slides/slide4.xml><?xml version="1.0" encoding="utf-8"?>
-<p:sld xmlns:a="http://schemas.openxmlformats.org/drawingml/2006/main" xmlns:r="http://schemas.openxmlformats.org/officeDocument/2006/relationships" xmlns:mc="http://schemas.openxmlformats.org/markup-compatibility/2006" xmlns:mv="urn:schemas-microsoft-com:mac:vml" xmlns:p="http://schemas.openxmlformats.org/presentationml/2006/main" xmlns:c="http://schemas.openxmlformats.org/drawingml/2006/chart" xmlns:dgm="http://schemas.openxmlformats.org/drawingml/2006/diagram" xmlns:o="urn:schemas-microsoft-com:office:office" xmlns:v="urn:schemas-microsoft-com:vml" xmlns:pvml="urn:schemas-microsoft-com:office:powerpoint" xmlns:com="http://schemas.openxmlformats.org/drawingml/2006/compatibility" xmlns:p14="http://schemas.microsoft.com/office/powerpoint/2010/main" xmlns:p15="http://schemas.microsoft.com/office/powerpoint/2012/main" xmlns:ahyp="http://schemas.microsoft.com/office/drawing/2018/hyperlinkcolor">
-  <p:cSld>
-    <p:bg>
-      <p:bgPr>
-        <a:gradFill>
-          <a:gsLst>
-            <a:gs pos="0">
-              <a:schemeClr val="accent3"/>
-            </a:gs>
-            <a:gs pos="100000">
-              <a:schemeClr val="dk1"/>
-            </a:gs>
-          </a:gsLst>
-          <a:lin ang="5400012" scaled="0"/>
-        </a:gradFill>
-      </p:bgPr>
-    </p:bg>
-    <p:spTree>
-      <p:nvGrpSpPr>
-        <p:cNvPr id="91" name="Shape 91"/>
-        <p:cNvGrpSpPr/>
-        <p:nvPr/>
-      </p:nvGrpSpPr>
-      <p:grpSpPr>
-        <a:xfrm>
-          <a:off x="0" y="0"/>
-          <a:ext cx="0" cy="0"/>
-          <a:chOff x="0" y="0"/>
-          <a:chExt cx="0" cy="0"/>
-        </a:xfrm>
-      </p:grpSpPr>
-      <p:sp>
-        <p:nvSpPr>
-          <p:cNvPr id="92" name="Google Shape;92;p16"/>
-          <p:cNvSpPr txBox="1"/>
-          <p:nvPr>
-            <p:ph type="ctrTitle"/>
-          </p:nvPr>
-        </p:nvSpPr>
-        <p:spPr>
-          <a:xfrm>
-            <a:off x="2371725" y="630225"/>
-            <a:ext cx="6331500" cy="905400"/>
-          </a:xfrm>
-          <a:prstGeom prst="rect">
-            <a:avLst/>
-          </a:prstGeom>
-        </p:spPr>
-        <p:txBody>
-          <a:bodyPr anchorCtr="0" anchor="t" bIns="91425" lIns="91425" spcFirstLastPara="1" rIns="91425" wrap="square" tIns="91425">
-            <a:normAutofit fontScale="90000"/>
-          </a:bodyPr>
-          <a:lstStyle/>
-          <a:p>
-            <a:pPr indent="0" lvl="0" marL="0" rtl="0" algn="l">
-              <a:spcBef>
-                <a:spcPts val="0"/>
-              </a:spcBef>
-              <a:spcAft>
-                <a:spcPts val="0"/>
-              </a:spcAft>
-              <a:buClr>
-                <a:schemeClr val="dk2"/>
-              </a:buClr>
-              <a:buSzPts val="990"/>
-              <a:buFont typeface="Arial"/>
-              <a:buNone/>
-            </a:pPr>
-            <a:r>
-              <a:rPr lang="en"/>
-              <a:t>Motivation</a:t>
-            </a:r>
-            <a:endParaRPr/>
-          </a:p>
-          <a:p>
-            <a:pPr indent="0" lvl="0" marL="0" rtl="0" algn="l">
-              <a:spcBef>
-                <a:spcPts val="0"/>
-              </a:spcBef>
-              <a:spcAft>
-                <a:spcPts val="0"/>
-              </a:spcAft>
-              <a:buClr>
-                <a:schemeClr val="dk2"/>
-              </a:buClr>
-              <a:buSzPts val="990"/>
-              <a:buFont typeface="Arial"/>
-              <a:buNone/>
-            </a:pPr>
-            <a:r>
-              <a:t/>
-            </a:r>
-            <a:endParaRPr/>
-          </a:p>
-          <a:p>
-            <a:pPr indent="0" lvl="0" marL="0" rtl="0" algn="l">
-              <a:spcBef>
-                <a:spcPts val="0"/>
-              </a:spcBef>
-              <a:spcAft>
-                <a:spcPts val="0"/>
-              </a:spcAft>
-              <a:buNone/>
-            </a:pPr>
-            <a:r>
-              <a:t/>
-            </a:r>
-            <a:endParaRPr/>
-          </a:p>
-        </p:txBody>
-      </p:sp>
-      <p:sp>
-        <p:nvSpPr>
-          <p:cNvPr id="93" name="Google Shape;93;p16"/>
-          <p:cNvSpPr txBox="1"/>
-          <p:nvPr>
-            <p:ph idx="1" type="subTitle"/>
-          </p:nvPr>
-        </p:nvSpPr>
-        <p:spPr>
-          <a:xfrm>
-            <a:off x="2390275" y="1629150"/>
-            <a:ext cx="6331500" cy="2647500"/>
-          </a:xfrm>
-          <a:prstGeom prst="rect">
-            <a:avLst/>
-          </a:prstGeom>
-        </p:spPr>
-        <p:txBody>
-          <a:bodyPr anchorCtr="0" anchor="b" bIns="91425" lIns="91425" spcFirstLastPara="1" rIns="91425" wrap="square" tIns="91425">
-            <a:spAutoFit/>
-          </a:bodyPr>
-          <a:lstStyle/>
-          <a:p>
-            <a:pPr indent="0" lvl="0" marL="0" rtl="0" algn="l">
-              <a:spcBef>
-                <a:spcPts val="0"/>
-              </a:spcBef>
-              <a:spcAft>
-                <a:spcPts val="0"/>
-              </a:spcAft>
-              <a:buNone/>
-            </a:pPr>
-            <a:r>
-              <a:rPr lang="en" sz="2000">
-                <a:latin typeface="Oswald"/>
-                <a:ea typeface="Oswald"/>
-                <a:cs typeface="Oswald"/>
-                <a:sym typeface="Oswald"/>
-              </a:rPr>
-              <a:t>The motivation behind Lingolizard is to provide a new approach to practice language that is more engaging and practical.</a:t>
-            </a:r>
-            <a:endParaRPr sz="2000">
-              <a:latin typeface="Oswald"/>
-              <a:ea typeface="Oswald"/>
-              <a:cs typeface="Oswald"/>
-              <a:sym typeface="Oswald"/>
-            </a:endParaRPr>
-          </a:p>
-          <a:p>
-            <a:pPr indent="0" lvl="0" marL="0" rtl="0" algn="l">
-              <a:spcBef>
-                <a:spcPts val="0"/>
-              </a:spcBef>
-              <a:spcAft>
-                <a:spcPts val="0"/>
-              </a:spcAft>
-              <a:buNone/>
-            </a:pPr>
-            <a:r>
-              <a:rPr lang="en" sz="2000">
-                <a:latin typeface="Oswald"/>
-                <a:ea typeface="Oswald"/>
-                <a:cs typeface="Oswald"/>
-                <a:sym typeface="Oswald"/>
-              </a:rPr>
-              <a:t>For many people the school based method of learning </a:t>
-            </a:r>
-            <a:r>
-              <a:rPr lang="en" sz="2000">
-                <a:latin typeface="Oswald"/>
-                <a:ea typeface="Oswald"/>
-                <a:cs typeface="Oswald"/>
-                <a:sym typeface="Oswald"/>
-              </a:rPr>
-              <a:t>languages</a:t>
-            </a:r>
-            <a:r>
-              <a:rPr lang="en" sz="2000">
-                <a:latin typeface="Oswald"/>
-                <a:ea typeface="Oswald"/>
-                <a:cs typeface="Oswald"/>
-                <a:sym typeface="Oswald"/>
-              </a:rPr>
-              <a:t> is either not affordable or not effective for them. </a:t>
-            </a:r>
-            <a:endParaRPr sz="2000">
-              <a:latin typeface="Oswald"/>
-              <a:ea typeface="Oswald"/>
-              <a:cs typeface="Oswald"/>
-              <a:sym typeface="Oswald"/>
-            </a:endParaRPr>
-          </a:p>
-          <a:p>
-            <a:pPr indent="0" lvl="0" marL="0" rtl="0" algn="l">
-              <a:spcBef>
-                <a:spcPts val="0"/>
-              </a:spcBef>
-              <a:spcAft>
-                <a:spcPts val="0"/>
-              </a:spcAft>
-              <a:buNone/>
-            </a:pPr>
-            <a:r>
-              <a:rPr lang="en" sz="2000">
-                <a:latin typeface="Oswald"/>
-                <a:ea typeface="Oswald"/>
-                <a:cs typeface="Oswald"/>
-                <a:sym typeface="Oswald"/>
-              </a:rPr>
-              <a:t>LingoLizard is a tool they can use to get that immersive experience if they do not know a native speaker.</a:t>
-            </a:r>
-            <a:endParaRPr sz="2000">
-              <a:latin typeface="Oswald"/>
-              <a:ea typeface="Oswald"/>
-              <a:cs typeface="Oswald"/>
-              <a:sym typeface="Oswald"/>
-            </a:endParaRPr>
-          </a:p>
-          <a:p>
-            <a:pPr indent="0" lvl="0" marL="0" rtl="0" algn="l">
-              <a:spcBef>
-                <a:spcPts val="0"/>
-              </a:spcBef>
-              <a:spcAft>
-                <a:spcPts val="0"/>
-              </a:spcAft>
-              <a:buNone/>
-            </a:pPr>
-            <a:r>
-              <a:t/>
-            </a:r>
-            <a:endParaRPr sz="2000">
-              <a:latin typeface="Oswald"/>
-              <a:ea typeface="Oswald"/>
-              <a:cs typeface="Oswald"/>
-              <a:sym typeface="Oswald"/>
-            </a:endParaRPr>
-          </a:p>
-          <a:p>
-            <a:pPr indent="0" lvl="0" marL="0" rtl="0" algn="l">
-              <a:spcBef>
-                <a:spcPts val="0"/>
-              </a:spcBef>
-              <a:spcAft>
-                <a:spcPts val="0"/>
-              </a:spcAft>
-              <a:buNone/>
-            </a:pPr>
-            <a:r>
-              <a:t/>
-            </a:r>
-            <a:endParaRPr sz="2000">
-              <a:latin typeface="Oswald"/>
-              <a:ea typeface="Oswald"/>
-              <a:cs typeface="Oswald"/>
-              <a:sym typeface="Oswald"/>
-            </a:endParaRPr>
-          </a:p>
-        </p:txBody>
-      </p:sp>
-    </p:spTree>
-  </p:cSld>
-  <p:clrMapOvr>
-    <a:masterClrMapping/>
-  </p:clrMapOvr>
-</p:sld>
-</file>
-
-<file path=ppt/slides/slide5.xml><?xml version="1.0" encoding="utf-8"?>
-<p:sld xmlns:a="http://schemas.openxmlformats.org/drawingml/2006/main" xmlns:r="http://schemas.openxmlformats.org/officeDocument/2006/relationships" xmlns:mc="http://schemas.openxmlformats.org/markup-compatibility/2006" xmlns:mv="urn:schemas-microsoft-com:mac:vml" xmlns:p="http://schemas.openxmlformats.org/presentationml/2006/main" xmlns:c="http://schemas.openxmlformats.org/drawingml/2006/chart" xmlns:dgm="http://schemas.openxmlformats.org/drawingml/2006/diagram" xmlns:o="urn:schemas-microsoft-com:office:office" xmlns:v="urn:schemas-microsoft-com:vml" xmlns:pvml="urn:schemas-microsoft-com:office:powerpoint" xmlns:com="http://schemas.openxmlformats.org/drawingml/2006/compatibility" xmlns:p14="http://schemas.microsoft.com/office/powerpoint/2010/main" xmlns:p15="http://schemas.microsoft.com/office/powerpoint/2012/main" xmlns:ahyp="http://schemas.microsoft.com/office/drawing/2018/hyperlinkcolor">
-  <p:cSld>
-    <p:bg>
-      <p:bgPr>
-        <a:gradFill>
-          <a:gsLst>
-            <a:gs pos="0">
-              <a:schemeClr val="accent3"/>
-            </a:gs>
-            <a:gs pos="100000">
-              <a:schemeClr val="dk1"/>
-            </a:gs>
-          </a:gsLst>
-          <a:lin ang="5400012" scaled="0"/>
-        </a:gradFill>
-      </p:bgPr>
-    </p:bg>
-    <p:spTree>
-      <p:nvGrpSpPr>
-        <p:cNvPr id="97" name="Shape 97"/>
-        <p:cNvGrpSpPr/>
-        <p:nvPr/>
-      </p:nvGrpSpPr>
-      <p:grpSpPr>
-        <a:xfrm>
-          <a:off x="0" y="0"/>
-          <a:ext cx="0" cy="0"/>
-          <a:chOff x="0" y="0"/>
-          <a:chExt cx="0" cy="0"/>
-        </a:xfrm>
-      </p:grpSpPr>
-      <p:sp>
-        <p:nvSpPr>
-          <p:cNvPr id="98" name="Google Shape;98;p17"/>
-          <p:cNvSpPr txBox="1"/>
-          <p:nvPr>
-            <p:ph type="ctrTitle"/>
-          </p:nvPr>
-        </p:nvSpPr>
-        <p:spPr>
-          <a:xfrm>
-            <a:off x="2371725" y="630225"/>
-            <a:ext cx="6331500" cy="905400"/>
-          </a:xfrm>
-          <a:prstGeom prst="rect">
-            <a:avLst/>
-          </a:prstGeom>
-        </p:spPr>
-        <p:txBody>
-          <a:bodyPr anchorCtr="0" anchor="t" bIns="91425" lIns="91425" spcFirstLastPara="1" rIns="91425" wrap="square" tIns="91425">
-            <a:normAutofit fontScale="90000"/>
-          </a:bodyPr>
-          <a:lstStyle/>
-          <a:p>
-            <a:pPr indent="0" lvl="0" marL="0" rtl="0" algn="l">
-              <a:spcBef>
-                <a:spcPts val="0"/>
-              </a:spcBef>
-              <a:spcAft>
-                <a:spcPts val="0"/>
-              </a:spcAft>
-              <a:buClr>
-                <a:schemeClr val="dk2"/>
-              </a:buClr>
-              <a:buSzPts val="990"/>
-              <a:buFont typeface="Arial"/>
-              <a:buNone/>
-            </a:pPr>
-            <a:r>
-              <a:rPr lang="en"/>
-              <a:t>Features</a:t>
-            </a:r>
-            <a:endParaRPr/>
-          </a:p>
-          <a:p>
-            <a:pPr indent="0" lvl="0" marL="0" rtl="0" algn="l">
-              <a:spcBef>
-                <a:spcPts val="0"/>
-              </a:spcBef>
-              <a:spcAft>
-                <a:spcPts val="0"/>
-              </a:spcAft>
-              <a:buClr>
-                <a:schemeClr val="dk2"/>
-              </a:buClr>
-              <a:buSzPts val="990"/>
-              <a:buFont typeface="Arial"/>
-              <a:buNone/>
-            </a:pPr>
-            <a:r>
-              <a:t/>
-            </a:r>
-            <a:endParaRPr/>
-          </a:p>
-          <a:p>
-            <a:pPr indent="0" lvl="0" marL="0" rtl="0" algn="l">
-              <a:spcBef>
-                <a:spcPts val="0"/>
-              </a:spcBef>
-              <a:spcAft>
-                <a:spcPts val="0"/>
-              </a:spcAft>
-              <a:buNone/>
-            </a:pPr>
-            <a:r>
-              <a:t/>
-            </a:r>
-            <a:endParaRPr/>
-          </a:p>
-        </p:txBody>
-      </p:sp>
-      <p:sp>
-        <p:nvSpPr>
-          <p:cNvPr id="99" name="Google Shape;99;p17"/>
-          <p:cNvSpPr txBox="1"/>
-          <p:nvPr>
-            <p:ph idx="1" type="subTitle"/>
-          </p:nvPr>
-        </p:nvSpPr>
-        <p:spPr>
-          <a:xfrm>
-            <a:off x="2390275" y="1629150"/>
-            <a:ext cx="6331500" cy="2339700"/>
-          </a:xfrm>
-          <a:prstGeom prst="rect">
-            <a:avLst/>
-          </a:prstGeom>
-        </p:spPr>
-        <p:txBody>
-          <a:bodyPr anchorCtr="0" anchor="b" bIns="91425" lIns="91425" spcFirstLastPara="1" rIns="91425" wrap="square" tIns="91425">
-            <a:spAutoFit/>
-          </a:bodyPr>
-          <a:lstStyle/>
-          <a:p>
-            <a:pPr indent="-355600" lvl="0" marL="457200" rtl="0" algn="l">
-              <a:spcBef>
-                <a:spcPts val="0"/>
-              </a:spcBef>
-              <a:spcAft>
-                <a:spcPts val="0"/>
-              </a:spcAft>
-              <a:buSzPts val="2000"/>
-              <a:buFont typeface="Oswald"/>
-              <a:buChar char="●"/>
-            </a:pPr>
-            <a:r>
-              <a:rPr lang="en" sz="2000">
-                <a:latin typeface="Oswald"/>
-                <a:ea typeface="Oswald"/>
-                <a:cs typeface="Oswald"/>
-                <a:sym typeface="Oswald"/>
-              </a:rPr>
-              <a:t>Gamified features such as streaks, leaderboard and points</a:t>
-            </a:r>
-            <a:br>
-              <a:rPr lang="en" sz="2000">
-                <a:latin typeface="Oswald"/>
-                <a:ea typeface="Oswald"/>
-                <a:cs typeface="Oswald"/>
-                <a:sym typeface="Oswald"/>
-              </a:rPr>
-            </a:br>
-            <a:endParaRPr sz="2000">
-              <a:latin typeface="Oswald"/>
-              <a:ea typeface="Oswald"/>
-              <a:cs typeface="Oswald"/>
-              <a:sym typeface="Oswald"/>
-            </a:endParaRPr>
-          </a:p>
-          <a:p>
-            <a:pPr indent="-355600" lvl="0" marL="457200" rtl="0" algn="l">
-              <a:spcBef>
-                <a:spcPts val="0"/>
-              </a:spcBef>
-              <a:spcAft>
-                <a:spcPts val="0"/>
-              </a:spcAft>
-              <a:buSzPts val="2000"/>
-              <a:buFont typeface="Oswald"/>
-              <a:buChar char="●"/>
-            </a:pPr>
-            <a:r>
-              <a:rPr lang="en" sz="2000">
-                <a:latin typeface="Oswald"/>
-                <a:ea typeface="Oswald"/>
-                <a:cs typeface="Oswald"/>
-                <a:sym typeface="Oswald"/>
-              </a:rPr>
-              <a:t>Provide real time conversation type lessons and corrections</a:t>
-            </a:r>
-            <a:br>
-              <a:rPr lang="en" sz="2000">
-                <a:latin typeface="Oswald"/>
-                <a:ea typeface="Oswald"/>
-                <a:cs typeface="Oswald"/>
-                <a:sym typeface="Oswald"/>
-              </a:rPr>
-            </a:br>
-            <a:endParaRPr sz="2000">
-              <a:latin typeface="Oswald"/>
-              <a:ea typeface="Oswald"/>
-              <a:cs typeface="Oswald"/>
-              <a:sym typeface="Oswald"/>
-            </a:endParaRPr>
-          </a:p>
-          <a:p>
-            <a:pPr indent="-355600" lvl="0" marL="457200" rtl="0" algn="l">
-              <a:spcBef>
-                <a:spcPts val="0"/>
-              </a:spcBef>
-              <a:spcAft>
-                <a:spcPts val="0"/>
-              </a:spcAft>
-              <a:buSzPts val="2000"/>
-              <a:buFont typeface="Oswald"/>
-              <a:buChar char="●"/>
-            </a:pPr>
-            <a:r>
-              <a:rPr lang="en" sz="2000">
-                <a:latin typeface="Oswald"/>
-                <a:ea typeface="Oswald"/>
-                <a:cs typeface="Oswald"/>
-                <a:sym typeface="Oswald"/>
-              </a:rPr>
-              <a:t>Provide reminders and notifications to users</a:t>
-            </a:r>
-            <a:endParaRPr sz="2000">
-              <a:latin typeface="Oswald"/>
-              <a:ea typeface="Oswald"/>
-              <a:cs typeface="Oswald"/>
-              <a:sym typeface="Oswald"/>
-            </a:endParaRPr>
-          </a:p>
-          <a:p>
-            <a:pPr indent="0" lvl="0" marL="0" rtl="0" algn="l">
-              <a:spcBef>
-                <a:spcPts val="0"/>
-              </a:spcBef>
-              <a:spcAft>
-                <a:spcPts val="0"/>
-              </a:spcAft>
-              <a:buNone/>
-            </a:pPr>
-            <a:r>
-              <a:t/>
-            </a:r>
-            <a:endParaRPr sz="2000">
-              <a:latin typeface="Oswald"/>
-              <a:ea typeface="Oswald"/>
-              <a:cs typeface="Oswald"/>
-              <a:sym typeface="Oswald"/>
-            </a:endParaRPr>
-          </a:p>
-          <a:p>
-            <a:pPr indent="0" lvl="0" marL="0" rtl="0" algn="l">
-              <a:spcBef>
-                <a:spcPts val="0"/>
-              </a:spcBef>
-              <a:spcAft>
-                <a:spcPts val="0"/>
-              </a:spcAft>
-              <a:buNone/>
-            </a:pPr>
-            <a:r>
-              <a:t/>
-            </a:r>
-            <a:endParaRPr sz="2000">
-              <a:latin typeface="Oswald"/>
-              <a:ea typeface="Oswald"/>
-              <a:cs typeface="Oswald"/>
-              <a:sym typeface="Oswald"/>
-            </a:endParaRPr>
-          </a:p>
-        </p:txBody>
-      </p:sp>
-    </p:spTree>
-  </p:cSld>
-  <p:clrMapOvr>
-    <a:masterClrMapping/>
-  </p:clrMapOvr>
-</p:sld>
-</file>
-
-<file path=ppt/slides/slide6.xml><?xml version="1.0" encoding="utf-8"?>
-<p:sld xmlns:a="http://schemas.openxmlformats.org/drawingml/2006/main" xmlns:r="http://schemas.openxmlformats.org/officeDocument/2006/relationships" xmlns:mc="http://schemas.openxmlformats.org/markup-compatibility/2006" xmlns:mv="urn:schemas-microsoft-com:mac:vml" xmlns:p="http://schemas.openxmlformats.org/presentationml/2006/main" xmlns:c="http://schemas.openxmlformats.org/drawingml/2006/chart" xmlns:dgm="http://schemas.openxmlformats.org/drawingml/2006/diagram" xmlns:o="urn:schemas-microsoft-com:office:office" xmlns:v="urn:schemas-microsoft-com:vml" xmlns:pvml="urn:schemas-microsoft-com:office:powerpoint" xmlns:com="http://schemas.openxmlformats.org/drawingml/2006/compatibility" xmlns:p14="http://schemas.microsoft.com/office/powerpoint/2010/main" xmlns:p15="http://schemas.microsoft.com/office/powerpoint/2012/main" xmlns:ahyp="http://schemas.microsoft.com/office/drawing/2018/hyperlinkcolor">
-  <p:cSld>
-    <p:bg>
-      <p:bgPr>
-        <a:gradFill>
-          <a:gsLst>
-            <a:gs pos="0">
-              <a:schemeClr val="accent3"/>
-            </a:gs>
-            <a:gs pos="100000">
-              <a:schemeClr val="dk1"/>
-            </a:gs>
-          </a:gsLst>
-          <a:lin ang="5400012" scaled="0"/>
-        </a:gradFill>
-      </p:bgPr>
-    </p:bg>
-    <p:spTree>
-      <p:nvGrpSpPr>
-        <p:cNvPr id="103" name="Shape 103"/>
-        <p:cNvGrpSpPr/>
-        <p:nvPr/>
-      </p:nvGrpSpPr>
-      <p:grpSpPr>
-        <a:xfrm>
-          <a:off x="0" y="0"/>
-          <a:ext cx="0" cy="0"/>
-          <a:chOff x="0" y="0"/>
-          <a:chExt cx="0" cy="0"/>
-        </a:xfrm>
-      </p:grpSpPr>
-      <p:sp>
-        <p:nvSpPr>
-          <p:cNvPr id="104" name="Google Shape;104;p18"/>
-          <p:cNvSpPr txBox="1"/>
-          <p:nvPr>
-            <p:ph type="ctrTitle"/>
-          </p:nvPr>
-        </p:nvSpPr>
-        <p:spPr>
-          <a:xfrm>
-            <a:off x="2371725" y="630225"/>
-            <a:ext cx="6331500" cy="905400"/>
-          </a:xfrm>
-          <a:prstGeom prst="rect">
-            <a:avLst/>
-          </a:prstGeom>
-        </p:spPr>
-        <p:txBody>
-          <a:bodyPr anchorCtr="0" anchor="t" bIns="91425" lIns="91425" spcFirstLastPara="1" rIns="91425" wrap="square" tIns="91425">
-            <a:normAutofit fontScale="90000"/>
-          </a:bodyPr>
-          <a:lstStyle/>
-          <a:p>
-            <a:pPr indent="0" lvl="0" marL="0" rtl="0" algn="l">
-              <a:spcBef>
-                <a:spcPts val="0"/>
-              </a:spcBef>
-              <a:spcAft>
-                <a:spcPts val="0"/>
-              </a:spcAft>
-              <a:buClr>
-                <a:schemeClr val="dk2"/>
-              </a:buClr>
-              <a:buSzPts val="990"/>
-              <a:buFont typeface="Arial"/>
-              <a:buNone/>
-            </a:pPr>
-            <a:r>
-              <a:rPr lang="en"/>
-              <a:t>Related Work Analysis</a:t>
-            </a:r>
-            <a:endParaRPr/>
-          </a:p>
-          <a:p>
-            <a:pPr indent="0" lvl="0" marL="0" rtl="0" algn="l">
-              <a:spcBef>
-                <a:spcPts val="0"/>
-              </a:spcBef>
-              <a:spcAft>
-                <a:spcPts val="0"/>
-              </a:spcAft>
-              <a:buClr>
-                <a:schemeClr val="dk2"/>
-              </a:buClr>
-              <a:buSzPts val="990"/>
-              <a:buFont typeface="Arial"/>
-              <a:buNone/>
-            </a:pPr>
-            <a:r>
-              <a:t/>
-            </a:r>
-            <a:endParaRPr/>
-          </a:p>
-          <a:p>
-            <a:pPr indent="0" lvl="0" marL="0" rtl="0" algn="l">
-              <a:spcBef>
-                <a:spcPts val="0"/>
-              </a:spcBef>
-              <a:spcAft>
-                <a:spcPts val="0"/>
-              </a:spcAft>
-              <a:buNone/>
-            </a:pPr>
-            <a:r>
-              <a:t/>
-            </a:r>
-            <a:endParaRPr/>
-          </a:p>
-        </p:txBody>
-      </p:sp>
-      <p:sp>
-        <p:nvSpPr>
-          <p:cNvPr id="105" name="Google Shape;105;p18"/>
-          <p:cNvSpPr txBox="1"/>
-          <p:nvPr>
-            <p:ph idx="1" type="subTitle"/>
-          </p:nvPr>
-        </p:nvSpPr>
-        <p:spPr>
-          <a:xfrm>
-            <a:off x="2789025" y="1629150"/>
-            <a:ext cx="5932800" cy="2955300"/>
-          </a:xfrm>
-          <a:prstGeom prst="rect">
-            <a:avLst/>
-          </a:prstGeom>
-        </p:spPr>
-        <p:txBody>
-          <a:bodyPr anchorCtr="0" anchor="b" bIns="91425" lIns="91425" spcFirstLastPara="1" rIns="91425" wrap="square" tIns="91425">
-            <a:spAutoFit/>
-          </a:bodyPr>
-          <a:lstStyle/>
-          <a:p>
-            <a:pPr indent="0" lvl="0" marL="0" rtl="0" algn="l">
-              <a:spcBef>
-                <a:spcPts val="0"/>
-              </a:spcBef>
-              <a:spcAft>
-                <a:spcPts val="0"/>
-              </a:spcAft>
-              <a:buNone/>
-            </a:pPr>
-            <a:r>
-              <a:rPr lang="en" sz="2000">
-                <a:latin typeface="Oswald"/>
-                <a:ea typeface="Oswald"/>
-                <a:cs typeface="Oswald"/>
-                <a:sym typeface="Oswald"/>
-              </a:rPr>
-              <a:t>Duolingo: offers gamified method to learn languages but is limited to basic phrases and grammar while Lingo lizard will have real time conversations.</a:t>
-            </a:r>
-            <a:endParaRPr sz="2000">
-              <a:latin typeface="Oswald"/>
-              <a:ea typeface="Oswald"/>
-              <a:cs typeface="Oswald"/>
-              <a:sym typeface="Oswald"/>
-            </a:endParaRPr>
-          </a:p>
-          <a:p>
-            <a:pPr indent="0" lvl="0" marL="0" rtl="0" algn="l">
-              <a:spcBef>
-                <a:spcPts val="0"/>
-              </a:spcBef>
-              <a:spcAft>
-                <a:spcPts val="0"/>
-              </a:spcAft>
-              <a:buNone/>
-            </a:pPr>
-            <a:r>
-              <a:t/>
-            </a:r>
-            <a:endParaRPr sz="2000">
-              <a:latin typeface="Oswald"/>
-              <a:ea typeface="Oswald"/>
-              <a:cs typeface="Oswald"/>
-              <a:sym typeface="Oswald"/>
-            </a:endParaRPr>
-          </a:p>
-          <a:p>
-            <a:pPr indent="0" lvl="0" marL="0" rtl="0" algn="l">
-              <a:spcBef>
-                <a:spcPts val="0"/>
-              </a:spcBef>
-              <a:spcAft>
-                <a:spcPts val="0"/>
-              </a:spcAft>
-              <a:buNone/>
-            </a:pPr>
-            <a:r>
-              <a:rPr lang="en" sz="2000">
-                <a:latin typeface="Oswald"/>
-                <a:ea typeface="Oswald"/>
-                <a:cs typeface="Oswald"/>
-                <a:sym typeface="Oswald"/>
-              </a:rPr>
-              <a:t>HelloTalk: users practice languages with a native speaker where LingoLizard automates this without depending on others.</a:t>
-            </a:r>
-            <a:endParaRPr sz="2000">
-              <a:latin typeface="Oswald"/>
-              <a:ea typeface="Oswald"/>
-              <a:cs typeface="Oswald"/>
-              <a:sym typeface="Oswald"/>
-            </a:endParaRPr>
-          </a:p>
-          <a:p>
-            <a:pPr indent="0" lvl="0" marL="0" rtl="0" algn="l">
-              <a:spcBef>
-                <a:spcPts val="0"/>
-              </a:spcBef>
-              <a:spcAft>
-                <a:spcPts val="0"/>
-              </a:spcAft>
-              <a:buNone/>
-            </a:pPr>
-            <a:r>
-              <a:t/>
-            </a:r>
-            <a:endParaRPr sz="2000">
-              <a:latin typeface="Oswald"/>
-              <a:ea typeface="Oswald"/>
-              <a:cs typeface="Oswald"/>
-              <a:sym typeface="Oswald"/>
-            </a:endParaRPr>
-          </a:p>
-          <a:p>
-            <a:pPr indent="0" lvl="0" marL="0" rtl="0" algn="l">
-              <a:spcBef>
-                <a:spcPts val="0"/>
-              </a:spcBef>
-              <a:spcAft>
-                <a:spcPts val="0"/>
-              </a:spcAft>
-              <a:buNone/>
-            </a:pPr>
-            <a:r>
-              <a:t/>
-            </a:r>
-            <a:endParaRPr sz="2000">
-              <a:latin typeface="Oswald"/>
-              <a:ea typeface="Oswald"/>
-              <a:cs typeface="Oswald"/>
-              <a:sym typeface="Oswald"/>
-            </a:endParaRPr>
-          </a:p>
-        </p:txBody>
-      </p:sp>
-      <p:pic>
-        <p:nvPicPr>
-          <p:cNvPr id="106" name="Google Shape;106;p18"/>
-          <p:cNvPicPr preferRelativeResize="0"/>
-          <p:nvPr/>
-        </p:nvPicPr>
-        <p:blipFill>
-          <a:blip r:embed="rId3">
-            <a:alphaModFix/>
-          </a:blip>
-          <a:stretch>
-            <a:fillRect/>
-          </a:stretch>
-        </p:blipFill>
-        <p:spPr>
-          <a:xfrm>
-            <a:off x="250475" y="1615425"/>
-            <a:ext cx="1912640" cy="1912640"/>
-          </a:xfrm>
-          <a:prstGeom prst="rect">
-            <a:avLst/>
-          </a:prstGeom>
-          <a:noFill/>
-          <a:ln>
-            <a:noFill/>
-          </a:ln>
-        </p:spPr>
-      </p:pic>
-      <p:sp>
-        <p:nvSpPr>
-          <p:cNvPr id="107" name="Google Shape;107;p18"/>
-          <p:cNvSpPr txBox="1"/>
-          <p:nvPr/>
-        </p:nvSpPr>
-        <p:spPr>
-          <a:xfrm>
-            <a:off x="297350" y="3708075"/>
-            <a:ext cx="1818900" cy="252600"/>
-          </a:xfrm>
-          <a:prstGeom prst="rect">
-            <a:avLst/>
-          </a:prstGeom>
-          <a:noFill/>
-          <a:ln>
-            <a:noFill/>
-          </a:ln>
-        </p:spPr>
-        <p:txBody>
-          <a:bodyPr anchorCtr="0" anchor="t" bIns="91425" lIns="91425" spcFirstLastPara="1" rIns="91425" wrap="square" tIns="91425">
-            <a:noAutofit/>
-          </a:bodyPr>
-          <a:lstStyle/>
-          <a:p>
-            <a:pPr indent="0" lvl="0" marL="0" rtl="0" algn="l">
-              <a:spcBef>
-                <a:spcPts val="0"/>
-              </a:spcBef>
-              <a:spcAft>
-                <a:spcPts val="0"/>
-              </a:spcAft>
-              <a:buNone/>
-            </a:pPr>
-            <a:r>
-              <a:rPr lang="en" sz="1200">
-                <a:solidFill>
-                  <a:srgbClr val="FFFFFF"/>
-                </a:solidFill>
-                <a:latin typeface="Lato"/>
-                <a:ea typeface="Lato"/>
-                <a:cs typeface="Lato"/>
-                <a:sym typeface="Lato"/>
-              </a:rPr>
-              <a:t>Fig .2 Doulingo Logo [3]</a:t>
-            </a:r>
-            <a:endParaRPr sz="1200">
-              <a:solidFill>
-                <a:srgbClr val="FFFFFF"/>
-              </a:solidFill>
-              <a:latin typeface="Lato"/>
-              <a:ea typeface="Lato"/>
-              <a:cs typeface="Lato"/>
-              <a:sym typeface="Lato"/>
-            </a:endParaRPr>
-          </a:p>
-        </p:txBody>
-      </p:sp>
-    </p:spTree>
-  </p:cSld>
-  <p:clrMapOvr>
-    <a:masterClrMapping/>
-  </p:clrMapOvr>
-</p:sld>
-</file>
-
-<file path=ppt/slides/slide7.xml><?xml version="1.0" encoding="utf-8"?>
-<p:sld xmlns:a="http://schemas.openxmlformats.org/drawingml/2006/main" xmlns:r="http://schemas.openxmlformats.org/officeDocument/2006/relationships" xmlns:mc="http://schemas.openxmlformats.org/markup-compatibility/2006" xmlns:mv="urn:schemas-microsoft-com:mac:vml" xmlns:p="http://schemas.openxmlformats.org/presentationml/2006/main" xmlns:c="http://schemas.openxmlformats.org/drawingml/2006/chart" xmlns:dgm="http://schemas.openxmlformats.org/drawingml/2006/diagram" xmlns:o="urn:schemas-microsoft-com:office:office" xmlns:v="urn:schemas-microsoft-com:vml" xmlns:pvml="urn:schemas-microsoft-com:office:powerpoint" xmlns:com="http://schemas.openxmlformats.org/drawingml/2006/compatibility" xmlns:p14="http://schemas.microsoft.com/office/powerpoint/2010/main" xmlns:p15="http://schemas.microsoft.com/office/powerpoint/2012/main" xmlns:ahyp="http://schemas.microsoft.com/office/drawing/2018/hyperlinkcolor">
-  <p:cSld>
-    <p:bg>
-      <p:bgPr>
-        <a:gradFill>
-          <a:gsLst>
-            <a:gs pos="0">
-              <a:schemeClr val="accent3"/>
-            </a:gs>
-            <a:gs pos="100000">
-              <a:schemeClr val="dk1"/>
-            </a:gs>
-          </a:gsLst>
-          <a:lin ang="5400012" scaled="0"/>
-        </a:gradFill>
-      </p:bgPr>
-    </p:bg>
-    <p:spTree>
-      <p:nvGrpSpPr>
-        <p:cNvPr id="111" name="Shape 111"/>
-        <p:cNvGrpSpPr/>
-        <p:nvPr/>
-      </p:nvGrpSpPr>
-      <p:grpSpPr>
-        <a:xfrm>
-          <a:off x="0" y="0"/>
-          <a:ext cx="0" cy="0"/>
-          <a:chOff x="0" y="0"/>
-          <a:chExt cx="0" cy="0"/>
-        </a:xfrm>
-      </p:grpSpPr>
-      <p:sp>
-        <p:nvSpPr>
-          <p:cNvPr id="112" name="Google Shape;112;p19"/>
-          <p:cNvSpPr txBox="1"/>
-          <p:nvPr>
-            <p:ph type="ctrTitle"/>
-          </p:nvPr>
-        </p:nvSpPr>
-        <p:spPr>
-          <a:xfrm>
-            <a:off x="2371725" y="630225"/>
-            <a:ext cx="6331500" cy="905400"/>
-          </a:xfrm>
-          <a:prstGeom prst="rect">
-            <a:avLst/>
-          </a:prstGeom>
-        </p:spPr>
-        <p:txBody>
-          <a:bodyPr anchorCtr="0" anchor="t" bIns="91425" lIns="91425" spcFirstLastPara="1" rIns="91425" wrap="square" tIns="91425">
-            <a:normAutofit fontScale="90000"/>
-          </a:bodyPr>
-          <a:lstStyle/>
-          <a:p>
-            <a:pPr indent="0" lvl="0" marL="0" rtl="0" algn="l">
+            <a:pPr marL="0" lvl="0" indent="0" algn="l" rtl="0">
               <a:spcBef>
                 <a:spcPts val="0"/>
               </a:spcBef>
@@ -9182,7 +8402,7 @@
             <a:endParaRPr/>
           </a:p>
           <a:p>
-            <a:pPr indent="0" lvl="0" marL="0" rtl="0" algn="l">
+            <a:pPr marL="0" lvl="0" indent="0" algn="l" rtl="0">
               <a:spcBef>
                 <a:spcPts val="0"/>
               </a:spcBef>
@@ -9196,13 +8416,10 @@
               <a:buFont typeface="Arial"/>
               <a:buNone/>
             </a:pPr>
-            <a:r>
-              <a:t/>
-            </a:r>
             <a:endParaRPr/>
           </a:p>
           <a:p>
-            <a:pPr indent="0" lvl="0" marL="0" rtl="0" algn="l">
+            <a:pPr marL="0" lvl="0" indent="0" algn="l" rtl="0">
               <a:spcBef>
                 <a:spcPts val="0"/>
               </a:spcBef>
@@ -9216,13 +8433,10 @@
               <a:buFont typeface="Arial"/>
               <a:buNone/>
             </a:pPr>
-            <a:r>
-              <a:t/>
-            </a:r>
             <a:endParaRPr/>
           </a:p>
           <a:p>
-            <a:pPr indent="0" lvl="0" marL="0" rtl="0" algn="l">
+            <a:pPr marL="0" lvl="0" indent="0" algn="l" rtl="0">
               <a:spcBef>
                 <a:spcPts val="0"/>
               </a:spcBef>
@@ -9231,19 +8445,18 @@
               </a:spcAft>
               <a:buNone/>
             </a:pPr>
-            <a:r>
-              <a:t/>
-            </a:r>
             <a:endParaRPr/>
           </a:p>
         </p:txBody>
       </p:sp>
       <p:sp>
         <p:nvSpPr>
-          <p:cNvPr id="113" name="Google Shape;113;p19"/>
-          <p:cNvSpPr txBox="1"/>
+          <p:cNvPr id="138" name="Google Shape;138;p23"/>
+          <p:cNvSpPr txBox="1">
+            <a:spLocks noGrp="1"/>
+          </p:cNvSpPr>
           <p:nvPr>
-            <p:ph idx="1" type="subTitle"/>
+            <p:ph type="subTitle" idx="1"/>
           </p:nvPr>
         </p:nvSpPr>
         <p:spPr>
@@ -9256,12 +8469,12 @@
           </a:prstGeom>
         </p:spPr>
         <p:txBody>
-          <a:bodyPr anchorCtr="0" anchor="b" bIns="91425" lIns="91425" spcFirstLastPara="1" rIns="91425" wrap="square" tIns="91425">
+          <a:bodyPr spcFirstLastPara="1" wrap="square" lIns="91425" tIns="91425" rIns="91425" bIns="91425" anchor="b" anchorCtr="0">
             <a:spAutoFit/>
           </a:bodyPr>
           <a:lstStyle/>
           <a:p>
-            <a:pPr indent="0" lvl="0" marL="0" rtl="0" algn="l">
+            <a:pPr marL="0" lvl="0" indent="0" algn="l" rtl="0">
               <a:spcBef>
                 <a:spcPts val="0"/>
               </a:spcBef>
@@ -9287,7 +8500,7 @@
             </a:endParaRPr>
           </a:p>
           <a:p>
-            <a:pPr indent="0" lvl="0" marL="0" rtl="0" algn="l">
+            <a:pPr marL="0" lvl="0" indent="0" algn="l" rtl="0">
               <a:spcBef>
                 <a:spcPts val="0"/>
               </a:spcBef>
@@ -9296,9 +8509,6 @@
               </a:spcAft>
               <a:buNone/>
             </a:pPr>
-            <a:r>
-              <a:t/>
-            </a:r>
             <a:endParaRPr sz="2000">
               <a:latin typeface="Oswald"/>
               <a:ea typeface="Oswald"/>
@@ -9307,7 +8517,7 @@
             </a:endParaRPr>
           </a:p>
           <a:p>
-            <a:pPr indent="0" lvl="0" marL="0" rtl="0" algn="l">
+            <a:pPr marL="0" lvl="0" indent="0" algn="l" rtl="0">
               <a:spcBef>
                 <a:spcPts val="0"/>
               </a:spcBef>
@@ -9316,9 +8526,6 @@
               </a:spcAft>
               <a:buNone/>
             </a:pPr>
-            <a:r>
-              <a:t/>
-            </a:r>
             <a:endParaRPr sz="2000">
               <a:latin typeface="Oswald"/>
               <a:ea typeface="Oswald"/>
@@ -9328,95 +8535,9 @@
           </a:p>
         </p:txBody>
       </p:sp>
-      <p:sp>
-        <p:nvSpPr>
-          <p:cNvPr id="114" name="Google Shape;114;p19"/>
-          <p:cNvSpPr txBox="1"/>
-          <p:nvPr/>
-        </p:nvSpPr>
-        <p:spPr>
-          <a:xfrm>
-            <a:off x="297350" y="3863850"/>
-            <a:ext cx="2273700" cy="252600"/>
-          </a:xfrm>
-          <a:prstGeom prst="rect">
-            <a:avLst/>
-          </a:prstGeom>
-          <a:noFill/>
-          <a:ln>
-            <a:noFill/>
-          </a:ln>
-        </p:spPr>
-        <p:txBody>
-          <a:bodyPr anchorCtr="0" anchor="t" bIns="91425" lIns="91425" spcFirstLastPara="1" rIns="91425" wrap="square" tIns="91425">
-            <a:noAutofit/>
-          </a:bodyPr>
-          <a:lstStyle/>
-          <a:p>
-            <a:pPr indent="0" lvl="0" marL="0" rtl="0" algn="l">
-              <a:spcBef>
-                <a:spcPts val="0"/>
-              </a:spcBef>
-              <a:spcAft>
-                <a:spcPts val="0"/>
-              </a:spcAft>
-              <a:buClr>
-                <a:schemeClr val="dk2"/>
-              </a:buClr>
-              <a:buSzPts val="1100"/>
-              <a:buFont typeface="Arial"/>
-              <a:buNone/>
-            </a:pPr>
-            <a:r>
-              <a:rPr lang="en" sz="1200">
-                <a:solidFill>
-                  <a:schemeClr val="lt1"/>
-                </a:solidFill>
-                <a:latin typeface="Lato"/>
-                <a:ea typeface="Lato"/>
-                <a:cs typeface="Lato"/>
-                <a:sym typeface="Lato"/>
-              </a:rPr>
-              <a:t>Fig .3 Picture from times higher education article[4]</a:t>
-            </a:r>
-            <a:endParaRPr sz="1200">
-              <a:solidFill>
-                <a:schemeClr val="lt1"/>
-              </a:solidFill>
-              <a:latin typeface="Lato"/>
-              <a:ea typeface="Lato"/>
-              <a:cs typeface="Lato"/>
-              <a:sym typeface="Lato"/>
-            </a:endParaRPr>
-          </a:p>
-          <a:p>
-            <a:pPr indent="0" lvl="0" marL="0" rtl="0" algn="l">
-              <a:spcBef>
-                <a:spcPts val="0"/>
-              </a:spcBef>
-              <a:spcAft>
-                <a:spcPts val="0"/>
-              </a:spcAft>
-              <a:buNone/>
-            </a:pPr>
-            <a:r>
-              <a:t/>
-            </a:r>
-            <a:endParaRPr sz="1200">
-              <a:solidFill>
-                <a:srgbClr val="FFFFFF"/>
-              </a:solidFill>
-              <a:latin typeface="Lato"/>
-              <a:ea typeface="Lato"/>
-              <a:cs typeface="Lato"/>
-              <a:sym typeface="Lato"/>
-            </a:endParaRPr>
-          </a:p>
-        </p:txBody>
-      </p:sp>
       <p:pic>
         <p:nvPicPr>
-          <p:cNvPr id="115" name="Google Shape;115;p19"/>
+          <p:cNvPr id="139" name="Google Shape;139;p23"/>
           <p:cNvPicPr preferRelativeResize="0"/>
           <p:nvPr/>
         </p:nvPicPr>
@@ -9450,8 +8571,8 @@
 </p:sld>
 </file>
 
-<file path=ppt/slides/slide8.xml><?xml version="1.0" encoding="utf-8"?>
-<p:sld xmlns:a="http://schemas.openxmlformats.org/drawingml/2006/main" xmlns:r="http://schemas.openxmlformats.org/officeDocument/2006/relationships" xmlns:mc="http://schemas.openxmlformats.org/markup-compatibility/2006" xmlns:mv="urn:schemas-microsoft-com:mac:vml" xmlns:p="http://schemas.openxmlformats.org/presentationml/2006/main" xmlns:c="http://schemas.openxmlformats.org/drawingml/2006/chart" xmlns:dgm="http://schemas.openxmlformats.org/drawingml/2006/diagram" xmlns:o="urn:schemas-microsoft-com:office:office" xmlns:v="urn:schemas-microsoft-com:vml" xmlns:pvml="urn:schemas-microsoft-com:office:powerpoint" xmlns:com="http://schemas.openxmlformats.org/drawingml/2006/compatibility" xmlns:p14="http://schemas.microsoft.com/office/powerpoint/2010/main" xmlns:p15="http://schemas.microsoft.com/office/powerpoint/2012/main" xmlns:ahyp="http://schemas.microsoft.com/office/drawing/2018/hyperlinkcolor">
+<file path=ppt/slides/slide12.xml><?xml version="1.0" encoding="utf-8"?>
+<p:sld xmlns:a="http://schemas.openxmlformats.org/drawingml/2006/main" xmlns:r="http://schemas.openxmlformats.org/officeDocument/2006/relationships" xmlns:p="http://schemas.openxmlformats.org/presentationml/2006/main">
   <p:cSld>
     <p:bg>
       <p:bgPr>
@@ -9466,11 +8587,12 @@
           </a:gsLst>
           <a:lin ang="5400012" scaled="0"/>
         </a:gradFill>
+        <a:effectLst/>
       </p:bgPr>
     </p:bg>
     <p:spTree>
       <p:nvGrpSpPr>
-        <p:cNvPr id="119" name="Shape 119"/>
+        <p:cNvPr id="1" name="Shape 143"/>
         <p:cNvGrpSpPr/>
         <p:nvPr/>
       </p:nvGrpSpPr>
@@ -9484,8 +8606,10 @@
       </p:grpSpPr>
       <p:sp>
         <p:nvSpPr>
-          <p:cNvPr id="120" name="Google Shape;120;p20"/>
-          <p:cNvSpPr txBox="1"/>
+          <p:cNvPr id="144" name="Google Shape;144;p24"/>
+          <p:cNvSpPr txBox="1">
+            <a:spLocks noGrp="1"/>
+          </p:cNvSpPr>
           <p:nvPr>
             <p:ph type="ctrTitle"/>
           </p:nvPr>
@@ -9500,12 +8624,12 @@
           </a:prstGeom>
         </p:spPr>
         <p:txBody>
-          <a:bodyPr anchorCtr="0" anchor="t" bIns="91425" lIns="91425" spcFirstLastPara="1" rIns="91425" wrap="square" tIns="91425">
+          <a:bodyPr spcFirstLastPara="1" wrap="square" lIns="91425" tIns="91425" rIns="91425" bIns="91425" anchor="t" anchorCtr="0">
             <a:normAutofit fontScale="90000"/>
           </a:bodyPr>
           <a:lstStyle/>
           <a:p>
-            <a:pPr indent="0" lvl="0" marL="0" rtl="0" algn="l">
+            <a:pPr marL="0" lvl="0" indent="0" algn="l" rtl="0">
               <a:spcBef>
                 <a:spcPts val="0"/>
               </a:spcBef>
@@ -9526,7 +8650,7 @@
             <a:endParaRPr/>
           </a:p>
           <a:p>
-            <a:pPr indent="0" lvl="0" marL="0" rtl="0" algn="l">
+            <a:pPr marL="0" lvl="0" indent="0" algn="l" rtl="0">
               <a:spcBef>
                 <a:spcPts val="0"/>
               </a:spcBef>
@@ -9540,13 +8664,10 @@
               <a:buFont typeface="Arial"/>
               <a:buNone/>
             </a:pPr>
-            <a:r>
-              <a:t/>
-            </a:r>
             <a:endParaRPr/>
           </a:p>
           <a:p>
-            <a:pPr indent="0" lvl="0" marL="0" rtl="0" algn="l">
+            <a:pPr marL="0" lvl="0" indent="0" algn="l" rtl="0">
               <a:spcBef>
                 <a:spcPts val="0"/>
               </a:spcBef>
@@ -9560,13 +8681,10 @@
               <a:buFont typeface="Arial"/>
               <a:buNone/>
             </a:pPr>
-            <a:r>
-              <a:t/>
-            </a:r>
             <a:endParaRPr/>
           </a:p>
           <a:p>
-            <a:pPr indent="0" lvl="0" marL="0" rtl="0" algn="l">
+            <a:pPr marL="0" lvl="0" indent="0" algn="l" rtl="0">
               <a:spcBef>
                 <a:spcPts val="0"/>
               </a:spcBef>
@@ -9575,37 +8693,36 @@
               </a:spcAft>
               <a:buNone/>
             </a:pPr>
-            <a:r>
-              <a:t/>
-            </a:r>
             <a:endParaRPr/>
           </a:p>
         </p:txBody>
       </p:sp>
       <p:sp>
         <p:nvSpPr>
-          <p:cNvPr id="121" name="Google Shape;121;p20"/>
-          <p:cNvSpPr txBox="1"/>
+          <p:cNvPr id="145" name="Google Shape;145;p24"/>
+          <p:cNvSpPr txBox="1">
+            <a:spLocks noGrp="1"/>
+          </p:cNvSpPr>
           <p:nvPr>
-            <p:ph idx="1" type="subTitle"/>
+            <p:ph type="subTitle" idx="1"/>
           </p:nvPr>
         </p:nvSpPr>
         <p:spPr>
           <a:xfrm>
             <a:off x="497250" y="1717650"/>
-            <a:ext cx="8149500" cy="3232500"/>
+            <a:ext cx="8149500" cy="1908600"/>
           </a:xfrm>
           <a:prstGeom prst="rect">
             <a:avLst/>
           </a:prstGeom>
         </p:spPr>
         <p:txBody>
-          <a:bodyPr anchorCtr="0" anchor="b" bIns="91425" lIns="91425" spcFirstLastPara="1" rIns="91425" wrap="square" tIns="91425">
+          <a:bodyPr spcFirstLastPara="1" wrap="square" lIns="91425" tIns="91425" rIns="91425" bIns="91425" anchor="b" anchorCtr="0">
             <a:spAutoFit/>
           </a:bodyPr>
           <a:lstStyle/>
           <a:p>
-            <a:pPr indent="0" lvl="0" marL="0" rtl="0" algn="l">
+            <a:pPr marL="0" lvl="0" indent="0" algn="l" rtl="0">
               <a:spcBef>
                 <a:spcPts val="0"/>
               </a:spcBef>
@@ -9615,7 +8732,7 @@
               <a:buNone/>
             </a:pPr>
             <a:r>
-              <a:rPr lang="en">
+              <a:rPr lang="en" sz="1600">
                 <a:latin typeface="Oswald"/>
                 <a:ea typeface="Oswald"/>
                 <a:cs typeface="Oswald"/>
@@ -9623,7 +8740,7 @@
               </a:rPr>
               <a:t>[1] Preply. (2021) Multilingual UK adults. Available at: https://preply.com/wp-content/uploads/2021/11/Multilingual-UK-adults.png (Accessed: 17 October 2024).</a:t>
             </a:r>
-            <a:endParaRPr>
+            <a:endParaRPr sz="1600">
               <a:latin typeface="Oswald"/>
               <a:ea typeface="Oswald"/>
               <a:cs typeface="Oswald"/>
@@ -9631,7 +8748,7 @@
             </a:endParaRPr>
           </a:p>
           <a:p>
-            <a:pPr indent="0" lvl="0" marL="0" rtl="0" algn="l">
+            <a:pPr marL="0" lvl="0" indent="0" algn="l" rtl="0">
               <a:spcBef>
                 <a:spcPts val="0"/>
               </a:spcBef>
@@ -9641,7 +8758,7 @@
               <a:buNone/>
             </a:pPr>
             <a:r>
-              <a:rPr lang="en">
+              <a:rPr lang="en" sz="1600">
                 <a:latin typeface="Oswald"/>
                 <a:ea typeface="Oswald"/>
                 <a:cs typeface="Oswald"/>
@@ -9649,7 +8766,7 @@
               </a:rPr>
               <a:t>[2] Preply 2024, Americans’ Foreign Language Learning Survey, Preply. Available at: https://preply.com/en/blog/americans-foreign-language-survey/ (Accessed: 17 October 2024).    </a:t>
             </a:r>
-            <a:endParaRPr>
+            <a:endParaRPr sz="1600">
               <a:latin typeface="Oswald"/>
               <a:ea typeface="Oswald"/>
               <a:cs typeface="Oswald"/>
@@ -9657,7 +8774,7 @@
             </a:endParaRPr>
           </a:p>
           <a:p>
-            <a:pPr indent="0" lvl="0" marL="0" rtl="0" algn="l">
+            <a:pPr marL="0" lvl="0" indent="0" algn="l" rtl="0">
               <a:spcBef>
                 <a:spcPts val="0"/>
               </a:spcBef>
@@ -9667,15 +8784,15 @@
               <a:buNone/>
             </a:pPr>
             <a:r>
-              <a:rPr lang="en">
+              <a:rPr lang="en" sz="1600">
                 <a:latin typeface="Oswald"/>
                 <a:ea typeface="Oswald"/>
                 <a:cs typeface="Oswald"/>
                 <a:sym typeface="Oswald"/>
               </a:rPr>
-              <a:t>[3] Doulingo  Available at: https://www.duolingo.com (Accessed: 22 October 2024).</a:t>
+              <a:t>                                  	 </a:t>
             </a:r>
-            <a:endParaRPr>
+            <a:endParaRPr sz="1600">
               <a:latin typeface="Oswald"/>
               <a:ea typeface="Oswald"/>
               <a:cs typeface="Oswald"/>
@@ -9683,7 +8800,7 @@
             </a:endParaRPr>
           </a:p>
           <a:p>
-            <a:pPr indent="0" lvl="0" marL="0" rtl="0" algn="l">
+            <a:pPr marL="0" lvl="0" indent="0" algn="l" rtl="0">
               <a:spcBef>
                 <a:spcPts val="0"/>
               </a:spcBef>
@@ -9692,16 +8809,7 @@
               </a:spcAft>
               <a:buNone/>
             </a:pPr>
-            <a:r>
-              <a:rPr lang="en">
-                <a:latin typeface="Oswald"/>
-                <a:ea typeface="Oswald"/>
-                <a:cs typeface="Oswald"/>
-                <a:sym typeface="Oswald"/>
-              </a:rPr>
-              <a:t>[4] Times higher education.  (2022) What can you do with a languages degree? Available at: https://www.timeshighereducation.com/student/sites/default/files/styles/default/public/languages-signpost.jpg?itok=krMV75kb (Accessed: 22 October 2024).                                           	 </a:t>
-            </a:r>
-            <a:endParaRPr>
+            <a:endParaRPr sz="1600">
               <a:latin typeface="Oswald"/>
               <a:ea typeface="Oswald"/>
               <a:cs typeface="Oswald"/>
@@ -9709,7 +8817,7 @@
             </a:endParaRPr>
           </a:p>
           <a:p>
-            <a:pPr indent="0" lvl="0" marL="0" rtl="0" algn="l">
+            <a:pPr marL="0" lvl="0" indent="0" algn="l" rtl="0">
               <a:spcBef>
                 <a:spcPts val="0"/>
               </a:spcBef>
@@ -9718,30 +8826,7 @@
               </a:spcAft>
               <a:buNone/>
             </a:pPr>
-            <a:r>
-              <a:t/>
-            </a:r>
-            <a:endParaRPr>
-              <a:latin typeface="Oswald"/>
-              <a:ea typeface="Oswald"/>
-              <a:cs typeface="Oswald"/>
-              <a:sym typeface="Oswald"/>
-            </a:endParaRPr>
-          </a:p>
-          <a:p>
-            <a:pPr indent="0" lvl="0" marL="0" rtl="0" algn="l">
-              <a:spcBef>
-                <a:spcPts val="0"/>
-              </a:spcBef>
-              <a:spcAft>
-                <a:spcPts val="0"/>
-              </a:spcAft>
-              <a:buNone/>
-            </a:pPr>
-            <a:r>
-              <a:t/>
-            </a:r>
-            <a:endParaRPr>
+            <a:endParaRPr sz="1600">
               <a:latin typeface="Oswald"/>
               <a:ea typeface="Oswald"/>
               <a:cs typeface="Oswald"/>
@@ -9758,8 +8843,8 @@
 </p:sld>
 </file>
 
-<file path=ppt/slides/slide9.xml><?xml version="1.0" encoding="utf-8"?>
-<p:sld xmlns:a="http://schemas.openxmlformats.org/drawingml/2006/main" xmlns:r="http://schemas.openxmlformats.org/officeDocument/2006/relationships" xmlns:mc="http://schemas.openxmlformats.org/markup-compatibility/2006" xmlns:mv="urn:schemas-microsoft-com:mac:vml" xmlns:p="http://schemas.openxmlformats.org/presentationml/2006/main" xmlns:c="http://schemas.openxmlformats.org/drawingml/2006/chart" xmlns:dgm="http://schemas.openxmlformats.org/drawingml/2006/diagram" xmlns:o="urn:schemas-microsoft-com:office:office" xmlns:v="urn:schemas-microsoft-com:vml" xmlns:pvml="urn:schemas-microsoft-com:office:powerpoint" xmlns:com="http://schemas.openxmlformats.org/drawingml/2006/compatibility" xmlns:p14="http://schemas.microsoft.com/office/powerpoint/2010/main" xmlns:p15="http://schemas.microsoft.com/office/powerpoint/2012/main" xmlns:ahyp="http://schemas.microsoft.com/office/drawing/2018/hyperlinkcolor">
+<file path=ppt/slides/slide13.xml><?xml version="1.0" encoding="utf-8"?>
+<p:sld xmlns:a="http://schemas.openxmlformats.org/drawingml/2006/main" xmlns:r="http://schemas.openxmlformats.org/officeDocument/2006/relationships" xmlns:p="http://schemas.openxmlformats.org/presentationml/2006/main">
   <p:cSld>
     <p:bg>
       <p:bgPr>
@@ -9774,11 +8859,12 @@
           </a:gsLst>
           <a:lin ang="5400012" scaled="0"/>
         </a:gradFill>
+        <a:effectLst/>
       </p:bgPr>
     </p:bg>
     <p:spTree>
       <p:nvGrpSpPr>
-        <p:cNvPr id="125" name="Shape 125"/>
+        <p:cNvPr id="1" name="Shape 149"/>
         <p:cNvGrpSpPr/>
         <p:nvPr/>
       </p:nvGrpSpPr>
@@ -9790,6 +8876,2353 @@
           <a:chExt cx="0" cy="0"/>
         </a:xfrm>
       </p:grpSpPr>
+      <p:sp>
+        <p:nvSpPr>
+          <p:cNvPr id="150" name="Google Shape;150;p25"/>
+          <p:cNvSpPr txBox="1">
+            <a:spLocks noGrp="1"/>
+          </p:cNvSpPr>
+          <p:nvPr>
+            <p:ph type="ctrTitle"/>
+          </p:nvPr>
+        </p:nvSpPr>
+        <p:spPr>
+          <a:xfrm>
+            <a:off x="2371725" y="630225"/>
+            <a:ext cx="6331500" cy="905400"/>
+          </a:xfrm>
+          <a:prstGeom prst="rect">
+            <a:avLst/>
+          </a:prstGeom>
+        </p:spPr>
+        <p:txBody>
+          <a:bodyPr spcFirstLastPara="1" wrap="square" lIns="91425" tIns="91425" rIns="91425" bIns="91425" anchor="t" anchorCtr="0">
+            <a:normAutofit fontScale="90000"/>
+          </a:bodyPr>
+          <a:lstStyle/>
+          <a:p>
+            <a:pPr marL="0" lvl="0" indent="0" algn="l" rtl="0">
+              <a:spcBef>
+                <a:spcPts val="0"/>
+              </a:spcBef>
+              <a:spcAft>
+                <a:spcPts val="0"/>
+              </a:spcAft>
+              <a:buClr>
+                <a:schemeClr val="dk2"/>
+              </a:buClr>
+              <a:buSzPts val="990"/>
+              <a:buFont typeface="Arial"/>
+              <a:buNone/>
+            </a:pPr>
+            <a:r>
+              <a:rPr lang="en"/>
+              <a:t>Questions?</a:t>
+            </a:r>
+            <a:endParaRPr/>
+          </a:p>
+          <a:p>
+            <a:pPr marL="0" lvl="0" indent="0" algn="l" rtl="0">
+              <a:spcBef>
+                <a:spcPts val="0"/>
+              </a:spcBef>
+              <a:spcAft>
+                <a:spcPts val="0"/>
+              </a:spcAft>
+              <a:buClr>
+                <a:schemeClr val="dk2"/>
+              </a:buClr>
+              <a:buSzPts val="990"/>
+              <a:buFont typeface="Arial"/>
+              <a:buNone/>
+            </a:pPr>
+            <a:endParaRPr/>
+          </a:p>
+          <a:p>
+            <a:pPr marL="0" lvl="0" indent="0" algn="l" rtl="0">
+              <a:spcBef>
+                <a:spcPts val="0"/>
+              </a:spcBef>
+              <a:spcAft>
+                <a:spcPts val="0"/>
+              </a:spcAft>
+              <a:buClr>
+                <a:schemeClr val="dk2"/>
+              </a:buClr>
+              <a:buSzPts val="990"/>
+              <a:buFont typeface="Arial"/>
+              <a:buNone/>
+            </a:pPr>
+            <a:endParaRPr/>
+          </a:p>
+          <a:p>
+            <a:pPr marL="0" lvl="0" indent="0" algn="l" rtl="0">
+              <a:spcBef>
+                <a:spcPts val="0"/>
+              </a:spcBef>
+              <a:spcAft>
+                <a:spcPts val="0"/>
+              </a:spcAft>
+              <a:buNone/>
+            </a:pPr>
+            <a:endParaRPr/>
+          </a:p>
+        </p:txBody>
+      </p:sp>
+    </p:spTree>
+  </p:cSld>
+  <p:clrMapOvr>
+    <a:masterClrMapping/>
+  </p:clrMapOvr>
+</p:sld>
+</file>
+
+<file path=ppt/slides/slide2.xml><?xml version="1.0" encoding="utf-8"?>
+<p:sld xmlns:a="http://schemas.openxmlformats.org/drawingml/2006/main" xmlns:r="http://schemas.openxmlformats.org/officeDocument/2006/relationships" xmlns:p="http://schemas.openxmlformats.org/presentationml/2006/main">
+  <p:cSld>
+    <p:bg>
+      <p:bgPr>
+        <a:gradFill>
+          <a:gsLst>
+            <a:gs pos="0">
+              <a:schemeClr val="accent3"/>
+            </a:gs>
+            <a:gs pos="100000">
+              <a:schemeClr val="dk1"/>
+            </a:gs>
+          </a:gsLst>
+          <a:lin ang="5400012" scaled="0"/>
+        </a:gradFill>
+        <a:effectLst/>
+      </p:bgPr>
+    </p:bg>
+    <p:spTree>
+      <p:nvGrpSpPr>
+        <p:cNvPr id="1" name="Shape 77"/>
+        <p:cNvGrpSpPr/>
+        <p:nvPr/>
+      </p:nvGrpSpPr>
+      <p:grpSpPr>
+        <a:xfrm>
+          <a:off x="0" y="0"/>
+          <a:ext cx="0" cy="0"/>
+          <a:chOff x="0" y="0"/>
+          <a:chExt cx="0" cy="0"/>
+        </a:xfrm>
+      </p:grpSpPr>
+      <p:sp>
+        <p:nvSpPr>
+          <p:cNvPr id="78" name="Google Shape;78;p14"/>
+          <p:cNvSpPr txBox="1">
+            <a:spLocks noGrp="1"/>
+          </p:cNvSpPr>
+          <p:nvPr>
+            <p:ph type="ctrTitle"/>
+          </p:nvPr>
+        </p:nvSpPr>
+        <p:spPr>
+          <a:xfrm>
+            <a:off x="2371725" y="630225"/>
+            <a:ext cx="6331500" cy="913200"/>
+          </a:xfrm>
+          <a:prstGeom prst="rect">
+            <a:avLst/>
+          </a:prstGeom>
+        </p:spPr>
+        <p:txBody>
+          <a:bodyPr spcFirstLastPara="1" wrap="square" lIns="91425" tIns="91425" rIns="91425" bIns="91425" anchor="t" anchorCtr="0">
+            <a:normAutofit fontScale="90000"/>
+          </a:bodyPr>
+          <a:lstStyle/>
+          <a:p>
+            <a:pPr marL="0" lvl="0" indent="0" algn="l" rtl="0">
+              <a:spcBef>
+                <a:spcPts val="0"/>
+              </a:spcBef>
+              <a:spcAft>
+                <a:spcPts val="0"/>
+              </a:spcAft>
+              <a:buNone/>
+            </a:pPr>
+            <a:r>
+              <a:rPr lang="en"/>
+              <a:t>Introduction</a:t>
+            </a:r>
+            <a:endParaRPr/>
+          </a:p>
+        </p:txBody>
+      </p:sp>
+      <p:sp>
+        <p:nvSpPr>
+          <p:cNvPr id="79" name="Google Shape;79;p14"/>
+          <p:cNvSpPr txBox="1">
+            <a:spLocks noGrp="1"/>
+          </p:cNvSpPr>
+          <p:nvPr>
+            <p:ph type="subTitle" idx="1"/>
+          </p:nvPr>
+        </p:nvSpPr>
+        <p:spPr>
+          <a:xfrm>
+            <a:off x="2390275" y="1629150"/>
+            <a:ext cx="6331500" cy="2031900"/>
+          </a:xfrm>
+          <a:prstGeom prst="rect">
+            <a:avLst/>
+          </a:prstGeom>
+        </p:spPr>
+        <p:txBody>
+          <a:bodyPr spcFirstLastPara="1" wrap="square" lIns="91425" tIns="91425" rIns="91425" bIns="91425" anchor="b" anchorCtr="0">
+            <a:spAutoFit/>
+          </a:bodyPr>
+          <a:lstStyle/>
+          <a:p>
+            <a:pPr marL="457200" lvl="0" indent="-355600" algn="l" rtl="0">
+              <a:spcBef>
+                <a:spcPts val="0"/>
+              </a:spcBef>
+              <a:spcAft>
+                <a:spcPts val="0"/>
+              </a:spcAft>
+              <a:buSzPts val="2000"/>
+              <a:buFont typeface="Oswald"/>
+              <a:buChar char="●"/>
+            </a:pPr>
+            <a:r>
+              <a:rPr lang="en" sz="2000">
+                <a:latin typeface="Oswald"/>
+                <a:ea typeface="Oswald"/>
+                <a:cs typeface="Oswald"/>
+                <a:sym typeface="Oswald"/>
+              </a:rPr>
+              <a:t>LingoLizard is a tool designed to help people learn languages using real time lessons and conversations. </a:t>
+            </a:r>
+            <a:endParaRPr sz="2000">
+              <a:latin typeface="Oswald"/>
+              <a:ea typeface="Oswald"/>
+              <a:cs typeface="Oswald"/>
+              <a:sym typeface="Oswald"/>
+            </a:endParaRPr>
+          </a:p>
+          <a:p>
+            <a:pPr marL="457200" lvl="0" indent="-355600" algn="l" rtl="0">
+              <a:spcBef>
+                <a:spcPts val="0"/>
+              </a:spcBef>
+              <a:spcAft>
+                <a:spcPts val="0"/>
+              </a:spcAft>
+              <a:buSzPts val="2000"/>
+              <a:buFont typeface="Oswald"/>
+              <a:buChar char="●"/>
+            </a:pPr>
+            <a:r>
+              <a:rPr lang="en" sz="2000">
+                <a:latin typeface="Oswald"/>
+                <a:ea typeface="Oswald"/>
+                <a:cs typeface="Oswald"/>
+                <a:sym typeface="Oswald"/>
+              </a:rPr>
+              <a:t>It will do this using AI to simulate interactions in different languages.</a:t>
+            </a:r>
+            <a:endParaRPr sz="2000">
+              <a:latin typeface="Oswald"/>
+              <a:ea typeface="Oswald"/>
+              <a:cs typeface="Oswald"/>
+              <a:sym typeface="Oswald"/>
+            </a:endParaRPr>
+          </a:p>
+          <a:p>
+            <a:pPr marL="457200" lvl="0" indent="-355600" algn="l" rtl="0">
+              <a:spcBef>
+                <a:spcPts val="0"/>
+              </a:spcBef>
+              <a:spcAft>
+                <a:spcPts val="0"/>
+              </a:spcAft>
+              <a:buSzPts val="2000"/>
+              <a:buFont typeface="Oswald"/>
+              <a:buChar char="●"/>
+            </a:pPr>
+            <a:r>
+              <a:rPr lang="en" sz="2000">
+                <a:latin typeface="Oswald"/>
+                <a:ea typeface="Oswald"/>
+                <a:cs typeface="Oswald"/>
+                <a:sym typeface="Oswald"/>
+              </a:rPr>
+              <a:t>It will be able to give real time feedback and corrections to spelling and grammar.</a:t>
+            </a:r>
+            <a:endParaRPr sz="2000">
+              <a:latin typeface="Oswald"/>
+              <a:ea typeface="Oswald"/>
+              <a:cs typeface="Oswald"/>
+              <a:sym typeface="Oswald"/>
+            </a:endParaRPr>
+          </a:p>
+        </p:txBody>
+      </p:sp>
+    </p:spTree>
+  </p:cSld>
+  <p:clrMapOvr>
+    <a:masterClrMapping/>
+  </p:clrMapOvr>
+</p:sld>
+</file>
+
+<file path=ppt/slides/slide3.xml><?xml version="1.0" encoding="utf-8"?>
+<p:sld xmlns:a="http://schemas.openxmlformats.org/drawingml/2006/main" xmlns:r="http://schemas.openxmlformats.org/officeDocument/2006/relationships" xmlns:p="http://schemas.openxmlformats.org/presentationml/2006/main">
+  <p:cSld>
+    <p:bg>
+      <p:bgPr>
+        <a:gradFill>
+          <a:gsLst>
+            <a:gs pos="0">
+              <a:schemeClr val="accent3"/>
+            </a:gs>
+            <a:gs pos="100000">
+              <a:schemeClr val="dk1"/>
+            </a:gs>
+          </a:gsLst>
+          <a:lin ang="5400012" scaled="0"/>
+        </a:gradFill>
+        <a:effectLst/>
+      </p:bgPr>
+    </p:bg>
+    <p:spTree>
+      <p:nvGrpSpPr>
+        <p:cNvPr id="1" name="Shape 83"/>
+        <p:cNvGrpSpPr/>
+        <p:nvPr/>
+      </p:nvGrpSpPr>
+      <p:grpSpPr>
+        <a:xfrm>
+          <a:off x="0" y="0"/>
+          <a:ext cx="0" cy="0"/>
+          <a:chOff x="0" y="0"/>
+          <a:chExt cx="0" cy="0"/>
+        </a:xfrm>
+      </p:grpSpPr>
+      <p:sp>
+        <p:nvSpPr>
+          <p:cNvPr id="84" name="Google Shape;84;p15"/>
+          <p:cNvSpPr txBox="1">
+            <a:spLocks noGrp="1"/>
+          </p:cNvSpPr>
+          <p:nvPr>
+            <p:ph type="ctrTitle"/>
+          </p:nvPr>
+        </p:nvSpPr>
+        <p:spPr>
+          <a:xfrm>
+            <a:off x="1043225" y="572575"/>
+            <a:ext cx="6331500" cy="913200"/>
+          </a:xfrm>
+          <a:prstGeom prst="rect">
+            <a:avLst/>
+          </a:prstGeom>
+        </p:spPr>
+        <p:txBody>
+          <a:bodyPr spcFirstLastPara="1" wrap="square" lIns="91425" tIns="91425" rIns="91425" bIns="91425" anchor="t" anchorCtr="0">
+            <a:normAutofit fontScale="90000"/>
+          </a:bodyPr>
+          <a:lstStyle/>
+          <a:p>
+            <a:pPr marL="0" lvl="0" indent="0" algn="l" rtl="0">
+              <a:spcBef>
+                <a:spcPts val="0"/>
+              </a:spcBef>
+              <a:spcAft>
+                <a:spcPts val="0"/>
+              </a:spcAft>
+              <a:buNone/>
+            </a:pPr>
+            <a:r>
+              <a:rPr lang="en"/>
+              <a:t>Target Audience</a:t>
+            </a:r>
+            <a:endParaRPr/>
+          </a:p>
+        </p:txBody>
+      </p:sp>
+      <p:sp>
+        <p:nvSpPr>
+          <p:cNvPr id="85" name="Google Shape;85;p15"/>
+          <p:cNvSpPr txBox="1">
+            <a:spLocks noGrp="1"/>
+          </p:cNvSpPr>
+          <p:nvPr>
+            <p:ph type="subTitle" idx="1"/>
+          </p:nvPr>
+        </p:nvSpPr>
+        <p:spPr>
+          <a:xfrm>
+            <a:off x="1043225" y="1629150"/>
+            <a:ext cx="4117500" cy="1723800"/>
+          </a:xfrm>
+          <a:prstGeom prst="rect">
+            <a:avLst/>
+          </a:prstGeom>
+        </p:spPr>
+        <p:txBody>
+          <a:bodyPr spcFirstLastPara="1" wrap="square" lIns="91425" tIns="91425" rIns="91425" bIns="91425" anchor="b" anchorCtr="0">
+            <a:spAutoFit/>
+          </a:bodyPr>
+          <a:lstStyle/>
+          <a:p>
+            <a:pPr marL="457200" lvl="0" indent="-355600" algn="l" rtl="0">
+              <a:spcBef>
+                <a:spcPts val="0"/>
+              </a:spcBef>
+              <a:spcAft>
+                <a:spcPts val="0"/>
+              </a:spcAft>
+              <a:buSzPts val="2000"/>
+              <a:buFont typeface="Oswald"/>
+              <a:buChar char="●"/>
+            </a:pPr>
+            <a:r>
+              <a:rPr lang="en" sz="2000">
+                <a:latin typeface="Oswald"/>
+                <a:ea typeface="Oswald"/>
+                <a:cs typeface="Oswald"/>
+                <a:sym typeface="Oswald"/>
+              </a:rPr>
+              <a:t>Language Learners</a:t>
+            </a:r>
+            <a:br>
+              <a:rPr lang="en" sz="2000">
+                <a:latin typeface="Oswald"/>
+                <a:ea typeface="Oswald"/>
+                <a:cs typeface="Oswald"/>
+                <a:sym typeface="Oswald"/>
+              </a:rPr>
+            </a:br>
+            <a:endParaRPr sz="2000">
+              <a:latin typeface="Oswald"/>
+              <a:ea typeface="Oswald"/>
+              <a:cs typeface="Oswald"/>
+              <a:sym typeface="Oswald"/>
+            </a:endParaRPr>
+          </a:p>
+          <a:p>
+            <a:pPr marL="457200" lvl="0" indent="-355600" algn="l" rtl="0">
+              <a:spcBef>
+                <a:spcPts val="0"/>
+              </a:spcBef>
+              <a:spcAft>
+                <a:spcPts val="0"/>
+              </a:spcAft>
+              <a:buSzPts val="2000"/>
+              <a:buFont typeface="Oswald"/>
+              <a:buChar char="●"/>
+            </a:pPr>
+            <a:r>
+              <a:rPr lang="en" sz="2000">
+                <a:latin typeface="Oswald"/>
+                <a:ea typeface="Oswald"/>
+                <a:cs typeface="Oswald"/>
+                <a:sym typeface="Oswald"/>
+              </a:rPr>
+              <a:t>Teachers and students</a:t>
+            </a:r>
+            <a:br>
+              <a:rPr lang="en" sz="2000">
+                <a:latin typeface="Oswald"/>
+                <a:ea typeface="Oswald"/>
+                <a:cs typeface="Oswald"/>
+                <a:sym typeface="Oswald"/>
+              </a:rPr>
+            </a:br>
+            <a:endParaRPr sz="2000">
+              <a:latin typeface="Oswald"/>
+              <a:ea typeface="Oswald"/>
+              <a:cs typeface="Oswald"/>
+              <a:sym typeface="Oswald"/>
+            </a:endParaRPr>
+          </a:p>
+          <a:p>
+            <a:pPr marL="457200" lvl="0" indent="-355600" algn="l" rtl="0">
+              <a:spcBef>
+                <a:spcPts val="0"/>
+              </a:spcBef>
+              <a:spcAft>
+                <a:spcPts val="0"/>
+              </a:spcAft>
+              <a:buSzPts val="2000"/>
+              <a:buFont typeface="Oswald"/>
+              <a:buChar char="●"/>
+            </a:pPr>
+            <a:r>
+              <a:rPr lang="en" sz="2000">
+                <a:latin typeface="Oswald"/>
+                <a:ea typeface="Oswald"/>
+                <a:cs typeface="Oswald"/>
+                <a:sym typeface="Oswald"/>
+              </a:rPr>
+              <a:t>Travellers and expats</a:t>
+            </a:r>
+            <a:endParaRPr sz="2000">
+              <a:latin typeface="Oswald"/>
+              <a:ea typeface="Oswald"/>
+              <a:cs typeface="Oswald"/>
+              <a:sym typeface="Oswald"/>
+            </a:endParaRPr>
+          </a:p>
+        </p:txBody>
+      </p:sp>
+      <p:pic>
+        <p:nvPicPr>
+          <p:cNvPr id="86" name="Google Shape;86;p15"/>
+          <p:cNvPicPr preferRelativeResize="0"/>
+          <p:nvPr/>
+        </p:nvPicPr>
+        <p:blipFill>
+          <a:blip r:embed="rId3">
+            <a:alphaModFix/>
+          </a:blip>
+          <a:stretch>
+            <a:fillRect/>
+          </a:stretch>
+        </p:blipFill>
+        <p:spPr>
+          <a:xfrm>
+            <a:off x="5439375" y="1485775"/>
+            <a:ext cx="3263850" cy="2171950"/>
+          </a:xfrm>
+          <a:prstGeom prst="rect">
+            <a:avLst/>
+          </a:prstGeom>
+          <a:noFill/>
+          <a:ln>
+            <a:noFill/>
+          </a:ln>
+        </p:spPr>
+      </p:pic>
+    </p:spTree>
+  </p:cSld>
+  <p:clrMapOvr>
+    <a:masterClrMapping/>
+  </p:clrMapOvr>
+</p:sld>
+</file>
+
+<file path=ppt/slides/slide4.xml><?xml version="1.0" encoding="utf-8"?>
+<p:sld xmlns:a="http://schemas.openxmlformats.org/drawingml/2006/main" xmlns:r="http://schemas.openxmlformats.org/officeDocument/2006/relationships" xmlns:p="http://schemas.openxmlformats.org/presentationml/2006/main">
+  <p:cSld>
+    <p:bg>
+      <p:bgPr>
+        <a:gradFill>
+          <a:gsLst>
+            <a:gs pos="0">
+              <a:schemeClr val="accent3"/>
+            </a:gs>
+            <a:gs pos="100000">
+              <a:schemeClr val="dk1"/>
+            </a:gs>
+          </a:gsLst>
+          <a:lin ang="5400012" scaled="0"/>
+        </a:gradFill>
+        <a:effectLst/>
+      </p:bgPr>
+    </p:bg>
+    <p:spTree>
+      <p:nvGrpSpPr>
+        <p:cNvPr id="1" name="Shape 90"/>
+        <p:cNvGrpSpPr/>
+        <p:nvPr/>
+      </p:nvGrpSpPr>
+      <p:grpSpPr>
+        <a:xfrm>
+          <a:off x="0" y="0"/>
+          <a:ext cx="0" cy="0"/>
+          <a:chOff x="0" y="0"/>
+          <a:chExt cx="0" cy="0"/>
+        </a:xfrm>
+      </p:grpSpPr>
+      <p:sp>
+        <p:nvSpPr>
+          <p:cNvPr id="91" name="Google Shape;91;p16"/>
+          <p:cNvSpPr txBox="1">
+            <a:spLocks noGrp="1"/>
+          </p:cNvSpPr>
+          <p:nvPr>
+            <p:ph type="ctrTitle"/>
+          </p:nvPr>
+        </p:nvSpPr>
+        <p:spPr>
+          <a:xfrm>
+            <a:off x="2371725" y="630225"/>
+            <a:ext cx="6331500" cy="905400"/>
+          </a:xfrm>
+          <a:prstGeom prst="rect">
+            <a:avLst/>
+          </a:prstGeom>
+        </p:spPr>
+        <p:txBody>
+          <a:bodyPr spcFirstLastPara="1" wrap="square" lIns="91425" tIns="91425" rIns="91425" bIns="91425" anchor="t" anchorCtr="0">
+            <a:normAutofit fontScale="90000"/>
+          </a:bodyPr>
+          <a:lstStyle/>
+          <a:p>
+            <a:pPr marL="0" lvl="0" indent="0" algn="l" rtl="0">
+              <a:spcBef>
+                <a:spcPts val="0"/>
+              </a:spcBef>
+              <a:spcAft>
+                <a:spcPts val="0"/>
+              </a:spcAft>
+              <a:buClr>
+                <a:schemeClr val="dk2"/>
+              </a:buClr>
+              <a:buSzPts val="990"/>
+              <a:buFont typeface="Arial"/>
+              <a:buNone/>
+            </a:pPr>
+            <a:r>
+              <a:rPr lang="en"/>
+              <a:t>Problem Statement</a:t>
+            </a:r>
+            <a:endParaRPr/>
+          </a:p>
+          <a:p>
+            <a:pPr marL="0" lvl="0" indent="0" algn="l" rtl="0">
+              <a:spcBef>
+                <a:spcPts val="0"/>
+              </a:spcBef>
+              <a:spcAft>
+                <a:spcPts val="0"/>
+              </a:spcAft>
+              <a:buClr>
+                <a:schemeClr val="dk2"/>
+              </a:buClr>
+              <a:buSzPts val="990"/>
+              <a:buFont typeface="Arial"/>
+              <a:buNone/>
+            </a:pPr>
+            <a:endParaRPr/>
+          </a:p>
+          <a:p>
+            <a:pPr marL="0" lvl="0" indent="0" algn="l" rtl="0">
+              <a:spcBef>
+                <a:spcPts val="0"/>
+              </a:spcBef>
+              <a:spcAft>
+                <a:spcPts val="0"/>
+              </a:spcAft>
+              <a:buNone/>
+            </a:pPr>
+            <a:endParaRPr/>
+          </a:p>
+        </p:txBody>
+      </p:sp>
+      <p:sp>
+        <p:nvSpPr>
+          <p:cNvPr id="92" name="Google Shape;92;p16"/>
+          <p:cNvSpPr txBox="1">
+            <a:spLocks noGrp="1"/>
+          </p:cNvSpPr>
+          <p:nvPr>
+            <p:ph type="subTitle" idx="1"/>
+          </p:nvPr>
+        </p:nvSpPr>
+        <p:spPr>
+          <a:xfrm>
+            <a:off x="4152050" y="1629150"/>
+            <a:ext cx="4569600" cy="2647500"/>
+          </a:xfrm>
+          <a:prstGeom prst="rect">
+            <a:avLst/>
+          </a:prstGeom>
+        </p:spPr>
+        <p:txBody>
+          <a:bodyPr spcFirstLastPara="1" wrap="square" lIns="91425" tIns="91425" rIns="91425" bIns="91425" anchor="b" anchorCtr="0">
+            <a:spAutoFit/>
+          </a:bodyPr>
+          <a:lstStyle/>
+          <a:p>
+            <a:pPr marL="0" lvl="0" indent="0" algn="l" rtl="0">
+              <a:spcBef>
+                <a:spcPts val="0"/>
+              </a:spcBef>
+              <a:spcAft>
+                <a:spcPts val="0"/>
+              </a:spcAft>
+              <a:buNone/>
+            </a:pPr>
+            <a:r>
+              <a:rPr lang="en" sz="2000">
+                <a:latin typeface="Oswald"/>
+                <a:ea typeface="Oswald"/>
+                <a:cs typeface="Oswald"/>
+                <a:sym typeface="Oswald"/>
+              </a:rPr>
+              <a:t>“only 20% of public school students have studied foreign languages. By college, this number drops to a staggering 10%.” [2]</a:t>
+            </a:r>
+            <a:endParaRPr sz="2000">
+              <a:latin typeface="Oswald"/>
+              <a:ea typeface="Oswald"/>
+              <a:cs typeface="Oswald"/>
+              <a:sym typeface="Oswald"/>
+            </a:endParaRPr>
+          </a:p>
+          <a:p>
+            <a:pPr marL="0" lvl="0" indent="0" algn="l" rtl="0">
+              <a:spcBef>
+                <a:spcPts val="0"/>
+              </a:spcBef>
+              <a:spcAft>
+                <a:spcPts val="0"/>
+              </a:spcAft>
+              <a:buNone/>
+            </a:pPr>
+            <a:r>
+              <a:rPr lang="en" sz="2000">
+                <a:latin typeface="Oswald"/>
+                <a:ea typeface="Oswald"/>
+                <a:cs typeface="Oswald"/>
+                <a:sym typeface="Oswald"/>
+              </a:rPr>
+              <a:t>School based language learning is not effective for everyone. LingoLizard could be the solution.</a:t>
+            </a:r>
+            <a:endParaRPr sz="2000">
+              <a:latin typeface="Oswald"/>
+              <a:ea typeface="Oswald"/>
+              <a:cs typeface="Oswald"/>
+              <a:sym typeface="Oswald"/>
+            </a:endParaRPr>
+          </a:p>
+          <a:p>
+            <a:pPr marL="0" lvl="0" indent="0" algn="l" rtl="0">
+              <a:spcBef>
+                <a:spcPts val="0"/>
+              </a:spcBef>
+              <a:spcAft>
+                <a:spcPts val="0"/>
+              </a:spcAft>
+              <a:buNone/>
+            </a:pPr>
+            <a:endParaRPr sz="2000">
+              <a:latin typeface="Oswald"/>
+              <a:ea typeface="Oswald"/>
+              <a:cs typeface="Oswald"/>
+              <a:sym typeface="Oswald"/>
+            </a:endParaRPr>
+          </a:p>
+          <a:p>
+            <a:pPr marL="0" lvl="0" indent="0" algn="l" rtl="0">
+              <a:spcBef>
+                <a:spcPts val="0"/>
+              </a:spcBef>
+              <a:spcAft>
+                <a:spcPts val="0"/>
+              </a:spcAft>
+              <a:buNone/>
+            </a:pPr>
+            <a:endParaRPr sz="2000">
+              <a:latin typeface="Oswald"/>
+              <a:ea typeface="Oswald"/>
+              <a:cs typeface="Oswald"/>
+              <a:sym typeface="Oswald"/>
+            </a:endParaRPr>
+          </a:p>
+          <a:p>
+            <a:pPr marL="0" lvl="0" indent="0" algn="l" rtl="0">
+              <a:spcBef>
+                <a:spcPts val="0"/>
+              </a:spcBef>
+              <a:spcAft>
+                <a:spcPts val="0"/>
+              </a:spcAft>
+              <a:buNone/>
+            </a:pPr>
+            <a:endParaRPr sz="2000">
+              <a:latin typeface="Oswald"/>
+              <a:ea typeface="Oswald"/>
+              <a:cs typeface="Oswald"/>
+              <a:sym typeface="Oswald"/>
+            </a:endParaRPr>
+          </a:p>
+        </p:txBody>
+      </p:sp>
+      <p:pic>
+        <p:nvPicPr>
+          <p:cNvPr id="93" name="Google Shape;93;p16"/>
+          <p:cNvPicPr preferRelativeResize="0"/>
+          <p:nvPr/>
+        </p:nvPicPr>
+        <p:blipFill>
+          <a:blip r:embed="rId3">
+            <a:alphaModFix/>
+          </a:blip>
+          <a:stretch>
+            <a:fillRect/>
+          </a:stretch>
+        </p:blipFill>
+        <p:spPr>
+          <a:xfrm>
+            <a:off x="224700" y="1629150"/>
+            <a:ext cx="3845626" cy="2251050"/>
+          </a:xfrm>
+          <a:prstGeom prst="rect">
+            <a:avLst/>
+          </a:prstGeom>
+          <a:noFill/>
+          <a:ln>
+            <a:noFill/>
+          </a:ln>
+        </p:spPr>
+      </p:pic>
+      <p:sp>
+        <p:nvSpPr>
+          <p:cNvPr id="94" name="Google Shape;94;p16"/>
+          <p:cNvSpPr txBox="1"/>
+          <p:nvPr/>
+        </p:nvSpPr>
+        <p:spPr>
+          <a:xfrm>
+            <a:off x="206425" y="3973725"/>
+            <a:ext cx="3963900" cy="481500"/>
+          </a:xfrm>
+          <a:prstGeom prst="rect">
+            <a:avLst/>
+          </a:prstGeom>
+          <a:noFill/>
+          <a:ln>
+            <a:noFill/>
+          </a:ln>
+        </p:spPr>
+        <p:txBody>
+          <a:bodyPr spcFirstLastPara="1" wrap="square" lIns="91425" tIns="91425" rIns="91425" bIns="91425" anchor="t" anchorCtr="0">
+            <a:noAutofit/>
+          </a:bodyPr>
+          <a:lstStyle/>
+          <a:p>
+            <a:pPr marL="0" lvl="0" indent="0" algn="l" rtl="0">
+              <a:spcBef>
+                <a:spcPts val="0"/>
+              </a:spcBef>
+              <a:spcAft>
+                <a:spcPts val="0"/>
+              </a:spcAft>
+              <a:buNone/>
+            </a:pPr>
+            <a:r>
+              <a:rPr lang="en" sz="1200">
+                <a:solidFill>
+                  <a:srgbClr val="FFFFFF"/>
+                </a:solidFill>
+                <a:latin typeface="Lato"/>
+                <a:ea typeface="Lato"/>
+                <a:cs typeface="Lato"/>
+                <a:sym typeface="Lato"/>
+              </a:rPr>
+              <a:t>Fig .2  Graph of non native languages uk adults can speak [1]</a:t>
+            </a:r>
+            <a:endParaRPr sz="1200">
+              <a:solidFill>
+                <a:srgbClr val="FFFFFF"/>
+              </a:solidFill>
+              <a:latin typeface="Lato"/>
+              <a:ea typeface="Lato"/>
+              <a:cs typeface="Lato"/>
+              <a:sym typeface="Lato"/>
+            </a:endParaRPr>
+          </a:p>
+        </p:txBody>
+      </p:sp>
+    </p:spTree>
+  </p:cSld>
+  <p:clrMapOvr>
+    <a:masterClrMapping/>
+  </p:clrMapOvr>
+</p:sld>
+</file>
+
+<file path=ppt/slides/slide5.xml><?xml version="1.0" encoding="utf-8"?>
+<p:sld xmlns:a="http://schemas.openxmlformats.org/drawingml/2006/main" xmlns:r="http://schemas.openxmlformats.org/officeDocument/2006/relationships" xmlns:p="http://schemas.openxmlformats.org/presentationml/2006/main">
+  <p:cSld>
+    <p:bg>
+      <p:bgPr>
+        <a:gradFill>
+          <a:gsLst>
+            <a:gs pos="0">
+              <a:schemeClr val="accent3"/>
+            </a:gs>
+            <a:gs pos="100000">
+              <a:schemeClr val="dk1"/>
+            </a:gs>
+          </a:gsLst>
+          <a:lin ang="5400012" scaled="0"/>
+        </a:gradFill>
+        <a:effectLst/>
+      </p:bgPr>
+    </p:bg>
+    <p:spTree>
+      <p:nvGrpSpPr>
+        <p:cNvPr id="1" name="Shape 98"/>
+        <p:cNvGrpSpPr/>
+        <p:nvPr/>
+      </p:nvGrpSpPr>
+      <p:grpSpPr>
+        <a:xfrm>
+          <a:off x="0" y="0"/>
+          <a:ext cx="0" cy="0"/>
+          <a:chOff x="0" y="0"/>
+          <a:chExt cx="0" cy="0"/>
+        </a:xfrm>
+      </p:grpSpPr>
+      <p:sp>
+        <p:nvSpPr>
+          <p:cNvPr id="99" name="Google Shape;99;p17"/>
+          <p:cNvSpPr txBox="1">
+            <a:spLocks noGrp="1"/>
+          </p:cNvSpPr>
+          <p:nvPr>
+            <p:ph type="ctrTitle"/>
+          </p:nvPr>
+        </p:nvSpPr>
+        <p:spPr>
+          <a:xfrm>
+            <a:off x="2371725" y="630225"/>
+            <a:ext cx="6331500" cy="905400"/>
+          </a:xfrm>
+          <a:prstGeom prst="rect">
+            <a:avLst/>
+          </a:prstGeom>
+        </p:spPr>
+        <p:txBody>
+          <a:bodyPr spcFirstLastPara="1" wrap="square" lIns="91425" tIns="91425" rIns="91425" bIns="91425" anchor="t" anchorCtr="0">
+            <a:normAutofit fontScale="90000"/>
+          </a:bodyPr>
+          <a:lstStyle/>
+          <a:p>
+            <a:pPr marL="0" lvl="0" indent="0" algn="l" rtl="0">
+              <a:spcBef>
+                <a:spcPts val="0"/>
+              </a:spcBef>
+              <a:spcAft>
+                <a:spcPts val="0"/>
+              </a:spcAft>
+              <a:buClr>
+                <a:schemeClr val="dk2"/>
+              </a:buClr>
+              <a:buSzPts val="990"/>
+              <a:buFont typeface="Arial"/>
+              <a:buNone/>
+            </a:pPr>
+            <a:r>
+              <a:rPr lang="en"/>
+              <a:t>Motivation</a:t>
+            </a:r>
+            <a:endParaRPr/>
+          </a:p>
+          <a:p>
+            <a:pPr marL="0" lvl="0" indent="0" algn="l" rtl="0">
+              <a:spcBef>
+                <a:spcPts val="0"/>
+              </a:spcBef>
+              <a:spcAft>
+                <a:spcPts val="0"/>
+              </a:spcAft>
+              <a:buClr>
+                <a:schemeClr val="dk2"/>
+              </a:buClr>
+              <a:buSzPts val="990"/>
+              <a:buFont typeface="Arial"/>
+              <a:buNone/>
+            </a:pPr>
+            <a:endParaRPr/>
+          </a:p>
+          <a:p>
+            <a:pPr marL="0" lvl="0" indent="0" algn="l" rtl="0">
+              <a:spcBef>
+                <a:spcPts val="0"/>
+              </a:spcBef>
+              <a:spcAft>
+                <a:spcPts val="0"/>
+              </a:spcAft>
+              <a:buNone/>
+            </a:pPr>
+            <a:endParaRPr/>
+          </a:p>
+        </p:txBody>
+      </p:sp>
+      <p:sp>
+        <p:nvSpPr>
+          <p:cNvPr id="100" name="Google Shape;100;p17"/>
+          <p:cNvSpPr txBox="1">
+            <a:spLocks noGrp="1"/>
+          </p:cNvSpPr>
+          <p:nvPr>
+            <p:ph type="subTitle" idx="1"/>
+          </p:nvPr>
+        </p:nvSpPr>
+        <p:spPr>
+          <a:xfrm>
+            <a:off x="2390275" y="1629150"/>
+            <a:ext cx="6331500" cy="2955300"/>
+          </a:xfrm>
+          <a:prstGeom prst="rect">
+            <a:avLst/>
+          </a:prstGeom>
+        </p:spPr>
+        <p:txBody>
+          <a:bodyPr spcFirstLastPara="1" wrap="square" lIns="91425" tIns="91425" rIns="91425" bIns="91425" anchor="b" anchorCtr="0">
+            <a:spAutoFit/>
+          </a:bodyPr>
+          <a:lstStyle/>
+          <a:p>
+            <a:pPr marL="457200" lvl="0" indent="-355600" algn="l" rtl="0">
+              <a:spcBef>
+                <a:spcPts val="0"/>
+              </a:spcBef>
+              <a:spcAft>
+                <a:spcPts val="0"/>
+              </a:spcAft>
+              <a:buSzPts val="2000"/>
+              <a:buFont typeface="Oswald"/>
+              <a:buChar char="●"/>
+            </a:pPr>
+            <a:r>
+              <a:rPr lang="en" sz="2000">
+                <a:latin typeface="Oswald"/>
+                <a:ea typeface="Oswald"/>
+                <a:cs typeface="Oswald"/>
+                <a:sym typeface="Oswald"/>
+              </a:rPr>
+              <a:t>The motivation behind Lingolizard is to provide a new approach to practice language that is more engaging and practical.</a:t>
+            </a:r>
+            <a:endParaRPr sz="2000">
+              <a:latin typeface="Oswald"/>
+              <a:ea typeface="Oswald"/>
+              <a:cs typeface="Oswald"/>
+              <a:sym typeface="Oswald"/>
+            </a:endParaRPr>
+          </a:p>
+          <a:p>
+            <a:pPr marL="457200" lvl="0" indent="-355600" algn="l" rtl="0">
+              <a:spcBef>
+                <a:spcPts val="0"/>
+              </a:spcBef>
+              <a:spcAft>
+                <a:spcPts val="0"/>
+              </a:spcAft>
+              <a:buSzPts val="2000"/>
+              <a:buFont typeface="Oswald"/>
+              <a:buChar char="●"/>
+            </a:pPr>
+            <a:r>
+              <a:rPr lang="en" sz="2000">
+                <a:latin typeface="Oswald"/>
+                <a:ea typeface="Oswald"/>
+                <a:cs typeface="Oswald"/>
+                <a:sym typeface="Oswald"/>
+              </a:rPr>
+              <a:t>For many people the school based method of learning languages is either not affordable or not effective for them. </a:t>
+            </a:r>
+            <a:endParaRPr sz="2000">
+              <a:latin typeface="Oswald"/>
+              <a:ea typeface="Oswald"/>
+              <a:cs typeface="Oswald"/>
+              <a:sym typeface="Oswald"/>
+            </a:endParaRPr>
+          </a:p>
+          <a:p>
+            <a:pPr marL="457200" lvl="0" indent="-355600" algn="l" rtl="0">
+              <a:spcBef>
+                <a:spcPts val="0"/>
+              </a:spcBef>
+              <a:spcAft>
+                <a:spcPts val="0"/>
+              </a:spcAft>
+              <a:buSzPts val="2000"/>
+              <a:buFont typeface="Oswald"/>
+              <a:buChar char="●"/>
+            </a:pPr>
+            <a:r>
+              <a:rPr lang="en" sz="2000">
+                <a:latin typeface="Oswald"/>
+                <a:ea typeface="Oswald"/>
+                <a:cs typeface="Oswald"/>
+                <a:sym typeface="Oswald"/>
+              </a:rPr>
+              <a:t>LingoLizard is a tool they can use to get that immersive experience if they do not know a native speaker.</a:t>
+            </a:r>
+            <a:endParaRPr sz="2000">
+              <a:latin typeface="Oswald"/>
+              <a:ea typeface="Oswald"/>
+              <a:cs typeface="Oswald"/>
+              <a:sym typeface="Oswald"/>
+            </a:endParaRPr>
+          </a:p>
+          <a:p>
+            <a:pPr marL="0" lvl="0" indent="0" algn="l" rtl="0">
+              <a:spcBef>
+                <a:spcPts val="0"/>
+              </a:spcBef>
+              <a:spcAft>
+                <a:spcPts val="0"/>
+              </a:spcAft>
+              <a:buNone/>
+            </a:pPr>
+            <a:endParaRPr sz="2000">
+              <a:latin typeface="Oswald"/>
+              <a:ea typeface="Oswald"/>
+              <a:cs typeface="Oswald"/>
+              <a:sym typeface="Oswald"/>
+            </a:endParaRPr>
+          </a:p>
+          <a:p>
+            <a:pPr marL="0" lvl="0" indent="0" algn="l" rtl="0">
+              <a:spcBef>
+                <a:spcPts val="0"/>
+              </a:spcBef>
+              <a:spcAft>
+                <a:spcPts val="0"/>
+              </a:spcAft>
+              <a:buNone/>
+            </a:pPr>
+            <a:endParaRPr sz="2000">
+              <a:latin typeface="Oswald"/>
+              <a:ea typeface="Oswald"/>
+              <a:cs typeface="Oswald"/>
+              <a:sym typeface="Oswald"/>
+            </a:endParaRPr>
+          </a:p>
+        </p:txBody>
+      </p:sp>
+    </p:spTree>
+  </p:cSld>
+  <p:clrMapOvr>
+    <a:masterClrMapping/>
+  </p:clrMapOvr>
+</p:sld>
+</file>
+
+<file path=ppt/slides/slide6.xml><?xml version="1.0" encoding="utf-8"?>
+<p:sld xmlns:a="http://schemas.openxmlformats.org/drawingml/2006/main" xmlns:r="http://schemas.openxmlformats.org/officeDocument/2006/relationships" xmlns:p="http://schemas.openxmlformats.org/presentationml/2006/main">
+  <p:cSld>
+    <p:bg>
+      <p:bgPr>
+        <a:gradFill>
+          <a:gsLst>
+            <a:gs pos="0">
+              <a:schemeClr val="accent3"/>
+            </a:gs>
+            <a:gs pos="100000">
+              <a:schemeClr val="dk1"/>
+            </a:gs>
+          </a:gsLst>
+          <a:lin ang="5400012" scaled="0"/>
+        </a:gradFill>
+        <a:effectLst/>
+      </p:bgPr>
+    </p:bg>
+    <p:spTree>
+      <p:nvGrpSpPr>
+        <p:cNvPr id="1" name="Shape 104"/>
+        <p:cNvGrpSpPr/>
+        <p:nvPr/>
+      </p:nvGrpSpPr>
+      <p:grpSpPr>
+        <a:xfrm>
+          <a:off x="0" y="0"/>
+          <a:ext cx="0" cy="0"/>
+          <a:chOff x="0" y="0"/>
+          <a:chExt cx="0" cy="0"/>
+        </a:xfrm>
+      </p:grpSpPr>
+      <p:sp>
+        <p:nvSpPr>
+          <p:cNvPr id="105" name="Google Shape;105;p18"/>
+          <p:cNvSpPr txBox="1">
+            <a:spLocks noGrp="1"/>
+          </p:cNvSpPr>
+          <p:nvPr>
+            <p:ph type="ctrTitle"/>
+          </p:nvPr>
+        </p:nvSpPr>
+        <p:spPr>
+          <a:xfrm>
+            <a:off x="2371725" y="630225"/>
+            <a:ext cx="6331500" cy="905400"/>
+          </a:xfrm>
+          <a:prstGeom prst="rect">
+            <a:avLst/>
+          </a:prstGeom>
+        </p:spPr>
+        <p:txBody>
+          <a:bodyPr spcFirstLastPara="1" wrap="square" lIns="91425" tIns="91425" rIns="91425" bIns="91425" anchor="t" anchorCtr="0">
+            <a:normAutofit fontScale="90000"/>
+          </a:bodyPr>
+          <a:lstStyle/>
+          <a:p>
+            <a:pPr marL="0" lvl="0" indent="0" algn="l" rtl="0">
+              <a:spcBef>
+                <a:spcPts val="0"/>
+              </a:spcBef>
+              <a:spcAft>
+                <a:spcPts val="0"/>
+              </a:spcAft>
+              <a:buClr>
+                <a:schemeClr val="dk2"/>
+              </a:buClr>
+              <a:buSzPts val="990"/>
+              <a:buFont typeface="Arial"/>
+              <a:buNone/>
+            </a:pPr>
+            <a:r>
+              <a:rPr lang="en"/>
+              <a:t>Technologies</a:t>
+            </a:r>
+            <a:endParaRPr/>
+          </a:p>
+          <a:p>
+            <a:pPr marL="0" lvl="0" indent="0" algn="l" rtl="0">
+              <a:spcBef>
+                <a:spcPts val="0"/>
+              </a:spcBef>
+              <a:spcAft>
+                <a:spcPts val="0"/>
+              </a:spcAft>
+              <a:buClr>
+                <a:schemeClr val="dk2"/>
+              </a:buClr>
+              <a:buSzPts val="990"/>
+              <a:buFont typeface="Arial"/>
+              <a:buNone/>
+            </a:pPr>
+            <a:endParaRPr/>
+          </a:p>
+          <a:p>
+            <a:pPr marL="0" lvl="0" indent="0" algn="l" rtl="0">
+              <a:spcBef>
+                <a:spcPts val="0"/>
+              </a:spcBef>
+              <a:spcAft>
+                <a:spcPts val="0"/>
+              </a:spcAft>
+              <a:buNone/>
+            </a:pPr>
+            <a:endParaRPr/>
+          </a:p>
+        </p:txBody>
+      </p:sp>
+      <p:sp>
+        <p:nvSpPr>
+          <p:cNvPr id="106" name="Google Shape;106;p18"/>
+          <p:cNvSpPr txBox="1">
+            <a:spLocks noGrp="1"/>
+          </p:cNvSpPr>
+          <p:nvPr>
+            <p:ph type="subTitle" idx="1"/>
+          </p:nvPr>
+        </p:nvSpPr>
+        <p:spPr>
+          <a:xfrm>
+            <a:off x="2390275" y="1629150"/>
+            <a:ext cx="6331500" cy="2955300"/>
+          </a:xfrm>
+          <a:prstGeom prst="rect">
+            <a:avLst/>
+          </a:prstGeom>
+        </p:spPr>
+        <p:txBody>
+          <a:bodyPr spcFirstLastPara="1" wrap="square" lIns="91425" tIns="91425" rIns="91425" bIns="91425" anchor="b" anchorCtr="0">
+            <a:spAutoFit/>
+          </a:bodyPr>
+          <a:lstStyle/>
+          <a:p>
+            <a:pPr marL="457200" lvl="0" indent="-355600" algn="l" rtl="0">
+              <a:spcBef>
+                <a:spcPts val="0"/>
+              </a:spcBef>
+              <a:spcAft>
+                <a:spcPts val="0"/>
+              </a:spcAft>
+              <a:buSzPts val="2000"/>
+              <a:buFont typeface="Oswald"/>
+              <a:buChar char="●"/>
+            </a:pPr>
+            <a:r>
+              <a:rPr lang="en" sz="2000" b="1">
+                <a:latin typeface="Oswald"/>
+                <a:ea typeface="Oswald"/>
+                <a:cs typeface="Oswald"/>
+                <a:sym typeface="Oswald"/>
+              </a:rPr>
+              <a:t>Rasa </a:t>
+            </a:r>
+            <a:r>
+              <a:rPr lang="en" sz="2000">
+                <a:latin typeface="Oswald"/>
+                <a:ea typeface="Oswald"/>
+                <a:cs typeface="Oswald"/>
+                <a:sym typeface="Oswald"/>
+              </a:rPr>
+              <a:t>is used to build and manage intelligent conversational systems</a:t>
+            </a:r>
+            <a:endParaRPr sz="2000">
+              <a:latin typeface="Oswald"/>
+              <a:ea typeface="Oswald"/>
+              <a:cs typeface="Oswald"/>
+              <a:sym typeface="Oswald"/>
+            </a:endParaRPr>
+          </a:p>
+          <a:p>
+            <a:pPr marL="457200" lvl="0" indent="-355600" algn="l" rtl="0">
+              <a:spcBef>
+                <a:spcPts val="0"/>
+              </a:spcBef>
+              <a:spcAft>
+                <a:spcPts val="0"/>
+              </a:spcAft>
+              <a:buSzPts val="2000"/>
+              <a:buFont typeface="Oswald"/>
+              <a:buChar char="●"/>
+            </a:pPr>
+            <a:r>
+              <a:rPr lang="en" sz="2000">
+                <a:latin typeface="Oswald"/>
+                <a:ea typeface="Oswald"/>
+                <a:cs typeface="Oswald"/>
+                <a:sym typeface="Oswald"/>
+              </a:rPr>
+              <a:t>It also has built-in Natural Language Understanding (NLU) capabilities that understand user intents and extract information.</a:t>
+            </a:r>
+            <a:endParaRPr sz="2000">
+              <a:latin typeface="Oswald"/>
+              <a:ea typeface="Oswald"/>
+              <a:cs typeface="Oswald"/>
+              <a:sym typeface="Oswald"/>
+            </a:endParaRPr>
+          </a:p>
+          <a:p>
+            <a:pPr marL="457200" lvl="0" indent="-355600" algn="l" rtl="0">
+              <a:spcBef>
+                <a:spcPts val="0"/>
+              </a:spcBef>
+              <a:spcAft>
+                <a:spcPts val="0"/>
+              </a:spcAft>
+              <a:buSzPts val="2000"/>
+              <a:buFont typeface="Oswald"/>
+              <a:buChar char="●"/>
+            </a:pPr>
+            <a:r>
+              <a:rPr lang="en" sz="2000" b="1">
+                <a:latin typeface="Oswald"/>
+                <a:ea typeface="Oswald"/>
+                <a:cs typeface="Oswald"/>
+                <a:sym typeface="Oswald"/>
+              </a:rPr>
+              <a:t>DeepTranslator</a:t>
+            </a:r>
+            <a:r>
+              <a:rPr lang="en" sz="2000">
+                <a:latin typeface="Oswald"/>
+                <a:ea typeface="Oswald"/>
+                <a:cs typeface="Oswald"/>
+                <a:sym typeface="Oswald"/>
+              </a:rPr>
+              <a:t> is a Python library that helps in translating text across multiple languages</a:t>
+            </a:r>
+            <a:endParaRPr sz="2000">
+              <a:latin typeface="Oswald"/>
+              <a:ea typeface="Oswald"/>
+              <a:cs typeface="Oswald"/>
+              <a:sym typeface="Oswald"/>
+            </a:endParaRPr>
+          </a:p>
+          <a:p>
+            <a:pPr marL="457200" lvl="0" indent="-355600" algn="l" rtl="0">
+              <a:spcBef>
+                <a:spcPts val="0"/>
+              </a:spcBef>
+              <a:spcAft>
+                <a:spcPts val="0"/>
+              </a:spcAft>
+              <a:buSzPts val="2000"/>
+              <a:buFont typeface="Oswald"/>
+              <a:buChar char="●"/>
+            </a:pPr>
+            <a:r>
+              <a:rPr lang="en" sz="2000">
+                <a:latin typeface="Oswald"/>
+                <a:ea typeface="Oswald"/>
+                <a:cs typeface="Oswald"/>
+                <a:sym typeface="Oswald"/>
+              </a:rPr>
+              <a:t>It allows the bot to respond in a preferred language, providing a personalised learning experience.</a:t>
+            </a:r>
+            <a:endParaRPr sz="2000">
+              <a:latin typeface="Oswald"/>
+              <a:ea typeface="Oswald"/>
+              <a:cs typeface="Oswald"/>
+              <a:sym typeface="Oswald"/>
+            </a:endParaRPr>
+          </a:p>
+        </p:txBody>
+      </p:sp>
+      <p:pic>
+        <p:nvPicPr>
+          <p:cNvPr id="107" name="Google Shape;107;p18"/>
+          <p:cNvPicPr preferRelativeResize="0"/>
+          <p:nvPr/>
+        </p:nvPicPr>
+        <p:blipFill>
+          <a:blip r:embed="rId3">
+            <a:alphaModFix/>
+          </a:blip>
+          <a:stretch>
+            <a:fillRect/>
+          </a:stretch>
+        </p:blipFill>
+        <p:spPr>
+          <a:xfrm>
+            <a:off x="152400" y="725700"/>
+            <a:ext cx="2038350" cy="1485900"/>
+          </a:xfrm>
+          <a:prstGeom prst="rect">
+            <a:avLst/>
+          </a:prstGeom>
+          <a:noFill/>
+          <a:ln>
+            <a:noFill/>
+          </a:ln>
+        </p:spPr>
+      </p:pic>
+      <p:pic>
+        <p:nvPicPr>
+          <p:cNvPr id="108" name="Google Shape;108;p18"/>
+          <p:cNvPicPr preferRelativeResize="0"/>
+          <p:nvPr/>
+        </p:nvPicPr>
+        <p:blipFill>
+          <a:blip r:embed="rId4">
+            <a:alphaModFix/>
+          </a:blip>
+          <a:stretch>
+            <a:fillRect/>
+          </a:stretch>
+        </p:blipFill>
+        <p:spPr>
+          <a:xfrm>
+            <a:off x="152400" y="2364000"/>
+            <a:ext cx="2038350" cy="2238375"/>
+          </a:xfrm>
+          <a:prstGeom prst="rect">
+            <a:avLst/>
+          </a:prstGeom>
+          <a:noFill/>
+          <a:ln>
+            <a:noFill/>
+          </a:ln>
+        </p:spPr>
+      </p:pic>
+    </p:spTree>
+  </p:cSld>
+  <p:clrMapOvr>
+    <a:masterClrMapping/>
+  </p:clrMapOvr>
+</p:sld>
+</file>
+
+<file path=ppt/slides/slide7.xml><?xml version="1.0" encoding="utf-8"?>
+<p:sld xmlns:a="http://schemas.openxmlformats.org/drawingml/2006/main" xmlns:r="http://schemas.openxmlformats.org/officeDocument/2006/relationships" xmlns:p="http://schemas.openxmlformats.org/presentationml/2006/main">
+  <p:cSld>
+    <p:bg>
+      <p:bgPr>
+        <a:gradFill>
+          <a:gsLst>
+            <a:gs pos="0">
+              <a:schemeClr val="accent3"/>
+            </a:gs>
+            <a:gs pos="100000">
+              <a:schemeClr val="dk1"/>
+            </a:gs>
+          </a:gsLst>
+          <a:lin ang="5400012" scaled="0"/>
+        </a:gradFill>
+        <a:effectLst/>
+      </p:bgPr>
+    </p:bg>
+    <p:spTree>
+      <p:nvGrpSpPr>
+        <p:cNvPr id="1" name="Shape 112"/>
+        <p:cNvGrpSpPr/>
+        <p:nvPr/>
+      </p:nvGrpSpPr>
+      <p:grpSpPr>
+        <a:xfrm>
+          <a:off x="0" y="0"/>
+          <a:ext cx="0" cy="0"/>
+          <a:chOff x="0" y="0"/>
+          <a:chExt cx="0" cy="0"/>
+        </a:xfrm>
+      </p:grpSpPr>
+      <p:sp>
+        <p:nvSpPr>
+          <p:cNvPr id="113" name="Google Shape;113;p19"/>
+          <p:cNvSpPr txBox="1">
+            <a:spLocks noGrp="1"/>
+          </p:cNvSpPr>
+          <p:nvPr>
+            <p:ph type="ctrTitle"/>
+          </p:nvPr>
+        </p:nvSpPr>
+        <p:spPr>
+          <a:xfrm>
+            <a:off x="2371725" y="630225"/>
+            <a:ext cx="6331500" cy="905400"/>
+          </a:xfrm>
+          <a:prstGeom prst="rect">
+            <a:avLst/>
+          </a:prstGeom>
+        </p:spPr>
+        <p:txBody>
+          <a:bodyPr spcFirstLastPara="1" wrap="square" lIns="91425" tIns="91425" rIns="91425" bIns="91425" anchor="t" anchorCtr="0">
+            <a:normAutofit fontScale="90000"/>
+          </a:bodyPr>
+          <a:lstStyle/>
+          <a:p>
+            <a:pPr marL="0" lvl="0" indent="0" algn="l" rtl="0">
+              <a:spcBef>
+                <a:spcPts val="0"/>
+              </a:spcBef>
+              <a:spcAft>
+                <a:spcPts val="0"/>
+              </a:spcAft>
+              <a:buClr>
+                <a:schemeClr val="dk2"/>
+              </a:buClr>
+              <a:buSzPts val="990"/>
+              <a:buFont typeface="Arial"/>
+              <a:buNone/>
+            </a:pPr>
+            <a:r>
+              <a:rPr lang="en"/>
+              <a:t>Features</a:t>
+            </a:r>
+            <a:endParaRPr/>
+          </a:p>
+          <a:p>
+            <a:pPr marL="0" lvl="0" indent="0" algn="l" rtl="0">
+              <a:spcBef>
+                <a:spcPts val="0"/>
+              </a:spcBef>
+              <a:spcAft>
+                <a:spcPts val="0"/>
+              </a:spcAft>
+              <a:buClr>
+                <a:schemeClr val="dk2"/>
+              </a:buClr>
+              <a:buSzPts val="990"/>
+              <a:buFont typeface="Arial"/>
+              <a:buNone/>
+            </a:pPr>
+            <a:endParaRPr/>
+          </a:p>
+          <a:p>
+            <a:pPr marL="0" lvl="0" indent="0" algn="l" rtl="0">
+              <a:spcBef>
+                <a:spcPts val="0"/>
+              </a:spcBef>
+              <a:spcAft>
+                <a:spcPts val="0"/>
+              </a:spcAft>
+              <a:buNone/>
+            </a:pPr>
+            <a:endParaRPr/>
+          </a:p>
+        </p:txBody>
+      </p:sp>
+      <p:sp>
+        <p:nvSpPr>
+          <p:cNvPr id="114" name="Google Shape;114;p19"/>
+          <p:cNvSpPr txBox="1">
+            <a:spLocks noGrp="1"/>
+          </p:cNvSpPr>
+          <p:nvPr>
+            <p:ph type="subTitle" idx="1"/>
+          </p:nvPr>
+        </p:nvSpPr>
+        <p:spPr>
+          <a:xfrm>
+            <a:off x="2371725" y="1436750"/>
+            <a:ext cx="6331500" cy="3879000"/>
+          </a:xfrm>
+          <a:prstGeom prst="rect">
+            <a:avLst/>
+          </a:prstGeom>
+        </p:spPr>
+        <p:txBody>
+          <a:bodyPr spcFirstLastPara="1" wrap="square" lIns="91425" tIns="91425" rIns="91425" bIns="91425" anchor="b" anchorCtr="0">
+            <a:spAutoFit/>
+          </a:bodyPr>
+          <a:lstStyle/>
+          <a:p>
+            <a:pPr marL="457200" lvl="0" indent="-355600" algn="l" rtl="0">
+              <a:spcBef>
+                <a:spcPts val="0"/>
+              </a:spcBef>
+              <a:spcAft>
+                <a:spcPts val="0"/>
+              </a:spcAft>
+              <a:buSzPts val="2000"/>
+              <a:buFont typeface="Oswald"/>
+              <a:buChar char="●"/>
+            </a:pPr>
+            <a:r>
+              <a:rPr lang="en" sz="2000">
+                <a:latin typeface="Oswald"/>
+                <a:ea typeface="Oswald"/>
+                <a:cs typeface="Oswald"/>
+                <a:sym typeface="Oswald"/>
+              </a:rPr>
+              <a:t>Many supported languages for wide audience</a:t>
+            </a:r>
+            <a:endParaRPr sz="2000">
+              <a:latin typeface="Oswald"/>
+              <a:ea typeface="Oswald"/>
+              <a:cs typeface="Oswald"/>
+              <a:sym typeface="Oswald"/>
+            </a:endParaRPr>
+          </a:p>
+          <a:p>
+            <a:pPr marL="914400" lvl="0" indent="0" algn="l" rtl="0">
+              <a:spcBef>
+                <a:spcPts val="0"/>
+              </a:spcBef>
+              <a:spcAft>
+                <a:spcPts val="0"/>
+              </a:spcAft>
+              <a:buNone/>
+            </a:pPr>
+            <a:endParaRPr sz="2000">
+              <a:latin typeface="Oswald"/>
+              <a:ea typeface="Oswald"/>
+              <a:cs typeface="Oswald"/>
+              <a:sym typeface="Oswald"/>
+            </a:endParaRPr>
+          </a:p>
+          <a:p>
+            <a:pPr marL="457200" lvl="0" indent="-355600" algn="l" rtl="0">
+              <a:spcBef>
+                <a:spcPts val="0"/>
+              </a:spcBef>
+              <a:spcAft>
+                <a:spcPts val="0"/>
+              </a:spcAft>
+              <a:buSzPts val="2000"/>
+              <a:buFont typeface="Oswald"/>
+              <a:buChar char="●"/>
+            </a:pPr>
+            <a:r>
+              <a:rPr lang="en" sz="2000">
+                <a:latin typeface="Oswald"/>
+                <a:ea typeface="Oswald"/>
+                <a:cs typeface="Oswald"/>
+                <a:sym typeface="Oswald"/>
+              </a:rPr>
+              <a:t>Gamified features such as streaks, leaderboard and points</a:t>
+            </a:r>
+            <a:br>
+              <a:rPr lang="en" sz="2000">
+                <a:latin typeface="Oswald"/>
+                <a:ea typeface="Oswald"/>
+                <a:cs typeface="Oswald"/>
+                <a:sym typeface="Oswald"/>
+              </a:rPr>
+            </a:br>
+            <a:endParaRPr sz="2000">
+              <a:latin typeface="Oswald"/>
+              <a:ea typeface="Oswald"/>
+              <a:cs typeface="Oswald"/>
+              <a:sym typeface="Oswald"/>
+            </a:endParaRPr>
+          </a:p>
+          <a:p>
+            <a:pPr marL="457200" lvl="0" indent="-355600" algn="l" rtl="0">
+              <a:spcBef>
+                <a:spcPts val="0"/>
+              </a:spcBef>
+              <a:spcAft>
+                <a:spcPts val="0"/>
+              </a:spcAft>
+              <a:buSzPts val="2000"/>
+              <a:buFont typeface="Oswald"/>
+              <a:buChar char="●"/>
+            </a:pPr>
+            <a:r>
+              <a:rPr lang="en" sz="2000">
+                <a:latin typeface="Oswald"/>
+                <a:ea typeface="Oswald"/>
+                <a:cs typeface="Oswald"/>
+                <a:sym typeface="Oswald"/>
+              </a:rPr>
+              <a:t>Provide real time conversation type lessons and corrections</a:t>
+            </a:r>
+            <a:br>
+              <a:rPr lang="en" sz="2000">
+                <a:latin typeface="Oswald"/>
+                <a:ea typeface="Oswald"/>
+                <a:cs typeface="Oswald"/>
+                <a:sym typeface="Oswald"/>
+              </a:rPr>
+            </a:br>
+            <a:endParaRPr sz="2000">
+              <a:latin typeface="Oswald"/>
+              <a:ea typeface="Oswald"/>
+              <a:cs typeface="Oswald"/>
+              <a:sym typeface="Oswald"/>
+            </a:endParaRPr>
+          </a:p>
+          <a:p>
+            <a:pPr marL="457200" lvl="0" indent="-355600" algn="l" rtl="0">
+              <a:spcBef>
+                <a:spcPts val="0"/>
+              </a:spcBef>
+              <a:spcAft>
+                <a:spcPts val="0"/>
+              </a:spcAft>
+              <a:buSzPts val="2000"/>
+              <a:buFont typeface="Oswald"/>
+              <a:buChar char="●"/>
+            </a:pPr>
+            <a:r>
+              <a:rPr lang="en" sz="2000">
+                <a:latin typeface="Oswald"/>
+                <a:ea typeface="Oswald"/>
+                <a:cs typeface="Oswald"/>
+                <a:sym typeface="Oswald"/>
+              </a:rPr>
+              <a:t>Provide reminders and notifications to users</a:t>
+            </a:r>
+            <a:endParaRPr sz="2000">
+              <a:latin typeface="Oswald"/>
+              <a:ea typeface="Oswald"/>
+              <a:cs typeface="Oswald"/>
+              <a:sym typeface="Oswald"/>
+            </a:endParaRPr>
+          </a:p>
+          <a:p>
+            <a:pPr marL="457200" lvl="0" indent="0" algn="l" rtl="0">
+              <a:spcBef>
+                <a:spcPts val="0"/>
+              </a:spcBef>
+              <a:spcAft>
+                <a:spcPts val="0"/>
+              </a:spcAft>
+              <a:buNone/>
+            </a:pPr>
+            <a:endParaRPr sz="2000">
+              <a:latin typeface="Oswald"/>
+              <a:ea typeface="Oswald"/>
+              <a:cs typeface="Oswald"/>
+              <a:sym typeface="Oswald"/>
+            </a:endParaRPr>
+          </a:p>
+          <a:p>
+            <a:pPr marL="457200" lvl="0" indent="-355600" algn="l" rtl="0">
+              <a:spcBef>
+                <a:spcPts val="0"/>
+              </a:spcBef>
+              <a:spcAft>
+                <a:spcPts val="0"/>
+              </a:spcAft>
+              <a:buSzPts val="2000"/>
+              <a:buFont typeface="Oswald"/>
+              <a:buChar char="●"/>
+            </a:pPr>
+            <a:r>
+              <a:rPr lang="en" sz="2000">
+                <a:latin typeface="Oswald"/>
+                <a:ea typeface="Oswald"/>
+                <a:cs typeface="Oswald"/>
+                <a:sym typeface="Oswald"/>
+              </a:rPr>
+              <a:t>LingoLizard will be hosted on the web, making it accessible to users worldwide.</a:t>
+            </a:r>
+            <a:endParaRPr sz="2000">
+              <a:latin typeface="Oswald"/>
+              <a:ea typeface="Oswald"/>
+              <a:cs typeface="Oswald"/>
+              <a:sym typeface="Oswald"/>
+            </a:endParaRPr>
+          </a:p>
+          <a:p>
+            <a:pPr marL="0" lvl="0" indent="0" algn="l" rtl="0">
+              <a:spcBef>
+                <a:spcPts val="0"/>
+              </a:spcBef>
+              <a:spcAft>
+                <a:spcPts val="0"/>
+              </a:spcAft>
+              <a:buNone/>
+            </a:pPr>
+            <a:endParaRPr sz="2000">
+              <a:latin typeface="Oswald"/>
+              <a:ea typeface="Oswald"/>
+              <a:cs typeface="Oswald"/>
+              <a:sym typeface="Oswald"/>
+            </a:endParaRPr>
+          </a:p>
+          <a:p>
+            <a:pPr marL="0" lvl="0" indent="0" algn="l" rtl="0">
+              <a:spcBef>
+                <a:spcPts val="0"/>
+              </a:spcBef>
+              <a:spcAft>
+                <a:spcPts val="0"/>
+              </a:spcAft>
+              <a:buNone/>
+            </a:pPr>
+            <a:endParaRPr sz="2000">
+              <a:latin typeface="Oswald"/>
+              <a:ea typeface="Oswald"/>
+              <a:cs typeface="Oswald"/>
+              <a:sym typeface="Oswald"/>
+            </a:endParaRPr>
+          </a:p>
+        </p:txBody>
+      </p:sp>
+    </p:spTree>
+  </p:cSld>
+  <p:clrMapOvr>
+    <a:masterClrMapping/>
+  </p:clrMapOvr>
+</p:sld>
+</file>
+
+<file path=ppt/slides/slide8.xml><?xml version="1.0" encoding="utf-8"?>
+<p:sld xmlns:a="http://schemas.openxmlformats.org/drawingml/2006/main" xmlns:r="http://schemas.openxmlformats.org/officeDocument/2006/relationships" xmlns:p="http://schemas.openxmlformats.org/presentationml/2006/main">
+  <p:cSld>
+    <p:bg>
+      <p:bgPr>
+        <a:gradFill>
+          <a:gsLst>
+            <a:gs pos="0">
+              <a:schemeClr val="accent3"/>
+            </a:gs>
+            <a:gs pos="100000">
+              <a:schemeClr val="dk1"/>
+            </a:gs>
+          </a:gsLst>
+          <a:lin ang="5400012" scaled="0"/>
+        </a:gradFill>
+        <a:effectLst/>
+      </p:bgPr>
+    </p:bg>
+    <p:spTree>
+      <p:nvGrpSpPr>
+        <p:cNvPr id="1" name="Shape 118"/>
+        <p:cNvGrpSpPr/>
+        <p:nvPr/>
+      </p:nvGrpSpPr>
+      <p:grpSpPr>
+        <a:xfrm>
+          <a:off x="0" y="0"/>
+          <a:ext cx="0" cy="0"/>
+          <a:chOff x="0" y="0"/>
+          <a:chExt cx="0" cy="0"/>
+        </a:xfrm>
+      </p:grpSpPr>
+      <p:sp>
+        <p:nvSpPr>
+          <p:cNvPr id="119" name="Google Shape;119;p20"/>
+          <p:cNvSpPr txBox="1">
+            <a:spLocks noGrp="1"/>
+          </p:cNvSpPr>
+          <p:nvPr>
+            <p:ph type="ctrTitle"/>
+          </p:nvPr>
+        </p:nvSpPr>
+        <p:spPr>
+          <a:xfrm>
+            <a:off x="2371725" y="630225"/>
+            <a:ext cx="6331500" cy="905400"/>
+          </a:xfrm>
+          <a:prstGeom prst="rect">
+            <a:avLst/>
+          </a:prstGeom>
+        </p:spPr>
+        <p:txBody>
+          <a:bodyPr spcFirstLastPara="1" wrap="square" lIns="91425" tIns="91425" rIns="91425" bIns="91425" anchor="t" anchorCtr="0">
+            <a:normAutofit fontScale="90000"/>
+          </a:bodyPr>
+          <a:lstStyle/>
+          <a:p>
+            <a:pPr marL="0" lvl="0" indent="0" algn="l" rtl="0">
+              <a:spcBef>
+                <a:spcPts val="0"/>
+              </a:spcBef>
+              <a:spcAft>
+                <a:spcPts val="0"/>
+              </a:spcAft>
+              <a:buClr>
+                <a:schemeClr val="dk2"/>
+              </a:buClr>
+              <a:buSzPts val="990"/>
+              <a:buFont typeface="Arial"/>
+              <a:buNone/>
+            </a:pPr>
+            <a:r>
+              <a:rPr lang="en"/>
+              <a:t>Related Work Analysis</a:t>
+            </a:r>
+            <a:endParaRPr/>
+          </a:p>
+          <a:p>
+            <a:pPr marL="0" lvl="0" indent="0" algn="l" rtl="0">
+              <a:spcBef>
+                <a:spcPts val="0"/>
+              </a:spcBef>
+              <a:spcAft>
+                <a:spcPts val="0"/>
+              </a:spcAft>
+              <a:buClr>
+                <a:schemeClr val="dk2"/>
+              </a:buClr>
+              <a:buSzPts val="990"/>
+              <a:buFont typeface="Arial"/>
+              <a:buNone/>
+            </a:pPr>
+            <a:endParaRPr/>
+          </a:p>
+          <a:p>
+            <a:pPr marL="0" lvl="0" indent="0" algn="l" rtl="0">
+              <a:spcBef>
+                <a:spcPts val="0"/>
+              </a:spcBef>
+              <a:spcAft>
+                <a:spcPts val="0"/>
+              </a:spcAft>
+              <a:buNone/>
+            </a:pPr>
+            <a:endParaRPr/>
+          </a:p>
+        </p:txBody>
+      </p:sp>
+      <p:sp>
+        <p:nvSpPr>
+          <p:cNvPr id="120" name="Google Shape;120;p20"/>
+          <p:cNvSpPr txBox="1">
+            <a:spLocks noGrp="1"/>
+          </p:cNvSpPr>
+          <p:nvPr>
+            <p:ph type="subTitle" idx="1"/>
+          </p:nvPr>
+        </p:nvSpPr>
+        <p:spPr>
+          <a:xfrm>
+            <a:off x="2789025" y="1629150"/>
+            <a:ext cx="5932800" cy="2955300"/>
+          </a:xfrm>
+          <a:prstGeom prst="rect">
+            <a:avLst/>
+          </a:prstGeom>
+        </p:spPr>
+        <p:txBody>
+          <a:bodyPr spcFirstLastPara="1" wrap="square" lIns="91425" tIns="91425" rIns="91425" bIns="91425" anchor="b" anchorCtr="0">
+            <a:spAutoFit/>
+          </a:bodyPr>
+          <a:lstStyle/>
+          <a:p>
+            <a:pPr marL="0" lvl="0" indent="0" algn="l" rtl="0">
+              <a:spcBef>
+                <a:spcPts val="0"/>
+              </a:spcBef>
+              <a:spcAft>
+                <a:spcPts val="0"/>
+              </a:spcAft>
+              <a:buNone/>
+            </a:pPr>
+            <a:r>
+              <a:rPr lang="en" sz="2000">
+                <a:latin typeface="Oswald"/>
+                <a:ea typeface="Oswald"/>
+                <a:cs typeface="Oswald"/>
+                <a:sym typeface="Oswald"/>
+              </a:rPr>
+              <a:t>Duolingo: offers gamified method to learn languages but is limited to basic phrases and grammar while Lingo lizard will have real time conversations.</a:t>
+            </a:r>
+            <a:endParaRPr sz="2000">
+              <a:latin typeface="Oswald"/>
+              <a:ea typeface="Oswald"/>
+              <a:cs typeface="Oswald"/>
+              <a:sym typeface="Oswald"/>
+            </a:endParaRPr>
+          </a:p>
+          <a:p>
+            <a:pPr marL="0" lvl="0" indent="0" algn="l" rtl="0">
+              <a:spcBef>
+                <a:spcPts val="0"/>
+              </a:spcBef>
+              <a:spcAft>
+                <a:spcPts val="0"/>
+              </a:spcAft>
+              <a:buNone/>
+            </a:pPr>
+            <a:endParaRPr sz="2000">
+              <a:latin typeface="Oswald"/>
+              <a:ea typeface="Oswald"/>
+              <a:cs typeface="Oswald"/>
+              <a:sym typeface="Oswald"/>
+            </a:endParaRPr>
+          </a:p>
+          <a:p>
+            <a:pPr marL="0" lvl="0" indent="0" algn="l" rtl="0">
+              <a:spcBef>
+                <a:spcPts val="0"/>
+              </a:spcBef>
+              <a:spcAft>
+                <a:spcPts val="0"/>
+              </a:spcAft>
+              <a:buNone/>
+            </a:pPr>
+            <a:r>
+              <a:rPr lang="en" sz="2000">
+                <a:latin typeface="Oswald"/>
+                <a:ea typeface="Oswald"/>
+                <a:cs typeface="Oswald"/>
+                <a:sym typeface="Oswald"/>
+              </a:rPr>
+              <a:t>HelloTalk: users practice languages with a native speaker where LingoLizard automates this without depending on others.</a:t>
+            </a:r>
+            <a:endParaRPr sz="2000">
+              <a:latin typeface="Oswald"/>
+              <a:ea typeface="Oswald"/>
+              <a:cs typeface="Oswald"/>
+              <a:sym typeface="Oswald"/>
+            </a:endParaRPr>
+          </a:p>
+          <a:p>
+            <a:pPr marL="0" lvl="0" indent="0" algn="l" rtl="0">
+              <a:spcBef>
+                <a:spcPts val="0"/>
+              </a:spcBef>
+              <a:spcAft>
+                <a:spcPts val="0"/>
+              </a:spcAft>
+              <a:buNone/>
+            </a:pPr>
+            <a:endParaRPr sz="2000">
+              <a:latin typeface="Oswald"/>
+              <a:ea typeface="Oswald"/>
+              <a:cs typeface="Oswald"/>
+              <a:sym typeface="Oswald"/>
+            </a:endParaRPr>
+          </a:p>
+          <a:p>
+            <a:pPr marL="0" lvl="0" indent="0" algn="l" rtl="0">
+              <a:spcBef>
+                <a:spcPts val="0"/>
+              </a:spcBef>
+              <a:spcAft>
+                <a:spcPts val="0"/>
+              </a:spcAft>
+              <a:buNone/>
+            </a:pPr>
+            <a:endParaRPr sz="2000">
+              <a:latin typeface="Oswald"/>
+              <a:ea typeface="Oswald"/>
+              <a:cs typeface="Oswald"/>
+              <a:sym typeface="Oswald"/>
+            </a:endParaRPr>
+          </a:p>
+        </p:txBody>
+      </p:sp>
+      <p:pic>
+        <p:nvPicPr>
+          <p:cNvPr id="121" name="Google Shape;121;p20"/>
+          <p:cNvPicPr preferRelativeResize="0"/>
+          <p:nvPr/>
+        </p:nvPicPr>
+        <p:blipFill>
+          <a:blip r:embed="rId3">
+            <a:alphaModFix/>
+          </a:blip>
+          <a:stretch>
+            <a:fillRect/>
+          </a:stretch>
+        </p:blipFill>
+        <p:spPr>
+          <a:xfrm>
+            <a:off x="250475" y="1615425"/>
+            <a:ext cx="1912640" cy="1912640"/>
+          </a:xfrm>
+          <a:prstGeom prst="rect">
+            <a:avLst/>
+          </a:prstGeom>
+          <a:noFill/>
+          <a:ln>
+            <a:noFill/>
+          </a:ln>
+        </p:spPr>
+      </p:pic>
+    </p:spTree>
+  </p:cSld>
+  <p:clrMapOvr>
+    <a:masterClrMapping/>
+  </p:clrMapOvr>
+</p:sld>
+</file>
+
+<file path=ppt/slides/slide9.xml><?xml version="1.0" encoding="utf-8"?>
+<p:sld xmlns:a="http://schemas.openxmlformats.org/drawingml/2006/main" xmlns:r="http://schemas.openxmlformats.org/officeDocument/2006/relationships" xmlns:p="http://schemas.openxmlformats.org/presentationml/2006/main">
+  <p:cSld>
+    <p:bg>
+      <p:bgPr>
+        <a:gradFill>
+          <a:gsLst>
+            <a:gs pos="0">
+              <a:schemeClr val="accent3"/>
+            </a:gs>
+            <a:gs pos="100000">
+              <a:schemeClr val="dk1"/>
+            </a:gs>
+          </a:gsLst>
+          <a:lin ang="5400012" scaled="0"/>
+        </a:gradFill>
+        <a:effectLst/>
+      </p:bgPr>
+    </p:bg>
+    <p:spTree>
+      <p:nvGrpSpPr>
+        <p:cNvPr id="1" name="Shape 125"/>
+        <p:cNvGrpSpPr/>
+        <p:nvPr/>
+      </p:nvGrpSpPr>
+      <p:grpSpPr>
+        <a:xfrm>
+          <a:off x="0" y="0"/>
+          <a:ext cx="0" cy="0"/>
+          <a:chOff x="0" y="0"/>
+          <a:chExt cx="0" cy="0"/>
+        </a:xfrm>
+      </p:grpSpPr>
+      <p:sp>
+        <p:nvSpPr>
+          <p:cNvPr id="126" name="Google Shape;126;p21"/>
+          <p:cNvSpPr txBox="1">
+            <a:spLocks noGrp="1"/>
+          </p:cNvSpPr>
+          <p:nvPr>
+            <p:ph type="ctrTitle"/>
+          </p:nvPr>
+        </p:nvSpPr>
+        <p:spPr>
+          <a:xfrm>
+            <a:off x="2371725" y="630225"/>
+            <a:ext cx="6331500" cy="905400"/>
+          </a:xfrm>
+          <a:prstGeom prst="rect">
+            <a:avLst/>
+          </a:prstGeom>
+        </p:spPr>
+        <p:txBody>
+          <a:bodyPr spcFirstLastPara="1" wrap="square" lIns="91425" tIns="91425" rIns="91425" bIns="91425" anchor="t" anchorCtr="0">
+            <a:normAutofit fontScale="90000"/>
+          </a:bodyPr>
+          <a:lstStyle/>
+          <a:p>
+            <a:pPr marL="0" lvl="0" indent="0" algn="l" rtl="0">
+              <a:spcBef>
+                <a:spcPts val="0"/>
+              </a:spcBef>
+              <a:spcAft>
+                <a:spcPts val="0"/>
+              </a:spcAft>
+              <a:buClr>
+                <a:schemeClr val="dk2"/>
+              </a:buClr>
+              <a:buSzPts val="990"/>
+              <a:buFont typeface="Arial"/>
+              <a:buNone/>
+            </a:pPr>
+            <a:r>
+              <a:rPr lang="en"/>
+              <a:t>What i have so far?</a:t>
+            </a:r>
+            <a:endParaRPr/>
+          </a:p>
+          <a:p>
+            <a:pPr marL="0" lvl="0" indent="0" algn="l" rtl="0">
+              <a:spcBef>
+                <a:spcPts val="0"/>
+              </a:spcBef>
+              <a:spcAft>
+                <a:spcPts val="0"/>
+              </a:spcAft>
+              <a:buClr>
+                <a:schemeClr val="dk2"/>
+              </a:buClr>
+              <a:buSzPts val="990"/>
+              <a:buFont typeface="Arial"/>
+              <a:buNone/>
+            </a:pPr>
+            <a:endParaRPr/>
+          </a:p>
+          <a:p>
+            <a:pPr marL="0" lvl="0" indent="0" algn="l" rtl="0">
+              <a:spcBef>
+                <a:spcPts val="0"/>
+              </a:spcBef>
+              <a:spcAft>
+                <a:spcPts val="0"/>
+              </a:spcAft>
+              <a:buNone/>
+            </a:pPr>
+            <a:endParaRPr/>
+          </a:p>
+        </p:txBody>
+      </p:sp>
+      <p:sp>
+        <p:nvSpPr>
+          <p:cNvPr id="127" name="Google Shape;127;p21"/>
+          <p:cNvSpPr txBox="1">
+            <a:spLocks noGrp="1"/>
+          </p:cNvSpPr>
+          <p:nvPr>
+            <p:ph type="subTitle" idx="1"/>
+          </p:nvPr>
+        </p:nvSpPr>
+        <p:spPr>
+          <a:xfrm>
+            <a:off x="1814175" y="1535625"/>
+            <a:ext cx="5932800" cy="1723800"/>
+          </a:xfrm>
+          <a:prstGeom prst="rect">
+            <a:avLst/>
+          </a:prstGeom>
+        </p:spPr>
+        <p:txBody>
+          <a:bodyPr spcFirstLastPara="1" wrap="square" lIns="91425" tIns="91425" rIns="91425" bIns="91425" anchor="b" anchorCtr="0">
+            <a:spAutoFit/>
+          </a:bodyPr>
+          <a:lstStyle/>
+          <a:p>
+            <a:pPr marL="457200" lvl="0" indent="-355600" algn="l" rtl="0">
+              <a:spcBef>
+                <a:spcPts val="0"/>
+              </a:spcBef>
+              <a:spcAft>
+                <a:spcPts val="0"/>
+              </a:spcAft>
+              <a:buSzPts val="2000"/>
+              <a:buFont typeface="Oswald"/>
+              <a:buChar char="●"/>
+            </a:pPr>
+            <a:r>
+              <a:rPr lang="en" sz="2000">
+                <a:latin typeface="Oswald"/>
+                <a:ea typeface="Oswald"/>
+                <a:cs typeface="Oswald"/>
+                <a:sym typeface="Oswald"/>
+              </a:rPr>
+              <a:t>Gather understanding of technologies</a:t>
+            </a:r>
+            <a:endParaRPr sz="2000">
+              <a:latin typeface="Oswald"/>
+              <a:ea typeface="Oswald"/>
+              <a:cs typeface="Oswald"/>
+              <a:sym typeface="Oswald"/>
+            </a:endParaRPr>
+          </a:p>
+          <a:p>
+            <a:pPr marL="457200" lvl="0" indent="0" algn="l" rtl="0">
+              <a:spcBef>
+                <a:spcPts val="0"/>
+              </a:spcBef>
+              <a:spcAft>
+                <a:spcPts val="0"/>
+              </a:spcAft>
+              <a:buNone/>
+            </a:pPr>
+            <a:endParaRPr sz="2000">
+              <a:latin typeface="Oswald"/>
+              <a:ea typeface="Oswald"/>
+              <a:cs typeface="Oswald"/>
+              <a:sym typeface="Oswald"/>
+            </a:endParaRPr>
+          </a:p>
+          <a:p>
+            <a:pPr marL="457200" lvl="0" indent="-355600" algn="l" rtl="0">
+              <a:spcBef>
+                <a:spcPts val="0"/>
+              </a:spcBef>
+              <a:spcAft>
+                <a:spcPts val="0"/>
+              </a:spcAft>
+              <a:buSzPts val="2000"/>
+              <a:buFont typeface="Oswald"/>
+              <a:buChar char="●"/>
+            </a:pPr>
+            <a:r>
+              <a:rPr lang="en" sz="2000">
+                <a:latin typeface="Oswald"/>
+                <a:ea typeface="Oswald"/>
+                <a:cs typeface="Oswald"/>
+                <a:sym typeface="Oswald"/>
+              </a:rPr>
+              <a:t>Documentation </a:t>
+            </a:r>
+            <a:endParaRPr sz="2000">
+              <a:latin typeface="Oswald"/>
+              <a:ea typeface="Oswald"/>
+              <a:cs typeface="Oswald"/>
+              <a:sym typeface="Oswald"/>
+            </a:endParaRPr>
+          </a:p>
+          <a:p>
+            <a:pPr marL="457200" lvl="0" indent="0" algn="l" rtl="0">
+              <a:spcBef>
+                <a:spcPts val="0"/>
+              </a:spcBef>
+              <a:spcAft>
+                <a:spcPts val="0"/>
+              </a:spcAft>
+              <a:buNone/>
+            </a:pPr>
+            <a:endParaRPr sz="2000">
+              <a:latin typeface="Oswald"/>
+              <a:ea typeface="Oswald"/>
+              <a:cs typeface="Oswald"/>
+              <a:sym typeface="Oswald"/>
+            </a:endParaRPr>
+          </a:p>
+          <a:p>
+            <a:pPr marL="457200" lvl="0" indent="-355600" algn="l" rtl="0">
+              <a:spcBef>
+                <a:spcPts val="0"/>
+              </a:spcBef>
+              <a:spcAft>
+                <a:spcPts val="0"/>
+              </a:spcAft>
+              <a:buSzPts val="2000"/>
+              <a:buFont typeface="Oswald"/>
+              <a:buChar char="●"/>
+            </a:pPr>
+            <a:r>
+              <a:rPr lang="en" sz="2000">
+                <a:latin typeface="Oswald"/>
+                <a:ea typeface="Oswald"/>
+                <a:cs typeface="Oswald"/>
+                <a:sym typeface="Oswald"/>
+              </a:rPr>
+              <a:t>Developed the greeting </a:t>
+            </a:r>
+            <a:endParaRPr sz="2000">
+              <a:latin typeface="Oswald"/>
+              <a:ea typeface="Oswald"/>
+              <a:cs typeface="Oswald"/>
+              <a:sym typeface="Oswald"/>
+            </a:endParaRPr>
+          </a:p>
+        </p:txBody>
+      </p:sp>
     </p:spTree>
   </p:cSld>
   <p:clrMapOvr>
@@ -9799,7 +11232,288 @@
 </file>
 
 <file path=ppt/theme/theme1.xml><?xml version="1.0" encoding="utf-8"?>
-<a:theme xmlns:a="http://schemas.openxmlformats.org/drawingml/2006/main" xmlns:r="http://schemas.openxmlformats.org/officeDocument/2006/relationships">
+<a:theme xmlns:a="http://schemas.openxmlformats.org/drawingml/2006/main" name="Swiss">
+  <a:themeElements>
+    <a:clrScheme name="Swiss">
+      <a:dk1>
+        <a:srgbClr val="F46524"/>
+      </a:dk1>
+      <a:lt1>
+        <a:srgbClr val="FFFFFF"/>
+      </a:lt1>
+      <a:dk2>
+        <a:srgbClr val="000000"/>
+      </a:dk2>
+      <a:lt2>
+        <a:srgbClr val="757575"/>
+      </a:lt2>
+      <a:accent1>
+        <a:srgbClr val="01579B"/>
+      </a:accent1>
+      <a:accent2>
+        <a:srgbClr val="27C7BD"/>
+      </a:accent2>
+      <a:accent3>
+        <a:srgbClr val="0099E8"/>
+      </a:accent3>
+      <a:accent4>
+        <a:srgbClr val="51B9A3"/>
+      </a:accent4>
+      <a:accent5>
+        <a:srgbClr val="FB8C00"/>
+      </a:accent5>
+      <a:accent6>
+        <a:srgbClr val="FFAE88"/>
+      </a:accent6>
+      <a:hlink>
+        <a:srgbClr val="0277BD"/>
+      </a:hlink>
+      <a:folHlink>
+        <a:srgbClr val="0277BD"/>
+      </a:folHlink>
+    </a:clrScheme>
+    <a:fontScheme name="Office">
+      <a:majorFont>
+        <a:latin typeface="Arial"/>
+        <a:ea typeface=""/>
+        <a:cs typeface=""/>
+        <a:font script="Jpan" typeface="ＭＳ Ｐゴシック"/>
+        <a:font script="Hang" typeface="맑은 고딕"/>
+        <a:font script="Hans" typeface="宋体"/>
+        <a:font script="Hant" typeface="新細明體"/>
+        <a:font script="Arab" typeface="Times New Roman"/>
+        <a:font script="Hebr" typeface="Times New Roman"/>
+        <a:font script="Thai" typeface="Angsana New"/>
+        <a:font script="Ethi" typeface="Nyala"/>
+        <a:font script="Beng" typeface="Vrinda"/>
+        <a:font script="Gujr" typeface="Shruti"/>
+        <a:font script="Khmr" typeface="MoolBoran"/>
+        <a:font script="Knda" typeface="Tunga"/>
+        <a:font script="Guru" typeface="Raavi"/>
+        <a:font script="Cans" typeface="Euphemia"/>
+        <a:font script="Cher" typeface="Plantagenet Cherokee"/>
+        <a:font script="Yiii" typeface="Microsoft Yi Baiti"/>
+        <a:font script="Tibt" typeface="Microsoft Himalaya"/>
+        <a:font script="Thaa" typeface="MV Boli"/>
+        <a:font script="Deva" typeface="Mangal"/>
+        <a:font script="Telu" typeface="Gautami"/>
+        <a:font script="Taml" typeface="Latha"/>
+        <a:font script="Syrc" typeface="Estrangelo Edessa"/>
+        <a:font script="Orya" typeface="Kalinga"/>
+        <a:font script="Mlym" typeface="Kartika"/>
+        <a:font script="Laoo" typeface="DokChampa"/>
+        <a:font script="Sinh" typeface="Iskoola Pota"/>
+        <a:font script="Mong" typeface="Mongolian Baiti"/>
+        <a:font script="Viet" typeface="Times New Roman"/>
+        <a:font script="Uigh" typeface="Microsoft Uighur"/>
+        <a:font script="Geor" typeface="Sylfaen"/>
+      </a:majorFont>
+      <a:minorFont>
+        <a:latin typeface="Arial"/>
+        <a:ea typeface=""/>
+        <a:cs typeface=""/>
+        <a:font script="Jpan" typeface="ＭＳ Ｐゴシック"/>
+        <a:font script="Hang" typeface="맑은 고딕"/>
+        <a:font script="Hans" typeface="宋体"/>
+        <a:font script="Hant" typeface="新細明體"/>
+        <a:font script="Arab" typeface="Arial"/>
+        <a:font script="Hebr" typeface="Arial"/>
+        <a:font script="Thai" typeface="Cordia New"/>
+        <a:font script="Ethi" typeface="Nyala"/>
+        <a:font script="Beng" typeface="Vrinda"/>
+        <a:font script="Gujr" typeface="Shruti"/>
+        <a:font script="Khmr" typeface="DaunPenh"/>
+        <a:font script="Knda" typeface="Tunga"/>
+        <a:font script="Guru" typeface="Raavi"/>
+        <a:font script="Cans" typeface="Euphemia"/>
+        <a:font script="Cher" typeface="Plantagenet Cherokee"/>
+        <a:font script="Yiii" typeface="Microsoft Yi Baiti"/>
+        <a:font script="Tibt" typeface="Microsoft Himalaya"/>
+        <a:font script="Thaa" typeface="MV Boli"/>
+        <a:font script="Deva" typeface="Mangal"/>
+        <a:font script="Telu" typeface="Gautami"/>
+        <a:font script="Taml" typeface="Latha"/>
+        <a:font script="Syrc" typeface="Estrangelo Edessa"/>
+        <a:font script="Orya" typeface="Kalinga"/>
+        <a:font script="Mlym" typeface="Kartika"/>
+        <a:font script="Laoo" typeface="DokChampa"/>
+        <a:font script="Sinh" typeface="Iskoola Pota"/>
+        <a:font script="Mong" typeface="Mongolian Baiti"/>
+        <a:font script="Viet" typeface="Arial"/>
+        <a:font script="Uigh" typeface="Microsoft Uighur"/>
+        <a:font script="Geor" typeface="Sylfaen"/>
+      </a:minorFont>
+    </a:fontScheme>
+    <a:fmtScheme name="Office">
+      <a:fillStyleLst>
+        <a:solidFill>
+          <a:schemeClr val="phClr"/>
+        </a:solidFill>
+        <a:gradFill rotWithShape="1">
+          <a:gsLst>
+            <a:gs pos="0">
+              <a:schemeClr val="phClr">
+                <a:tint val="50000"/>
+                <a:satMod val="300000"/>
+              </a:schemeClr>
+            </a:gs>
+            <a:gs pos="35000">
+              <a:schemeClr val="phClr">
+                <a:tint val="37000"/>
+                <a:satMod val="300000"/>
+              </a:schemeClr>
+            </a:gs>
+            <a:gs pos="100000">
+              <a:schemeClr val="phClr">
+                <a:tint val="15000"/>
+                <a:satMod val="350000"/>
+              </a:schemeClr>
+            </a:gs>
+          </a:gsLst>
+          <a:lin ang="16200000" scaled="1"/>
+        </a:gradFill>
+        <a:gradFill rotWithShape="1">
+          <a:gsLst>
+            <a:gs pos="0">
+              <a:schemeClr val="phClr">
+                <a:tint val="100000"/>
+                <a:shade val="100000"/>
+                <a:satMod val="130000"/>
+              </a:schemeClr>
+            </a:gs>
+            <a:gs pos="100000">
+              <a:schemeClr val="phClr">
+                <a:tint val="50000"/>
+                <a:shade val="100000"/>
+                <a:satMod val="350000"/>
+              </a:schemeClr>
+            </a:gs>
+          </a:gsLst>
+          <a:lin ang="16200000" scaled="0"/>
+        </a:gradFill>
+      </a:fillStyleLst>
+      <a:lnStyleLst>
+        <a:ln w="9525" cap="flat" cmpd="sng" algn="ctr">
+          <a:solidFill>
+            <a:schemeClr val="phClr">
+              <a:shade val="95000"/>
+              <a:satMod val="105000"/>
+            </a:schemeClr>
+          </a:solidFill>
+          <a:prstDash val="solid"/>
+        </a:ln>
+        <a:ln w="25400" cap="flat" cmpd="sng" algn="ctr">
+          <a:solidFill>
+            <a:schemeClr val="phClr"/>
+          </a:solidFill>
+          <a:prstDash val="solid"/>
+        </a:ln>
+        <a:ln w="38100" cap="flat" cmpd="sng" algn="ctr">
+          <a:solidFill>
+            <a:schemeClr val="phClr"/>
+          </a:solidFill>
+          <a:prstDash val="solid"/>
+        </a:ln>
+      </a:lnStyleLst>
+      <a:effectStyleLst>
+        <a:effectStyle>
+          <a:effectLst>
+            <a:outerShdw blurRad="40000" dist="20000" dir="5400000" rotWithShape="0">
+              <a:srgbClr val="000000">
+                <a:alpha val="38000"/>
+              </a:srgbClr>
+            </a:outerShdw>
+          </a:effectLst>
+        </a:effectStyle>
+        <a:effectStyle>
+          <a:effectLst>
+            <a:outerShdw blurRad="40000" dist="23000" dir="5400000" rotWithShape="0">
+              <a:srgbClr val="000000">
+                <a:alpha val="35000"/>
+              </a:srgbClr>
+            </a:outerShdw>
+          </a:effectLst>
+        </a:effectStyle>
+        <a:effectStyle>
+          <a:effectLst>
+            <a:outerShdw blurRad="40000" dist="23000" dir="5400000" rotWithShape="0">
+              <a:srgbClr val="000000">
+                <a:alpha val="35000"/>
+              </a:srgbClr>
+            </a:outerShdw>
+          </a:effectLst>
+          <a:scene3d>
+            <a:camera prst="orthographicFront">
+              <a:rot lat="0" lon="0" rev="0"/>
+            </a:camera>
+            <a:lightRig rig="threePt" dir="t">
+              <a:rot lat="0" lon="0" rev="1200000"/>
+            </a:lightRig>
+          </a:scene3d>
+          <a:sp3d>
+            <a:bevelT w="63500" h="25400"/>
+          </a:sp3d>
+        </a:effectStyle>
+      </a:effectStyleLst>
+      <a:bgFillStyleLst>
+        <a:solidFill>
+          <a:schemeClr val="phClr"/>
+        </a:solidFill>
+        <a:gradFill rotWithShape="1">
+          <a:gsLst>
+            <a:gs pos="0">
+              <a:schemeClr val="phClr">
+                <a:tint val="40000"/>
+                <a:satMod val="350000"/>
+              </a:schemeClr>
+            </a:gs>
+            <a:gs pos="40000">
+              <a:schemeClr val="phClr">
+                <a:tint val="45000"/>
+                <a:shade val="99000"/>
+                <a:satMod val="350000"/>
+              </a:schemeClr>
+            </a:gs>
+            <a:gs pos="100000">
+              <a:schemeClr val="phClr">
+                <a:shade val="20000"/>
+                <a:satMod val="255000"/>
+              </a:schemeClr>
+            </a:gs>
+          </a:gsLst>
+          <a:path path="circle">
+            <a:fillToRect l="50000" t="-80000" r="50000" b="180000"/>
+          </a:path>
+        </a:gradFill>
+        <a:gradFill rotWithShape="1">
+          <a:gsLst>
+            <a:gs pos="0">
+              <a:schemeClr val="phClr">
+                <a:tint val="80000"/>
+                <a:satMod val="300000"/>
+              </a:schemeClr>
+            </a:gs>
+            <a:gs pos="100000">
+              <a:schemeClr val="phClr">
+                <a:shade val="30000"/>
+                <a:satMod val="200000"/>
+              </a:schemeClr>
+            </a:gs>
+          </a:gsLst>
+          <a:path path="circle">
+            <a:fillToRect l="50000" t="50000" r="50000" b="50000"/>
+          </a:path>
+        </a:gradFill>
+      </a:bgFillStyleLst>
+    </a:fmtScheme>
+  </a:themeElements>
+  <a:objectDefaults/>
+  <a:extraClrSchemeLst/>
+</a:theme>
+</file>
+
+<file path=ppt/theme/theme2.xml><?xml version="1.0" encoding="utf-8"?>
+<a:theme xmlns:a="http://schemas.openxmlformats.org/drawingml/2006/main">
   <a:themeElements>
     <a:clrScheme name="Default">
       <a:dk1>
@@ -10074,284 +11788,7 @@
       </a:bgFillStyleLst>
     </a:fmtScheme>
   </a:themeElements>
-</a:theme>
-</file>
-
-<file path=ppt/theme/theme2.xml><?xml version="1.0" encoding="utf-8"?>
-<a:theme xmlns:a="http://schemas.openxmlformats.org/drawingml/2006/main" xmlns:r="http://schemas.openxmlformats.org/officeDocument/2006/relationships" name="Swiss">
-  <a:themeElements>
-    <a:clrScheme name="Swiss">
-      <a:dk1>
-        <a:srgbClr val="F46524"/>
-      </a:dk1>
-      <a:lt1>
-        <a:srgbClr val="FFFFFF"/>
-      </a:lt1>
-      <a:dk2>
-        <a:srgbClr val="000000"/>
-      </a:dk2>
-      <a:lt2>
-        <a:srgbClr val="757575"/>
-      </a:lt2>
-      <a:accent1>
-        <a:srgbClr val="01579B"/>
-      </a:accent1>
-      <a:accent2>
-        <a:srgbClr val="27C7BD"/>
-      </a:accent2>
-      <a:accent3>
-        <a:srgbClr val="0099E8"/>
-      </a:accent3>
-      <a:accent4>
-        <a:srgbClr val="51B9A3"/>
-      </a:accent4>
-      <a:accent5>
-        <a:srgbClr val="FB8C00"/>
-      </a:accent5>
-      <a:accent6>
-        <a:srgbClr val="FFAE88"/>
-      </a:accent6>
-      <a:hlink>
-        <a:srgbClr val="0277BD"/>
-      </a:hlink>
-      <a:folHlink>
-        <a:srgbClr val="0277BD"/>
-      </a:folHlink>
-    </a:clrScheme>
-    <a:fontScheme name="Office">
-      <a:majorFont>
-        <a:latin typeface="Arial"/>
-        <a:ea typeface=""/>
-        <a:cs typeface=""/>
-        <a:font script="Jpan" typeface="ＭＳ Ｐゴシック"/>
-        <a:font script="Hang" typeface="맑은 고딕"/>
-        <a:font script="Hans" typeface="宋体"/>
-        <a:font script="Hant" typeface="新細明體"/>
-        <a:font script="Arab" typeface="Times New Roman"/>
-        <a:font script="Hebr" typeface="Times New Roman"/>
-        <a:font script="Thai" typeface="Angsana New"/>
-        <a:font script="Ethi" typeface="Nyala"/>
-        <a:font script="Beng" typeface="Vrinda"/>
-        <a:font script="Gujr" typeface="Shruti"/>
-        <a:font script="Khmr" typeface="MoolBoran"/>
-        <a:font script="Knda" typeface="Tunga"/>
-        <a:font script="Guru" typeface="Raavi"/>
-        <a:font script="Cans" typeface="Euphemia"/>
-        <a:font script="Cher" typeface="Plantagenet Cherokee"/>
-        <a:font script="Yiii" typeface="Microsoft Yi Baiti"/>
-        <a:font script="Tibt" typeface="Microsoft Himalaya"/>
-        <a:font script="Thaa" typeface="MV Boli"/>
-        <a:font script="Deva" typeface="Mangal"/>
-        <a:font script="Telu" typeface="Gautami"/>
-        <a:font script="Taml" typeface="Latha"/>
-        <a:font script="Syrc" typeface="Estrangelo Edessa"/>
-        <a:font script="Orya" typeface="Kalinga"/>
-        <a:font script="Mlym" typeface="Kartika"/>
-        <a:font script="Laoo" typeface="DokChampa"/>
-        <a:font script="Sinh" typeface="Iskoola Pota"/>
-        <a:font script="Mong" typeface="Mongolian Baiti"/>
-        <a:font script="Viet" typeface="Times New Roman"/>
-        <a:font script="Uigh" typeface="Microsoft Uighur"/>
-        <a:font script="Geor" typeface="Sylfaen"/>
-      </a:majorFont>
-      <a:minorFont>
-        <a:latin typeface="Arial"/>
-        <a:ea typeface=""/>
-        <a:cs typeface=""/>
-        <a:font script="Jpan" typeface="ＭＳ Ｐゴシック"/>
-        <a:font script="Hang" typeface="맑은 고딕"/>
-        <a:font script="Hans" typeface="宋体"/>
-        <a:font script="Hant" typeface="新細明體"/>
-        <a:font script="Arab" typeface="Arial"/>
-        <a:font script="Hebr" typeface="Arial"/>
-        <a:font script="Thai" typeface="Cordia New"/>
-        <a:font script="Ethi" typeface="Nyala"/>
-        <a:font script="Beng" typeface="Vrinda"/>
-        <a:font script="Gujr" typeface="Shruti"/>
-        <a:font script="Khmr" typeface="DaunPenh"/>
-        <a:font script="Knda" typeface="Tunga"/>
-        <a:font script="Guru" typeface="Raavi"/>
-        <a:font script="Cans" typeface="Euphemia"/>
-        <a:font script="Cher" typeface="Plantagenet Cherokee"/>
-        <a:font script="Yiii" typeface="Microsoft Yi Baiti"/>
-        <a:font script="Tibt" typeface="Microsoft Himalaya"/>
-        <a:font script="Thaa" typeface="MV Boli"/>
-        <a:font script="Deva" typeface="Mangal"/>
-        <a:font script="Telu" typeface="Gautami"/>
-        <a:font script="Taml" typeface="Latha"/>
-        <a:font script="Syrc" typeface="Estrangelo Edessa"/>
-        <a:font script="Orya" typeface="Kalinga"/>
-        <a:font script="Mlym" typeface="Kartika"/>
-        <a:font script="Laoo" typeface="DokChampa"/>
-        <a:font script="Sinh" typeface="Iskoola Pota"/>
-        <a:font script="Mong" typeface="Mongolian Baiti"/>
-        <a:font script="Viet" typeface="Arial"/>
-        <a:font script="Uigh" typeface="Microsoft Uighur"/>
-        <a:font script="Geor" typeface="Sylfaen"/>
-      </a:minorFont>
-    </a:fontScheme>
-    <a:fmtScheme name="Office">
-      <a:fillStyleLst>
-        <a:solidFill>
-          <a:schemeClr val="phClr"/>
-        </a:solidFill>
-        <a:gradFill rotWithShape="1">
-          <a:gsLst>
-            <a:gs pos="0">
-              <a:schemeClr val="phClr">
-                <a:tint val="50000"/>
-                <a:satMod val="300000"/>
-              </a:schemeClr>
-            </a:gs>
-            <a:gs pos="35000">
-              <a:schemeClr val="phClr">
-                <a:tint val="37000"/>
-                <a:satMod val="300000"/>
-              </a:schemeClr>
-            </a:gs>
-            <a:gs pos="100000">
-              <a:schemeClr val="phClr">
-                <a:tint val="15000"/>
-                <a:satMod val="350000"/>
-              </a:schemeClr>
-            </a:gs>
-          </a:gsLst>
-          <a:lin ang="16200000" scaled="1"/>
-        </a:gradFill>
-        <a:gradFill rotWithShape="1">
-          <a:gsLst>
-            <a:gs pos="0">
-              <a:schemeClr val="phClr">
-                <a:tint val="100000"/>
-                <a:shade val="100000"/>
-                <a:satMod val="130000"/>
-              </a:schemeClr>
-            </a:gs>
-            <a:gs pos="100000">
-              <a:schemeClr val="phClr">
-                <a:tint val="50000"/>
-                <a:shade val="100000"/>
-                <a:satMod val="350000"/>
-              </a:schemeClr>
-            </a:gs>
-          </a:gsLst>
-          <a:lin ang="16200000" scaled="0"/>
-        </a:gradFill>
-      </a:fillStyleLst>
-      <a:lnStyleLst>
-        <a:ln w="9525" cap="flat" cmpd="sng" algn="ctr">
-          <a:solidFill>
-            <a:schemeClr val="phClr">
-              <a:shade val="95000"/>
-              <a:satMod val="105000"/>
-            </a:schemeClr>
-          </a:solidFill>
-          <a:prstDash val="solid"/>
-        </a:ln>
-        <a:ln w="25400" cap="flat" cmpd="sng" algn="ctr">
-          <a:solidFill>
-            <a:schemeClr val="phClr"/>
-          </a:solidFill>
-          <a:prstDash val="solid"/>
-        </a:ln>
-        <a:ln w="38100" cap="flat" cmpd="sng" algn="ctr">
-          <a:solidFill>
-            <a:schemeClr val="phClr"/>
-          </a:solidFill>
-          <a:prstDash val="solid"/>
-        </a:ln>
-      </a:lnStyleLst>
-      <a:effectStyleLst>
-        <a:effectStyle>
-          <a:effectLst>
-            <a:outerShdw blurRad="40000" dist="20000" dir="5400000" rotWithShape="0">
-              <a:srgbClr val="000000">
-                <a:alpha val="38000"/>
-              </a:srgbClr>
-            </a:outerShdw>
-          </a:effectLst>
-        </a:effectStyle>
-        <a:effectStyle>
-          <a:effectLst>
-            <a:outerShdw blurRad="40000" dist="23000" dir="5400000" rotWithShape="0">
-              <a:srgbClr val="000000">
-                <a:alpha val="35000"/>
-              </a:srgbClr>
-            </a:outerShdw>
-          </a:effectLst>
-        </a:effectStyle>
-        <a:effectStyle>
-          <a:effectLst>
-            <a:outerShdw blurRad="40000" dist="23000" dir="5400000" rotWithShape="0">
-              <a:srgbClr val="000000">
-                <a:alpha val="35000"/>
-              </a:srgbClr>
-            </a:outerShdw>
-          </a:effectLst>
-          <a:scene3d>
-            <a:camera prst="orthographicFront">
-              <a:rot lat="0" lon="0" rev="0"/>
-            </a:camera>
-            <a:lightRig rig="threePt" dir="t">
-              <a:rot lat="0" lon="0" rev="1200000"/>
-            </a:lightRig>
-          </a:scene3d>
-          <a:sp3d>
-            <a:bevelT w="63500" h="25400"/>
-          </a:sp3d>
-        </a:effectStyle>
-      </a:effectStyleLst>
-      <a:bgFillStyleLst>
-        <a:solidFill>
-          <a:schemeClr val="phClr"/>
-        </a:solidFill>
-        <a:gradFill rotWithShape="1">
-          <a:gsLst>
-            <a:gs pos="0">
-              <a:schemeClr val="phClr">
-                <a:tint val="40000"/>
-                <a:satMod val="350000"/>
-              </a:schemeClr>
-            </a:gs>
-            <a:gs pos="40000">
-              <a:schemeClr val="phClr">
-                <a:tint val="45000"/>
-                <a:shade val="99000"/>
-                <a:satMod val="350000"/>
-              </a:schemeClr>
-            </a:gs>
-            <a:gs pos="100000">
-              <a:schemeClr val="phClr">
-                <a:shade val="20000"/>
-                <a:satMod val="255000"/>
-              </a:schemeClr>
-            </a:gs>
-          </a:gsLst>
-          <a:path path="circle">
-            <a:fillToRect l="50000" t="-80000" r="50000" b="180000"/>
-          </a:path>
-        </a:gradFill>
-        <a:gradFill rotWithShape="1">
-          <a:gsLst>
-            <a:gs pos="0">
-              <a:schemeClr val="phClr">
-                <a:tint val="80000"/>
-                <a:satMod val="300000"/>
-              </a:schemeClr>
-            </a:gs>
-            <a:gs pos="100000">
-              <a:schemeClr val="phClr">
-                <a:shade val="30000"/>
-                <a:satMod val="200000"/>
-              </a:schemeClr>
-            </a:gs>
-          </a:gsLst>
-          <a:path path="circle">
-            <a:fillToRect l="50000" t="50000" r="50000" b="50000"/>
-          </a:path>
-        </a:gradFill>
-      </a:bgFillStyleLst>
-    </a:fmtScheme>
-  </a:themeElements>
+  <a:objectDefaults/>
+  <a:extraClrSchemeLst/>
 </a:theme>
 </file>